--- a/Slides/Baseball 6/Baseball_6_Lecture.pptx
+++ b/Slides/Baseball 6/Baseball_6_Lecture.pptx
@@ -5,7 +5,7 @@
     <p:sldMasterId id="2147483648" r:id="rId1"/>
   </p:sldMasterIdLst>
   <p:notesMasterIdLst>
-    <p:notesMasterId r:id="rId22"/>
+    <p:notesMasterId r:id="rId21"/>
   </p:notesMasterIdLst>
   <p:sldIdLst>
     <p:sldId id="298" r:id="rId2"/>
@@ -17,17 +17,16 @@
     <p:sldId id="337" r:id="rId8"/>
     <p:sldId id="338" r:id="rId9"/>
     <p:sldId id="339" r:id="rId10"/>
-    <p:sldId id="340" r:id="rId11"/>
-    <p:sldId id="341" r:id="rId12"/>
-    <p:sldId id="342" r:id="rId13"/>
-    <p:sldId id="343" r:id="rId14"/>
-    <p:sldId id="344" r:id="rId15"/>
-    <p:sldId id="345" r:id="rId16"/>
-    <p:sldId id="346" r:id="rId17"/>
-    <p:sldId id="347" r:id="rId18"/>
-    <p:sldId id="348" r:id="rId19"/>
-    <p:sldId id="349" r:id="rId20"/>
-    <p:sldId id="281" r:id="rId21"/>
+    <p:sldId id="341" r:id="rId11"/>
+    <p:sldId id="342" r:id="rId12"/>
+    <p:sldId id="343" r:id="rId13"/>
+    <p:sldId id="344" r:id="rId14"/>
+    <p:sldId id="345" r:id="rId15"/>
+    <p:sldId id="346" r:id="rId16"/>
+    <p:sldId id="347" r:id="rId17"/>
+    <p:sldId id="348" r:id="rId18"/>
+    <p:sldId id="349" r:id="rId19"/>
+    <p:sldId id="281" r:id="rId20"/>
   </p:sldIdLst>
   <p:sldSz cx="12192000" cy="6858000"/>
   <p:notesSz cx="6858000" cy="9144000"/>
@@ -216,7 +215,7 @@
           <a:p>
             <a:fld id="{C04E5E84-956F-4423-97B3-5936A6D8EEEE}" type="datetimeFigureOut">
               <a:rPr lang="en-US" smtClean="0"/>
-              <a:t>9/17/2019</a:t>
+              <a:t>9/14/2020</a:t>
             </a:fld>
             <a:endParaRPr lang="en-US"/>
           </a:p>
@@ -630,7 +629,7 @@
           <a:p>
             <a:fld id="{3881C039-66A3-4640-815B-3B5A8B7D868D}" type="datetimeFigureOut">
               <a:rPr lang="en-US" smtClean="0"/>
-              <a:t>9/17/2019</a:t>
+              <a:t>9/14/2020</a:t>
             </a:fld>
             <a:endParaRPr lang="en-US"/>
           </a:p>
@@ -828,7 +827,7 @@
           <a:p>
             <a:fld id="{3881C039-66A3-4640-815B-3B5A8B7D868D}" type="datetimeFigureOut">
               <a:rPr lang="en-US" smtClean="0"/>
-              <a:t>9/17/2019</a:t>
+              <a:t>9/14/2020</a:t>
             </a:fld>
             <a:endParaRPr lang="en-US"/>
           </a:p>
@@ -1036,7 +1035,7 @@
           <a:p>
             <a:fld id="{3881C039-66A3-4640-815B-3B5A8B7D868D}" type="datetimeFigureOut">
               <a:rPr lang="en-US" smtClean="0"/>
-              <a:t>9/17/2019</a:t>
+              <a:t>9/14/2020</a:t>
             </a:fld>
             <a:endParaRPr lang="en-US"/>
           </a:p>
@@ -1234,7 +1233,7 @@
           <a:p>
             <a:fld id="{3881C039-66A3-4640-815B-3B5A8B7D868D}" type="datetimeFigureOut">
               <a:rPr lang="en-US" smtClean="0"/>
-              <a:t>9/17/2019</a:t>
+              <a:t>9/14/2020</a:t>
             </a:fld>
             <a:endParaRPr lang="en-US"/>
           </a:p>
@@ -1509,7 +1508,7 @@
           <a:p>
             <a:fld id="{3881C039-66A3-4640-815B-3B5A8B7D868D}" type="datetimeFigureOut">
               <a:rPr lang="en-US" smtClean="0"/>
-              <a:t>9/17/2019</a:t>
+              <a:t>9/14/2020</a:t>
             </a:fld>
             <a:endParaRPr lang="en-US"/>
           </a:p>
@@ -1774,7 +1773,7 @@
           <a:p>
             <a:fld id="{3881C039-66A3-4640-815B-3B5A8B7D868D}" type="datetimeFigureOut">
               <a:rPr lang="en-US" smtClean="0"/>
-              <a:t>9/17/2019</a:t>
+              <a:t>9/14/2020</a:t>
             </a:fld>
             <a:endParaRPr lang="en-US"/>
           </a:p>
@@ -2186,7 +2185,7 @@
           <a:p>
             <a:fld id="{3881C039-66A3-4640-815B-3B5A8B7D868D}" type="datetimeFigureOut">
               <a:rPr lang="en-US" smtClean="0"/>
-              <a:t>9/17/2019</a:t>
+              <a:t>9/14/2020</a:t>
             </a:fld>
             <a:endParaRPr lang="en-US"/>
           </a:p>
@@ -2327,7 +2326,7 @@
           <a:p>
             <a:fld id="{3881C039-66A3-4640-815B-3B5A8B7D868D}" type="datetimeFigureOut">
               <a:rPr lang="en-US" smtClean="0"/>
-              <a:t>9/17/2019</a:t>
+              <a:t>9/14/2020</a:t>
             </a:fld>
             <a:endParaRPr lang="en-US"/>
           </a:p>
@@ -2440,7 +2439,7 @@
           <a:p>
             <a:fld id="{3881C039-66A3-4640-815B-3B5A8B7D868D}" type="datetimeFigureOut">
               <a:rPr lang="en-US" smtClean="0"/>
-              <a:t>9/17/2019</a:t>
+              <a:t>9/14/2020</a:t>
             </a:fld>
             <a:endParaRPr lang="en-US"/>
           </a:p>
@@ -2751,7 +2750,7 @@
           <a:p>
             <a:fld id="{3881C039-66A3-4640-815B-3B5A8B7D868D}" type="datetimeFigureOut">
               <a:rPr lang="en-US" smtClean="0"/>
-              <a:t>9/17/2019</a:t>
+              <a:t>9/14/2020</a:t>
             </a:fld>
             <a:endParaRPr lang="en-US"/>
           </a:p>
@@ -3039,7 +3038,7 @@
           <a:p>
             <a:fld id="{3881C039-66A3-4640-815B-3B5A8B7D868D}" type="datetimeFigureOut">
               <a:rPr lang="en-US" smtClean="0"/>
-              <a:t>9/17/2019</a:t>
+              <a:t>9/14/2020</a:t>
             </a:fld>
             <a:endParaRPr lang="en-US"/>
           </a:p>
@@ -3283,7 +3282,7 @@
           <a:p>
             <a:fld id="{3881C039-66A3-4640-815B-3B5A8B7D868D}" type="datetimeFigureOut">
               <a:rPr lang="en-US" smtClean="0"/>
-              <a:t>9/17/2019</a:t>
+              <a:t>9/14/2020</a:t>
             </a:fld>
             <a:endParaRPr lang="en-US"/>
           </a:p>
@@ -4040,7 +4039,7 @@
         </p:nvSpPr>
         <p:spPr>
           <a:xfrm>
-            <a:off x="-9962" y="-52157"/>
+            <a:off x="-3" y="-52157"/>
             <a:ext cx="12192000" cy="6910157"/>
           </a:xfrm>
           <a:prstGeom prst="rect">
@@ -4394,603 +4393,6 @@
         <p:spPr>
           <a:xfrm>
             <a:off x="3080081" y="1520792"/>
-            <a:ext cx="8954694" cy="4216539"/>
-          </a:xfrm>
-          <a:prstGeom prst="rect">
-            <a:avLst/>
-          </a:prstGeom>
-          <a:noFill/>
-        </p:spPr>
-        <p:txBody>
-          <a:bodyPr wrap="square" rtlCol="0">
-            <a:spAutoFit/>
-          </a:bodyPr>
-          <a:lstStyle/>
-          <a:p>
-            <a:pPr marL="342900" indent="-342900">
-              <a:buFont typeface="Arial" panose="020B0604020202020204" pitchFamily="34" charset="0"/>
-              <a:buChar char="•"/>
-            </a:pPr>
-            <a:r>
-              <a:rPr lang="en-US" sz="2400" dirty="0">
-                <a:solidFill>
-                  <a:schemeClr val="bg1"/>
-                </a:solidFill>
-                <a:latin typeface="Selawik Semibold" panose="020B0702040204020203" pitchFamily="34" charset="0"/>
-              </a:rPr>
-              <a:t>Winning Probabilities for All Game Scenarios</a:t>
-            </a:r>
-          </a:p>
-          <a:p>
-            <a:pPr marL="800100" lvl="1" indent="-342900">
-              <a:buFont typeface="Arial" panose="020B0604020202020204" pitchFamily="34" charset="0"/>
-              <a:buChar char="•"/>
-            </a:pPr>
-            <a:r>
-              <a:rPr lang="en-US" sz="2000" dirty="0">
-                <a:solidFill>
-                  <a:schemeClr val="bg1"/>
-                </a:solidFill>
-                <a:latin typeface="Selawik Semibold" panose="020B0702040204020203" pitchFamily="34" charset="0"/>
-              </a:rPr>
-              <a:t>Recall: p = Probability My Team Wins (%)</a:t>
-            </a:r>
-          </a:p>
-          <a:p>
-            <a:pPr marL="800100" lvl="1" indent="-342900">
-              <a:buFont typeface="Arial" panose="020B0604020202020204" pitchFamily="34" charset="0"/>
-              <a:buChar char="•"/>
-            </a:pPr>
-            <a:r>
-              <a:rPr lang="en-US" sz="2000" dirty="0">
-                <a:solidFill>
-                  <a:schemeClr val="bg1"/>
-                </a:solidFill>
-                <a:latin typeface="Selawik Semibold" panose="020B0702040204020203" pitchFamily="34" charset="0"/>
-              </a:rPr>
-              <a:t>How is this Probability Calculated?</a:t>
-            </a:r>
-          </a:p>
-          <a:p>
-            <a:pPr marL="800100" lvl="1" indent="-342900">
-              <a:buFont typeface="Arial" panose="020B0604020202020204" pitchFamily="34" charset="0"/>
-              <a:buChar char="•"/>
-            </a:pPr>
-            <a:r>
-              <a:rPr lang="en-US" sz="2000" dirty="0">
-                <a:solidFill>
-                  <a:schemeClr val="bg1"/>
-                </a:solidFill>
-                <a:latin typeface="Selawik Semibold" panose="020B0702040204020203" pitchFamily="34" charset="0"/>
-              </a:rPr>
-              <a:t>We Can Use a Massive Set of Play-by-Play Data (1977-2006)</a:t>
-            </a:r>
-          </a:p>
-          <a:p>
-            <a:pPr marL="800100" lvl="1" indent="-342900">
-              <a:buFont typeface="Arial" panose="020B0604020202020204" pitchFamily="34" charset="0"/>
-              <a:buChar char="•"/>
-            </a:pPr>
-            <a:r>
-              <a:rPr lang="en-US" sz="2000" dirty="0">
-                <a:solidFill>
-                  <a:schemeClr val="bg1"/>
-                </a:solidFill>
-                <a:latin typeface="Selawik Semibold" panose="020B0702040204020203" pitchFamily="34" charset="0"/>
-              </a:rPr>
-              <a:t>Scenarios Based on Inning, Score, Runner Locations, and Outs</a:t>
-            </a:r>
-          </a:p>
-          <a:p>
-            <a:pPr marL="800100" lvl="1" indent="-342900">
-              <a:buFont typeface="Arial" panose="020B0604020202020204" pitchFamily="34" charset="0"/>
-              <a:buChar char="•"/>
-            </a:pPr>
-            <a:r>
-              <a:rPr lang="en-US" sz="2000" dirty="0">
-                <a:solidFill>
-                  <a:schemeClr val="bg1"/>
-                </a:solidFill>
-                <a:latin typeface="Selawik Semibold" panose="020B0702040204020203" pitchFamily="34" charset="0"/>
-              </a:rPr>
-              <a:t>Problem Some Scenarios Are Rare</a:t>
-            </a:r>
-          </a:p>
-          <a:p>
-            <a:pPr marL="800100" lvl="1" indent="-342900">
-              <a:buFont typeface="Arial" panose="020B0604020202020204" pitchFamily="34" charset="0"/>
-              <a:buChar char="•"/>
-            </a:pPr>
-            <a:r>
-              <a:rPr lang="en-US" sz="2000" dirty="0">
-                <a:solidFill>
-                  <a:schemeClr val="bg1"/>
-                </a:solidFill>
-                <a:latin typeface="Selawik Semibold" panose="020B0702040204020203" pitchFamily="34" charset="0"/>
-              </a:rPr>
-              <a:t>Advised to Use Markov Chain Monte Carlo (MCMC)</a:t>
-            </a:r>
-          </a:p>
-          <a:p>
-            <a:pPr marL="800100" lvl="1" indent="-342900">
-              <a:buFont typeface="Arial" panose="020B0604020202020204" pitchFamily="34" charset="0"/>
-              <a:buChar char="•"/>
-            </a:pPr>
-            <a:endParaRPr lang="en-US" sz="2000" dirty="0">
-              <a:solidFill>
-                <a:schemeClr val="bg1"/>
-              </a:solidFill>
-              <a:latin typeface="Selawik Semibold" panose="020B0702040204020203" pitchFamily="34" charset="0"/>
-            </a:endParaRPr>
-          </a:p>
-          <a:p>
-            <a:pPr marL="1257300" lvl="2" indent="-342900">
-              <a:buFont typeface="Arial" panose="020B0604020202020204" pitchFamily="34" charset="0"/>
-              <a:buChar char="•"/>
-            </a:pPr>
-            <a:endParaRPr lang="en-US" sz="2400" dirty="0">
-              <a:solidFill>
-                <a:schemeClr val="bg1"/>
-              </a:solidFill>
-              <a:latin typeface="Selawik Semibold" panose="020B0702040204020203" pitchFamily="34" charset="0"/>
-            </a:endParaRPr>
-          </a:p>
-          <a:p>
-            <a:pPr marL="800100" lvl="1" indent="-342900">
-              <a:buFont typeface="Arial" panose="020B0604020202020204" pitchFamily="34" charset="0"/>
-              <a:buChar char="•"/>
-            </a:pPr>
-            <a:endParaRPr lang="en-US" sz="2000" dirty="0">
-              <a:solidFill>
-                <a:schemeClr val="bg1"/>
-              </a:solidFill>
-              <a:latin typeface="Selawik Semibold" panose="020B0702040204020203" pitchFamily="34" charset="0"/>
-            </a:endParaRPr>
-          </a:p>
-          <a:p>
-            <a:pPr marL="800100" lvl="1" indent="-342900">
-              <a:buFont typeface="Arial" panose="020B0604020202020204" pitchFamily="34" charset="0"/>
-              <a:buChar char="•"/>
-            </a:pPr>
-            <a:endParaRPr lang="en-US" sz="2000" dirty="0">
-              <a:solidFill>
-                <a:schemeClr val="bg1"/>
-              </a:solidFill>
-              <a:latin typeface="Selawik Semibold" panose="020B0702040204020203" pitchFamily="34" charset="0"/>
-            </a:endParaRPr>
-          </a:p>
-          <a:p>
-            <a:pPr marL="800100" lvl="1" indent="-342900">
-              <a:buFont typeface="Arial" panose="020B0604020202020204" pitchFamily="34" charset="0"/>
-              <a:buChar char="•"/>
-            </a:pPr>
-            <a:endParaRPr lang="en-US" sz="2000" dirty="0">
-              <a:solidFill>
-                <a:schemeClr val="bg1"/>
-              </a:solidFill>
-              <a:latin typeface="Selawik Semibold" panose="020B0702040204020203" pitchFamily="34" charset="0"/>
-            </a:endParaRPr>
-          </a:p>
-          <a:p>
-            <a:pPr marL="800100" lvl="1" indent="-342900">
-              <a:buFont typeface="Arial" panose="020B0604020202020204" pitchFamily="34" charset="0"/>
-              <a:buChar char="•"/>
-            </a:pPr>
-            <a:endParaRPr lang="en-US" sz="2000" dirty="0">
-              <a:solidFill>
-                <a:schemeClr val="bg1"/>
-              </a:solidFill>
-              <a:latin typeface="Selawik Semibold" panose="020B0702040204020203" pitchFamily="34" charset="0"/>
-            </a:endParaRPr>
-          </a:p>
-        </p:txBody>
-      </p:sp>
-    </p:spTree>
-    <p:extLst>
-      <p:ext uri="{BB962C8B-B14F-4D97-AF65-F5344CB8AC3E}">
-        <p14:creationId xmlns:p14="http://schemas.microsoft.com/office/powerpoint/2010/main" val="322391269"/>
-      </p:ext>
-    </p:extLst>
-  </p:cSld>
-  <p:clrMapOvr>
-    <a:masterClrMapping/>
-  </p:clrMapOvr>
-</p:sld>
-</file>
-
-<file path=ppt/slides/slide11.xml><?xml version="1.0" encoding="utf-8"?>
-<p:sld xmlns:a="http://schemas.openxmlformats.org/drawingml/2006/main" xmlns:r="http://schemas.openxmlformats.org/officeDocument/2006/relationships" xmlns:p="http://schemas.openxmlformats.org/presentationml/2006/main">
-  <p:cSld>
-    <p:bg>
-      <p:bgPr>
-        <a:solidFill>
-          <a:schemeClr val="bg1"/>
-        </a:solidFill>
-        <a:effectLst/>
-      </p:bgPr>
-    </p:bg>
-    <p:spTree>
-      <p:nvGrpSpPr>
-        <p:cNvPr id="1" name=""/>
-        <p:cNvGrpSpPr/>
-        <p:nvPr/>
-      </p:nvGrpSpPr>
-      <p:grpSpPr>
-        <a:xfrm>
-          <a:off x="0" y="0"/>
-          <a:ext cx="0" cy="0"/>
-          <a:chOff x="0" y="0"/>
-          <a:chExt cx="0" cy="0"/>
-        </a:xfrm>
-      </p:grpSpPr>
-      <p:sp>
-        <p:nvSpPr>
-          <p:cNvPr id="17" name="Rectangle 16">
-            <a:extLst>
-              <a:ext uri="{FF2B5EF4-FFF2-40B4-BE49-F238E27FC236}">
-                <a16:creationId xmlns:a16="http://schemas.microsoft.com/office/drawing/2014/main" id="{0A8FE870-A334-4DE1-84A7-AB191ED10D63}"/>
-              </a:ext>
-            </a:extLst>
-          </p:cNvPr>
-          <p:cNvSpPr/>
-          <p:nvPr/>
-        </p:nvSpPr>
-        <p:spPr>
-          <a:xfrm>
-            <a:off x="-3" y="-52157"/>
-            <a:ext cx="12192000" cy="6910157"/>
-          </a:xfrm>
-          <a:prstGeom prst="rect">
-            <a:avLst/>
-          </a:prstGeom>
-          <a:solidFill>
-            <a:srgbClr val="395583"/>
-          </a:solidFill>
-        </p:spPr>
-        <p:style>
-          <a:lnRef idx="2">
-            <a:schemeClr val="accent1">
-              <a:shade val="50000"/>
-            </a:schemeClr>
-          </a:lnRef>
-          <a:fillRef idx="1">
-            <a:schemeClr val="accent1"/>
-          </a:fillRef>
-          <a:effectRef idx="0">
-            <a:schemeClr val="accent1"/>
-          </a:effectRef>
-          <a:fontRef idx="minor">
-            <a:schemeClr val="lt1"/>
-          </a:fontRef>
-        </p:style>
-        <p:txBody>
-          <a:bodyPr rtlCol="0" anchor="ctr"/>
-          <a:lstStyle/>
-          <a:p>
-            <a:pPr algn="ctr"/>
-            <a:endParaRPr lang="en-US"/>
-          </a:p>
-        </p:txBody>
-      </p:sp>
-      <p:pic>
-        <p:nvPicPr>
-          <p:cNvPr id="8" name="Picture 7" descr="A close up of a toy&#10;&#10;Description automatically generated">
-            <a:extLst>
-              <a:ext uri="{FF2B5EF4-FFF2-40B4-BE49-F238E27FC236}">
-                <a16:creationId xmlns:a16="http://schemas.microsoft.com/office/drawing/2014/main" id="{131D5527-B848-4F84-9601-62DB93565332}"/>
-              </a:ext>
-            </a:extLst>
-          </p:cNvPr>
-          <p:cNvPicPr>
-            <a:picLocks noChangeAspect="1"/>
-          </p:cNvPicPr>
-          <p:nvPr/>
-        </p:nvPicPr>
-        <p:blipFill rotWithShape="1">
-          <a:blip r:embed="rId2">
-            <a:extLst>
-              <a:ext uri="{28A0092B-C50C-407E-A947-70E740481C1C}">
-                <a14:useLocalDpi xmlns:a14="http://schemas.microsoft.com/office/drawing/2010/main" val="0"/>
-              </a:ext>
-            </a:extLst>
-          </a:blip>
-          <a:srcRect l="6238" r="10796"/>
-          <a:stretch/>
-        </p:blipFill>
-        <p:spPr>
-          <a:xfrm>
-            <a:off x="0" y="-52157"/>
-            <a:ext cx="2684015" cy="3969421"/>
-          </a:xfrm>
-          <a:prstGeom prst="rect">
-            <a:avLst/>
-          </a:prstGeom>
-        </p:spPr>
-      </p:pic>
-      <p:sp>
-        <p:nvSpPr>
-          <p:cNvPr id="33" name="Rectangle 32">
-            <a:extLst>
-              <a:ext uri="{FF2B5EF4-FFF2-40B4-BE49-F238E27FC236}">
-                <a16:creationId xmlns:a16="http://schemas.microsoft.com/office/drawing/2014/main" id="{6F93929A-DE1C-47C4-AF97-F99DB104E96F}"/>
-              </a:ext>
-            </a:extLst>
-          </p:cNvPr>
-          <p:cNvSpPr/>
-          <p:nvPr/>
-        </p:nvSpPr>
-        <p:spPr>
-          <a:xfrm rot="16200000">
-            <a:off x="782431" y="1849427"/>
-            <a:ext cx="3969421" cy="166254"/>
-          </a:xfrm>
-          <a:prstGeom prst="rect">
-            <a:avLst/>
-          </a:prstGeom>
-          <a:solidFill>
-            <a:schemeClr val="tx1"/>
-          </a:solidFill>
-          <a:ln>
-            <a:noFill/>
-          </a:ln>
-        </p:spPr>
-        <p:style>
-          <a:lnRef idx="2">
-            <a:schemeClr val="accent1">
-              <a:shade val="50000"/>
-            </a:schemeClr>
-          </a:lnRef>
-          <a:fillRef idx="1">
-            <a:schemeClr val="accent1"/>
-          </a:fillRef>
-          <a:effectRef idx="0">
-            <a:schemeClr val="accent1"/>
-          </a:effectRef>
-          <a:fontRef idx="minor">
-            <a:schemeClr val="lt1"/>
-          </a:fontRef>
-        </p:style>
-        <p:txBody>
-          <a:bodyPr rtlCol="0" anchor="ctr"/>
-          <a:lstStyle/>
-          <a:p>
-            <a:pPr algn="ctr"/>
-            <a:endParaRPr lang="en-US" dirty="0">
-              <a:solidFill>
-                <a:srgbClr val="DB5B5C"/>
-              </a:solidFill>
-            </a:endParaRPr>
-          </a:p>
-        </p:txBody>
-      </p:sp>
-      <p:sp>
-        <p:nvSpPr>
-          <p:cNvPr id="35" name="Rectangle 34">
-            <a:extLst>
-              <a:ext uri="{FF2B5EF4-FFF2-40B4-BE49-F238E27FC236}">
-                <a16:creationId xmlns:a16="http://schemas.microsoft.com/office/drawing/2014/main" id="{259A39E4-556F-4581-82A2-C6B68A8147A4}"/>
-              </a:ext>
-            </a:extLst>
-          </p:cNvPr>
-          <p:cNvSpPr/>
-          <p:nvPr/>
-        </p:nvSpPr>
-        <p:spPr>
-          <a:xfrm rot="10800000">
-            <a:off x="-2" y="3756674"/>
-            <a:ext cx="2850269" cy="3101326"/>
-          </a:xfrm>
-          <a:prstGeom prst="rect">
-            <a:avLst/>
-          </a:prstGeom>
-          <a:solidFill>
-            <a:schemeClr val="tx1"/>
-          </a:solidFill>
-          <a:ln>
-            <a:noFill/>
-          </a:ln>
-        </p:spPr>
-        <p:style>
-          <a:lnRef idx="2">
-            <a:schemeClr val="accent1">
-              <a:shade val="50000"/>
-            </a:schemeClr>
-          </a:lnRef>
-          <a:fillRef idx="1">
-            <a:schemeClr val="accent1"/>
-          </a:fillRef>
-          <a:effectRef idx="0">
-            <a:schemeClr val="accent1"/>
-          </a:effectRef>
-          <a:fontRef idx="minor">
-            <a:schemeClr val="lt1"/>
-          </a:fontRef>
-        </p:style>
-        <p:txBody>
-          <a:bodyPr rtlCol="0" anchor="ctr"/>
-          <a:lstStyle/>
-          <a:p>
-            <a:pPr algn="ctr"/>
-            <a:endParaRPr lang="en-US" dirty="0">
-              <a:solidFill>
-                <a:srgbClr val="DB5B5C"/>
-              </a:solidFill>
-            </a:endParaRPr>
-          </a:p>
-        </p:txBody>
-      </p:sp>
-      <p:sp>
-        <p:nvSpPr>
-          <p:cNvPr id="23" name="Subtitle 22">
-            <a:extLst>
-              <a:ext uri="{FF2B5EF4-FFF2-40B4-BE49-F238E27FC236}">
-                <a16:creationId xmlns:a16="http://schemas.microsoft.com/office/drawing/2014/main" id="{1E5D6413-9C6F-483D-BE52-F3BBB1E74630}"/>
-              </a:ext>
-            </a:extLst>
-          </p:cNvPr>
-          <p:cNvSpPr>
-            <a:spLocks noGrp="1"/>
-          </p:cNvSpPr>
-          <p:nvPr>
-            <p:ph type="subTitle" idx="1"/>
-          </p:nvPr>
-        </p:nvSpPr>
-        <p:spPr>
-          <a:xfrm>
-            <a:off x="3007491" y="137620"/>
-            <a:ext cx="9341732" cy="1684867"/>
-          </a:xfrm>
-        </p:spPr>
-        <p:txBody>
-          <a:bodyPr>
-            <a:normAutofit/>
-          </a:bodyPr>
-          <a:lstStyle/>
-          <a:p>
-            <a:pPr algn="l"/>
-            <a:r>
-              <a:rPr lang="en-US" sz="4400" dirty="0">
-                <a:solidFill>
-                  <a:schemeClr val="bg1"/>
-                </a:solidFill>
-                <a:latin typeface="Selawik Semibold" panose="020B0702040204020203" pitchFamily="34" charset="0"/>
-              </a:rPr>
-              <a:t>Value of Replacement Players</a:t>
-            </a:r>
-          </a:p>
-        </p:txBody>
-      </p:sp>
-      <p:pic>
-        <p:nvPicPr>
-          <p:cNvPr id="16" name="Picture 15" descr="A close up of a toy&#10;&#10;Description automatically generated">
-            <a:extLst>
-              <a:ext uri="{FF2B5EF4-FFF2-40B4-BE49-F238E27FC236}">
-                <a16:creationId xmlns:a16="http://schemas.microsoft.com/office/drawing/2014/main" id="{94C75949-F15C-4E05-810D-EF40FCE89107}"/>
-              </a:ext>
-            </a:extLst>
-          </p:cNvPr>
-          <p:cNvPicPr>
-            <a:picLocks noChangeAspect="1"/>
-          </p:cNvPicPr>
-          <p:nvPr/>
-        </p:nvPicPr>
-        <p:blipFill>
-          <a:blip r:embed="rId3">
-            <a:extLst>
-              <a:ext uri="{28A0092B-C50C-407E-A947-70E740481C1C}">
-                <a14:useLocalDpi xmlns:a14="http://schemas.microsoft.com/office/drawing/2010/main" val="0"/>
-              </a:ext>
-            </a:extLst>
-          </a:blip>
-          <a:stretch>
-            <a:fillRect/>
-          </a:stretch>
-        </p:blipFill>
-        <p:spPr>
-          <a:xfrm>
-            <a:off x="417789" y="4380288"/>
-            <a:ext cx="2014687" cy="2014687"/>
-          </a:xfrm>
-          <a:prstGeom prst="ellipse">
-            <a:avLst/>
-          </a:prstGeom>
-          <a:ln w="63500" cap="rnd">
-            <a:solidFill>
-              <a:srgbClr val="333333"/>
-            </a:solidFill>
-          </a:ln>
-          <a:effectLst>
-            <a:outerShdw blurRad="381000" dist="292100" dir="5400000" sx="-80000" sy="-18000" rotWithShape="0">
-              <a:srgbClr val="000000">
-                <a:alpha val="22000"/>
-              </a:srgbClr>
-            </a:outerShdw>
-          </a:effectLst>
-          <a:scene3d>
-            <a:camera prst="orthographicFront"/>
-            <a:lightRig rig="contrasting" dir="t">
-              <a:rot lat="0" lon="0" rev="3000000"/>
-            </a:lightRig>
-          </a:scene3d>
-          <a:sp3d contourW="7620">
-            <a:bevelT w="95250" h="31750"/>
-            <a:contourClr>
-              <a:srgbClr val="333333"/>
-            </a:contourClr>
-          </a:sp3d>
-        </p:spPr>
-      </p:pic>
-      <p:sp>
-        <p:nvSpPr>
-          <p:cNvPr id="38" name="Rectangle 37">
-            <a:extLst>
-              <a:ext uri="{FF2B5EF4-FFF2-40B4-BE49-F238E27FC236}">
-                <a16:creationId xmlns:a16="http://schemas.microsoft.com/office/drawing/2014/main" id="{28B1909D-4141-4FB1-8633-83F335349C97}"/>
-              </a:ext>
-            </a:extLst>
-          </p:cNvPr>
-          <p:cNvSpPr/>
-          <p:nvPr/>
-        </p:nvSpPr>
-        <p:spPr>
-          <a:xfrm rot="10800000">
-            <a:off x="3007493" y="844062"/>
-            <a:ext cx="9027282" cy="137067"/>
-          </a:xfrm>
-          <a:prstGeom prst="rect">
-            <a:avLst/>
-          </a:prstGeom>
-          <a:solidFill>
-            <a:schemeClr val="tx1"/>
-          </a:solidFill>
-          <a:ln>
-            <a:noFill/>
-          </a:ln>
-        </p:spPr>
-        <p:style>
-          <a:lnRef idx="2">
-            <a:schemeClr val="accent1">
-              <a:shade val="50000"/>
-            </a:schemeClr>
-          </a:lnRef>
-          <a:fillRef idx="1">
-            <a:schemeClr val="accent1"/>
-          </a:fillRef>
-          <a:effectRef idx="0">
-            <a:schemeClr val="accent1"/>
-          </a:effectRef>
-          <a:fontRef idx="minor">
-            <a:schemeClr val="lt1"/>
-          </a:fontRef>
-        </p:style>
-        <p:txBody>
-          <a:bodyPr rtlCol="0" anchor="ctr"/>
-          <a:lstStyle/>
-          <a:p>
-            <a:pPr algn="ctr"/>
-            <a:endParaRPr lang="en-US" dirty="0">
-              <a:solidFill>
-                <a:srgbClr val="DB5B5C"/>
-              </a:solidFill>
-            </a:endParaRPr>
-          </a:p>
-        </p:txBody>
-      </p:sp>
-      <p:sp>
-        <p:nvSpPr>
-          <p:cNvPr id="10" name="TextBox 9">
-            <a:extLst>
-              <a:ext uri="{FF2B5EF4-FFF2-40B4-BE49-F238E27FC236}">
-                <a16:creationId xmlns:a16="http://schemas.microsoft.com/office/drawing/2014/main" id="{8A07C2CC-416F-4D29-84CF-D1F8B766EE5F}"/>
-              </a:ext>
-            </a:extLst>
-          </p:cNvPr>
-          <p:cNvSpPr txBox="1"/>
-          <p:nvPr/>
-        </p:nvSpPr>
-        <p:spPr>
-          <a:xfrm>
-            <a:off x="3080081" y="1520792"/>
             <a:ext cx="8694130" cy="4524315"/>
           </a:xfrm>
           <a:prstGeom prst="rect">
@@ -5234,7 +4636,7 @@
 </p:sld>
 </file>
 
-<file path=ppt/slides/slide12.xml><?xml version="1.0" encoding="utf-8"?>
+<file path=ppt/slides/slide11.xml><?xml version="1.0" encoding="utf-8"?>
 <p:sld xmlns:a="http://schemas.openxmlformats.org/drawingml/2006/main" xmlns:r="http://schemas.openxmlformats.org/officeDocument/2006/relationships" xmlns:p="http://schemas.openxmlformats.org/presentationml/2006/main">
   <p:cSld>
     <p:bg>
@@ -6535,7 +5937,7 @@
 </p:sld>
 </file>
 
-<file path=ppt/slides/slide13.xml><?xml version="1.0" encoding="utf-8"?>
+<file path=ppt/slides/slide12.xml><?xml version="1.0" encoding="utf-8"?>
 <p:sld xmlns:a="http://schemas.openxmlformats.org/drawingml/2006/main" xmlns:r="http://schemas.openxmlformats.org/officeDocument/2006/relationships" xmlns:p="http://schemas.openxmlformats.org/presentationml/2006/main">
   <p:cSld>
     <p:bg>
@@ -7462,7 +6864,7 @@
 </p:sld>
 </file>
 
-<file path=ppt/slides/slide14.xml><?xml version="1.0" encoding="utf-8"?>
+<file path=ppt/slides/slide13.xml><?xml version="1.0" encoding="utf-8"?>
 <p:sld xmlns:a="http://schemas.openxmlformats.org/drawingml/2006/main" xmlns:r="http://schemas.openxmlformats.org/officeDocument/2006/relationships" xmlns:p="http://schemas.openxmlformats.org/presentationml/2006/main">
   <p:cSld>
     <p:bg>
@@ -8273,7 +7675,7 @@
 </p:sld>
 </file>
 
-<file path=ppt/slides/slide15.xml><?xml version="1.0" encoding="utf-8"?>
+<file path=ppt/slides/slide14.xml><?xml version="1.0" encoding="utf-8"?>
 <p:sld xmlns:a="http://schemas.openxmlformats.org/drawingml/2006/main" xmlns:r="http://schemas.openxmlformats.org/officeDocument/2006/relationships" xmlns:p="http://schemas.openxmlformats.org/presentationml/2006/main">
   <p:cSld>
     <p:bg>
@@ -8812,7 +8214,7 @@
 </p:sld>
 </file>
 
-<file path=ppt/slides/slide16.xml><?xml version="1.0" encoding="utf-8"?>
+<file path=ppt/slides/slide15.xml><?xml version="1.0" encoding="utf-8"?>
 <p:sld xmlns:a="http://schemas.openxmlformats.org/drawingml/2006/main" xmlns:r="http://schemas.openxmlformats.org/officeDocument/2006/relationships" xmlns:p="http://schemas.openxmlformats.org/presentationml/2006/main">
   <p:cSld>
     <p:spTree>
@@ -9425,7 +8827,7 @@
 </p:sld>
 </file>
 
-<file path=ppt/slides/slide17.xml><?xml version="1.0" encoding="utf-8"?>
+<file path=ppt/slides/slide16.xml><?xml version="1.0" encoding="utf-8"?>
 <p:sld xmlns:a="http://schemas.openxmlformats.org/drawingml/2006/main" xmlns:r="http://schemas.openxmlformats.org/officeDocument/2006/relationships" xmlns:p="http://schemas.openxmlformats.org/presentationml/2006/main">
   <p:cSld>
     <p:spTree>
@@ -9962,7 +9364,7 @@
 </p:sld>
 </file>
 
-<file path=ppt/slides/slide18.xml><?xml version="1.0" encoding="utf-8"?>
+<file path=ppt/slides/slide17.xml><?xml version="1.0" encoding="utf-8"?>
 <p:sld xmlns:a="http://schemas.openxmlformats.org/drawingml/2006/main" xmlns:r="http://schemas.openxmlformats.org/officeDocument/2006/relationships" xmlns:p="http://schemas.openxmlformats.org/presentationml/2006/main">
   <p:cSld>
     <p:spTree>
@@ -10448,7 +9850,7 @@
 </p:sld>
 </file>
 
-<file path=ppt/slides/slide19.xml><?xml version="1.0" encoding="utf-8"?>
+<file path=ppt/slides/slide18.xml><?xml version="1.0" encoding="utf-8"?>
 <p:sld xmlns:a="http://schemas.openxmlformats.org/drawingml/2006/main" xmlns:r="http://schemas.openxmlformats.org/officeDocument/2006/relationships" xmlns:p="http://schemas.openxmlformats.org/presentationml/2006/main">
   <p:cSld>
     <p:spTree>
@@ -10930,6 +10332,438 @@
   </p:cSld>
   <p:clrMapOvr>
     <a:masterClrMapping/>
+  </p:clrMapOvr>
+</p:sld>
+</file>
+
+<file path=ppt/slides/slide19.xml><?xml version="1.0" encoding="utf-8"?>
+<p:sld xmlns:a="http://schemas.openxmlformats.org/drawingml/2006/main" xmlns:r="http://schemas.openxmlformats.org/officeDocument/2006/relationships" xmlns:p="http://schemas.openxmlformats.org/presentationml/2006/main">
+  <p:cSld>
+    <p:bg>
+      <p:bgPr>
+        <a:solidFill>
+          <a:srgbClr val="395583"/>
+        </a:solidFill>
+        <a:effectLst/>
+      </p:bgPr>
+    </p:bg>
+    <p:spTree>
+      <p:nvGrpSpPr>
+        <p:cNvPr id="1" name=""/>
+        <p:cNvGrpSpPr/>
+        <p:nvPr/>
+      </p:nvGrpSpPr>
+      <p:grpSpPr>
+        <a:xfrm>
+          <a:off x="0" y="0"/>
+          <a:ext cx="0" cy="0"/>
+          <a:chOff x="0" y="0"/>
+          <a:chExt cx="0" cy="0"/>
+        </a:xfrm>
+      </p:grpSpPr>
+      <p:pic>
+        <p:nvPicPr>
+          <p:cNvPr id="5" name="Picture 4" descr="A picture containing indoor&#10;&#10;Description automatically generated">
+            <a:extLst>
+              <a:ext uri="{FF2B5EF4-FFF2-40B4-BE49-F238E27FC236}">
+                <a16:creationId xmlns:a16="http://schemas.microsoft.com/office/drawing/2014/main" id="{48589EA3-03B9-4D42-8282-8AC52D63CBF3}"/>
+              </a:ext>
+            </a:extLst>
+          </p:cNvPr>
+          <p:cNvPicPr>
+            <a:picLocks noChangeAspect="1"/>
+          </p:cNvPicPr>
+          <p:nvPr/>
+        </p:nvPicPr>
+        <p:blipFill rotWithShape="1">
+          <a:blip r:embed="rId2">
+            <a:extLst>
+              <a:ext uri="{28A0092B-C50C-407E-A947-70E740481C1C}">
+                <a14:useLocalDpi xmlns:a14="http://schemas.microsoft.com/office/drawing/2010/main" val="0"/>
+              </a:ext>
+            </a:extLst>
+          </a:blip>
+          <a:srcRect l="19805" r="19804" b="-1"/>
+          <a:stretch/>
+        </p:blipFill>
+        <p:spPr>
+          <a:xfrm>
+            <a:off x="20" y="10"/>
+            <a:ext cx="6024134" cy="6857990"/>
+          </a:xfrm>
+          <a:custGeom>
+            <a:avLst/>
+            <a:gdLst>
+              <a:gd name="connsiteX0" fmla="*/ 0 w 6024154"/>
+              <a:gd name="connsiteY0" fmla="*/ 0 h 6858000"/>
+              <a:gd name="connsiteX1" fmla="*/ 5953780 w 6024154"/>
+              <a:gd name="connsiteY1" fmla="*/ 0 h 6858000"/>
+              <a:gd name="connsiteX2" fmla="*/ 5989880 w 6024154"/>
+              <a:gd name="connsiteY2" fmla="*/ 284091 h 6858000"/>
+              <a:gd name="connsiteX3" fmla="*/ 6024154 w 6024154"/>
+              <a:gd name="connsiteY3" fmla="*/ 962844 h 6858000"/>
+              <a:gd name="connsiteX4" fmla="*/ 2549934 w 6024154"/>
+              <a:gd name="connsiteY4" fmla="*/ 6800152 h 6858000"/>
+              <a:gd name="connsiteX5" fmla="*/ 2436987 w 6024154"/>
+              <a:gd name="connsiteY5" fmla="*/ 6858000 h 6858000"/>
+              <a:gd name="connsiteX6" fmla="*/ 0 w 6024154"/>
+              <a:gd name="connsiteY6" fmla="*/ 6858000 h 6858000"/>
+            </a:gdLst>
+            <a:ahLst/>
+            <a:cxnLst>
+              <a:cxn ang="0">
+                <a:pos x="connsiteX0" y="connsiteY0"/>
+              </a:cxn>
+              <a:cxn ang="0">
+                <a:pos x="connsiteX1" y="connsiteY1"/>
+              </a:cxn>
+              <a:cxn ang="0">
+                <a:pos x="connsiteX2" y="connsiteY2"/>
+              </a:cxn>
+              <a:cxn ang="0">
+                <a:pos x="connsiteX3" y="connsiteY3"/>
+              </a:cxn>
+              <a:cxn ang="0">
+                <a:pos x="connsiteX4" y="connsiteY4"/>
+              </a:cxn>
+              <a:cxn ang="0">
+                <a:pos x="connsiteX5" y="connsiteY5"/>
+              </a:cxn>
+              <a:cxn ang="0">
+                <a:pos x="connsiteX6" y="connsiteY6"/>
+              </a:cxn>
+            </a:cxnLst>
+            <a:rect l="l" t="t" r="r" b="b"/>
+            <a:pathLst>
+              <a:path w="6024154" h="6858000">
+                <a:moveTo>
+                  <a:pt x="0" y="0"/>
+                </a:moveTo>
+                <a:lnTo>
+                  <a:pt x="5953780" y="0"/>
+                </a:lnTo>
+                <a:lnTo>
+                  <a:pt x="5989880" y="284091"/>
+                </a:lnTo>
+                <a:cubicBezTo>
+                  <a:pt x="6012544" y="507260"/>
+                  <a:pt x="6024154" y="733696"/>
+                  <a:pt x="6024154" y="962844"/>
+                </a:cubicBezTo>
+                <a:cubicBezTo>
+                  <a:pt x="6024154" y="3483472"/>
+                  <a:pt x="4619336" y="5675986"/>
+                  <a:pt x="2549934" y="6800152"/>
+                </a:cubicBezTo>
+                <a:lnTo>
+                  <a:pt x="2436987" y="6858000"/>
+                </a:lnTo>
+                <a:lnTo>
+                  <a:pt x="0" y="6858000"/>
+                </a:lnTo>
+                <a:close/>
+              </a:path>
+            </a:pathLst>
+          </a:custGeom>
+          <a:ln w="28575">
+            <a:noFill/>
+          </a:ln>
+        </p:spPr>
+      </p:pic>
+      <p:sp>
+        <p:nvSpPr>
+          <p:cNvPr id="12" name="Title 1">
+            <a:extLst>
+              <a:ext uri="{FF2B5EF4-FFF2-40B4-BE49-F238E27FC236}">
+                <a16:creationId xmlns:a16="http://schemas.microsoft.com/office/drawing/2014/main" id="{0B9C460C-DD3D-4F1C-9FEE-8EC7228DF8C8}"/>
+              </a:ext>
+            </a:extLst>
+          </p:cNvPr>
+          <p:cNvSpPr>
+            <a:spLocks noGrp="1"/>
+          </p:cNvSpPr>
+          <p:nvPr>
+            <p:ph type="ctrTitle"/>
+          </p:nvPr>
+        </p:nvSpPr>
+        <p:spPr>
+          <a:xfrm>
+            <a:off x="4232779" y="359964"/>
+            <a:ext cx="7834193" cy="1264588"/>
+          </a:xfrm>
+        </p:spPr>
+        <p:txBody>
+          <a:bodyPr anchor="ctr">
+            <a:normAutofit/>
+          </a:bodyPr>
+          <a:lstStyle/>
+          <a:p>
+            <a:pPr algn="r"/>
+            <a:r>
+              <a:rPr lang="en-US" dirty="0">
+                <a:latin typeface="Selawik Semibold" panose="020B0702040204020203" pitchFamily="34" charset="0"/>
+              </a:rPr>
+              <a:t>Final Inspiration</a:t>
+            </a:r>
+          </a:p>
+        </p:txBody>
+      </p:sp>
+      <p:sp>
+        <p:nvSpPr>
+          <p:cNvPr id="16" name="Content Placeholder 8">
+            <a:extLst>
+              <a:ext uri="{FF2B5EF4-FFF2-40B4-BE49-F238E27FC236}">
+                <a16:creationId xmlns:a16="http://schemas.microsoft.com/office/drawing/2014/main" id="{EFC1D832-5298-413A-ACCB-93C0C72C636D}"/>
+              </a:ext>
+            </a:extLst>
+          </p:cNvPr>
+          <p:cNvSpPr txBox="1">
+            <a:spLocks/>
+          </p:cNvSpPr>
+          <p:nvPr/>
+        </p:nvSpPr>
+        <p:spPr>
+          <a:xfrm>
+            <a:off x="4780345" y="4357577"/>
+            <a:ext cx="7105564" cy="3247008"/>
+          </a:xfrm>
+          <a:prstGeom prst="rect">
+            <a:avLst/>
+          </a:prstGeom>
+        </p:spPr>
+        <p:txBody>
+          <a:bodyPr vert="horz" lIns="91440" tIns="45720" rIns="91440" bIns="45720" rtlCol="0">
+            <a:normAutofit/>
+          </a:bodyPr>
+          <a:lstStyle>
+            <a:lvl1pPr marL="0" indent="0" algn="ctr" defTabSz="914400" rtl="0" eaLnBrk="1" latinLnBrk="0" hangingPunct="1">
+              <a:lnSpc>
+                <a:spcPct val="90000"/>
+              </a:lnSpc>
+              <a:spcBef>
+                <a:spcPts val="1000"/>
+              </a:spcBef>
+              <a:buFont typeface="Arial" panose="020B0604020202020204" pitchFamily="34" charset="0"/>
+              <a:buNone/>
+              <a:defRPr sz="2400" kern="1200">
+                <a:solidFill>
+                  <a:schemeClr val="tx1"/>
+                </a:solidFill>
+                <a:latin typeface="+mn-lt"/>
+                <a:ea typeface="+mn-ea"/>
+                <a:cs typeface="+mn-cs"/>
+              </a:defRPr>
+            </a:lvl1pPr>
+            <a:lvl2pPr marL="457200" indent="0" algn="ctr" defTabSz="914400" rtl="0" eaLnBrk="1" latinLnBrk="0" hangingPunct="1">
+              <a:lnSpc>
+                <a:spcPct val="90000"/>
+              </a:lnSpc>
+              <a:spcBef>
+                <a:spcPts val="500"/>
+              </a:spcBef>
+              <a:buFont typeface="Arial" panose="020B0604020202020204" pitchFamily="34" charset="0"/>
+              <a:buNone/>
+              <a:defRPr sz="2000" kern="1200">
+                <a:solidFill>
+                  <a:schemeClr val="tx1"/>
+                </a:solidFill>
+                <a:latin typeface="+mn-lt"/>
+                <a:ea typeface="+mn-ea"/>
+                <a:cs typeface="+mn-cs"/>
+              </a:defRPr>
+            </a:lvl2pPr>
+            <a:lvl3pPr marL="914400" indent="0" algn="ctr" defTabSz="914400" rtl="0" eaLnBrk="1" latinLnBrk="0" hangingPunct="1">
+              <a:lnSpc>
+                <a:spcPct val="90000"/>
+              </a:lnSpc>
+              <a:spcBef>
+                <a:spcPts val="500"/>
+              </a:spcBef>
+              <a:buFont typeface="Arial" panose="020B0604020202020204" pitchFamily="34" charset="0"/>
+              <a:buNone/>
+              <a:defRPr sz="1800" kern="1200">
+                <a:solidFill>
+                  <a:schemeClr val="tx1"/>
+                </a:solidFill>
+                <a:latin typeface="+mn-lt"/>
+                <a:ea typeface="+mn-ea"/>
+                <a:cs typeface="+mn-cs"/>
+              </a:defRPr>
+            </a:lvl3pPr>
+            <a:lvl4pPr marL="1371600" indent="0" algn="ctr" defTabSz="914400" rtl="0" eaLnBrk="1" latinLnBrk="0" hangingPunct="1">
+              <a:lnSpc>
+                <a:spcPct val="90000"/>
+              </a:lnSpc>
+              <a:spcBef>
+                <a:spcPts val="500"/>
+              </a:spcBef>
+              <a:buFont typeface="Arial" panose="020B0604020202020204" pitchFamily="34" charset="0"/>
+              <a:buNone/>
+              <a:defRPr sz="1600" kern="1200">
+                <a:solidFill>
+                  <a:schemeClr val="tx1"/>
+                </a:solidFill>
+                <a:latin typeface="+mn-lt"/>
+                <a:ea typeface="+mn-ea"/>
+                <a:cs typeface="+mn-cs"/>
+              </a:defRPr>
+            </a:lvl4pPr>
+            <a:lvl5pPr marL="1828800" indent="0" algn="ctr" defTabSz="914400" rtl="0" eaLnBrk="1" latinLnBrk="0" hangingPunct="1">
+              <a:lnSpc>
+                <a:spcPct val="90000"/>
+              </a:lnSpc>
+              <a:spcBef>
+                <a:spcPts val="500"/>
+              </a:spcBef>
+              <a:buFont typeface="Arial" panose="020B0604020202020204" pitchFamily="34" charset="0"/>
+              <a:buNone/>
+              <a:defRPr sz="1600" kern="1200">
+                <a:solidFill>
+                  <a:schemeClr val="tx1"/>
+                </a:solidFill>
+                <a:latin typeface="+mn-lt"/>
+                <a:ea typeface="+mn-ea"/>
+                <a:cs typeface="+mn-cs"/>
+              </a:defRPr>
+            </a:lvl5pPr>
+            <a:lvl6pPr marL="2286000" indent="0" algn="ctr" defTabSz="914400" rtl="0" eaLnBrk="1" latinLnBrk="0" hangingPunct="1">
+              <a:lnSpc>
+                <a:spcPct val="90000"/>
+              </a:lnSpc>
+              <a:spcBef>
+                <a:spcPts val="500"/>
+              </a:spcBef>
+              <a:buFont typeface="Arial" panose="020B0604020202020204" pitchFamily="34" charset="0"/>
+              <a:buNone/>
+              <a:defRPr sz="1600" kern="1200">
+                <a:solidFill>
+                  <a:schemeClr val="tx1"/>
+                </a:solidFill>
+                <a:latin typeface="+mn-lt"/>
+                <a:ea typeface="+mn-ea"/>
+                <a:cs typeface="+mn-cs"/>
+              </a:defRPr>
+            </a:lvl6pPr>
+            <a:lvl7pPr marL="2743200" indent="0" algn="ctr" defTabSz="914400" rtl="0" eaLnBrk="1" latinLnBrk="0" hangingPunct="1">
+              <a:lnSpc>
+                <a:spcPct val="90000"/>
+              </a:lnSpc>
+              <a:spcBef>
+                <a:spcPts val="500"/>
+              </a:spcBef>
+              <a:buFont typeface="Arial" panose="020B0604020202020204" pitchFamily="34" charset="0"/>
+              <a:buNone/>
+              <a:defRPr sz="1600" kern="1200">
+                <a:solidFill>
+                  <a:schemeClr val="tx1"/>
+                </a:solidFill>
+                <a:latin typeface="+mn-lt"/>
+                <a:ea typeface="+mn-ea"/>
+                <a:cs typeface="+mn-cs"/>
+              </a:defRPr>
+            </a:lvl7pPr>
+            <a:lvl8pPr marL="3200400" indent="0" algn="ctr" defTabSz="914400" rtl="0" eaLnBrk="1" latinLnBrk="0" hangingPunct="1">
+              <a:lnSpc>
+                <a:spcPct val="90000"/>
+              </a:lnSpc>
+              <a:spcBef>
+                <a:spcPts val="500"/>
+              </a:spcBef>
+              <a:buFont typeface="Arial" panose="020B0604020202020204" pitchFamily="34" charset="0"/>
+              <a:buNone/>
+              <a:defRPr sz="1600" kern="1200">
+                <a:solidFill>
+                  <a:schemeClr val="tx1"/>
+                </a:solidFill>
+                <a:latin typeface="+mn-lt"/>
+                <a:ea typeface="+mn-ea"/>
+                <a:cs typeface="+mn-cs"/>
+              </a:defRPr>
+            </a:lvl8pPr>
+            <a:lvl9pPr marL="3657600" indent="0" algn="ctr" defTabSz="914400" rtl="0" eaLnBrk="1" latinLnBrk="0" hangingPunct="1">
+              <a:lnSpc>
+                <a:spcPct val="90000"/>
+              </a:lnSpc>
+              <a:spcBef>
+                <a:spcPts val="500"/>
+              </a:spcBef>
+              <a:buFont typeface="Arial" panose="020B0604020202020204" pitchFamily="34" charset="0"/>
+              <a:buNone/>
+              <a:defRPr sz="1600" kern="1200">
+                <a:solidFill>
+                  <a:schemeClr val="tx1"/>
+                </a:solidFill>
+                <a:latin typeface="+mn-lt"/>
+                <a:ea typeface="+mn-ea"/>
+                <a:cs typeface="+mn-cs"/>
+              </a:defRPr>
+            </a:lvl9pPr>
+          </a:lstStyle>
+          <a:p>
+            <a:pPr algn="r"/>
+            <a:r>
+              <a:rPr lang="en-US" sz="2800" dirty="0">
+                <a:latin typeface="Selawik Semibold" panose="020B0702040204020203" pitchFamily="34" charset="0"/>
+              </a:rPr>
+              <a:t>Yesterday’s home runs don’t</a:t>
+            </a:r>
+          </a:p>
+          <a:p>
+            <a:pPr algn="r"/>
+            <a:r>
+              <a:rPr lang="en-US" sz="2800" dirty="0">
+                <a:latin typeface="Selawik Semibold" panose="020B0702040204020203" pitchFamily="34" charset="0"/>
+              </a:rPr>
+              <a:t> win today’s games.</a:t>
+            </a:r>
+          </a:p>
+          <a:p>
+            <a:pPr algn="r"/>
+            <a:r>
+              <a:rPr lang="en-US" sz="2800" dirty="0">
+                <a:latin typeface="Selawik Semibold" panose="020B0702040204020203" pitchFamily="34" charset="0"/>
+              </a:rPr>
+              <a:t> </a:t>
+            </a:r>
+          </a:p>
+          <a:p>
+            <a:pPr algn="r"/>
+            <a:r>
+              <a:rPr lang="en-US" sz="2800" dirty="0">
+                <a:latin typeface="Selawik Semibold" panose="020B0702040204020203" pitchFamily="34" charset="0"/>
+              </a:rPr>
+              <a:t>-Babe Ruth</a:t>
+            </a:r>
+          </a:p>
+          <a:p>
+            <a:pPr lvl="2" algn="r"/>
+            <a:endParaRPr lang="en-US" sz="2800" dirty="0">
+              <a:latin typeface="Selawik Semibold" panose="020B0702040204020203" pitchFamily="34" charset="0"/>
+            </a:endParaRPr>
+          </a:p>
+          <a:p>
+            <a:pPr lvl="2" algn="r"/>
+            <a:endParaRPr lang="en-US" sz="2800" dirty="0">
+              <a:latin typeface="Selawik Semibold" panose="020B0702040204020203" pitchFamily="34" charset="0"/>
+            </a:endParaRPr>
+          </a:p>
+          <a:p>
+            <a:pPr lvl="2" algn="r"/>
+            <a:endParaRPr lang="en-US" sz="2800" dirty="0">
+              <a:latin typeface="Selawik Semibold" panose="020B0702040204020203" pitchFamily="34" charset="0"/>
+            </a:endParaRPr>
+          </a:p>
+        </p:txBody>
+      </p:sp>
+    </p:spTree>
+    <p:extLst>
+      <p:ext uri="{BB962C8B-B14F-4D97-AF65-F5344CB8AC3E}">
+        <p14:creationId xmlns:p14="http://schemas.microsoft.com/office/powerpoint/2010/main" val="1593475065"/>
+      </p:ext>
+    </p:extLst>
+  </p:cSld>
+  <p:clrMapOvr>
+    <a:overrideClrMapping bg1="dk1" tx1="lt1" bg2="dk2" tx2="lt2" accent1="accent1" accent2="accent2" accent3="accent3" accent4="accent4" accent5="accent5" accent6="accent6" hlink="hlink" folHlink="folHlink"/>
   </p:clrMapOvr>
 </p:sld>
 </file>
@@ -11983,438 +11817,6 @@
   </p:cSld>
   <p:clrMapOvr>
     <a:masterClrMapping/>
-  </p:clrMapOvr>
-</p:sld>
-</file>
-
-<file path=ppt/slides/slide20.xml><?xml version="1.0" encoding="utf-8"?>
-<p:sld xmlns:a="http://schemas.openxmlformats.org/drawingml/2006/main" xmlns:r="http://schemas.openxmlformats.org/officeDocument/2006/relationships" xmlns:p="http://schemas.openxmlformats.org/presentationml/2006/main">
-  <p:cSld>
-    <p:bg>
-      <p:bgPr>
-        <a:solidFill>
-          <a:srgbClr val="395583"/>
-        </a:solidFill>
-        <a:effectLst/>
-      </p:bgPr>
-    </p:bg>
-    <p:spTree>
-      <p:nvGrpSpPr>
-        <p:cNvPr id="1" name=""/>
-        <p:cNvGrpSpPr/>
-        <p:nvPr/>
-      </p:nvGrpSpPr>
-      <p:grpSpPr>
-        <a:xfrm>
-          <a:off x="0" y="0"/>
-          <a:ext cx="0" cy="0"/>
-          <a:chOff x="0" y="0"/>
-          <a:chExt cx="0" cy="0"/>
-        </a:xfrm>
-      </p:grpSpPr>
-      <p:pic>
-        <p:nvPicPr>
-          <p:cNvPr id="5" name="Picture 4" descr="A picture containing indoor&#10;&#10;Description automatically generated">
-            <a:extLst>
-              <a:ext uri="{FF2B5EF4-FFF2-40B4-BE49-F238E27FC236}">
-                <a16:creationId xmlns:a16="http://schemas.microsoft.com/office/drawing/2014/main" id="{48589EA3-03B9-4D42-8282-8AC52D63CBF3}"/>
-              </a:ext>
-            </a:extLst>
-          </p:cNvPr>
-          <p:cNvPicPr>
-            <a:picLocks noChangeAspect="1"/>
-          </p:cNvPicPr>
-          <p:nvPr/>
-        </p:nvPicPr>
-        <p:blipFill rotWithShape="1">
-          <a:blip r:embed="rId2">
-            <a:extLst>
-              <a:ext uri="{28A0092B-C50C-407E-A947-70E740481C1C}">
-                <a14:useLocalDpi xmlns:a14="http://schemas.microsoft.com/office/drawing/2010/main" val="0"/>
-              </a:ext>
-            </a:extLst>
-          </a:blip>
-          <a:srcRect l="19805" r="19804" b="-1"/>
-          <a:stretch/>
-        </p:blipFill>
-        <p:spPr>
-          <a:xfrm>
-            <a:off x="20" y="10"/>
-            <a:ext cx="6024134" cy="6857990"/>
-          </a:xfrm>
-          <a:custGeom>
-            <a:avLst/>
-            <a:gdLst>
-              <a:gd name="connsiteX0" fmla="*/ 0 w 6024154"/>
-              <a:gd name="connsiteY0" fmla="*/ 0 h 6858000"/>
-              <a:gd name="connsiteX1" fmla="*/ 5953780 w 6024154"/>
-              <a:gd name="connsiteY1" fmla="*/ 0 h 6858000"/>
-              <a:gd name="connsiteX2" fmla="*/ 5989880 w 6024154"/>
-              <a:gd name="connsiteY2" fmla="*/ 284091 h 6858000"/>
-              <a:gd name="connsiteX3" fmla="*/ 6024154 w 6024154"/>
-              <a:gd name="connsiteY3" fmla="*/ 962844 h 6858000"/>
-              <a:gd name="connsiteX4" fmla="*/ 2549934 w 6024154"/>
-              <a:gd name="connsiteY4" fmla="*/ 6800152 h 6858000"/>
-              <a:gd name="connsiteX5" fmla="*/ 2436987 w 6024154"/>
-              <a:gd name="connsiteY5" fmla="*/ 6858000 h 6858000"/>
-              <a:gd name="connsiteX6" fmla="*/ 0 w 6024154"/>
-              <a:gd name="connsiteY6" fmla="*/ 6858000 h 6858000"/>
-            </a:gdLst>
-            <a:ahLst/>
-            <a:cxnLst>
-              <a:cxn ang="0">
-                <a:pos x="connsiteX0" y="connsiteY0"/>
-              </a:cxn>
-              <a:cxn ang="0">
-                <a:pos x="connsiteX1" y="connsiteY1"/>
-              </a:cxn>
-              <a:cxn ang="0">
-                <a:pos x="connsiteX2" y="connsiteY2"/>
-              </a:cxn>
-              <a:cxn ang="0">
-                <a:pos x="connsiteX3" y="connsiteY3"/>
-              </a:cxn>
-              <a:cxn ang="0">
-                <a:pos x="connsiteX4" y="connsiteY4"/>
-              </a:cxn>
-              <a:cxn ang="0">
-                <a:pos x="connsiteX5" y="connsiteY5"/>
-              </a:cxn>
-              <a:cxn ang="0">
-                <a:pos x="connsiteX6" y="connsiteY6"/>
-              </a:cxn>
-            </a:cxnLst>
-            <a:rect l="l" t="t" r="r" b="b"/>
-            <a:pathLst>
-              <a:path w="6024154" h="6858000">
-                <a:moveTo>
-                  <a:pt x="0" y="0"/>
-                </a:moveTo>
-                <a:lnTo>
-                  <a:pt x="5953780" y="0"/>
-                </a:lnTo>
-                <a:lnTo>
-                  <a:pt x="5989880" y="284091"/>
-                </a:lnTo>
-                <a:cubicBezTo>
-                  <a:pt x="6012544" y="507260"/>
-                  <a:pt x="6024154" y="733696"/>
-                  <a:pt x="6024154" y="962844"/>
-                </a:cubicBezTo>
-                <a:cubicBezTo>
-                  <a:pt x="6024154" y="3483472"/>
-                  <a:pt x="4619336" y="5675986"/>
-                  <a:pt x="2549934" y="6800152"/>
-                </a:cubicBezTo>
-                <a:lnTo>
-                  <a:pt x="2436987" y="6858000"/>
-                </a:lnTo>
-                <a:lnTo>
-                  <a:pt x="0" y="6858000"/>
-                </a:lnTo>
-                <a:close/>
-              </a:path>
-            </a:pathLst>
-          </a:custGeom>
-          <a:ln w="28575">
-            <a:noFill/>
-          </a:ln>
-        </p:spPr>
-      </p:pic>
-      <p:sp>
-        <p:nvSpPr>
-          <p:cNvPr id="12" name="Title 1">
-            <a:extLst>
-              <a:ext uri="{FF2B5EF4-FFF2-40B4-BE49-F238E27FC236}">
-                <a16:creationId xmlns:a16="http://schemas.microsoft.com/office/drawing/2014/main" id="{0B9C460C-DD3D-4F1C-9FEE-8EC7228DF8C8}"/>
-              </a:ext>
-            </a:extLst>
-          </p:cNvPr>
-          <p:cNvSpPr>
-            <a:spLocks noGrp="1"/>
-          </p:cNvSpPr>
-          <p:nvPr>
-            <p:ph type="ctrTitle"/>
-          </p:nvPr>
-        </p:nvSpPr>
-        <p:spPr>
-          <a:xfrm>
-            <a:off x="4232779" y="359964"/>
-            <a:ext cx="7834193" cy="1264588"/>
-          </a:xfrm>
-        </p:spPr>
-        <p:txBody>
-          <a:bodyPr anchor="ctr">
-            <a:normAutofit/>
-          </a:bodyPr>
-          <a:lstStyle/>
-          <a:p>
-            <a:pPr algn="r"/>
-            <a:r>
-              <a:rPr lang="en-US" dirty="0">
-                <a:latin typeface="Selawik Semibold" panose="020B0702040204020203" pitchFamily="34" charset="0"/>
-              </a:rPr>
-              <a:t>Final Inspiration</a:t>
-            </a:r>
-          </a:p>
-        </p:txBody>
-      </p:sp>
-      <p:sp>
-        <p:nvSpPr>
-          <p:cNvPr id="16" name="Content Placeholder 8">
-            <a:extLst>
-              <a:ext uri="{FF2B5EF4-FFF2-40B4-BE49-F238E27FC236}">
-                <a16:creationId xmlns:a16="http://schemas.microsoft.com/office/drawing/2014/main" id="{EFC1D832-5298-413A-ACCB-93C0C72C636D}"/>
-              </a:ext>
-            </a:extLst>
-          </p:cNvPr>
-          <p:cNvSpPr txBox="1">
-            <a:spLocks/>
-          </p:cNvSpPr>
-          <p:nvPr/>
-        </p:nvSpPr>
-        <p:spPr>
-          <a:xfrm>
-            <a:off x="4780345" y="4357577"/>
-            <a:ext cx="7105564" cy="3247008"/>
-          </a:xfrm>
-          <a:prstGeom prst="rect">
-            <a:avLst/>
-          </a:prstGeom>
-        </p:spPr>
-        <p:txBody>
-          <a:bodyPr vert="horz" lIns="91440" tIns="45720" rIns="91440" bIns="45720" rtlCol="0">
-            <a:normAutofit/>
-          </a:bodyPr>
-          <a:lstStyle>
-            <a:lvl1pPr marL="0" indent="0" algn="ctr" defTabSz="914400" rtl="0" eaLnBrk="1" latinLnBrk="0" hangingPunct="1">
-              <a:lnSpc>
-                <a:spcPct val="90000"/>
-              </a:lnSpc>
-              <a:spcBef>
-                <a:spcPts val="1000"/>
-              </a:spcBef>
-              <a:buFont typeface="Arial" panose="020B0604020202020204" pitchFamily="34" charset="0"/>
-              <a:buNone/>
-              <a:defRPr sz="2400" kern="1200">
-                <a:solidFill>
-                  <a:schemeClr val="tx1"/>
-                </a:solidFill>
-                <a:latin typeface="+mn-lt"/>
-                <a:ea typeface="+mn-ea"/>
-                <a:cs typeface="+mn-cs"/>
-              </a:defRPr>
-            </a:lvl1pPr>
-            <a:lvl2pPr marL="457200" indent="0" algn="ctr" defTabSz="914400" rtl="0" eaLnBrk="1" latinLnBrk="0" hangingPunct="1">
-              <a:lnSpc>
-                <a:spcPct val="90000"/>
-              </a:lnSpc>
-              <a:spcBef>
-                <a:spcPts val="500"/>
-              </a:spcBef>
-              <a:buFont typeface="Arial" panose="020B0604020202020204" pitchFamily="34" charset="0"/>
-              <a:buNone/>
-              <a:defRPr sz="2000" kern="1200">
-                <a:solidFill>
-                  <a:schemeClr val="tx1"/>
-                </a:solidFill>
-                <a:latin typeface="+mn-lt"/>
-                <a:ea typeface="+mn-ea"/>
-                <a:cs typeface="+mn-cs"/>
-              </a:defRPr>
-            </a:lvl2pPr>
-            <a:lvl3pPr marL="914400" indent="0" algn="ctr" defTabSz="914400" rtl="0" eaLnBrk="1" latinLnBrk="0" hangingPunct="1">
-              <a:lnSpc>
-                <a:spcPct val="90000"/>
-              </a:lnSpc>
-              <a:spcBef>
-                <a:spcPts val="500"/>
-              </a:spcBef>
-              <a:buFont typeface="Arial" panose="020B0604020202020204" pitchFamily="34" charset="0"/>
-              <a:buNone/>
-              <a:defRPr sz="1800" kern="1200">
-                <a:solidFill>
-                  <a:schemeClr val="tx1"/>
-                </a:solidFill>
-                <a:latin typeface="+mn-lt"/>
-                <a:ea typeface="+mn-ea"/>
-                <a:cs typeface="+mn-cs"/>
-              </a:defRPr>
-            </a:lvl3pPr>
-            <a:lvl4pPr marL="1371600" indent="0" algn="ctr" defTabSz="914400" rtl="0" eaLnBrk="1" latinLnBrk="0" hangingPunct="1">
-              <a:lnSpc>
-                <a:spcPct val="90000"/>
-              </a:lnSpc>
-              <a:spcBef>
-                <a:spcPts val="500"/>
-              </a:spcBef>
-              <a:buFont typeface="Arial" panose="020B0604020202020204" pitchFamily="34" charset="0"/>
-              <a:buNone/>
-              <a:defRPr sz="1600" kern="1200">
-                <a:solidFill>
-                  <a:schemeClr val="tx1"/>
-                </a:solidFill>
-                <a:latin typeface="+mn-lt"/>
-                <a:ea typeface="+mn-ea"/>
-                <a:cs typeface="+mn-cs"/>
-              </a:defRPr>
-            </a:lvl4pPr>
-            <a:lvl5pPr marL="1828800" indent="0" algn="ctr" defTabSz="914400" rtl="0" eaLnBrk="1" latinLnBrk="0" hangingPunct="1">
-              <a:lnSpc>
-                <a:spcPct val="90000"/>
-              </a:lnSpc>
-              <a:spcBef>
-                <a:spcPts val="500"/>
-              </a:spcBef>
-              <a:buFont typeface="Arial" panose="020B0604020202020204" pitchFamily="34" charset="0"/>
-              <a:buNone/>
-              <a:defRPr sz="1600" kern="1200">
-                <a:solidFill>
-                  <a:schemeClr val="tx1"/>
-                </a:solidFill>
-                <a:latin typeface="+mn-lt"/>
-                <a:ea typeface="+mn-ea"/>
-                <a:cs typeface="+mn-cs"/>
-              </a:defRPr>
-            </a:lvl5pPr>
-            <a:lvl6pPr marL="2286000" indent="0" algn="ctr" defTabSz="914400" rtl="0" eaLnBrk="1" latinLnBrk="0" hangingPunct="1">
-              <a:lnSpc>
-                <a:spcPct val="90000"/>
-              </a:lnSpc>
-              <a:spcBef>
-                <a:spcPts val="500"/>
-              </a:spcBef>
-              <a:buFont typeface="Arial" panose="020B0604020202020204" pitchFamily="34" charset="0"/>
-              <a:buNone/>
-              <a:defRPr sz="1600" kern="1200">
-                <a:solidFill>
-                  <a:schemeClr val="tx1"/>
-                </a:solidFill>
-                <a:latin typeface="+mn-lt"/>
-                <a:ea typeface="+mn-ea"/>
-                <a:cs typeface="+mn-cs"/>
-              </a:defRPr>
-            </a:lvl6pPr>
-            <a:lvl7pPr marL="2743200" indent="0" algn="ctr" defTabSz="914400" rtl="0" eaLnBrk="1" latinLnBrk="0" hangingPunct="1">
-              <a:lnSpc>
-                <a:spcPct val="90000"/>
-              </a:lnSpc>
-              <a:spcBef>
-                <a:spcPts val="500"/>
-              </a:spcBef>
-              <a:buFont typeface="Arial" panose="020B0604020202020204" pitchFamily="34" charset="0"/>
-              <a:buNone/>
-              <a:defRPr sz="1600" kern="1200">
-                <a:solidFill>
-                  <a:schemeClr val="tx1"/>
-                </a:solidFill>
-                <a:latin typeface="+mn-lt"/>
-                <a:ea typeface="+mn-ea"/>
-                <a:cs typeface="+mn-cs"/>
-              </a:defRPr>
-            </a:lvl7pPr>
-            <a:lvl8pPr marL="3200400" indent="0" algn="ctr" defTabSz="914400" rtl="0" eaLnBrk="1" latinLnBrk="0" hangingPunct="1">
-              <a:lnSpc>
-                <a:spcPct val="90000"/>
-              </a:lnSpc>
-              <a:spcBef>
-                <a:spcPts val="500"/>
-              </a:spcBef>
-              <a:buFont typeface="Arial" panose="020B0604020202020204" pitchFamily="34" charset="0"/>
-              <a:buNone/>
-              <a:defRPr sz="1600" kern="1200">
-                <a:solidFill>
-                  <a:schemeClr val="tx1"/>
-                </a:solidFill>
-                <a:latin typeface="+mn-lt"/>
-                <a:ea typeface="+mn-ea"/>
-                <a:cs typeface="+mn-cs"/>
-              </a:defRPr>
-            </a:lvl8pPr>
-            <a:lvl9pPr marL="3657600" indent="0" algn="ctr" defTabSz="914400" rtl="0" eaLnBrk="1" latinLnBrk="0" hangingPunct="1">
-              <a:lnSpc>
-                <a:spcPct val="90000"/>
-              </a:lnSpc>
-              <a:spcBef>
-                <a:spcPts val="500"/>
-              </a:spcBef>
-              <a:buFont typeface="Arial" panose="020B0604020202020204" pitchFamily="34" charset="0"/>
-              <a:buNone/>
-              <a:defRPr sz="1600" kern="1200">
-                <a:solidFill>
-                  <a:schemeClr val="tx1"/>
-                </a:solidFill>
-                <a:latin typeface="+mn-lt"/>
-                <a:ea typeface="+mn-ea"/>
-                <a:cs typeface="+mn-cs"/>
-              </a:defRPr>
-            </a:lvl9pPr>
-          </a:lstStyle>
-          <a:p>
-            <a:pPr algn="r"/>
-            <a:r>
-              <a:rPr lang="en-US" sz="2800" dirty="0">
-                <a:latin typeface="Selawik Semibold" panose="020B0702040204020203" pitchFamily="34" charset="0"/>
-              </a:rPr>
-              <a:t>Yesterday’s home runs don’t</a:t>
-            </a:r>
-          </a:p>
-          <a:p>
-            <a:pPr algn="r"/>
-            <a:r>
-              <a:rPr lang="en-US" sz="2800" dirty="0">
-                <a:latin typeface="Selawik Semibold" panose="020B0702040204020203" pitchFamily="34" charset="0"/>
-              </a:rPr>
-              <a:t> win today’s games.</a:t>
-            </a:r>
-          </a:p>
-          <a:p>
-            <a:pPr algn="r"/>
-            <a:r>
-              <a:rPr lang="en-US" sz="2800" dirty="0">
-                <a:latin typeface="Selawik Semibold" panose="020B0702040204020203" pitchFamily="34" charset="0"/>
-              </a:rPr>
-              <a:t> </a:t>
-            </a:r>
-          </a:p>
-          <a:p>
-            <a:pPr algn="r"/>
-            <a:r>
-              <a:rPr lang="en-US" sz="2800" dirty="0">
-                <a:latin typeface="Selawik Semibold" panose="020B0702040204020203" pitchFamily="34" charset="0"/>
-              </a:rPr>
-              <a:t>-Babe Ruth</a:t>
-            </a:r>
-          </a:p>
-          <a:p>
-            <a:pPr lvl="2" algn="r"/>
-            <a:endParaRPr lang="en-US" sz="2800" dirty="0">
-              <a:latin typeface="Selawik Semibold" panose="020B0702040204020203" pitchFamily="34" charset="0"/>
-            </a:endParaRPr>
-          </a:p>
-          <a:p>
-            <a:pPr lvl="2" algn="r"/>
-            <a:endParaRPr lang="en-US" sz="2800" dirty="0">
-              <a:latin typeface="Selawik Semibold" panose="020B0702040204020203" pitchFamily="34" charset="0"/>
-            </a:endParaRPr>
-          </a:p>
-          <a:p>
-            <a:pPr lvl="2" algn="r"/>
-            <a:endParaRPr lang="en-US" sz="2800" dirty="0">
-              <a:latin typeface="Selawik Semibold" panose="020B0702040204020203" pitchFamily="34" charset="0"/>
-            </a:endParaRPr>
-          </a:p>
-        </p:txBody>
-      </p:sp>
-    </p:spTree>
-    <p:extLst>
-      <p:ext uri="{BB962C8B-B14F-4D97-AF65-F5344CB8AC3E}">
-        <p14:creationId xmlns:p14="http://schemas.microsoft.com/office/powerpoint/2010/main" val="1593475065"/>
-      </p:ext>
-    </p:extLst>
-  </p:cSld>
-  <p:clrMapOvr>
-    <a:overrideClrMapping bg1="dk1" tx1="lt1" bg2="dk2" tx2="lt2" accent1="accent1" accent2="accent2" accent3="accent3" accent4="accent4" accent5="accent5" accent6="accent6" hlink="hlink" folHlink="folHlink"/>
   </p:clrMapOvr>
 </p:sld>
 </file>

--- a/Slides/Baseball 6/Baseball_6_Lecture.pptx
+++ b/Slides/Baseball 6/Baseball_6_Lecture.pptx
@@ -215,7 +215,7 @@
           <a:p>
             <a:fld id="{C04E5E84-956F-4423-97B3-5936A6D8EEEE}" type="datetimeFigureOut">
               <a:rPr lang="en-US" smtClean="0"/>
-              <a:t>9/14/2020</a:t>
+              <a:t>9/16/2020</a:t>
             </a:fld>
             <a:endParaRPr lang="en-US"/>
           </a:p>
@@ -629,7 +629,7 @@
           <a:p>
             <a:fld id="{3881C039-66A3-4640-815B-3B5A8B7D868D}" type="datetimeFigureOut">
               <a:rPr lang="en-US" smtClean="0"/>
-              <a:t>9/14/2020</a:t>
+              <a:t>9/16/2020</a:t>
             </a:fld>
             <a:endParaRPr lang="en-US"/>
           </a:p>
@@ -827,7 +827,7 @@
           <a:p>
             <a:fld id="{3881C039-66A3-4640-815B-3B5A8B7D868D}" type="datetimeFigureOut">
               <a:rPr lang="en-US" smtClean="0"/>
-              <a:t>9/14/2020</a:t>
+              <a:t>9/16/2020</a:t>
             </a:fld>
             <a:endParaRPr lang="en-US"/>
           </a:p>
@@ -1035,7 +1035,7 @@
           <a:p>
             <a:fld id="{3881C039-66A3-4640-815B-3B5A8B7D868D}" type="datetimeFigureOut">
               <a:rPr lang="en-US" smtClean="0"/>
-              <a:t>9/14/2020</a:t>
+              <a:t>9/16/2020</a:t>
             </a:fld>
             <a:endParaRPr lang="en-US"/>
           </a:p>
@@ -1233,7 +1233,7 @@
           <a:p>
             <a:fld id="{3881C039-66A3-4640-815B-3B5A8B7D868D}" type="datetimeFigureOut">
               <a:rPr lang="en-US" smtClean="0"/>
-              <a:t>9/14/2020</a:t>
+              <a:t>9/16/2020</a:t>
             </a:fld>
             <a:endParaRPr lang="en-US"/>
           </a:p>
@@ -1508,7 +1508,7 @@
           <a:p>
             <a:fld id="{3881C039-66A3-4640-815B-3B5A8B7D868D}" type="datetimeFigureOut">
               <a:rPr lang="en-US" smtClean="0"/>
-              <a:t>9/14/2020</a:t>
+              <a:t>9/16/2020</a:t>
             </a:fld>
             <a:endParaRPr lang="en-US"/>
           </a:p>
@@ -1773,7 +1773,7 @@
           <a:p>
             <a:fld id="{3881C039-66A3-4640-815B-3B5A8B7D868D}" type="datetimeFigureOut">
               <a:rPr lang="en-US" smtClean="0"/>
-              <a:t>9/14/2020</a:t>
+              <a:t>9/16/2020</a:t>
             </a:fld>
             <a:endParaRPr lang="en-US"/>
           </a:p>
@@ -2185,7 +2185,7 @@
           <a:p>
             <a:fld id="{3881C039-66A3-4640-815B-3B5A8B7D868D}" type="datetimeFigureOut">
               <a:rPr lang="en-US" smtClean="0"/>
-              <a:t>9/14/2020</a:t>
+              <a:t>9/16/2020</a:t>
             </a:fld>
             <a:endParaRPr lang="en-US"/>
           </a:p>
@@ -2326,7 +2326,7 @@
           <a:p>
             <a:fld id="{3881C039-66A3-4640-815B-3B5A8B7D868D}" type="datetimeFigureOut">
               <a:rPr lang="en-US" smtClean="0"/>
-              <a:t>9/14/2020</a:t>
+              <a:t>9/16/2020</a:t>
             </a:fld>
             <a:endParaRPr lang="en-US"/>
           </a:p>
@@ -2439,7 +2439,7 @@
           <a:p>
             <a:fld id="{3881C039-66A3-4640-815B-3B5A8B7D868D}" type="datetimeFigureOut">
               <a:rPr lang="en-US" smtClean="0"/>
-              <a:t>9/14/2020</a:t>
+              <a:t>9/16/2020</a:t>
             </a:fld>
             <a:endParaRPr lang="en-US"/>
           </a:p>
@@ -2750,7 +2750,7 @@
           <a:p>
             <a:fld id="{3881C039-66A3-4640-815B-3B5A8B7D868D}" type="datetimeFigureOut">
               <a:rPr lang="en-US" smtClean="0"/>
-              <a:t>9/14/2020</a:t>
+              <a:t>9/16/2020</a:t>
             </a:fld>
             <a:endParaRPr lang="en-US"/>
           </a:p>
@@ -3038,7 +3038,7 @@
           <a:p>
             <a:fld id="{3881C039-66A3-4640-815B-3B5A8B7D868D}" type="datetimeFigureOut">
               <a:rPr lang="en-US" smtClean="0"/>
-              <a:t>9/14/2020</a:t>
+              <a:t>9/16/2020</a:t>
             </a:fld>
             <a:endParaRPr lang="en-US"/>
           </a:p>
@@ -3282,7 +3282,7 @@
           <a:p>
             <a:fld id="{3881C039-66A3-4640-815B-3B5A8B7D868D}" type="datetimeFigureOut">
               <a:rPr lang="en-US" smtClean="0"/>
-              <a:t>9/14/2020</a:t>
+              <a:t>9/16/2020</a:t>
             </a:fld>
             <a:endParaRPr lang="en-US"/>
           </a:p>
@@ -16402,7 +16402,7 @@
         <p:spPr>
           <a:xfrm>
             <a:off x="3080081" y="1520792"/>
-            <a:ext cx="8954694" cy="3754874"/>
+            <a:ext cx="8954694" cy="3447098"/>
           </a:xfrm>
           <a:prstGeom prst="rect">
             <a:avLst/>
@@ -16510,28 +16510,22 @@
               <a:buChar char="•"/>
             </a:pPr>
             <a:r>
+              <a:rPr lang="en-US" sz="2000">
+                <a:solidFill>
+                  <a:schemeClr val="bg1"/>
+                </a:solidFill>
+                <a:latin typeface="Selawik Semibold" panose="020B0702040204020203" pitchFamily="34" charset="0"/>
+              </a:rPr>
+              <a:t>Fast </a:t>
+            </a:r>
+            <a:r>
               <a:rPr lang="en-US" sz="2000" dirty="0">
                 <a:solidFill>
                   <a:schemeClr val="bg1"/>
                 </a:solidFill>
                 <a:latin typeface="Selawik Semibold" panose="020B0702040204020203" pitchFamily="34" charset="0"/>
               </a:rPr>
-              <a:t>Player Win Averages Do Not Reward </a:t>
-            </a:r>
-          </a:p>
-          <a:p>
-            <a:pPr marL="800100" lvl="1" indent="-342900">
-              <a:buFont typeface="Arial" panose="020B0604020202020204" pitchFamily="34" charset="0"/>
-              <a:buChar char="•"/>
-            </a:pPr>
-            <a:r>
-              <a:rPr lang="en-US" sz="2000" dirty="0">
-                <a:solidFill>
-                  <a:schemeClr val="bg1"/>
-                </a:solidFill>
-                <a:latin typeface="Selawik Semibold" panose="020B0702040204020203" pitchFamily="34" charset="0"/>
-              </a:rPr>
-              <a:t>Fast Base Running is not Rewarded by Player Win Averages</a:t>
+              <a:t>Base Running is not Rewarded by Player Win Averages</a:t>
             </a:r>
           </a:p>
           <a:p>

--- a/Slides/Baseball 6/Baseball_6_Lecture.pptx
+++ b/Slides/Baseball 6/Baseball_6_Lecture.pptx
@@ -215,7 +215,7 @@
           <a:p>
             <a:fld id="{C04E5E84-956F-4423-97B3-5936A6D8EEEE}" type="datetimeFigureOut">
               <a:rPr lang="en-US" smtClean="0"/>
-              <a:t>9/16/2020</a:t>
+              <a:t>2/16/2021</a:t>
             </a:fld>
             <a:endParaRPr lang="en-US"/>
           </a:p>
@@ -629,7 +629,7 @@
           <a:p>
             <a:fld id="{3881C039-66A3-4640-815B-3B5A8B7D868D}" type="datetimeFigureOut">
               <a:rPr lang="en-US" smtClean="0"/>
-              <a:t>9/16/2020</a:t>
+              <a:t>2/16/2021</a:t>
             </a:fld>
             <a:endParaRPr lang="en-US"/>
           </a:p>
@@ -827,7 +827,7 @@
           <a:p>
             <a:fld id="{3881C039-66A3-4640-815B-3B5A8B7D868D}" type="datetimeFigureOut">
               <a:rPr lang="en-US" smtClean="0"/>
-              <a:t>9/16/2020</a:t>
+              <a:t>2/16/2021</a:t>
             </a:fld>
             <a:endParaRPr lang="en-US"/>
           </a:p>
@@ -1035,7 +1035,7 @@
           <a:p>
             <a:fld id="{3881C039-66A3-4640-815B-3B5A8B7D868D}" type="datetimeFigureOut">
               <a:rPr lang="en-US" smtClean="0"/>
-              <a:t>9/16/2020</a:t>
+              <a:t>2/16/2021</a:t>
             </a:fld>
             <a:endParaRPr lang="en-US"/>
           </a:p>
@@ -1233,7 +1233,7 @@
           <a:p>
             <a:fld id="{3881C039-66A3-4640-815B-3B5A8B7D868D}" type="datetimeFigureOut">
               <a:rPr lang="en-US" smtClean="0"/>
-              <a:t>9/16/2020</a:t>
+              <a:t>2/16/2021</a:t>
             </a:fld>
             <a:endParaRPr lang="en-US"/>
           </a:p>
@@ -1508,7 +1508,7 @@
           <a:p>
             <a:fld id="{3881C039-66A3-4640-815B-3B5A8B7D868D}" type="datetimeFigureOut">
               <a:rPr lang="en-US" smtClean="0"/>
-              <a:t>9/16/2020</a:t>
+              <a:t>2/16/2021</a:t>
             </a:fld>
             <a:endParaRPr lang="en-US"/>
           </a:p>
@@ -1773,7 +1773,7 @@
           <a:p>
             <a:fld id="{3881C039-66A3-4640-815B-3B5A8B7D868D}" type="datetimeFigureOut">
               <a:rPr lang="en-US" smtClean="0"/>
-              <a:t>9/16/2020</a:t>
+              <a:t>2/16/2021</a:t>
             </a:fld>
             <a:endParaRPr lang="en-US"/>
           </a:p>
@@ -2185,7 +2185,7 @@
           <a:p>
             <a:fld id="{3881C039-66A3-4640-815B-3B5A8B7D868D}" type="datetimeFigureOut">
               <a:rPr lang="en-US" smtClean="0"/>
-              <a:t>9/16/2020</a:t>
+              <a:t>2/16/2021</a:t>
             </a:fld>
             <a:endParaRPr lang="en-US"/>
           </a:p>
@@ -2326,7 +2326,7 @@
           <a:p>
             <a:fld id="{3881C039-66A3-4640-815B-3B5A8B7D868D}" type="datetimeFigureOut">
               <a:rPr lang="en-US" smtClean="0"/>
-              <a:t>9/16/2020</a:t>
+              <a:t>2/16/2021</a:t>
             </a:fld>
             <a:endParaRPr lang="en-US"/>
           </a:p>
@@ -2439,7 +2439,7 @@
           <a:p>
             <a:fld id="{3881C039-66A3-4640-815B-3B5A8B7D868D}" type="datetimeFigureOut">
               <a:rPr lang="en-US" smtClean="0"/>
-              <a:t>9/16/2020</a:t>
+              <a:t>2/16/2021</a:t>
             </a:fld>
             <a:endParaRPr lang="en-US"/>
           </a:p>
@@ -2750,7 +2750,7 @@
           <a:p>
             <a:fld id="{3881C039-66A3-4640-815B-3B5A8B7D868D}" type="datetimeFigureOut">
               <a:rPr lang="en-US" smtClean="0"/>
-              <a:t>9/16/2020</a:t>
+              <a:t>2/16/2021</a:t>
             </a:fld>
             <a:endParaRPr lang="en-US"/>
           </a:p>
@@ -3038,7 +3038,7 @@
           <a:p>
             <a:fld id="{3881C039-66A3-4640-815B-3B5A8B7D868D}" type="datetimeFigureOut">
               <a:rPr lang="en-US" smtClean="0"/>
-              <a:t>9/16/2020</a:t>
+              <a:t>2/16/2021</a:t>
             </a:fld>
             <a:endParaRPr lang="en-US"/>
           </a:p>
@@ -3282,7 +3282,7 @@
           <a:p>
             <a:fld id="{3881C039-66A3-4640-815B-3B5A8B7D868D}" type="datetimeFigureOut">
               <a:rPr lang="en-US" smtClean="0"/>
-              <a:t>9/16/2020</a:t>
+              <a:t>2/16/2021</a:t>
             </a:fld>
             <a:endParaRPr lang="en-US"/>
           </a:p>
@@ -3831,8 +3831,23 @@
                 </a:solidFill>
                 <a:latin typeface="Selawik Semibold" panose="020B0702040204020203" pitchFamily="34" charset="0"/>
               </a:rPr>
-              <a:t>Produced by Dr. Mario | UNC STOR 390</a:t>
-            </a:r>
+              <a:t>Produced by Dr. Mario | UNC </a:t>
+            </a:r>
+            <a:r>
+              <a:rPr lang="en-US">
+                <a:solidFill>
+                  <a:schemeClr val="bg1"/>
+                </a:solidFill>
+                <a:latin typeface="Selawik Semibold" panose="020B0702040204020203" pitchFamily="34" charset="0"/>
+              </a:rPr>
+              <a:t>STOR 538</a:t>
+            </a:r>
+            <a:endParaRPr lang="en-US" dirty="0">
+              <a:solidFill>
+                <a:schemeClr val="bg1"/>
+              </a:solidFill>
+              <a:latin typeface="Selawik Semibold" panose="020B0702040204020203" pitchFamily="34" charset="0"/>
+            </a:endParaRPr>
           </a:p>
         </p:txBody>
       </p:sp>

--- a/Slides/Baseball 6/Baseball_6_Lecture.pptx
+++ b/Slides/Baseball 6/Baseball_6_Lecture.pptx
@@ -215,7 +215,7 @@
           <a:p>
             <a:fld id="{C04E5E84-956F-4423-97B3-5936A6D8EEEE}" type="datetimeFigureOut">
               <a:rPr lang="en-US" smtClean="0"/>
-              <a:t>2/16/2021</a:t>
+              <a:t>2/21/2021</a:t>
             </a:fld>
             <a:endParaRPr lang="en-US"/>
           </a:p>
@@ -629,7 +629,7 @@
           <a:p>
             <a:fld id="{3881C039-66A3-4640-815B-3B5A8B7D868D}" type="datetimeFigureOut">
               <a:rPr lang="en-US" smtClean="0"/>
-              <a:t>2/16/2021</a:t>
+              <a:t>2/21/2021</a:t>
             </a:fld>
             <a:endParaRPr lang="en-US"/>
           </a:p>
@@ -827,7 +827,7 @@
           <a:p>
             <a:fld id="{3881C039-66A3-4640-815B-3B5A8B7D868D}" type="datetimeFigureOut">
               <a:rPr lang="en-US" smtClean="0"/>
-              <a:t>2/16/2021</a:t>
+              <a:t>2/21/2021</a:t>
             </a:fld>
             <a:endParaRPr lang="en-US"/>
           </a:p>
@@ -1035,7 +1035,7 @@
           <a:p>
             <a:fld id="{3881C039-66A3-4640-815B-3B5A8B7D868D}" type="datetimeFigureOut">
               <a:rPr lang="en-US" smtClean="0"/>
-              <a:t>2/16/2021</a:t>
+              <a:t>2/21/2021</a:t>
             </a:fld>
             <a:endParaRPr lang="en-US"/>
           </a:p>
@@ -1233,7 +1233,7 @@
           <a:p>
             <a:fld id="{3881C039-66A3-4640-815B-3B5A8B7D868D}" type="datetimeFigureOut">
               <a:rPr lang="en-US" smtClean="0"/>
-              <a:t>2/16/2021</a:t>
+              <a:t>2/21/2021</a:t>
             </a:fld>
             <a:endParaRPr lang="en-US"/>
           </a:p>
@@ -1508,7 +1508,7 @@
           <a:p>
             <a:fld id="{3881C039-66A3-4640-815B-3B5A8B7D868D}" type="datetimeFigureOut">
               <a:rPr lang="en-US" smtClean="0"/>
-              <a:t>2/16/2021</a:t>
+              <a:t>2/21/2021</a:t>
             </a:fld>
             <a:endParaRPr lang="en-US"/>
           </a:p>
@@ -1773,7 +1773,7 @@
           <a:p>
             <a:fld id="{3881C039-66A3-4640-815B-3B5A8B7D868D}" type="datetimeFigureOut">
               <a:rPr lang="en-US" smtClean="0"/>
-              <a:t>2/16/2021</a:t>
+              <a:t>2/21/2021</a:t>
             </a:fld>
             <a:endParaRPr lang="en-US"/>
           </a:p>
@@ -2185,7 +2185,7 @@
           <a:p>
             <a:fld id="{3881C039-66A3-4640-815B-3B5A8B7D868D}" type="datetimeFigureOut">
               <a:rPr lang="en-US" smtClean="0"/>
-              <a:t>2/16/2021</a:t>
+              <a:t>2/21/2021</a:t>
             </a:fld>
             <a:endParaRPr lang="en-US"/>
           </a:p>
@@ -2326,7 +2326,7 @@
           <a:p>
             <a:fld id="{3881C039-66A3-4640-815B-3B5A8B7D868D}" type="datetimeFigureOut">
               <a:rPr lang="en-US" smtClean="0"/>
-              <a:t>2/16/2021</a:t>
+              <a:t>2/21/2021</a:t>
             </a:fld>
             <a:endParaRPr lang="en-US"/>
           </a:p>
@@ -2439,7 +2439,7 @@
           <a:p>
             <a:fld id="{3881C039-66A3-4640-815B-3B5A8B7D868D}" type="datetimeFigureOut">
               <a:rPr lang="en-US" smtClean="0"/>
-              <a:t>2/16/2021</a:t>
+              <a:t>2/21/2021</a:t>
             </a:fld>
             <a:endParaRPr lang="en-US"/>
           </a:p>
@@ -2750,7 +2750,7 @@
           <a:p>
             <a:fld id="{3881C039-66A3-4640-815B-3B5A8B7D868D}" type="datetimeFigureOut">
               <a:rPr lang="en-US" smtClean="0"/>
-              <a:t>2/16/2021</a:t>
+              <a:t>2/21/2021</a:t>
             </a:fld>
             <a:endParaRPr lang="en-US"/>
           </a:p>
@@ -3038,7 +3038,7 @@
           <a:p>
             <a:fld id="{3881C039-66A3-4640-815B-3B5A8B7D868D}" type="datetimeFigureOut">
               <a:rPr lang="en-US" smtClean="0"/>
-              <a:t>2/16/2021</a:t>
+              <a:t>2/21/2021</a:t>
             </a:fld>
             <a:endParaRPr lang="en-US"/>
           </a:p>
@@ -3282,7 +3282,7 @@
           <a:p>
             <a:fld id="{3881C039-66A3-4640-815B-3B5A8B7D868D}" type="datetimeFigureOut">
               <a:rPr lang="en-US" smtClean="0"/>
-              <a:t>2/16/2021</a:t>
+              <a:t>2/21/2021</a:t>
             </a:fld>
             <a:endParaRPr lang="en-US"/>
           </a:p>
@@ -5062,13 +5062,22 @@
               <a:buChar char="•"/>
             </a:pPr>
             <a:r>
+              <a:rPr lang="en-US" sz="2400">
+                <a:solidFill>
+                  <a:schemeClr val="bg1"/>
+                </a:solidFill>
+                <a:latin typeface="Selawik Semibold" panose="020B0702040204020203" pitchFamily="34" charset="0"/>
+              </a:rPr>
+              <a:t>Value Over </a:t>
+            </a:r>
+            <a:r>
               <a:rPr lang="en-US" sz="2400" dirty="0">
                 <a:solidFill>
                   <a:schemeClr val="bg1"/>
                 </a:solidFill>
                 <a:latin typeface="Selawik Semibold" panose="020B0702040204020203" pitchFamily="34" charset="0"/>
               </a:rPr>
-              <a:t>Value of a Replacement Player Points (VORPP)</a:t>
+              <a:t>a Replacement Player Points (VORPP)</a:t>
             </a:r>
             <a:endParaRPr lang="en-US" sz="2000" dirty="0">
               <a:solidFill>

--- a/Slides/Baseball 6/Baseball_6_Lecture.pptx
+++ b/Slides/Baseball 6/Baseball_6_Lecture.pptx
@@ -5,28 +5,24 @@
     <p:sldMasterId id="2147483648" r:id="rId1"/>
   </p:sldMasterIdLst>
   <p:notesMasterIdLst>
-    <p:notesMasterId r:id="rId21"/>
+    <p:notesMasterId r:id="rId17"/>
   </p:notesMasterIdLst>
   <p:sldIdLst>
     <p:sldId id="298" r:id="rId2"/>
-    <p:sldId id="333" r:id="rId3"/>
-    <p:sldId id="332" r:id="rId4"/>
-    <p:sldId id="335" r:id="rId5"/>
-    <p:sldId id="334" r:id="rId6"/>
-    <p:sldId id="336" r:id="rId7"/>
+    <p:sldId id="350" r:id="rId3"/>
+    <p:sldId id="351" r:id="rId4"/>
+    <p:sldId id="352" r:id="rId5"/>
+    <p:sldId id="353" r:id="rId6"/>
+    <p:sldId id="354" r:id="rId7"/>
     <p:sldId id="337" r:id="rId8"/>
-    <p:sldId id="338" r:id="rId9"/>
-    <p:sldId id="339" r:id="rId10"/>
-    <p:sldId id="341" r:id="rId11"/>
-    <p:sldId id="342" r:id="rId12"/>
-    <p:sldId id="343" r:id="rId13"/>
-    <p:sldId id="344" r:id="rId14"/>
-    <p:sldId id="345" r:id="rId15"/>
-    <p:sldId id="346" r:id="rId16"/>
-    <p:sldId id="347" r:id="rId17"/>
-    <p:sldId id="348" r:id="rId18"/>
-    <p:sldId id="349" r:id="rId19"/>
-    <p:sldId id="281" r:id="rId20"/>
+    <p:sldId id="341" r:id="rId9"/>
+    <p:sldId id="346" r:id="rId10"/>
+    <p:sldId id="347" r:id="rId11"/>
+    <p:sldId id="348" r:id="rId12"/>
+    <p:sldId id="349" r:id="rId13"/>
+    <p:sldId id="355" r:id="rId14"/>
+    <p:sldId id="356" r:id="rId15"/>
+    <p:sldId id="281" r:id="rId16"/>
   </p:sldIdLst>
   <p:sldSz cx="12192000" cy="6858000"/>
   <p:notesSz cx="6858000" cy="9144000"/>
@@ -215,7 +211,7 @@
           <a:p>
             <a:fld id="{C04E5E84-956F-4423-97B3-5936A6D8EEEE}" type="datetimeFigureOut">
               <a:rPr lang="en-US" smtClean="0"/>
-              <a:t>2/21/2021</a:t>
+              <a:t>2/4/2023</a:t>
             </a:fld>
             <a:endParaRPr lang="en-US"/>
           </a:p>
@@ -629,7 +625,7 @@
           <a:p>
             <a:fld id="{3881C039-66A3-4640-815B-3B5A8B7D868D}" type="datetimeFigureOut">
               <a:rPr lang="en-US" smtClean="0"/>
-              <a:t>2/21/2021</a:t>
+              <a:t>2/4/2023</a:t>
             </a:fld>
             <a:endParaRPr lang="en-US"/>
           </a:p>
@@ -827,7 +823,7 @@
           <a:p>
             <a:fld id="{3881C039-66A3-4640-815B-3B5A8B7D868D}" type="datetimeFigureOut">
               <a:rPr lang="en-US" smtClean="0"/>
-              <a:t>2/21/2021</a:t>
+              <a:t>2/4/2023</a:t>
             </a:fld>
             <a:endParaRPr lang="en-US"/>
           </a:p>
@@ -1035,7 +1031,7 @@
           <a:p>
             <a:fld id="{3881C039-66A3-4640-815B-3B5A8B7D868D}" type="datetimeFigureOut">
               <a:rPr lang="en-US" smtClean="0"/>
-              <a:t>2/21/2021</a:t>
+              <a:t>2/4/2023</a:t>
             </a:fld>
             <a:endParaRPr lang="en-US"/>
           </a:p>
@@ -1233,7 +1229,7 @@
           <a:p>
             <a:fld id="{3881C039-66A3-4640-815B-3B5A8B7D868D}" type="datetimeFigureOut">
               <a:rPr lang="en-US" smtClean="0"/>
-              <a:t>2/21/2021</a:t>
+              <a:t>2/4/2023</a:t>
             </a:fld>
             <a:endParaRPr lang="en-US"/>
           </a:p>
@@ -1508,7 +1504,7 @@
           <a:p>
             <a:fld id="{3881C039-66A3-4640-815B-3B5A8B7D868D}" type="datetimeFigureOut">
               <a:rPr lang="en-US" smtClean="0"/>
-              <a:t>2/21/2021</a:t>
+              <a:t>2/4/2023</a:t>
             </a:fld>
             <a:endParaRPr lang="en-US"/>
           </a:p>
@@ -1773,7 +1769,7 @@
           <a:p>
             <a:fld id="{3881C039-66A3-4640-815B-3B5A8B7D868D}" type="datetimeFigureOut">
               <a:rPr lang="en-US" smtClean="0"/>
-              <a:t>2/21/2021</a:t>
+              <a:t>2/4/2023</a:t>
             </a:fld>
             <a:endParaRPr lang="en-US"/>
           </a:p>
@@ -2185,7 +2181,7 @@
           <a:p>
             <a:fld id="{3881C039-66A3-4640-815B-3B5A8B7D868D}" type="datetimeFigureOut">
               <a:rPr lang="en-US" smtClean="0"/>
-              <a:t>2/21/2021</a:t>
+              <a:t>2/4/2023</a:t>
             </a:fld>
             <a:endParaRPr lang="en-US"/>
           </a:p>
@@ -2326,7 +2322,7 @@
           <a:p>
             <a:fld id="{3881C039-66A3-4640-815B-3B5A8B7D868D}" type="datetimeFigureOut">
               <a:rPr lang="en-US" smtClean="0"/>
-              <a:t>2/21/2021</a:t>
+              <a:t>2/4/2023</a:t>
             </a:fld>
             <a:endParaRPr lang="en-US"/>
           </a:p>
@@ -2439,7 +2435,7 @@
           <a:p>
             <a:fld id="{3881C039-66A3-4640-815B-3B5A8B7D868D}" type="datetimeFigureOut">
               <a:rPr lang="en-US" smtClean="0"/>
-              <a:t>2/21/2021</a:t>
+              <a:t>2/4/2023</a:t>
             </a:fld>
             <a:endParaRPr lang="en-US"/>
           </a:p>
@@ -2750,7 +2746,7 @@
           <a:p>
             <a:fld id="{3881C039-66A3-4640-815B-3B5A8B7D868D}" type="datetimeFigureOut">
               <a:rPr lang="en-US" smtClean="0"/>
-              <a:t>2/21/2021</a:t>
+              <a:t>2/4/2023</a:t>
             </a:fld>
             <a:endParaRPr lang="en-US"/>
           </a:p>
@@ -3038,7 +3034,7 @@
           <a:p>
             <a:fld id="{3881C039-66A3-4640-815B-3B5A8B7D868D}" type="datetimeFigureOut">
               <a:rPr lang="en-US" smtClean="0"/>
-              <a:t>2/21/2021</a:t>
+              <a:t>2/4/2023</a:t>
             </a:fld>
             <a:endParaRPr lang="en-US"/>
           </a:p>
@@ -3282,7 +3278,7 @@
           <a:p>
             <a:fld id="{3881C039-66A3-4640-815B-3B5A8B7D868D}" type="datetimeFigureOut">
               <a:rPr lang="en-US" smtClean="0"/>
-              <a:t>2/21/2021</a:t>
+              <a:t>2/4/2023</a:t>
             </a:fld>
             <a:endParaRPr lang="en-US"/>
           </a:p>
@@ -4018,14 +4014,6 @@
 <file path=ppt/slides/slide10.xml><?xml version="1.0" encoding="utf-8"?>
 <p:sld xmlns:a="http://schemas.openxmlformats.org/drawingml/2006/main" xmlns:r="http://schemas.openxmlformats.org/officeDocument/2006/relationships" xmlns:p="http://schemas.openxmlformats.org/presentationml/2006/main">
   <p:cSld>
-    <p:bg>
-      <p:bgPr>
-        <a:solidFill>
-          <a:schemeClr val="bg1"/>
-        </a:solidFill>
-        <a:effectLst/>
-      </p:bgPr>
-    </p:bg>
     <p:spTree>
       <p:nvGrpSpPr>
         <p:cNvPr id="1" name=""/>
@@ -4054,7 +4042,7 @@
         </p:nvSpPr>
         <p:spPr>
           <a:xfrm>
-            <a:off x="-3" y="-52157"/>
+            <a:off x="-2" y="-52157"/>
             <a:ext cx="12192000" cy="6910157"/>
           </a:xfrm>
           <a:prstGeom prst="rect">
@@ -4272,7 +4260,7 @@
                 </a:solidFill>
                 <a:latin typeface="Selawik Semibold" panose="020B0702040204020203" pitchFamily="34" charset="0"/>
               </a:rPr>
-              <a:t>Value of Replacement Players</a:t>
+              <a:t>Wins Above Replacement</a:t>
             </a:r>
           </a:p>
         </p:txBody>
@@ -4407,8 +4395,8 @@
         </p:nvSpPr>
         <p:spPr>
           <a:xfrm>
-            <a:off x="3080081" y="1520792"/>
-            <a:ext cx="8694130" cy="4524315"/>
+            <a:off x="3080080" y="1520792"/>
+            <a:ext cx="8532800" cy="2369880"/>
           </a:xfrm>
           <a:prstGeom prst="rect">
             <a:avLst/>
@@ -4432,23 +4420,8 @@
                 </a:solidFill>
                 <a:latin typeface="Selawik Semibold" panose="020B0702040204020203" pitchFamily="34" charset="0"/>
               </a:rPr>
-              <a:t>Keith </a:t>
-            </a:r>
-            <a:r>
-              <a:rPr lang="en-US" sz="2400" dirty="0" err="1">
-                <a:solidFill>
-                  <a:schemeClr val="bg1"/>
-                </a:solidFill>
-                <a:latin typeface="Selawik Semibold" panose="020B0702040204020203" pitchFamily="34" charset="0"/>
-              </a:rPr>
-              <a:t>Woolner</a:t>
-            </a:r>
-            <a:endParaRPr lang="en-US" sz="2400" dirty="0">
-              <a:solidFill>
-                <a:schemeClr val="bg1"/>
-              </a:solidFill>
-              <a:latin typeface="Selawik Semibold" panose="020B0702040204020203" pitchFamily="34" charset="0"/>
-            </a:endParaRPr>
+              <a:t>Formula Differs for Position Players and Pitchers</a:t>
+            </a:r>
           </a:p>
           <a:p>
             <a:pPr marL="800100" lvl="1" indent="-342900">
@@ -4462,7 +4435,7 @@
                 </a:solidFill>
                 <a:latin typeface="Selawik Semibold" panose="020B0702040204020203" pitchFamily="34" charset="0"/>
               </a:rPr>
-              <a:t>Works for the Cleveland Indians</a:t>
+              <a:t>Position Players: Batting, Baserunning, and Fielding Measured in Runs Above Average (RAA)</a:t>
             </a:r>
           </a:p>
           <a:p>
@@ -4477,52 +4450,7 @@
                 </a:solidFill>
                 <a:latin typeface="Selawik Semibold" panose="020B0702040204020203" pitchFamily="34" charset="0"/>
               </a:rPr>
-              <a:t>Authored for </a:t>
-            </a:r>
-            <a:r>
-              <a:rPr lang="en-US" sz="2000" i="1" dirty="0">
-                <a:solidFill>
-                  <a:schemeClr val="bg1"/>
-                </a:solidFill>
-                <a:latin typeface="Selawik Semibold" panose="020B0702040204020203" pitchFamily="34" charset="0"/>
-              </a:rPr>
-              <a:t>Baseball Prospectus</a:t>
-            </a:r>
-            <a:endParaRPr lang="en-US" sz="2000" dirty="0">
-              <a:solidFill>
-                <a:schemeClr val="bg1"/>
-              </a:solidFill>
-              <a:latin typeface="Selawik Semibold" panose="020B0702040204020203" pitchFamily="34" charset="0"/>
-            </a:endParaRPr>
-          </a:p>
-          <a:p>
-            <a:pPr marL="800100" lvl="1" indent="-342900">
-              <a:buFont typeface="Arial" panose="020B0604020202020204" pitchFamily="34" charset="0"/>
-              <a:buChar char="•"/>
-            </a:pPr>
-            <a:r>
-              <a:rPr lang="en-US" sz="2000" dirty="0">
-                <a:solidFill>
-                  <a:schemeClr val="bg1"/>
-                </a:solidFill>
-                <a:latin typeface="Selawik Semibold" panose="020B0702040204020203" pitchFamily="34" charset="0"/>
-              </a:rPr>
-              <a:t>Respected for Player Analysis and Market Evaluation</a:t>
-            </a:r>
-          </a:p>
-          <a:p>
-            <a:pPr marL="800100" lvl="1" indent="-342900">
-              <a:buFont typeface="Arial" panose="020B0604020202020204" pitchFamily="34" charset="0"/>
-              <a:buChar char="•"/>
-            </a:pPr>
-            <a:r>
-              <a:rPr lang="en-US" sz="2000" dirty="0">
-                <a:solidFill>
-                  <a:schemeClr val="bg1"/>
-                </a:solidFill>
-                <a:latin typeface="Selawik Semibold" panose="020B0702040204020203" pitchFamily="34" charset="0"/>
-              </a:rPr>
-              <a:t>Created Value of Replacement Player (VORP)</a:t>
+              <a:t>Pitchers: Either Based on Runs Allowed Per 9 Innings (RA9) or Fielding Independent Pitching (FIP)</a:t>
             </a:r>
           </a:p>
           <a:p>
@@ -4549,99 +4477,68 @@
                 </a:solidFill>
                 <a:latin typeface="Selawik Semibold" panose="020B0702040204020203" pitchFamily="34" charset="0"/>
               </a:rPr>
-              <a:t>Replacement Player</a:t>
-            </a:r>
-          </a:p>
-          <a:p>
-            <a:pPr marL="800100" lvl="1" indent="-342900">
-              <a:buFont typeface="Arial" panose="020B0604020202020204" pitchFamily="34" charset="0"/>
-              <a:buChar char="•"/>
-            </a:pPr>
-            <a:r>
-              <a:rPr lang="en-US" sz="2000" dirty="0">
+              <a:t>General Formula for Position Players (</a:t>
+            </a:r>
+            <a:r>
+              <a:rPr lang="en-US" sz="2400" dirty="0" err="1">
                 <a:solidFill>
                   <a:schemeClr val="bg1"/>
                 </a:solidFill>
                 <a:latin typeface="Selawik Semibold" panose="020B0702040204020203" pitchFamily="34" charset="0"/>
               </a:rPr>
-              <a:t>Players Create Value by Keeping Bad Players Off the Field</a:t>
-            </a:r>
-          </a:p>
-          <a:p>
-            <a:pPr marL="800100" lvl="1" indent="-342900">
-              <a:buFont typeface="Arial" panose="020B0604020202020204" pitchFamily="34" charset="0"/>
-              <a:buChar char="•"/>
-            </a:pPr>
-            <a:r>
-              <a:rPr lang="en-US" sz="2000" dirty="0">
+              <a:t>fWAR</a:t>
+            </a:r>
+            <a:r>
+              <a:rPr lang="en-US" sz="2400" dirty="0">
                 <a:solidFill>
                   <a:schemeClr val="bg1"/>
                 </a:solidFill>
                 <a:latin typeface="Selawik Semibold" panose="020B0702040204020203" pitchFamily="34" charset="0"/>
               </a:rPr>
-              <a:t>Acquiring Replacement Players (Minor League)</a:t>
-            </a:r>
-          </a:p>
-          <a:p>
-            <a:pPr marL="800100" lvl="1" indent="-342900">
-              <a:buFont typeface="Arial" panose="020B0604020202020204" pitchFamily="34" charset="0"/>
-              <a:buChar char="•"/>
-            </a:pPr>
-            <a:r>
-              <a:rPr lang="en-US" sz="2000" dirty="0">
-                <a:solidFill>
-                  <a:schemeClr val="bg1"/>
-                </a:solidFill>
-                <a:latin typeface="Selawik Semibold" panose="020B0702040204020203" pitchFamily="34" charset="0"/>
-              </a:rPr>
-              <a:t>Assume List of Replacement Players is Infinite</a:t>
-            </a:r>
-          </a:p>
-          <a:p>
-            <a:pPr marL="800100" lvl="1" indent="-342900">
-              <a:buFont typeface="Arial" panose="020B0604020202020204" pitchFamily="34" charset="0"/>
-              <a:buChar char="•"/>
-            </a:pPr>
-            <a:r>
-              <a:rPr lang="en-US" sz="2000" dirty="0" err="1">
-                <a:solidFill>
-                  <a:schemeClr val="bg1"/>
-                </a:solidFill>
-                <a:latin typeface="Selawik Semibold" panose="020B0702040204020203" pitchFamily="34" charset="0"/>
-              </a:rPr>
-              <a:t>Woolner</a:t>
-            </a:r>
-            <a:r>
-              <a:rPr lang="en-US" sz="2000" dirty="0">
-                <a:solidFill>
-                  <a:schemeClr val="bg1"/>
-                </a:solidFill>
-                <a:latin typeface="Selawik Semibold" panose="020B0702040204020203" pitchFamily="34" charset="0"/>
-              </a:rPr>
-              <a:t> Defined Replacement Player as a Player in the Bottom 20% of List Ordered by Plate Appearances</a:t>
-            </a:r>
-          </a:p>
-          <a:p>
-            <a:pPr marL="800100" lvl="1" indent="-342900">
-              <a:buFont typeface="Arial" panose="020B0604020202020204" pitchFamily="34" charset="0"/>
-              <a:buChar char="•"/>
-            </a:pPr>
-            <a:r>
-              <a:rPr lang="en-US" sz="2000" dirty="0">
-                <a:solidFill>
-                  <a:schemeClr val="bg1"/>
-                </a:solidFill>
-                <a:latin typeface="Selawik Semibold" panose="020B0702040204020203" pitchFamily="34" charset="0"/>
-              </a:rPr>
-              <a:t>Team of Replacement Players Would Get Approximately 44 Wins and 118 Losses</a:t>
-            </a:r>
-          </a:p>
-        </p:txBody>
-      </p:sp>
+              <a:t>)</a:t>
+            </a:r>
+          </a:p>
+        </p:txBody>
+      </p:sp>
+      <p:pic>
+        <p:nvPicPr>
+          <p:cNvPr id="3" name="Picture 2">
+            <a:extLst>
+              <a:ext uri="{FF2B5EF4-FFF2-40B4-BE49-F238E27FC236}">
+                <a16:creationId xmlns:a16="http://schemas.microsoft.com/office/drawing/2014/main" id="{83BF563E-ADAA-4D54-8BE0-D91224E0FD68}"/>
+              </a:ext>
+            </a:extLst>
+          </p:cNvPr>
+          <p:cNvPicPr>
+            <a:picLocks noChangeAspect="1"/>
+          </p:cNvPicPr>
+          <p:nvPr/>
+        </p:nvPicPr>
+        <p:blipFill>
+          <a:blip r:embed="rId4"/>
+          <a:stretch>
+            <a:fillRect/>
+          </a:stretch>
+        </p:blipFill>
+        <p:spPr>
+          <a:xfrm>
+            <a:off x="3545609" y="4004278"/>
+            <a:ext cx="8489166" cy="852112"/>
+          </a:xfrm>
+          <a:prstGeom prst="rect">
+            <a:avLst/>
+          </a:prstGeom>
+          <a:ln w="38100">
+            <a:solidFill>
+              <a:schemeClr val="tx1"/>
+            </a:solidFill>
+          </a:ln>
+        </p:spPr>
+      </p:pic>
     </p:spTree>
     <p:extLst>
       <p:ext uri="{BB962C8B-B14F-4D97-AF65-F5344CB8AC3E}">
-        <p14:creationId xmlns:p14="http://schemas.microsoft.com/office/powerpoint/2010/main" val="3050381949"/>
+        <p14:creationId xmlns:p14="http://schemas.microsoft.com/office/powerpoint/2010/main" val="1278628988"/>
       </p:ext>
     </p:extLst>
   </p:cSld>
@@ -4654,14 +4551,6 @@
 <file path=ppt/slides/slide11.xml><?xml version="1.0" encoding="utf-8"?>
 <p:sld xmlns:a="http://schemas.openxmlformats.org/drawingml/2006/main" xmlns:r="http://schemas.openxmlformats.org/officeDocument/2006/relationships" xmlns:p="http://schemas.openxmlformats.org/presentationml/2006/main">
   <p:cSld>
-    <p:bg>
-      <p:bgPr>
-        <a:solidFill>
-          <a:schemeClr val="bg1"/>
-        </a:solidFill>
-        <a:effectLst/>
-      </p:bgPr>
-    </p:bg>
     <p:spTree>
       <p:nvGrpSpPr>
         <p:cNvPr id="1" name=""/>
@@ -4908,7 +4797,7 @@
                 </a:solidFill>
                 <a:latin typeface="Selawik Semibold" panose="020B0702040204020203" pitchFamily="34" charset="0"/>
               </a:rPr>
-              <a:t>Value of Replacement Players</a:t>
+              <a:t>Wins Above Replacement</a:t>
             </a:r>
           </a:p>
         </p:txBody>
@@ -5043,8 +4932,8 @@
         </p:nvSpPr>
         <p:spPr>
           <a:xfrm>
-            <a:off x="3080081" y="1520792"/>
-            <a:ext cx="6690936" cy="4832092"/>
+            <a:off x="3080080" y="1520792"/>
+            <a:ext cx="8532800" cy="461665"/>
           </a:xfrm>
           <a:prstGeom prst="rect">
             <a:avLst/>
@@ -5062,13 +4951,22 @@
               <a:buChar char="•"/>
             </a:pPr>
             <a:r>
-              <a:rPr lang="en-US" sz="2400">
+              <a:rPr lang="en-US" sz="2400" dirty="0">
                 <a:solidFill>
                   <a:schemeClr val="bg1"/>
                 </a:solidFill>
                 <a:latin typeface="Selawik Semibold" panose="020B0702040204020203" pitchFamily="34" charset="0"/>
               </a:rPr>
-              <a:t>Value Over </a:t>
+              <a:t>Top Players for </a:t>
+            </a:r>
+            <a:r>
+              <a:rPr lang="en-US" sz="2400" dirty="0" err="1">
+                <a:solidFill>
+                  <a:schemeClr val="bg1"/>
+                </a:solidFill>
+                <a:latin typeface="Selawik Semibold" panose="020B0702040204020203" pitchFamily="34" charset="0"/>
+              </a:rPr>
+              <a:t>bWAR</a:t>
             </a:r>
             <a:r>
               <a:rPr lang="en-US" sz="2400" dirty="0">
@@ -5077,7 +4975,7 @@
                 </a:solidFill>
                 <a:latin typeface="Selawik Semibold" panose="020B0702040204020203" pitchFamily="34" charset="0"/>
               </a:rPr>
-              <a:t>a Replacement Player Points (VORPP)</a:t>
+              <a:t> Based on Career</a:t>
             </a:r>
             <a:endParaRPr lang="en-US" sz="2000" dirty="0">
               <a:solidFill>
@@ -5086,872 +4984,47 @@
               <a:latin typeface="Selawik Semibold" panose="020B0702040204020203" pitchFamily="34" charset="0"/>
             </a:endParaRPr>
           </a:p>
-          <a:p>
-            <a:pPr marL="800100" lvl="1" indent="-342900">
-              <a:buFont typeface="Arial" panose="020B0604020202020204" pitchFamily="34" charset="0"/>
-              <a:buChar char="•"/>
-            </a:pPr>
-            <a:r>
-              <a:rPr lang="en-US" sz="2000" dirty="0">
-                <a:solidFill>
-                  <a:schemeClr val="bg1"/>
-                </a:solidFill>
-                <a:latin typeface="Selawik Semibold" panose="020B0702040204020203" pitchFamily="34" charset="0"/>
-              </a:rPr>
-              <a:t>Recall: Each Loss Below .500 = -2,000 SAGWIN</a:t>
-            </a:r>
-          </a:p>
-          <a:p>
-            <a:pPr marL="800100" lvl="1" indent="-342900">
-              <a:buFont typeface="Arial" panose="020B0604020202020204" pitchFamily="34" charset="0"/>
-              <a:buChar char="•"/>
-            </a:pPr>
-            <a:r>
-              <a:rPr lang="en-US" sz="2000" dirty="0">
-                <a:solidFill>
-                  <a:schemeClr val="bg1"/>
-                </a:solidFill>
-                <a:latin typeface="Selawik Semibold" panose="020B0702040204020203" pitchFamily="34" charset="0"/>
-              </a:rPr>
-              <a:t>For All Replacement Players = -74,000 SAGWIN</a:t>
-            </a:r>
-          </a:p>
-          <a:p>
-            <a:pPr marL="800100" lvl="1" indent="-342900">
-              <a:buFont typeface="Arial" panose="020B0604020202020204" pitchFamily="34" charset="0"/>
-              <a:buChar char="•"/>
-            </a:pPr>
-            <a:r>
-              <a:rPr lang="en-US" sz="2000" dirty="0">
-                <a:solidFill>
-                  <a:schemeClr val="bg1"/>
-                </a:solidFill>
-                <a:latin typeface="Selawik Semibold" panose="020B0702040204020203" pitchFamily="34" charset="0"/>
-              </a:rPr>
-              <a:t>Batters and Pitchers Get Equal Blame = -37,000 SAGWIN Points Each</a:t>
-            </a:r>
-          </a:p>
-          <a:p>
-            <a:pPr marL="800100" lvl="1" indent="-342900">
-              <a:buFont typeface="Arial" panose="020B0604020202020204" pitchFamily="34" charset="0"/>
-              <a:buChar char="•"/>
-            </a:pPr>
-            <a:r>
-              <a:rPr lang="en-US" sz="2000" dirty="0">
-                <a:solidFill>
-                  <a:schemeClr val="bg1"/>
-                </a:solidFill>
-                <a:latin typeface="Selawik Semibold" panose="020B0702040204020203" pitchFamily="34" charset="0"/>
-              </a:rPr>
-              <a:t>Approximately 6,200 Plate Appearances in a Season</a:t>
-            </a:r>
-          </a:p>
-          <a:p>
-            <a:pPr marL="800100" lvl="1" indent="-342900">
-              <a:buFont typeface="Arial" panose="020B0604020202020204" pitchFamily="34" charset="0"/>
-              <a:buChar char="•"/>
-            </a:pPr>
-            <a:endParaRPr lang="en-US" sz="2000" dirty="0">
-              <a:solidFill>
-                <a:schemeClr val="bg1"/>
-              </a:solidFill>
-              <a:latin typeface="Selawik Semibold" panose="020B0702040204020203" pitchFamily="34" charset="0"/>
-            </a:endParaRPr>
-          </a:p>
-          <a:p>
-            <a:pPr marL="800100" lvl="1" indent="-342900">
-              <a:buFont typeface="Arial" panose="020B0604020202020204" pitchFamily="34" charset="0"/>
-              <a:buChar char="•"/>
-            </a:pPr>
-            <a:endParaRPr lang="en-US" sz="2000" dirty="0">
-              <a:solidFill>
-                <a:schemeClr val="bg1"/>
-              </a:solidFill>
-              <a:latin typeface="Selawik Semibold" panose="020B0702040204020203" pitchFamily="34" charset="0"/>
-            </a:endParaRPr>
-          </a:p>
-          <a:p>
-            <a:pPr lvl="1"/>
-            <a:endParaRPr lang="en-US" sz="2000" dirty="0">
-              <a:solidFill>
-                <a:schemeClr val="bg1"/>
-              </a:solidFill>
-              <a:latin typeface="Selawik Semibold" panose="020B0702040204020203" pitchFamily="34" charset="0"/>
-            </a:endParaRPr>
-          </a:p>
-          <a:p>
-            <a:pPr marL="800100" lvl="1" indent="-342900">
-              <a:buFont typeface="Arial" panose="020B0604020202020204" pitchFamily="34" charset="0"/>
-              <a:buChar char="•"/>
-            </a:pPr>
-            <a:r>
-              <a:rPr lang="en-US" sz="2000" dirty="0">
-                <a:solidFill>
-                  <a:schemeClr val="bg1"/>
-                </a:solidFill>
-                <a:latin typeface="Selawik Semibold" panose="020B0702040204020203" pitchFamily="34" charset="0"/>
-              </a:rPr>
-              <a:t>Formula for Hitters</a:t>
-            </a:r>
-          </a:p>
-          <a:p>
-            <a:pPr marL="800100" lvl="1" indent="-342900">
-              <a:buFont typeface="Arial" panose="020B0604020202020204" pitchFamily="34" charset="0"/>
-              <a:buChar char="•"/>
-            </a:pPr>
-            <a:endParaRPr lang="en-US" sz="2000" dirty="0">
-              <a:solidFill>
-                <a:schemeClr val="bg1"/>
-              </a:solidFill>
-              <a:latin typeface="Selawik Semibold" panose="020B0702040204020203" pitchFamily="34" charset="0"/>
-            </a:endParaRPr>
-          </a:p>
-          <a:p>
-            <a:pPr marL="800100" lvl="1" indent="-342900">
-              <a:buFont typeface="Arial" panose="020B0604020202020204" pitchFamily="34" charset="0"/>
-              <a:buChar char="•"/>
-            </a:pPr>
-            <a:endParaRPr lang="en-US" sz="2000" dirty="0">
-              <a:solidFill>
-                <a:schemeClr val="bg1"/>
-              </a:solidFill>
-              <a:latin typeface="Selawik Semibold" panose="020B0702040204020203" pitchFamily="34" charset="0"/>
-            </a:endParaRPr>
-          </a:p>
-          <a:p>
-            <a:pPr marL="800100" lvl="1" indent="-342900">
-              <a:buFont typeface="Arial" panose="020B0604020202020204" pitchFamily="34" charset="0"/>
-              <a:buChar char="•"/>
-            </a:pPr>
-            <a:r>
-              <a:rPr lang="en-US" sz="2000" dirty="0">
-                <a:solidFill>
-                  <a:schemeClr val="bg1"/>
-                </a:solidFill>
-                <a:latin typeface="Selawik Semibold" panose="020B0702040204020203" pitchFamily="34" charset="0"/>
-              </a:rPr>
-              <a:t>Formula for Pitchers</a:t>
-            </a:r>
-          </a:p>
-        </p:txBody>
-      </p:sp>
-      <mc:AlternateContent xmlns:mc="http://schemas.openxmlformats.org/markup-compatibility/2006" xmlns:a14="http://schemas.microsoft.com/office/drawing/2010/main">
-        <mc:Choice Requires="a14">
-          <p:sp>
-            <p:nvSpPr>
-              <p:cNvPr id="11" name="TextBox 10">
-                <a:extLst>
-                  <a:ext uri="{FF2B5EF4-FFF2-40B4-BE49-F238E27FC236}">
-                    <a16:creationId xmlns:a16="http://schemas.microsoft.com/office/drawing/2014/main" id="{75F0F5AA-3A18-489D-897A-E4BA6BA221EE}"/>
-                  </a:ext>
-                </a:extLst>
-              </p:cNvPr>
-              <p:cNvSpPr txBox="1"/>
-              <p:nvPr/>
-            </p:nvSpPr>
-            <p:spPr>
-              <a:xfrm>
-                <a:off x="2914148" y="4146299"/>
-                <a:ext cx="9120627" cy="825291"/>
-              </a:xfrm>
-              <a:prstGeom prst="rect">
-                <a:avLst/>
-              </a:prstGeom>
-              <a:noFill/>
-            </p:spPr>
-            <p:txBody>
-              <a:bodyPr wrap="square" rtlCol="0">
-                <a:spAutoFit/>
-              </a:bodyPr>
-              <a:lstStyle/>
-              <a:p>
-                <a:pPr algn="just"/>
-                <a14:m>
-                  <m:oMathPara xmlns:m="http://schemas.openxmlformats.org/officeDocument/2006/math">
-                    <m:oMathParaPr>
-                      <m:jc m:val="centerGroup"/>
-                    </m:oMathParaPr>
-                    <m:oMath xmlns:m="http://schemas.openxmlformats.org/officeDocument/2006/math">
-                      <m:f>
-                        <m:fPr>
-                          <m:ctrlPr>
-                            <a:rPr lang="en-US" sz="2400" b="1" i="1" smtClean="0">
-                              <a:solidFill>
-                                <a:schemeClr val="bg1"/>
-                              </a:solidFill>
-                              <a:latin typeface="Cambria Math" panose="02040503050406030204" pitchFamily="18" charset="0"/>
-                            </a:rPr>
-                          </m:ctrlPr>
-                        </m:fPr>
-                        <m:num>
-                          <m:r>
-                            <a:rPr lang="en-US" sz="2400" b="1" i="1" smtClean="0">
-                              <a:solidFill>
-                                <a:schemeClr val="bg1"/>
-                              </a:solidFill>
-                              <a:latin typeface="Cambria Math" panose="02040503050406030204" pitchFamily="18" charset="0"/>
-                            </a:rPr>
-                            <m:t>−</m:t>
-                          </m:r>
-                          <m:r>
-                            <a:rPr lang="en-US" sz="2400" b="1" i="1" smtClean="0">
-                              <a:solidFill>
-                                <a:schemeClr val="bg1"/>
-                              </a:solidFill>
-                              <a:latin typeface="Cambria Math" panose="02040503050406030204" pitchFamily="18" charset="0"/>
-                            </a:rPr>
-                            <m:t>𝟑𝟕</m:t>
-                          </m:r>
-                          <m:r>
-                            <a:rPr lang="en-US" sz="2400" b="1" i="1" smtClean="0">
-                              <a:solidFill>
-                                <a:schemeClr val="bg1"/>
-                              </a:solidFill>
-                              <a:latin typeface="Cambria Math" panose="02040503050406030204" pitchFamily="18" charset="0"/>
-                            </a:rPr>
-                            <m:t>,</m:t>
-                          </m:r>
-                          <m:r>
-                            <a:rPr lang="en-US" sz="2400" b="1" i="1" smtClean="0">
-                              <a:solidFill>
-                                <a:schemeClr val="bg1"/>
-                              </a:solidFill>
-                              <a:latin typeface="Cambria Math" panose="02040503050406030204" pitchFamily="18" charset="0"/>
-                            </a:rPr>
-                            <m:t>𝟎𝟎𝟎</m:t>
-                          </m:r>
-                        </m:num>
-                        <m:den>
-                          <m:r>
-                            <a:rPr lang="en-US" sz="2400" b="1" i="1" smtClean="0">
-                              <a:solidFill>
-                                <a:schemeClr val="bg1"/>
-                              </a:solidFill>
-                              <a:latin typeface="Cambria Math" panose="02040503050406030204" pitchFamily="18" charset="0"/>
-                            </a:rPr>
-                            <m:t>𝟔</m:t>
-                          </m:r>
-                          <m:r>
-                            <a:rPr lang="en-US" sz="2400" b="1" i="1" smtClean="0">
-                              <a:solidFill>
-                                <a:schemeClr val="bg1"/>
-                              </a:solidFill>
-                              <a:latin typeface="Cambria Math" panose="02040503050406030204" pitchFamily="18" charset="0"/>
-                            </a:rPr>
-                            <m:t>,</m:t>
-                          </m:r>
-                          <m:r>
-                            <a:rPr lang="en-US" sz="2400" b="1" i="1" smtClean="0">
-                              <a:solidFill>
-                                <a:schemeClr val="bg1"/>
-                              </a:solidFill>
-                              <a:latin typeface="Cambria Math" panose="02040503050406030204" pitchFamily="18" charset="0"/>
-                            </a:rPr>
-                            <m:t>𝟐𝟎𝟎</m:t>
-                          </m:r>
-                        </m:den>
-                      </m:f>
-                      <m:r>
-                        <a:rPr lang="en-US" sz="2400" b="1" i="1" smtClean="0">
-                          <a:solidFill>
-                            <a:schemeClr val="bg1"/>
-                          </a:solidFill>
-                          <a:latin typeface="Cambria Math" panose="02040503050406030204" pitchFamily="18" charset="0"/>
-                        </a:rPr>
-                        <m:t>=−</m:t>
-                      </m:r>
-                      <m:r>
-                        <a:rPr lang="en-US" sz="2400" b="1" i="1" smtClean="0">
-                          <a:solidFill>
-                            <a:schemeClr val="bg1"/>
-                          </a:solidFill>
-                          <a:latin typeface="Cambria Math" panose="02040503050406030204" pitchFamily="18" charset="0"/>
-                        </a:rPr>
-                        <m:t>𝟓</m:t>
-                      </m:r>
-                      <m:r>
-                        <a:rPr lang="en-US" sz="2400" b="1" i="1" smtClean="0">
-                          <a:solidFill>
-                            <a:schemeClr val="bg1"/>
-                          </a:solidFill>
-                          <a:latin typeface="Cambria Math" panose="02040503050406030204" pitchFamily="18" charset="0"/>
-                        </a:rPr>
-                        <m:t>.</m:t>
-                      </m:r>
-                      <m:r>
-                        <a:rPr lang="en-US" sz="2400" b="1" i="1" smtClean="0">
-                          <a:solidFill>
-                            <a:schemeClr val="bg1"/>
-                          </a:solidFill>
-                          <a:latin typeface="Cambria Math" panose="02040503050406030204" pitchFamily="18" charset="0"/>
-                        </a:rPr>
-                        <m:t>𝟗𝟕</m:t>
-                      </m:r>
-                      <m:r>
-                        <a:rPr lang="en-US" sz="2400" b="1" i="1" smtClean="0">
-                          <a:solidFill>
-                            <a:schemeClr val="bg1"/>
-                          </a:solidFill>
-                          <a:latin typeface="Cambria Math" panose="02040503050406030204" pitchFamily="18" charset="0"/>
-                        </a:rPr>
-                        <m:t> </m:t>
-                      </m:r>
-                      <m:r>
-                        <a:rPr lang="en-US" sz="2400" b="1" i="1" smtClean="0">
-                          <a:solidFill>
-                            <a:schemeClr val="bg1"/>
-                          </a:solidFill>
-                          <a:latin typeface="Cambria Math" panose="02040503050406030204" pitchFamily="18" charset="0"/>
-                        </a:rPr>
-                        <m:t>𝑷𝒐𝒊𝒏𝒕𝒔</m:t>
-                      </m:r>
-                      <m:r>
-                        <a:rPr lang="en-US" sz="2400" b="1" i="1" smtClean="0">
-                          <a:solidFill>
-                            <a:schemeClr val="bg1"/>
-                          </a:solidFill>
-                          <a:latin typeface="Cambria Math" panose="02040503050406030204" pitchFamily="18" charset="0"/>
-                        </a:rPr>
-                        <m:t> </m:t>
-                      </m:r>
-                      <m:r>
-                        <a:rPr lang="en-US" sz="2400" b="1" i="1" smtClean="0">
-                          <a:solidFill>
-                            <a:schemeClr val="bg1"/>
-                          </a:solidFill>
-                          <a:latin typeface="Cambria Math" panose="02040503050406030204" pitchFamily="18" charset="0"/>
-                        </a:rPr>
-                        <m:t>𝑷𝒆𝒓</m:t>
-                      </m:r>
-                      <m:r>
-                        <a:rPr lang="en-US" sz="2400" b="1" i="1" smtClean="0">
-                          <a:solidFill>
-                            <a:schemeClr val="bg1"/>
-                          </a:solidFill>
-                          <a:latin typeface="Cambria Math" panose="02040503050406030204" pitchFamily="18" charset="0"/>
-                        </a:rPr>
-                        <m:t> </m:t>
-                      </m:r>
-                      <m:r>
-                        <a:rPr lang="en-US" sz="2400" b="1" i="1" smtClean="0">
-                          <a:solidFill>
-                            <a:schemeClr val="bg1"/>
-                          </a:solidFill>
-                          <a:latin typeface="Cambria Math" panose="02040503050406030204" pitchFamily="18" charset="0"/>
-                        </a:rPr>
-                        <m:t>𝑷𝒍𝒂𝒕𝒆</m:t>
-                      </m:r>
-                      <m:r>
-                        <a:rPr lang="en-US" sz="2400" b="1" i="1" smtClean="0">
-                          <a:solidFill>
-                            <a:schemeClr val="bg1"/>
-                          </a:solidFill>
-                          <a:latin typeface="Cambria Math" panose="02040503050406030204" pitchFamily="18" charset="0"/>
-                        </a:rPr>
-                        <m:t> </m:t>
-                      </m:r>
-                      <m:r>
-                        <a:rPr lang="en-US" sz="2400" b="1" i="1" smtClean="0">
-                          <a:solidFill>
-                            <a:schemeClr val="bg1"/>
-                          </a:solidFill>
-                          <a:latin typeface="Cambria Math" panose="02040503050406030204" pitchFamily="18" charset="0"/>
-                        </a:rPr>
-                        <m:t>𝑨𝒑𝒑𝒆𝒂𝒓𝒂𝒏𝒄𝒆</m:t>
-                      </m:r>
-                    </m:oMath>
-                  </m:oMathPara>
-                </a14:m>
-                <a:endParaRPr lang="en-US" sz="2400" b="1" i="1" dirty="0">
-                  <a:solidFill>
-                    <a:schemeClr val="bg1"/>
-                  </a:solidFill>
-                  <a:latin typeface="Cambria Math" panose="02040503050406030204" pitchFamily="18" charset="0"/>
-                </a:endParaRPr>
-              </a:p>
-            </p:txBody>
-          </p:sp>
-        </mc:Choice>
-        <mc:Fallback xmlns="">
-          <p:sp>
-            <p:nvSpPr>
-              <p:cNvPr id="11" name="TextBox 10">
-                <a:extLst>
-                  <a:ext uri="{FF2B5EF4-FFF2-40B4-BE49-F238E27FC236}">
-                    <a16:creationId xmlns:a16="http://schemas.microsoft.com/office/drawing/2014/main" id="{75F0F5AA-3A18-489D-897A-E4BA6BA221EE}"/>
-                  </a:ext>
-                </a:extLst>
-              </p:cNvPr>
-              <p:cNvSpPr txBox="1">
-                <a:spLocks noRot="1" noChangeAspect="1" noMove="1" noResize="1" noEditPoints="1" noAdjustHandles="1" noChangeArrowheads="1" noChangeShapeType="1" noTextEdit="1"/>
-              </p:cNvSpPr>
-              <p:nvPr/>
-            </p:nvSpPr>
-            <p:spPr>
-              <a:xfrm>
-                <a:off x="2914148" y="4146299"/>
-                <a:ext cx="9120627" cy="825291"/>
-              </a:xfrm>
-              <a:prstGeom prst="rect">
-                <a:avLst/>
-              </a:prstGeom>
-              <a:blipFill>
-                <a:blip r:embed="rId4"/>
-                <a:stretch>
-                  <a:fillRect/>
-                </a:stretch>
-              </a:blipFill>
-            </p:spPr>
-            <p:txBody>
-              <a:bodyPr/>
-              <a:lstStyle/>
-              <a:p>
-                <a:r>
-                  <a:rPr lang="en-US">
-                    <a:noFill/>
-                  </a:rPr>
-                  <a:t> </a:t>
-                </a:r>
-              </a:p>
-            </p:txBody>
-          </p:sp>
-        </mc:Fallback>
-      </mc:AlternateContent>
-      <mc:AlternateContent xmlns:mc="http://schemas.openxmlformats.org/markup-compatibility/2006" xmlns:a14="http://schemas.microsoft.com/office/drawing/2010/main">
-        <mc:Choice Requires="a14">
-          <p:sp>
-            <p:nvSpPr>
-              <p:cNvPr id="12" name="TextBox 11">
-                <a:extLst>
-                  <a:ext uri="{FF2B5EF4-FFF2-40B4-BE49-F238E27FC236}">
-                    <a16:creationId xmlns:a16="http://schemas.microsoft.com/office/drawing/2014/main" id="{CF4BA6E3-403B-4AEA-BB88-AA090D744DAD}"/>
-                  </a:ext>
-                </a:extLst>
-              </p:cNvPr>
-              <p:cNvSpPr txBox="1"/>
-              <p:nvPr/>
-            </p:nvSpPr>
-            <p:spPr>
-              <a:xfrm>
-                <a:off x="1849624" y="5400485"/>
-                <a:ext cx="9120627" cy="461665"/>
-              </a:xfrm>
-              <a:prstGeom prst="rect">
-                <a:avLst/>
-              </a:prstGeom>
-              <a:noFill/>
-            </p:spPr>
-            <p:txBody>
-              <a:bodyPr wrap="square" rtlCol="0">
-                <a:spAutoFit/>
-              </a:bodyPr>
-              <a:lstStyle/>
-              <a:p>
-                <a:pPr algn="just"/>
-                <a14:m>
-                  <m:oMathPara xmlns:m="http://schemas.openxmlformats.org/officeDocument/2006/math">
-                    <m:oMathParaPr>
-                      <m:jc m:val="centerGroup"/>
-                    </m:oMathParaPr>
-                    <m:oMath xmlns:m="http://schemas.openxmlformats.org/officeDocument/2006/math">
-                      <m:r>
-                        <a:rPr lang="en-US" sz="2400" b="1" i="1" smtClean="0">
-                          <a:solidFill>
-                            <a:schemeClr val="bg1"/>
-                          </a:solidFill>
-                          <a:latin typeface="Cambria Math" panose="02040503050406030204" pitchFamily="18" charset="0"/>
-                        </a:rPr>
-                        <m:t>𝑽𝑶𝑹𝑷𝑷</m:t>
-                      </m:r>
-                      <m:r>
-                        <a:rPr lang="en-US" sz="2400" b="1" i="1" smtClean="0">
-                          <a:solidFill>
-                            <a:schemeClr val="bg1"/>
-                          </a:solidFill>
-                          <a:latin typeface="Cambria Math" panose="02040503050406030204" pitchFamily="18" charset="0"/>
-                        </a:rPr>
-                        <m:t>=</m:t>
-                      </m:r>
-                      <m:r>
-                        <a:rPr lang="en-US" sz="2400" b="1" i="1" smtClean="0">
-                          <a:solidFill>
-                            <a:schemeClr val="bg1"/>
-                          </a:solidFill>
-                          <a:latin typeface="Cambria Math" panose="02040503050406030204" pitchFamily="18" charset="0"/>
-                        </a:rPr>
-                        <m:t>𝑺𝑨𝑮𝑾𝑰𝑵</m:t>
-                      </m:r>
-                      <m:r>
-                        <a:rPr lang="en-US" sz="2400" b="1" i="1" smtClean="0">
-                          <a:solidFill>
-                            <a:schemeClr val="bg1"/>
-                          </a:solidFill>
-                          <a:latin typeface="Cambria Math" panose="02040503050406030204" pitchFamily="18" charset="0"/>
-                        </a:rPr>
-                        <m:t>+</m:t>
-                      </m:r>
-                      <m:r>
-                        <a:rPr lang="en-US" sz="2400" b="1" i="1" smtClean="0">
-                          <a:solidFill>
-                            <a:schemeClr val="bg1"/>
-                          </a:solidFill>
-                          <a:latin typeface="Cambria Math" panose="02040503050406030204" pitchFamily="18" charset="0"/>
-                        </a:rPr>
-                        <m:t>𝟓</m:t>
-                      </m:r>
-                      <m:r>
-                        <a:rPr lang="en-US" sz="2400" b="1" i="1" smtClean="0">
-                          <a:solidFill>
-                            <a:schemeClr val="bg1"/>
-                          </a:solidFill>
-                          <a:latin typeface="Cambria Math" panose="02040503050406030204" pitchFamily="18" charset="0"/>
-                        </a:rPr>
-                        <m:t>.</m:t>
-                      </m:r>
-                      <m:r>
-                        <a:rPr lang="en-US" sz="2400" b="1" i="1" smtClean="0">
-                          <a:solidFill>
-                            <a:schemeClr val="bg1"/>
-                          </a:solidFill>
-                          <a:latin typeface="Cambria Math" panose="02040503050406030204" pitchFamily="18" charset="0"/>
-                        </a:rPr>
-                        <m:t>𝟗𝟕</m:t>
-                      </m:r>
-                      <m:r>
-                        <a:rPr lang="en-US" sz="2400" b="1" i="1" smtClean="0">
-                          <a:solidFill>
-                            <a:schemeClr val="bg1"/>
-                          </a:solidFill>
-                          <a:latin typeface="Cambria Math" panose="02040503050406030204" pitchFamily="18" charset="0"/>
-                        </a:rPr>
-                        <m:t>×(</m:t>
-                      </m:r>
-                      <m:r>
-                        <a:rPr lang="en-US" sz="2400" b="1" i="1" smtClean="0">
-                          <a:solidFill>
-                            <a:schemeClr val="bg1"/>
-                          </a:solidFill>
-                          <a:latin typeface="Cambria Math" panose="02040503050406030204" pitchFamily="18" charset="0"/>
-                        </a:rPr>
-                        <m:t>𝑷𝑨</m:t>
-                      </m:r>
-                      <m:r>
-                        <a:rPr lang="en-US" sz="2400" b="1" i="1" smtClean="0">
-                          <a:solidFill>
-                            <a:schemeClr val="bg1"/>
-                          </a:solidFill>
-                          <a:latin typeface="Cambria Math" panose="02040503050406030204" pitchFamily="18" charset="0"/>
-                        </a:rPr>
-                        <m:t>)</m:t>
-                      </m:r>
-                    </m:oMath>
-                  </m:oMathPara>
-                </a14:m>
-                <a:endParaRPr lang="en-US" sz="2400" b="1" i="1" dirty="0">
-                  <a:solidFill>
-                    <a:schemeClr val="bg1"/>
-                  </a:solidFill>
-                  <a:latin typeface="Cambria Math" panose="02040503050406030204" pitchFamily="18" charset="0"/>
-                </a:endParaRPr>
-              </a:p>
-            </p:txBody>
-          </p:sp>
-        </mc:Choice>
-        <mc:Fallback xmlns="">
-          <p:sp>
-            <p:nvSpPr>
-              <p:cNvPr id="12" name="TextBox 11">
-                <a:extLst>
-                  <a:ext uri="{FF2B5EF4-FFF2-40B4-BE49-F238E27FC236}">
-                    <a16:creationId xmlns:a16="http://schemas.microsoft.com/office/drawing/2014/main" id="{CF4BA6E3-403B-4AEA-BB88-AA090D744DAD}"/>
-                  </a:ext>
-                </a:extLst>
-              </p:cNvPr>
-              <p:cNvSpPr txBox="1">
-                <a:spLocks noRot="1" noChangeAspect="1" noMove="1" noResize="1" noEditPoints="1" noAdjustHandles="1" noChangeArrowheads="1" noChangeShapeType="1" noTextEdit="1"/>
-              </p:cNvSpPr>
-              <p:nvPr/>
-            </p:nvSpPr>
-            <p:spPr>
-              <a:xfrm>
-                <a:off x="1849624" y="5400485"/>
-                <a:ext cx="9120627" cy="461665"/>
-              </a:xfrm>
-              <a:prstGeom prst="rect">
-                <a:avLst/>
-              </a:prstGeom>
-              <a:blipFill>
-                <a:blip r:embed="rId5"/>
-                <a:stretch>
-                  <a:fillRect b="-19737"/>
-                </a:stretch>
-              </a:blipFill>
-            </p:spPr>
-            <p:txBody>
-              <a:bodyPr/>
-              <a:lstStyle/>
-              <a:p>
-                <a:r>
-                  <a:rPr lang="en-US">
-                    <a:noFill/>
-                  </a:rPr>
-                  <a:t> </a:t>
-                </a:r>
-              </a:p>
-            </p:txBody>
-          </p:sp>
-        </mc:Fallback>
-      </mc:AlternateContent>
-      <p:sp>
-        <p:nvSpPr>
-          <p:cNvPr id="13" name="TextBox 12">
-            <a:extLst>
-              <a:ext uri="{FF2B5EF4-FFF2-40B4-BE49-F238E27FC236}">
-                <a16:creationId xmlns:a16="http://schemas.microsoft.com/office/drawing/2014/main" id="{2F923536-F8EB-40BD-9A4F-2AA95A52D014}"/>
-              </a:ext>
-            </a:extLst>
-          </p:cNvPr>
-          <p:cNvSpPr txBox="1"/>
+        </p:txBody>
+      </p:sp>
+      <p:pic>
+        <p:nvPicPr>
+          <p:cNvPr id="2" name="Picture 1">
+            <a:extLst>
+              <a:ext uri="{FF2B5EF4-FFF2-40B4-BE49-F238E27FC236}">
+                <a16:creationId xmlns:a16="http://schemas.microsoft.com/office/drawing/2014/main" id="{66DEB47C-14F0-43E0-9CFA-D70C79C1F06E}"/>
+              </a:ext>
+            </a:extLst>
+          </p:cNvPr>
+          <p:cNvPicPr>
+            <a:picLocks noChangeAspect="1"/>
+          </p:cNvPicPr>
           <p:nvPr/>
-        </p:nvSpPr>
+        </p:nvPicPr>
+        <p:blipFill>
+          <a:blip r:embed="rId4"/>
+          <a:stretch>
+            <a:fillRect/>
+          </a:stretch>
+        </p:blipFill>
         <p:spPr>
           <a:xfrm>
-            <a:off x="9397453" y="1067024"/>
-            <a:ext cx="2637322" cy="1200329"/>
+            <a:off x="3584323" y="2069743"/>
+            <a:ext cx="6325962" cy="3993060"/>
           </a:xfrm>
           <a:prstGeom prst="rect">
             <a:avLst/>
           </a:prstGeom>
-          <a:solidFill>
-            <a:schemeClr val="tx1"/>
-          </a:solidFill>
-        </p:spPr>
-        <p:txBody>
-          <a:bodyPr wrap="square" rtlCol="0">
-            <a:spAutoFit/>
-          </a:bodyPr>
-          <a:lstStyle/>
-          <a:p>
-            <a:r>
-              <a:rPr lang="en-US" sz="2400" dirty="0">
-                <a:solidFill>
-                  <a:schemeClr val="bg1"/>
-                </a:solidFill>
-              </a:rPr>
-              <a:t>PA = Plate </a:t>
-            </a:r>
-          </a:p>
-          <a:p>
-            <a:r>
-              <a:rPr lang="en-US" sz="2400" dirty="0">
-                <a:solidFill>
-                  <a:schemeClr val="bg1"/>
-                </a:solidFill>
-              </a:rPr>
-              <a:t>         Appearance</a:t>
-            </a:r>
-          </a:p>
-          <a:p>
-            <a:r>
-              <a:rPr lang="en-US" sz="2400" dirty="0">
-                <a:solidFill>
-                  <a:schemeClr val="bg1"/>
-                </a:solidFill>
-              </a:rPr>
-              <a:t>BFP = Batters Faced</a:t>
-            </a:r>
-          </a:p>
-        </p:txBody>
-      </p:sp>
-      <mc:AlternateContent xmlns:mc="http://schemas.openxmlformats.org/markup-compatibility/2006" xmlns:a14="http://schemas.microsoft.com/office/drawing/2010/main">
-        <mc:Choice Requires="a14">
-          <p:sp>
-            <p:nvSpPr>
-              <p:cNvPr id="14" name="TextBox 13">
-                <a:extLst>
-                  <a:ext uri="{FF2B5EF4-FFF2-40B4-BE49-F238E27FC236}">
-                    <a16:creationId xmlns:a16="http://schemas.microsoft.com/office/drawing/2014/main" id="{34AB9840-512A-405E-A161-BAED888D07C3}"/>
-                  </a:ext>
-                </a:extLst>
-              </p:cNvPr>
-              <p:cNvSpPr txBox="1"/>
-              <p:nvPr/>
-            </p:nvSpPr>
-            <p:spPr>
-              <a:xfrm>
-                <a:off x="1849623" y="6258715"/>
-                <a:ext cx="9120627" cy="461665"/>
-              </a:xfrm>
-              <a:prstGeom prst="rect">
-                <a:avLst/>
-              </a:prstGeom>
-              <a:noFill/>
-            </p:spPr>
-            <p:txBody>
-              <a:bodyPr wrap="square" rtlCol="0">
-                <a:spAutoFit/>
-              </a:bodyPr>
-              <a:lstStyle/>
-              <a:p>
-                <a:pPr algn="just"/>
-                <a14:m>
-                  <m:oMathPara xmlns:m="http://schemas.openxmlformats.org/officeDocument/2006/math">
-                    <m:oMathParaPr>
-                      <m:jc m:val="centerGroup"/>
-                    </m:oMathParaPr>
-                    <m:oMath xmlns:m="http://schemas.openxmlformats.org/officeDocument/2006/math">
-                      <m:r>
-                        <a:rPr lang="en-US" sz="2400" b="1" i="1" smtClean="0">
-                          <a:solidFill>
-                            <a:schemeClr val="bg1"/>
-                          </a:solidFill>
-                          <a:latin typeface="Cambria Math" panose="02040503050406030204" pitchFamily="18" charset="0"/>
-                        </a:rPr>
-                        <m:t>𝑽𝑶𝑹𝑷𝑷</m:t>
-                      </m:r>
-                      <m:r>
-                        <a:rPr lang="en-US" sz="2400" b="1" i="1" smtClean="0">
-                          <a:solidFill>
-                            <a:schemeClr val="bg1"/>
-                          </a:solidFill>
-                          <a:latin typeface="Cambria Math" panose="02040503050406030204" pitchFamily="18" charset="0"/>
-                        </a:rPr>
-                        <m:t>=</m:t>
-                      </m:r>
-                      <m:r>
-                        <a:rPr lang="en-US" sz="2400" b="1" i="1" smtClean="0">
-                          <a:solidFill>
-                            <a:schemeClr val="bg1"/>
-                          </a:solidFill>
-                          <a:latin typeface="Cambria Math" panose="02040503050406030204" pitchFamily="18" charset="0"/>
-                        </a:rPr>
-                        <m:t>𝑺𝑨𝑮𝑾𝑰𝑵</m:t>
-                      </m:r>
-                      <m:r>
-                        <a:rPr lang="en-US" sz="2400" b="1" i="1" smtClean="0">
-                          <a:solidFill>
-                            <a:schemeClr val="bg1"/>
-                          </a:solidFill>
-                          <a:latin typeface="Cambria Math" panose="02040503050406030204" pitchFamily="18" charset="0"/>
-                        </a:rPr>
-                        <m:t>+</m:t>
-                      </m:r>
-                      <m:r>
-                        <a:rPr lang="en-US" sz="2400" b="1" i="1" smtClean="0">
-                          <a:solidFill>
-                            <a:schemeClr val="bg1"/>
-                          </a:solidFill>
-                          <a:latin typeface="Cambria Math" panose="02040503050406030204" pitchFamily="18" charset="0"/>
-                        </a:rPr>
-                        <m:t>𝟓</m:t>
-                      </m:r>
-                      <m:r>
-                        <a:rPr lang="en-US" sz="2400" b="1" i="1" smtClean="0">
-                          <a:solidFill>
-                            <a:schemeClr val="bg1"/>
-                          </a:solidFill>
-                          <a:latin typeface="Cambria Math" panose="02040503050406030204" pitchFamily="18" charset="0"/>
-                        </a:rPr>
-                        <m:t>.</m:t>
-                      </m:r>
-                      <m:r>
-                        <a:rPr lang="en-US" sz="2400" b="1" i="1" smtClean="0">
-                          <a:solidFill>
-                            <a:schemeClr val="bg1"/>
-                          </a:solidFill>
-                          <a:latin typeface="Cambria Math" panose="02040503050406030204" pitchFamily="18" charset="0"/>
-                        </a:rPr>
-                        <m:t>𝟗𝟕</m:t>
-                      </m:r>
-                      <m:r>
-                        <a:rPr lang="en-US" sz="2400" b="1" i="1" smtClean="0">
-                          <a:solidFill>
-                            <a:schemeClr val="bg1"/>
-                          </a:solidFill>
-                          <a:latin typeface="Cambria Math" panose="02040503050406030204" pitchFamily="18" charset="0"/>
-                        </a:rPr>
-                        <m:t>×(</m:t>
-                      </m:r>
-                      <m:r>
-                        <a:rPr lang="en-US" sz="2400" b="1" i="1" smtClean="0">
-                          <a:solidFill>
-                            <a:schemeClr val="bg1"/>
-                          </a:solidFill>
-                          <a:latin typeface="Cambria Math" panose="02040503050406030204" pitchFamily="18" charset="0"/>
-                        </a:rPr>
-                        <m:t>𝑩𝑭𝑷</m:t>
-                      </m:r>
-                      <m:r>
-                        <a:rPr lang="en-US" sz="2400" b="1" i="1" smtClean="0">
-                          <a:solidFill>
-                            <a:schemeClr val="bg1"/>
-                          </a:solidFill>
-                          <a:latin typeface="Cambria Math" panose="02040503050406030204" pitchFamily="18" charset="0"/>
-                        </a:rPr>
-                        <m:t>)</m:t>
-                      </m:r>
-                    </m:oMath>
-                  </m:oMathPara>
-                </a14:m>
-                <a:endParaRPr lang="en-US" sz="2400" b="1" i="1" dirty="0">
-                  <a:solidFill>
-                    <a:schemeClr val="bg1"/>
-                  </a:solidFill>
-                  <a:latin typeface="Cambria Math" panose="02040503050406030204" pitchFamily="18" charset="0"/>
-                </a:endParaRPr>
-              </a:p>
-            </p:txBody>
-          </p:sp>
-        </mc:Choice>
-        <mc:Fallback xmlns="">
-          <p:sp>
-            <p:nvSpPr>
-              <p:cNvPr id="14" name="TextBox 13">
-                <a:extLst>
-                  <a:ext uri="{FF2B5EF4-FFF2-40B4-BE49-F238E27FC236}">
-                    <a16:creationId xmlns:a16="http://schemas.microsoft.com/office/drawing/2014/main" id="{34AB9840-512A-405E-A161-BAED888D07C3}"/>
-                  </a:ext>
-                </a:extLst>
-              </p:cNvPr>
-              <p:cNvSpPr txBox="1">
-                <a:spLocks noRot="1" noChangeAspect="1" noMove="1" noResize="1" noEditPoints="1" noAdjustHandles="1" noChangeArrowheads="1" noChangeShapeType="1" noTextEdit="1"/>
-              </p:cNvSpPr>
-              <p:nvPr/>
-            </p:nvSpPr>
-            <p:spPr>
-              <a:xfrm>
-                <a:off x="1849623" y="6258715"/>
-                <a:ext cx="9120627" cy="461665"/>
-              </a:xfrm>
-              <a:prstGeom prst="rect">
-                <a:avLst/>
-              </a:prstGeom>
-              <a:blipFill>
-                <a:blip r:embed="rId6"/>
-                <a:stretch>
-                  <a:fillRect b="-21333"/>
-                </a:stretch>
-              </a:blipFill>
-            </p:spPr>
-            <p:txBody>
-              <a:bodyPr/>
-              <a:lstStyle/>
-              <a:p>
-                <a:r>
-                  <a:rPr lang="en-US">
-                    <a:noFill/>
-                  </a:rPr>
-                  <a:t> </a:t>
-                </a:r>
-              </a:p>
-            </p:txBody>
-          </p:sp>
-        </mc:Fallback>
-      </mc:AlternateContent>
+          <a:ln w="38100">
+            <a:solidFill>
+              <a:schemeClr val="tx1"/>
+            </a:solidFill>
+          </a:ln>
+        </p:spPr>
+      </p:pic>
     </p:spTree>
     <p:extLst>
       <p:ext uri="{BB962C8B-B14F-4D97-AF65-F5344CB8AC3E}">
-        <p14:creationId xmlns:p14="http://schemas.microsoft.com/office/powerpoint/2010/main" val="2075932132"/>
+        <p14:creationId xmlns:p14="http://schemas.microsoft.com/office/powerpoint/2010/main" val="473596568"/>
       </p:ext>
     </p:extLst>
   </p:cSld>
@@ -5964,14 +5037,6 @@
 <file path=ppt/slides/slide12.xml><?xml version="1.0" encoding="utf-8"?>
 <p:sld xmlns:a="http://schemas.openxmlformats.org/drawingml/2006/main" xmlns:r="http://schemas.openxmlformats.org/officeDocument/2006/relationships" xmlns:p="http://schemas.openxmlformats.org/presentationml/2006/main">
   <p:cSld>
-    <p:bg>
-      <p:bgPr>
-        <a:solidFill>
-          <a:schemeClr val="bg1"/>
-        </a:solidFill>
-        <a:effectLst/>
-      </p:bgPr>
-    </p:bg>
     <p:spTree>
       <p:nvGrpSpPr>
         <p:cNvPr id="1" name=""/>
@@ -6000,7 +5065,7 @@
         </p:nvSpPr>
         <p:spPr>
           <a:xfrm>
-            <a:off x="0" y="-52157"/>
+            <a:off x="-2" y="-52157"/>
             <a:ext cx="12192000" cy="6910157"/>
           </a:xfrm>
           <a:prstGeom prst="rect">
@@ -6218,7 +5283,7 @@
                 </a:solidFill>
                 <a:latin typeface="Selawik Semibold" panose="020B0702040204020203" pitchFamily="34" charset="0"/>
               </a:rPr>
-              <a:t>Value of Replacement Players</a:t>
+              <a:t>Wins Above Replacement</a:t>
             </a:r>
           </a:p>
         </p:txBody>
@@ -6353,8 +5418,8 @@
         </p:nvSpPr>
         <p:spPr>
           <a:xfrm>
-            <a:off x="3080081" y="1520792"/>
-            <a:ext cx="6690936" cy="2677656"/>
+            <a:off x="3080080" y="1520792"/>
+            <a:ext cx="8532800" cy="461665"/>
           </a:xfrm>
           <a:prstGeom prst="rect">
             <a:avLst/>
@@ -6378,74 +5443,17 @@
                 </a:solidFill>
                 <a:latin typeface="Selawik Semibold" panose="020B0702040204020203" pitchFamily="34" charset="0"/>
               </a:rPr>
-              <a:t>VORPP Used to Evaluate Trades</a:t>
-            </a:r>
-          </a:p>
-          <a:p>
-            <a:pPr marL="342900" indent="-342900">
-              <a:buFont typeface="Arial" panose="020B0604020202020204" pitchFamily="34" charset="0"/>
-              <a:buChar char="•"/>
-            </a:pPr>
-            <a:endParaRPr lang="en-US" sz="2400" dirty="0">
-              <a:solidFill>
-                <a:schemeClr val="bg1"/>
-              </a:solidFill>
-              <a:latin typeface="Selawik Semibold" panose="020B0702040204020203" pitchFamily="34" charset="0"/>
-            </a:endParaRPr>
-          </a:p>
-          <a:p>
-            <a:pPr marL="342900" indent="-342900">
-              <a:buFont typeface="Arial" panose="020B0604020202020204" pitchFamily="34" charset="0"/>
-              <a:buChar char="•"/>
-            </a:pPr>
-            <a:endParaRPr lang="en-US" sz="2400" dirty="0">
-              <a:solidFill>
-                <a:schemeClr val="bg1"/>
-              </a:solidFill>
-              <a:latin typeface="Selawik Semibold" panose="020B0702040204020203" pitchFamily="34" charset="0"/>
-            </a:endParaRPr>
-          </a:p>
-          <a:p>
-            <a:pPr marL="342900" indent="-342900">
-              <a:buFont typeface="Arial" panose="020B0604020202020204" pitchFamily="34" charset="0"/>
-              <a:buChar char="•"/>
-            </a:pPr>
-            <a:endParaRPr lang="en-US" sz="2400" dirty="0">
-              <a:solidFill>
-                <a:schemeClr val="bg1"/>
-              </a:solidFill>
-              <a:latin typeface="Selawik Semibold" panose="020B0702040204020203" pitchFamily="34" charset="0"/>
-            </a:endParaRPr>
-          </a:p>
-          <a:p>
-            <a:pPr marL="342900" indent="-342900">
-              <a:buFont typeface="Arial" panose="020B0604020202020204" pitchFamily="34" charset="0"/>
-              <a:buChar char="•"/>
-            </a:pPr>
-            <a:endParaRPr lang="en-US" sz="2400" dirty="0">
-              <a:solidFill>
-                <a:schemeClr val="bg1"/>
-              </a:solidFill>
-              <a:latin typeface="Selawik Semibold" panose="020B0702040204020203" pitchFamily="34" charset="0"/>
-            </a:endParaRPr>
-          </a:p>
-          <a:p>
-            <a:pPr marL="342900" indent="-342900">
-              <a:buFont typeface="Arial" panose="020B0604020202020204" pitchFamily="34" charset="0"/>
-              <a:buChar char="•"/>
-            </a:pPr>
-            <a:endParaRPr lang="en-US" sz="2400" dirty="0">
-              <a:solidFill>
-                <a:schemeClr val="bg1"/>
-              </a:solidFill>
-              <a:latin typeface="Selawik Semibold" panose="020B0702040204020203" pitchFamily="34" charset="0"/>
-            </a:endParaRPr>
-          </a:p>
-          <a:p>
-            <a:pPr marL="342900" indent="-342900">
-              <a:buFont typeface="Arial" panose="020B0604020202020204" pitchFamily="34" charset="0"/>
-              <a:buChar char="•"/>
-            </a:pPr>
+              <a:t>Top Players for </a:t>
+            </a:r>
+            <a:r>
+              <a:rPr lang="en-US" sz="2400" dirty="0" err="1">
+                <a:solidFill>
+                  <a:schemeClr val="bg1"/>
+                </a:solidFill>
+                <a:latin typeface="Selawik Semibold" panose="020B0702040204020203" pitchFamily="34" charset="0"/>
+              </a:rPr>
+              <a:t>fWAR</a:t>
+            </a:r>
             <a:r>
               <a:rPr lang="en-US" sz="2400" dirty="0">
                 <a:solidFill>
@@ -6453,7 +5461,7 @@
                 </a:solidFill>
                 <a:latin typeface="Selawik Semibold" panose="020B0702040204020203" pitchFamily="34" charset="0"/>
               </a:rPr>
-              <a:t>VORPP Used to Determine Salary</a:t>
+              <a:t> Based on 2019 Season</a:t>
             </a:r>
             <a:endParaRPr lang="en-US" sz="2000" dirty="0">
               <a:solidFill>
@@ -6466,10 +5474,10 @@
       </p:sp>
       <p:pic>
         <p:nvPicPr>
-          <p:cNvPr id="2" name="Picture 1">
-            <a:extLst>
-              <a:ext uri="{FF2B5EF4-FFF2-40B4-BE49-F238E27FC236}">
-                <a16:creationId xmlns:a16="http://schemas.microsoft.com/office/drawing/2014/main" id="{5E2FBFD9-1284-4368-AD8F-326623E0D0BE}"/>
+          <p:cNvPr id="3" name="Picture 2">
+            <a:extLst>
+              <a:ext uri="{FF2B5EF4-FFF2-40B4-BE49-F238E27FC236}">
+                <a16:creationId xmlns:a16="http://schemas.microsoft.com/office/drawing/2014/main" id="{26ADD305-22BB-4382-844F-C42DD7345E2D}"/>
               </a:ext>
             </a:extLst>
           </p:cNvPr>
@@ -6486,8 +5494,8 @@
         </p:blipFill>
         <p:spPr>
           <a:xfrm>
-            <a:off x="3522617" y="2137042"/>
-            <a:ext cx="6248400" cy="981075"/>
+            <a:off x="3558145" y="2093990"/>
+            <a:ext cx="8429955" cy="3437625"/>
           </a:xfrm>
           <a:prstGeom prst="rect">
             <a:avLst/>
@@ -6499,386 +5507,10 @@
           </a:ln>
         </p:spPr>
       </p:pic>
-      <p:pic>
-        <p:nvPicPr>
-          <p:cNvPr id="3" name="Picture 2">
-            <a:extLst>
-              <a:ext uri="{FF2B5EF4-FFF2-40B4-BE49-F238E27FC236}">
-                <a16:creationId xmlns:a16="http://schemas.microsoft.com/office/drawing/2014/main" id="{5D8B6B90-F170-4C93-87D5-7FA74BC4FFC3}"/>
-              </a:ext>
-            </a:extLst>
-          </p:cNvPr>
-          <p:cNvPicPr>
-            <a:picLocks noChangeAspect="1"/>
-          </p:cNvPicPr>
-          <p:nvPr/>
-        </p:nvPicPr>
-        <p:blipFill>
-          <a:blip r:embed="rId5"/>
-          <a:stretch>
-            <a:fillRect/>
-          </a:stretch>
-        </p:blipFill>
-        <p:spPr>
-          <a:xfrm>
-            <a:off x="3522617" y="4364306"/>
-            <a:ext cx="6248399" cy="1163918"/>
-          </a:xfrm>
-          <a:prstGeom prst="rect">
-            <a:avLst/>
-          </a:prstGeom>
-          <a:ln w="38100">
-            <a:solidFill>
-              <a:schemeClr val="tx1"/>
-            </a:solidFill>
-          </a:ln>
-        </p:spPr>
-      </p:pic>
-      <mc:AlternateContent xmlns:mc="http://schemas.openxmlformats.org/markup-compatibility/2006" xmlns:a14="http://schemas.microsoft.com/office/drawing/2010/main">
-        <mc:Choice Requires="a14">
-          <p:sp>
-            <p:nvSpPr>
-              <p:cNvPr id="18" name="TextBox 17">
-                <a:extLst>
-                  <a:ext uri="{FF2B5EF4-FFF2-40B4-BE49-F238E27FC236}">
-                    <a16:creationId xmlns:a16="http://schemas.microsoft.com/office/drawing/2014/main" id="{34779A3F-CE8D-4A94-AFB4-BA163FE0FD90}"/>
-                  </a:ext>
-                </a:extLst>
-              </p:cNvPr>
-              <p:cNvSpPr txBox="1"/>
-              <p:nvPr/>
-            </p:nvSpPr>
-            <p:spPr>
-              <a:xfrm>
-                <a:off x="2818168" y="5725824"/>
-                <a:ext cx="7214761" cy="461665"/>
-              </a:xfrm>
-              <a:prstGeom prst="rect">
-                <a:avLst/>
-              </a:prstGeom>
-              <a:noFill/>
-            </p:spPr>
-            <p:txBody>
-              <a:bodyPr wrap="square" rtlCol="0">
-                <a:spAutoFit/>
-              </a:bodyPr>
-              <a:lstStyle/>
-              <a:p>
-                <a:pPr/>
-                <a14:m>
-                  <m:oMathPara xmlns:m="http://schemas.openxmlformats.org/officeDocument/2006/math">
-                    <m:oMathParaPr>
-                      <m:jc m:val="centerGroup"/>
-                    </m:oMathParaPr>
-                    <m:oMath xmlns:m="http://schemas.openxmlformats.org/officeDocument/2006/math">
-                      <m:r>
-                        <a:rPr lang="en-US" sz="2400" b="1" i="1" smtClean="0">
-                          <a:solidFill>
-                            <a:schemeClr val="bg1"/>
-                          </a:solidFill>
-                          <a:latin typeface="Cambria Math" panose="02040503050406030204" pitchFamily="18" charset="0"/>
-                        </a:rPr>
-                        <m:t>$</m:t>
-                      </m:r>
-                      <m:r>
-                        <a:rPr lang="en-US" sz="2400" b="1" i="1" smtClean="0">
-                          <a:solidFill>
-                            <a:schemeClr val="bg1"/>
-                          </a:solidFill>
-                          <a:latin typeface="Cambria Math" panose="02040503050406030204" pitchFamily="18" charset="0"/>
-                        </a:rPr>
-                        <m:t>𝟕𝟕</m:t>
-                      </m:r>
-                      <m:r>
-                        <a:rPr lang="en-US" sz="2400" b="1" i="1" smtClean="0">
-                          <a:solidFill>
-                            <a:schemeClr val="bg1"/>
-                          </a:solidFill>
-                          <a:latin typeface="Cambria Math" panose="02040503050406030204" pitchFamily="18" charset="0"/>
-                        </a:rPr>
-                        <m:t>𝑴</m:t>
-                      </m:r>
-                      <m:r>
-                        <a:rPr lang="en-US" sz="2400" b="1" i="1" smtClean="0">
-                          <a:solidFill>
-                            <a:schemeClr val="bg1"/>
-                          </a:solidFill>
-                          <a:latin typeface="Cambria Math" panose="02040503050406030204" pitchFamily="18" charset="0"/>
-                        </a:rPr>
-                        <m:t>=</m:t>
-                      </m:r>
-                      <m:r>
-                        <a:rPr lang="en-US" sz="2400" b="1" i="1" smtClean="0">
-                          <a:solidFill>
-                            <a:schemeClr val="bg1"/>
-                          </a:solidFill>
-                          <a:latin typeface="Cambria Math" panose="02040503050406030204" pitchFamily="18" charset="0"/>
-                        </a:rPr>
-                        <m:t>𝟕𝟒</m:t>
-                      </m:r>
-                      <m:r>
-                        <a:rPr lang="en-US" sz="2400" b="1" i="1" smtClean="0">
-                          <a:solidFill>
-                            <a:schemeClr val="bg1"/>
-                          </a:solidFill>
-                          <a:latin typeface="Cambria Math" panose="02040503050406030204" pitchFamily="18" charset="0"/>
-                        </a:rPr>
-                        <m:t>,</m:t>
-                      </m:r>
-                      <m:r>
-                        <a:rPr lang="en-US" sz="2400" b="1" i="1" smtClean="0">
-                          <a:solidFill>
-                            <a:schemeClr val="bg1"/>
-                          </a:solidFill>
-                          <a:latin typeface="Cambria Math" panose="02040503050406030204" pitchFamily="18" charset="0"/>
-                        </a:rPr>
-                        <m:t>𝟎𝟎𝟎</m:t>
-                      </m:r>
-                      <m:r>
-                        <a:rPr lang="en-US" sz="2400" b="1" i="1" smtClean="0">
-                          <a:solidFill>
-                            <a:schemeClr val="bg1"/>
-                          </a:solidFill>
-                          <a:latin typeface="Cambria Math" panose="02040503050406030204" pitchFamily="18" charset="0"/>
-                        </a:rPr>
-                        <m:t> </m:t>
-                      </m:r>
-                      <m:r>
-                        <a:rPr lang="en-US" sz="2400" b="1" i="1" smtClean="0">
-                          <a:solidFill>
-                            <a:schemeClr val="bg1"/>
-                          </a:solidFill>
-                          <a:latin typeface="Cambria Math" panose="02040503050406030204" pitchFamily="18" charset="0"/>
-                        </a:rPr>
-                        <m:t>𝑽𝑶𝑹𝑷𝑷</m:t>
-                      </m:r>
-                    </m:oMath>
-                  </m:oMathPara>
-                </a14:m>
-                <a:endParaRPr lang="en-US" sz="2400" b="1" dirty="0">
-                  <a:solidFill>
-                    <a:schemeClr val="bg1"/>
-                  </a:solidFill>
-                </a:endParaRPr>
-              </a:p>
-            </p:txBody>
-          </p:sp>
-        </mc:Choice>
-        <mc:Fallback xmlns="">
-          <p:sp>
-            <p:nvSpPr>
-              <p:cNvPr id="18" name="TextBox 17">
-                <a:extLst>
-                  <a:ext uri="{FF2B5EF4-FFF2-40B4-BE49-F238E27FC236}">
-                    <a16:creationId xmlns:a16="http://schemas.microsoft.com/office/drawing/2014/main" id="{34779A3F-CE8D-4A94-AFB4-BA163FE0FD90}"/>
-                  </a:ext>
-                </a:extLst>
-              </p:cNvPr>
-              <p:cNvSpPr txBox="1">
-                <a:spLocks noRot="1" noChangeAspect="1" noMove="1" noResize="1" noEditPoints="1" noAdjustHandles="1" noChangeArrowheads="1" noChangeShapeType="1" noTextEdit="1"/>
-              </p:cNvSpPr>
-              <p:nvPr/>
-            </p:nvSpPr>
-            <p:spPr>
-              <a:xfrm>
-                <a:off x="2818168" y="5725824"/>
-                <a:ext cx="7214761" cy="461665"/>
-              </a:xfrm>
-              <a:prstGeom prst="rect">
-                <a:avLst/>
-              </a:prstGeom>
-              <a:blipFill>
-                <a:blip r:embed="rId6"/>
-                <a:stretch>
-                  <a:fillRect b="-3947"/>
-                </a:stretch>
-              </a:blipFill>
-            </p:spPr>
-            <p:txBody>
-              <a:bodyPr/>
-              <a:lstStyle/>
-              <a:p>
-                <a:r>
-                  <a:rPr lang="en-US">
-                    <a:noFill/>
-                  </a:rPr>
-                  <a:t> </a:t>
-                </a:r>
-              </a:p>
-            </p:txBody>
-          </p:sp>
-        </mc:Fallback>
-      </mc:AlternateContent>
-      <mc:AlternateContent xmlns:mc="http://schemas.openxmlformats.org/markup-compatibility/2006" xmlns:a14="http://schemas.microsoft.com/office/drawing/2010/main">
-        <mc:Choice Requires="a14">
-          <p:sp>
-            <p:nvSpPr>
-              <p:cNvPr id="19" name="TextBox 18">
-                <a:extLst>
-                  <a:ext uri="{FF2B5EF4-FFF2-40B4-BE49-F238E27FC236}">
-                    <a16:creationId xmlns:a16="http://schemas.microsoft.com/office/drawing/2014/main" id="{79D363C8-63F1-4B55-B4AB-9363E4BBB5CF}"/>
-                  </a:ext>
-                </a:extLst>
-              </p:cNvPr>
-              <p:cNvSpPr txBox="1"/>
-              <p:nvPr/>
-            </p:nvSpPr>
-            <p:spPr>
-              <a:xfrm>
-                <a:off x="2326338" y="6204188"/>
-                <a:ext cx="7214761" cy="461665"/>
-              </a:xfrm>
-              <a:prstGeom prst="rect">
-                <a:avLst/>
-              </a:prstGeom>
-              <a:noFill/>
-            </p:spPr>
-            <p:txBody>
-              <a:bodyPr wrap="square" rtlCol="0">
-                <a:spAutoFit/>
-              </a:bodyPr>
-              <a:lstStyle/>
-              <a:p>
-                <a:pPr/>
-                <a14:m>
-                  <m:oMathPara xmlns:m="http://schemas.openxmlformats.org/officeDocument/2006/math">
-                    <m:oMathParaPr>
-                      <m:jc m:val="centerGroup"/>
-                    </m:oMathParaPr>
-                    <m:oMath xmlns:m="http://schemas.openxmlformats.org/officeDocument/2006/math">
-                      <m:r>
-                        <a:rPr lang="en-US" sz="2400" b="1" i="1" smtClean="0">
-                          <a:solidFill>
-                            <a:schemeClr val="bg1"/>
-                          </a:solidFill>
-                          <a:latin typeface="Cambria Math" panose="02040503050406030204" pitchFamily="18" charset="0"/>
-                        </a:rPr>
-                        <m:t>$</m:t>
-                      </m:r>
-                      <m:r>
-                        <a:rPr lang="en-US" sz="2400" b="1" i="1" smtClean="0">
-                          <a:solidFill>
-                            <a:schemeClr val="bg1"/>
-                          </a:solidFill>
-                          <a:latin typeface="Cambria Math" panose="02040503050406030204" pitchFamily="18" charset="0"/>
-                        </a:rPr>
-                        <m:t>𝟏</m:t>
-                      </m:r>
-                      <m:r>
-                        <a:rPr lang="en-US" sz="2400" b="1" i="1" smtClean="0">
-                          <a:solidFill>
-                            <a:schemeClr val="bg1"/>
-                          </a:solidFill>
-                          <a:latin typeface="Cambria Math" panose="02040503050406030204" pitchFamily="18" charset="0"/>
-                        </a:rPr>
-                        <m:t>,</m:t>
-                      </m:r>
-                      <m:r>
-                        <a:rPr lang="en-US" sz="2400" b="1" i="1" smtClean="0">
-                          <a:solidFill>
-                            <a:schemeClr val="bg1"/>
-                          </a:solidFill>
-                          <a:latin typeface="Cambria Math" panose="02040503050406030204" pitchFamily="18" charset="0"/>
-                        </a:rPr>
-                        <m:t>𝟎𝟒𝟎</m:t>
-                      </m:r>
-                      <m:r>
-                        <a:rPr lang="en-US" sz="2400" b="1" i="1" smtClean="0">
-                          <a:solidFill>
-                            <a:schemeClr val="bg1"/>
-                          </a:solidFill>
-                          <a:latin typeface="Cambria Math" panose="02040503050406030204" pitchFamily="18" charset="0"/>
-                        </a:rPr>
-                        <m:t>=</m:t>
-                      </m:r>
-                      <m:r>
-                        <a:rPr lang="en-US" sz="2400" b="1" i="1" smtClean="0">
-                          <a:solidFill>
-                            <a:schemeClr val="bg1"/>
-                          </a:solidFill>
-                          <a:latin typeface="Cambria Math" panose="02040503050406030204" pitchFamily="18" charset="0"/>
-                        </a:rPr>
-                        <m:t>𝟏</m:t>
-                      </m:r>
-                      <m:r>
-                        <a:rPr lang="en-US" sz="2400" b="1" i="1" smtClean="0">
-                          <a:solidFill>
-                            <a:schemeClr val="bg1"/>
-                          </a:solidFill>
-                          <a:latin typeface="Cambria Math" panose="02040503050406030204" pitchFamily="18" charset="0"/>
-                        </a:rPr>
-                        <m:t> </m:t>
-                      </m:r>
-                      <m:r>
-                        <a:rPr lang="en-US" sz="2400" b="1" i="1" smtClean="0">
-                          <a:solidFill>
-                            <a:schemeClr val="bg1"/>
-                          </a:solidFill>
-                          <a:latin typeface="Cambria Math" panose="02040503050406030204" pitchFamily="18" charset="0"/>
-                        </a:rPr>
-                        <m:t>𝑽𝑶𝑹𝑷𝑷</m:t>
-                      </m:r>
-                    </m:oMath>
-                  </m:oMathPara>
-                </a14:m>
-                <a:endParaRPr lang="en-US" sz="2400" b="1" dirty="0">
-                  <a:solidFill>
-                    <a:schemeClr val="bg1"/>
-                  </a:solidFill>
-                </a:endParaRPr>
-              </a:p>
-            </p:txBody>
-          </p:sp>
-        </mc:Choice>
-        <mc:Fallback xmlns="">
-          <p:sp>
-            <p:nvSpPr>
-              <p:cNvPr id="19" name="TextBox 18">
-                <a:extLst>
-                  <a:ext uri="{FF2B5EF4-FFF2-40B4-BE49-F238E27FC236}">
-                    <a16:creationId xmlns:a16="http://schemas.microsoft.com/office/drawing/2014/main" id="{79D363C8-63F1-4B55-B4AB-9363E4BBB5CF}"/>
-                  </a:ext>
-                </a:extLst>
-              </p:cNvPr>
-              <p:cNvSpPr txBox="1">
-                <a:spLocks noRot="1" noChangeAspect="1" noMove="1" noResize="1" noEditPoints="1" noAdjustHandles="1" noChangeArrowheads="1" noChangeShapeType="1" noTextEdit="1"/>
-              </p:cNvSpPr>
-              <p:nvPr/>
-            </p:nvSpPr>
-            <p:spPr>
-              <a:xfrm>
-                <a:off x="2326338" y="6204188"/>
-                <a:ext cx="7214761" cy="461665"/>
-              </a:xfrm>
-              <a:prstGeom prst="rect">
-                <a:avLst/>
-              </a:prstGeom>
-              <a:blipFill>
-                <a:blip r:embed="rId7"/>
-                <a:stretch>
-                  <a:fillRect b="-4000"/>
-                </a:stretch>
-              </a:blipFill>
-            </p:spPr>
-            <p:txBody>
-              <a:bodyPr/>
-              <a:lstStyle/>
-              <a:p>
-                <a:r>
-                  <a:rPr lang="en-US">
-                    <a:noFill/>
-                  </a:rPr>
-                  <a:t> </a:t>
-                </a:r>
-              </a:p>
-            </p:txBody>
-          </p:sp>
-        </mc:Fallback>
-      </mc:AlternateContent>
     </p:spTree>
     <p:extLst>
       <p:ext uri="{BB962C8B-B14F-4D97-AF65-F5344CB8AC3E}">
-        <p14:creationId xmlns:p14="http://schemas.microsoft.com/office/powerpoint/2010/main" val="4262739800"/>
+        <p14:creationId xmlns:p14="http://schemas.microsoft.com/office/powerpoint/2010/main" val="3371303366"/>
       </p:ext>
     </p:extLst>
   </p:cSld>
@@ -6891,14 +5523,6 @@
 <file path=ppt/slides/slide13.xml><?xml version="1.0" encoding="utf-8"?>
 <p:sld xmlns:a="http://schemas.openxmlformats.org/drawingml/2006/main" xmlns:r="http://schemas.openxmlformats.org/officeDocument/2006/relationships" xmlns:p="http://schemas.openxmlformats.org/presentationml/2006/main">
   <p:cSld>
-    <p:bg>
-      <p:bgPr>
-        <a:solidFill>
-          <a:schemeClr val="bg1"/>
-        </a:solidFill>
-        <a:effectLst/>
-      </p:bgPr>
-    </p:bg>
     <p:spTree>
       <p:nvGrpSpPr>
         <p:cNvPr id="1" name=""/>
@@ -6958,7 +5582,7 @@
           <a:lstStyle/>
           <a:p>
             <a:pPr algn="ctr"/>
-            <a:endParaRPr lang="en-US"/>
+            <a:endParaRPr lang="en-US" dirty="0"/>
           </a:p>
         </p:txBody>
       </p:sp>
@@ -7145,7 +5769,7 @@
                 </a:solidFill>
                 <a:latin typeface="Selawik Semibold" panose="020B0702040204020203" pitchFamily="34" charset="0"/>
               </a:rPr>
-              <a:t>Value of Replacement Players</a:t>
+              <a:t>Wins Above Replacement</a:t>
             </a:r>
           </a:p>
         </p:txBody>
@@ -7281,7 +5905,7 @@
         <p:spPr>
           <a:xfrm>
             <a:off x="3080080" y="1520792"/>
-            <a:ext cx="7618399" cy="3539430"/>
+            <a:ext cx="8532800" cy="4154984"/>
           </a:xfrm>
           <a:prstGeom prst="rect">
             <a:avLst/>
@@ -7305,22 +5929,7 @@
                 </a:solidFill>
                 <a:latin typeface="Selawik Semibold" panose="020B0702040204020203" pitchFamily="34" charset="0"/>
               </a:rPr>
-              <a:t>Was Alex Rodriguez Overpaid by Yankees? Yes</a:t>
-            </a:r>
-          </a:p>
-          <a:p>
-            <a:pPr marL="800100" lvl="1" indent="-342900">
-              <a:buFont typeface="Arial" panose="020B0604020202020204" pitchFamily="34" charset="0"/>
-              <a:buChar char="•"/>
-            </a:pPr>
-            <a:r>
-              <a:rPr lang="en-US" sz="2000" dirty="0">
-                <a:solidFill>
-                  <a:schemeClr val="bg1"/>
-                </a:solidFill>
-                <a:latin typeface="Selawik Semibold" panose="020B0702040204020203" pitchFamily="34" charset="0"/>
-              </a:rPr>
-              <a:t>Deal: $275M for 10 Years</a:t>
+              <a:t>Using WAR to Determine Player Salaries</a:t>
             </a:r>
           </a:p>
           <a:p>
@@ -7340,15 +5949,108 @@
               <a:buFont typeface="Arial" panose="020B0604020202020204" pitchFamily="34" charset="0"/>
               <a:buChar char="•"/>
             </a:pPr>
-            <a:endParaRPr lang="en-US" sz="2000" dirty="0">
-              <a:solidFill>
-                <a:schemeClr val="bg1"/>
-              </a:solidFill>
-              <a:latin typeface="Selawik Semibold" panose="020B0702040204020203" pitchFamily="34" charset="0"/>
-            </a:endParaRPr>
-          </a:p>
-          <a:p>
-            <a:pPr marL="800100" lvl="1" indent="-342900">
+            <a:r>
+              <a:rPr lang="en-US" sz="2000" dirty="0">
+                <a:solidFill>
+                  <a:schemeClr val="bg1"/>
+                </a:solidFill>
+                <a:latin typeface="Selawik Semibold" panose="020B0702040204020203" pitchFamily="34" charset="0"/>
+              </a:rPr>
+              <a:t>Prerequisites:</a:t>
+            </a:r>
+          </a:p>
+          <a:p>
+            <a:pPr marL="1257300" lvl="2" indent="-342900">
+              <a:buFont typeface="Arial" panose="020B0604020202020204" pitchFamily="34" charset="0"/>
+              <a:buChar char="•"/>
+            </a:pPr>
+            <a:r>
+              <a:rPr lang="en-US" sz="2000" dirty="0">
+                <a:solidFill>
+                  <a:schemeClr val="bg1"/>
+                </a:solidFill>
+                <a:latin typeface="Selawik Semibold" panose="020B0702040204020203" pitchFamily="34" charset="0"/>
+              </a:rPr>
+              <a:t>Teams Have 25 Players</a:t>
+            </a:r>
+          </a:p>
+          <a:p>
+            <a:pPr marL="1257300" lvl="2" indent="-342900">
+              <a:buFont typeface="Arial" panose="020B0604020202020204" pitchFamily="34" charset="0"/>
+              <a:buChar char="•"/>
+            </a:pPr>
+            <a:r>
+              <a:rPr lang="en-US" sz="2000" dirty="0">
+                <a:solidFill>
+                  <a:schemeClr val="bg1"/>
+                </a:solidFill>
+                <a:latin typeface="Selawik Semibold" panose="020B0702040204020203" pitchFamily="34" charset="0"/>
+              </a:rPr>
+              <a:t>Minimum Salary = $500,000</a:t>
+            </a:r>
+          </a:p>
+          <a:p>
+            <a:pPr marL="1257300" lvl="2" indent="-342900">
+              <a:buFont typeface="Arial" panose="020B0604020202020204" pitchFamily="34" charset="0"/>
+              <a:buChar char="•"/>
+            </a:pPr>
+            <a:r>
+              <a:rPr lang="en-US" sz="2000" dirty="0">
+                <a:solidFill>
+                  <a:schemeClr val="bg1"/>
+                </a:solidFill>
+                <a:latin typeface="Selawik Semibold" panose="020B0702040204020203" pitchFamily="34" charset="0"/>
+              </a:rPr>
+              <a:t>Team of Replacement Players Win 48 Games</a:t>
+            </a:r>
+          </a:p>
+          <a:p>
+            <a:pPr marL="1257300" lvl="2" indent="-342900">
+              <a:buFont typeface="Arial" panose="020B0604020202020204" pitchFamily="34" charset="0"/>
+              <a:buChar char="•"/>
+            </a:pPr>
+            <a:r>
+              <a:rPr lang="en-US" sz="2000" dirty="0">
+                <a:solidFill>
+                  <a:schemeClr val="bg1"/>
+                </a:solidFill>
+                <a:latin typeface="Selawik Semibold" panose="020B0702040204020203" pitchFamily="34" charset="0"/>
+              </a:rPr>
+              <a:t>Salary for Team of Replacement Players = $12.5 Million</a:t>
+            </a:r>
+          </a:p>
+          <a:p>
+            <a:pPr marL="1257300" lvl="2" indent="-342900">
+              <a:buFont typeface="Arial" panose="020B0604020202020204" pitchFamily="34" charset="0"/>
+              <a:buChar char="•"/>
+            </a:pPr>
+            <a:r>
+              <a:rPr lang="en-US" sz="2000" dirty="0">
+                <a:solidFill>
+                  <a:schemeClr val="bg1"/>
+                </a:solidFill>
+                <a:latin typeface="Selawik Semibold" panose="020B0702040204020203" pitchFamily="34" charset="0"/>
+              </a:rPr>
+              <a:t>Average Team Salary in 2016 = $114 Million</a:t>
+            </a:r>
+          </a:p>
+          <a:p>
+            <a:pPr marL="1257300" lvl="2" indent="-342900">
+              <a:buFont typeface="Arial" panose="020B0604020202020204" pitchFamily="34" charset="0"/>
+              <a:buChar char="•"/>
+            </a:pPr>
+            <a:r>
+              <a:rPr lang="en-US" sz="2000" dirty="0">
+                <a:solidFill>
+                  <a:schemeClr val="bg1"/>
+                </a:solidFill>
+                <a:latin typeface="Selawik Semibold" panose="020B0702040204020203" pitchFamily="34" charset="0"/>
+              </a:rPr>
+              <a:t>Average Team Wins 81 out of 162 Games</a:t>
+            </a:r>
+          </a:p>
+          <a:p>
+            <a:pPr marL="1257300" lvl="2" indent="-342900">
               <a:buFont typeface="Arial" panose="020B0604020202020204" pitchFamily="34" charset="0"/>
               <a:buChar char="•"/>
             </a:pPr>
@@ -7364,12 +6066,15 @@
               <a:buFont typeface="Arial" panose="020B0604020202020204" pitchFamily="34" charset="0"/>
               <a:buChar char="•"/>
             </a:pPr>
-            <a:endParaRPr lang="en-US" sz="2000" dirty="0">
-              <a:solidFill>
-                <a:schemeClr val="bg1"/>
-              </a:solidFill>
-              <a:latin typeface="Selawik Semibold" panose="020B0702040204020203" pitchFamily="34" charset="0"/>
-            </a:endParaRPr>
+            <a:r>
+              <a:rPr lang="en-US" sz="2000" dirty="0">
+                <a:solidFill>
+                  <a:schemeClr val="bg1"/>
+                </a:solidFill>
+                <a:latin typeface="Selawik Semibold" panose="020B0702040204020203" pitchFamily="34" charset="0"/>
+              </a:rPr>
+              <a:t>Cost of 81-48=33 Wins is $114 – $12.5 = $101.5 Million</a:t>
+            </a:r>
           </a:p>
           <a:p>
             <a:pPr marL="800100" lvl="1" indent="-342900">
@@ -7388,42 +6093,6 @@
               <a:buFont typeface="Arial" panose="020B0604020202020204" pitchFamily="34" charset="0"/>
               <a:buChar char="•"/>
             </a:pPr>
-            <a:endParaRPr lang="en-US" sz="2000" dirty="0">
-              <a:solidFill>
-                <a:schemeClr val="bg1"/>
-              </a:solidFill>
-              <a:latin typeface="Selawik Semibold" panose="020B0702040204020203" pitchFamily="34" charset="0"/>
-            </a:endParaRPr>
-          </a:p>
-          <a:p>
-            <a:pPr marL="800100" lvl="1" indent="-342900">
-              <a:buFont typeface="Arial" panose="020B0604020202020204" pitchFamily="34" charset="0"/>
-              <a:buChar char="•"/>
-            </a:pPr>
-            <a:endParaRPr lang="en-US" sz="2000" dirty="0">
-              <a:solidFill>
-                <a:schemeClr val="bg1"/>
-              </a:solidFill>
-              <a:latin typeface="Selawik Semibold" panose="020B0702040204020203" pitchFamily="34" charset="0"/>
-            </a:endParaRPr>
-          </a:p>
-          <a:p>
-            <a:pPr marL="800100" lvl="1" indent="-342900">
-              <a:buFont typeface="Arial" panose="020B0604020202020204" pitchFamily="34" charset="0"/>
-              <a:buChar char="•"/>
-            </a:pPr>
-            <a:endParaRPr lang="en-US" sz="2000" dirty="0">
-              <a:solidFill>
-                <a:schemeClr val="bg1"/>
-              </a:solidFill>
-              <a:latin typeface="Selawik Semibold" panose="020B0702040204020203" pitchFamily="34" charset="0"/>
-            </a:endParaRPr>
-          </a:p>
-          <a:p>
-            <a:pPr marL="800100" lvl="1" indent="-342900">
-              <a:buFont typeface="Arial" panose="020B0604020202020204" pitchFamily="34" charset="0"/>
-              <a:buChar char="•"/>
-            </a:pPr>
             <a:r>
               <a:rPr lang="en-US" sz="2000" dirty="0">
                 <a:solidFill>
@@ -7431,265 +6100,15 @@
                 </a:solidFill>
                 <a:latin typeface="Selawik Semibold" panose="020B0702040204020203" pitchFamily="34" charset="0"/>
               </a:rPr>
-              <a:t>Fair Deal Based Off 2007 Statistics</a:t>
-            </a:r>
-          </a:p>
-        </p:txBody>
-      </p:sp>
-      <p:pic>
-        <p:nvPicPr>
-          <p:cNvPr id="5" name="Picture 4">
-            <a:extLst>
-              <a:ext uri="{FF2B5EF4-FFF2-40B4-BE49-F238E27FC236}">
-                <a16:creationId xmlns:a16="http://schemas.microsoft.com/office/drawing/2014/main" id="{C4F994D4-07BB-494B-AEC7-348EC4F45DE4}"/>
-              </a:ext>
-            </a:extLst>
-          </p:cNvPr>
-          <p:cNvPicPr>
-            <a:picLocks noChangeAspect="1"/>
-          </p:cNvPicPr>
-          <p:nvPr/>
-        </p:nvPicPr>
-        <p:blipFill>
-          <a:blip r:embed="rId4"/>
-          <a:stretch>
-            <a:fillRect/>
-          </a:stretch>
-        </p:blipFill>
-        <p:spPr>
-          <a:xfrm>
-            <a:off x="3973966" y="2403656"/>
-            <a:ext cx="5419725" cy="2124075"/>
-          </a:xfrm>
-          <a:prstGeom prst="rect">
-            <a:avLst/>
-          </a:prstGeom>
-        </p:spPr>
-      </p:pic>
-      <mc:AlternateContent xmlns:mc="http://schemas.openxmlformats.org/markup-compatibility/2006" xmlns:a14="http://schemas.microsoft.com/office/drawing/2010/main">
-        <mc:Choice Requires="a14">
-          <p:sp>
-            <p:nvSpPr>
-              <p:cNvPr id="20" name="TextBox 19">
-                <a:extLst>
-                  <a:ext uri="{FF2B5EF4-FFF2-40B4-BE49-F238E27FC236}">
-                    <a16:creationId xmlns:a16="http://schemas.microsoft.com/office/drawing/2014/main" id="{22E42D2D-8AA1-49BF-A8F4-A2ED0DD37FCC}"/>
-                  </a:ext>
-                </a:extLst>
-              </p:cNvPr>
-              <p:cNvSpPr txBox="1"/>
-              <p:nvPr/>
-            </p:nvSpPr>
-            <p:spPr>
-              <a:xfrm>
-                <a:off x="2536327" y="5035514"/>
-                <a:ext cx="7214761" cy="461665"/>
-              </a:xfrm>
-              <a:prstGeom prst="rect">
-                <a:avLst/>
-              </a:prstGeom>
-              <a:noFill/>
-            </p:spPr>
-            <p:txBody>
-              <a:bodyPr wrap="square" rtlCol="0">
-                <a:spAutoFit/>
-              </a:bodyPr>
-              <a:lstStyle/>
-              <a:p>
-                <a:pPr/>
-                <a14:m>
-                  <m:oMathPara xmlns:m="http://schemas.openxmlformats.org/officeDocument/2006/math">
-                    <m:oMathParaPr>
-                      <m:jc m:val="centerGroup"/>
-                    </m:oMathParaPr>
-                    <m:oMath xmlns:m="http://schemas.openxmlformats.org/officeDocument/2006/math">
-                      <m:r>
-                        <a:rPr lang="en-US" sz="2400" b="1" i="1" smtClean="0">
-                          <a:solidFill>
-                            <a:schemeClr val="bg1"/>
-                          </a:solidFill>
-                          <a:latin typeface="Cambria Math" panose="02040503050406030204" pitchFamily="18" charset="0"/>
-                        </a:rPr>
-                        <m:t>$</m:t>
-                      </m:r>
-                      <m:r>
-                        <a:rPr lang="en-US" sz="2400" b="1" i="1" smtClean="0">
-                          <a:solidFill>
-                            <a:schemeClr val="bg1"/>
-                          </a:solidFill>
-                          <a:latin typeface="Cambria Math" panose="02040503050406030204" pitchFamily="18" charset="0"/>
-                        </a:rPr>
-                        <m:t>𝟏𝟗</m:t>
-                      </m:r>
-                      <m:r>
-                        <a:rPr lang="en-US" sz="2400" b="1" i="1" smtClean="0">
-                          <a:solidFill>
-                            <a:schemeClr val="bg1"/>
-                          </a:solidFill>
-                          <a:latin typeface="Cambria Math" panose="02040503050406030204" pitchFamily="18" charset="0"/>
-                        </a:rPr>
-                        <m:t>.</m:t>
-                      </m:r>
-                      <m:r>
-                        <a:rPr lang="en-US" sz="2400" b="1" i="1" smtClean="0">
-                          <a:solidFill>
-                            <a:schemeClr val="bg1"/>
-                          </a:solidFill>
-                          <a:latin typeface="Cambria Math" panose="02040503050406030204" pitchFamily="18" charset="0"/>
-                        </a:rPr>
-                        <m:t>𝟑𝟑</m:t>
-                      </m:r>
-                      <m:r>
-                        <a:rPr lang="en-US" sz="2400" b="1" i="1" smtClean="0">
-                          <a:solidFill>
-                            <a:schemeClr val="bg1"/>
-                          </a:solidFill>
-                          <a:latin typeface="Cambria Math" panose="02040503050406030204" pitchFamily="18" charset="0"/>
-                        </a:rPr>
-                        <m:t>𝑴</m:t>
-                      </m:r>
-                      <m:r>
-                        <a:rPr lang="en-US" sz="2400" b="1" i="1" smtClean="0">
-                          <a:solidFill>
-                            <a:schemeClr val="bg1"/>
-                          </a:solidFill>
-                          <a:latin typeface="Cambria Math" panose="02040503050406030204" pitchFamily="18" charset="0"/>
-                        </a:rPr>
-                        <m:t>×</m:t>
-                      </m:r>
-                      <m:r>
-                        <a:rPr lang="en-US" sz="2400" b="1" i="1" smtClean="0">
-                          <a:solidFill>
-                            <a:schemeClr val="bg1"/>
-                          </a:solidFill>
-                          <a:latin typeface="Cambria Math" panose="02040503050406030204" pitchFamily="18" charset="0"/>
-                        </a:rPr>
-                        <m:t>𝟏</m:t>
-                      </m:r>
-                      <m:r>
-                        <a:rPr lang="en-US" sz="2400" b="1" i="1" smtClean="0">
-                          <a:solidFill>
-                            <a:schemeClr val="bg1"/>
-                          </a:solidFill>
-                          <a:latin typeface="Cambria Math" panose="02040503050406030204" pitchFamily="18" charset="0"/>
-                        </a:rPr>
-                        <m:t>.</m:t>
-                      </m:r>
-                      <m:r>
-                        <a:rPr lang="en-US" sz="2400" b="1" i="1" smtClean="0">
-                          <a:solidFill>
-                            <a:schemeClr val="bg1"/>
-                          </a:solidFill>
-                          <a:latin typeface="Cambria Math" panose="02040503050406030204" pitchFamily="18" charset="0"/>
-                        </a:rPr>
-                        <m:t>𝟎𝟓</m:t>
-                      </m:r>
-                      <m:r>
-                        <a:rPr lang="en-US" sz="2400" b="1" i="1" smtClean="0">
-                          <a:solidFill>
-                            <a:schemeClr val="bg1"/>
-                          </a:solidFill>
-                          <a:latin typeface="Cambria Math" panose="02040503050406030204" pitchFamily="18" charset="0"/>
-                        </a:rPr>
-                        <m:t>×</m:t>
-                      </m:r>
-                      <m:r>
-                        <a:rPr lang="en-US" sz="2400" b="1" i="1" smtClean="0">
-                          <a:solidFill>
-                            <a:schemeClr val="bg1"/>
-                          </a:solidFill>
-                          <a:latin typeface="Cambria Math" panose="02040503050406030204" pitchFamily="18" charset="0"/>
-                        </a:rPr>
-                        <m:t>𝟏𝟎</m:t>
-                      </m:r>
-                      <m:r>
-                        <a:rPr lang="en-US" sz="2400" b="1" i="1" smtClean="0">
-                          <a:solidFill>
-                            <a:schemeClr val="bg1"/>
-                          </a:solidFill>
-                          <a:latin typeface="Cambria Math" panose="02040503050406030204" pitchFamily="18" charset="0"/>
-                        </a:rPr>
-                        <m:t>≈$</m:t>
-                      </m:r>
-                      <m:r>
-                        <a:rPr lang="en-US" sz="2400" b="1" i="1" smtClean="0">
-                          <a:solidFill>
-                            <a:schemeClr val="bg1"/>
-                          </a:solidFill>
-                          <a:latin typeface="Cambria Math" panose="02040503050406030204" pitchFamily="18" charset="0"/>
-                        </a:rPr>
-                        <m:t>𝟐𝟎𝟐</m:t>
-                      </m:r>
-                      <m:r>
-                        <a:rPr lang="en-US" sz="2400" b="1" i="1" smtClean="0">
-                          <a:solidFill>
-                            <a:schemeClr val="bg1"/>
-                          </a:solidFill>
-                          <a:latin typeface="Cambria Math" panose="02040503050406030204" pitchFamily="18" charset="0"/>
-                        </a:rPr>
-                        <m:t>𝑴</m:t>
-                      </m:r>
-                    </m:oMath>
-                  </m:oMathPara>
-                </a14:m>
-                <a:endParaRPr lang="en-US" sz="2400" b="1" dirty="0">
-                  <a:solidFill>
-                    <a:schemeClr val="bg1"/>
-                  </a:solidFill>
-                </a:endParaRPr>
-              </a:p>
-            </p:txBody>
-          </p:sp>
-        </mc:Choice>
-        <mc:Fallback xmlns="">
-          <p:sp>
-            <p:nvSpPr>
-              <p:cNvPr id="20" name="TextBox 19">
-                <a:extLst>
-                  <a:ext uri="{FF2B5EF4-FFF2-40B4-BE49-F238E27FC236}">
-                    <a16:creationId xmlns:a16="http://schemas.microsoft.com/office/drawing/2014/main" id="{22E42D2D-8AA1-49BF-A8F4-A2ED0DD37FCC}"/>
-                  </a:ext>
-                </a:extLst>
-              </p:cNvPr>
-              <p:cNvSpPr txBox="1">
-                <a:spLocks noRot="1" noChangeAspect="1" noMove="1" noResize="1" noEditPoints="1" noAdjustHandles="1" noChangeArrowheads="1" noChangeShapeType="1" noTextEdit="1"/>
-              </p:cNvSpPr>
-              <p:nvPr/>
-            </p:nvSpPr>
-            <p:spPr>
-              <a:xfrm>
-                <a:off x="2536327" y="5035514"/>
-                <a:ext cx="7214761" cy="461665"/>
-              </a:xfrm>
-              <a:prstGeom prst="rect">
-                <a:avLst/>
-              </a:prstGeom>
-              <a:blipFill>
-                <a:blip r:embed="rId5"/>
-                <a:stretch>
-                  <a:fillRect b="-3947"/>
-                </a:stretch>
-              </a:blipFill>
-            </p:spPr>
-            <p:txBody>
-              <a:bodyPr/>
-              <a:lstStyle/>
-              <a:p>
-                <a:r>
-                  <a:rPr lang="en-US">
-                    <a:noFill/>
-                  </a:rPr>
-                  <a:t> </a:t>
-                </a:r>
-              </a:p>
-            </p:txBody>
-          </p:sp>
-        </mc:Fallback>
-      </mc:AlternateContent>
+              <a:t>Each Win Above Replacement is Worth $3.08 Million</a:t>
+            </a:r>
+          </a:p>
+        </p:txBody>
+      </p:sp>
     </p:spTree>
     <p:extLst>
       <p:ext uri="{BB962C8B-B14F-4D97-AF65-F5344CB8AC3E}">
-        <p14:creationId xmlns:p14="http://schemas.microsoft.com/office/powerpoint/2010/main" val="3040906787"/>
+        <p14:creationId xmlns:p14="http://schemas.microsoft.com/office/powerpoint/2010/main" val="23115925"/>
       </p:ext>
     </p:extLst>
   </p:cSld>
@@ -7702,14 +6121,6 @@
 <file path=ppt/slides/slide14.xml><?xml version="1.0" encoding="utf-8"?>
 <p:sld xmlns:a="http://schemas.openxmlformats.org/drawingml/2006/main" xmlns:r="http://schemas.openxmlformats.org/officeDocument/2006/relationships" xmlns:p="http://schemas.openxmlformats.org/presentationml/2006/main">
   <p:cSld>
-    <p:bg>
-      <p:bgPr>
-        <a:solidFill>
-          <a:schemeClr val="bg1"/>
-        </a:solidFill>
-        <a:effectLst/>
-      </p:bgPr>
-    </p:bg>
     <p:spTree>
       <p:nvGrpSpPr>
         <p:cNvPr id="1" name=""/>
@@ -7738,7 +6149,7 @@
         </p:nvSpPr>
         <p:spPr>
           <a:xfrm>
-            <a:off x="0" y="-52157"/>
+            <a:off x="-2" y="-52157"/>
             <a:ext cx="12192000" cy="6910157"/>
           </a:xfrm>
           <a:prstGeom prst="rect">
@@ -7769,7 +6180,7 @@
           <a:lstStyle/>
           <a:p>
             <a:pPr algn="ctr"/>
-            <a:endParaRPr lang="en-US"/>
+            <a:endParaRPr lang="en-US" dirty="0"/>
           </a:p>
         </p:txBody>
       </p:sp>
@@ -7956,7 +6367,7 @@
                 </a:solidFill>
                 <a:latin typeface="Selawik Semibold" panose="020B0702040204020203" pitchFamily="34" charset="0"/>
               </a:rPr>
-              <a:t>Value of Replacement Players</a:t>
+              <a:t>Wins Above Replacement</a:t>
             </a:r>
           </a:p>
         </p:txBody>
@@ -8092,7 +6503,7 @@
         <p:spPr>
           <a:xfrm>
             <a:off x="3080080" y="1520792"/>
-            <a:ext cx="8532800" cy="2308324"/>
+            <a:ext cx="8532800" cy="4893647"/>
           </a:xfrm>
           <a:prstGeom prst="rect">
             <a:avLst/>
@@ -8116,7 +6527,7 @@
                 </a:solidFill>
                 <a:latin typeface="Selawik Semibold" panose="020B0702040204020203" pitchFamily="34" charset="0"/>
               </a:rPr>
-              <a:t>Extra Plate Appearances Create Value</a:t>
+              <a:t>Salary Comparison in 2016</a:t>
             </a:r>
           </a:p>
           <a:p>
@@ -8172,6 +6583,86 @@
               <a:buFont typeface="Arial" panose="020B0604020202020204" pitchFamily="34" charset="0"/>
               <a:buChar char="•"/>
             </a:pPr>
+            <a:endParaRPr lang="en-US" sz="2400" dirty="0">
+              <a:solidFill>
+                <a:schemeClr val="bg1"/>
+              </a:solidFill>
+              <a:latin typeface="Selawik Semibold" panose="020B0702040204020203" pitchFamily="34" charset="0"/>
+            </a:endParaRPr>
+          </a:p>
+          <a:p>
+            <a:pPr marL="342900" indent="-342900">
+              <a:buFont typeface="Arial" panose="020B0604020202020204" pitchFamily="34" charset="0"/>
+              <a:buChar char="•"/>
+            </a:pPr>
+            <a:endParaRPr lang="en-US" sz="2400" dirty="0">
+              <a:solidFill>
+                <a:schemeClr val="bg1"/>
+              </a:solidFill>
+              <a:latin typeface="Selawik Semibold" panose="020B0702040204020203" pitchFamily="34" charset="0"/>
+            </a:endParaRPr>
+          </a:p>
+          <a:p>
+            <a:pPr marL="342900" indent="-342900">
+              <a:buFont typeface="Arial" panose="020B0604020202020204" pitchFamily="34" charset="0"/>
+              <a:buChar char="•"/>
+            </a:pPr>
+            <a:endParaRPr lang="en-US" sz="2400" dirty="0">
+              <a:solidFill>
+                <a:schemeClr val="bg1"/>
+              </a:solidFill>
+              <a:latin typeface="Selawik Semibold" panose="020B0702040204020203" pitchFamily="34" charset="0"/>
+            </a:endParaRPr>
+          </a:p>
+          <a:p>
+            <a:pPr marL="342900" indent="-342900">
+              <a:buFont typeface="Arial" panose="020B0604020202020204" pitchFamily="34" charset="0"/>
+              <a:buChar char="•"/>
+            </a:pPr>
+            <a:endParaRPr lang="en-US" sz="2400" dirty="0">
+              <a:solidFill>
+                <a:schemeClr val="bg1"/>
+              </a:solidFill>
+              <a:latin typeface="Selawik Semibold" panose="020B0702040204020203" pitchFamily="34" charset="0"/>
+            </a:endParaRPr>
+          </a:p>
+          <a:p>
+            <a:pPr marL="342900" indent="-342900">
+              <a:buFont typeface="Arial" panose="020B0604020202020204" pitchFamily="34" charset="0"/>
+              <a:buChar char="•"/>
+            </a:pPr>
+            <a:endParaRPr lang="en-US" sz="2400" dirty="0">
+              <a:solidFill>
+                <a:schemeClr val="bg1"/>
+              </a:solidFill>
+              <a:latin typeface="Selawik Semibold" panose="020B0702040204020203" pitchFamily="34" charset="0"/>
+            </a:endParaRPr>
+          </a:p>
+          <a:p>
+            <a:pPr marL="342900" indent="-342900">
+              <a:buFont typeface="Arial" panose="020B0604020202020204" pitchFamily="34" charset="0"/>
+              <a:buChar char="•"/>
+            </a:pPr>
+            <a:endParaRPr lang="en-US" sz="2400" dirty="0">
+              <a:solidFill>
+                <a:schemeClr val="bg1"/>
+              </a:solidFill>
+              <a:latin typeface="Selawik Semibold" panose="020B0702040204020203" pitchFamily="34" charset="0"/>
+            </a:endParaRPr>
+          </a:p>
+          <a:p>
+            <a:endParaRPr lang="en-US" sz="2400" dirty="0">
+              <a:solidFill>
+                <a:schemeClr val="bg1"/>
+              </a:solidFill>
+              <a:latin typeface="Selawik Semibold" panose="020B0702040204020203" pitchFamily="34" charset="0"/>
+            </a:endParaRPr>
+          </a:p>
+          <a:p>
+            <a:pPr marL="342900" indent="-342900">
+              <a:buFont typeface="Arial" panose="020B0604020202020204" pitchFamily="34" charset="0"/>
+              <a:buChar char="•"/>
+            </a:pPr>
             <a:r>
               <a:rPr lang="en-US" sz="2400" dirty="0">
                 <a:solidFill>
@@ -8179,7 +6670,7 @@
                 </a:solidFill>
                 <a:latin typeface="Selawik Semibold" panose="020B0702040204020203" pitchFamily="34" charset="0"/>
               </a:rPr>
-              <a:t>VORPP Used by Theo Epstein in 2004 Red Sox Season</a:t>
+              <a:t>Winner’s Curse = Pay More Than Player is Worth</a:t>
             </a:r>
             <a:endParaRPr lang="en-US" sz="2000" dirty="0">
               <a:solidFill>
@@ -8192,10 +6683,10 @@
       </p:sp>
       <p:pic>
         <p:nvPicPr>
-          <p:cNvPr id="2" name="Picture 1">
-            <a:extLst>
-              <a:ext uri="{FF2B5EF4-FFF2-40B4-BE49-F238E27FC236}">
-                <a16:creationId xmlns:a16="http://schemas.microsoft.com/office/drawing/2014/main" id="{B3C8A86C-B1E5-4305-83A3-45DE74385705}"/>
+          <p:cNvPr id="3" name="Picture 2">
+            <a:extLst>
+              <a:ext uri="{FF2B5EF4-FFF2-40B4-BE49-F238E27FC236}">
+                <a16:creationId xmlns:a16="http://schemas.microsoft.com/office/drawing/2014/main" id="{4EA2459E-14D3-1174-2E0D-C60B3EE077F6}"/>
               </a:ext>
             </a:extLst>
           </p:cNvPr>
@@ -8212,13 +6703,13 @@
         </p:blipFill>
         <p:spPr>
           <a:xfrm>
-            <a:off x="3538150" y="2090164"/>
-            <a:ext cx="5743575" cy="885825"/>
+            <a:off x="3514006" y="2104580"/>
+            <a:ext cx="6429697" cy="3625368"/>
           </a:xfrm>
           <a:prstGeom prst="rect">
             <a:avLst/>
           </a:prstGeom>
-          <a:ln w="38100">
+          <a:ln w="28575">
             <a:solidFill>
               <a:schemeClr val="tx1"/>
             </a:solidFill>
@@ -8228,7 +6719,7 @@
     </p:spTree>
     <p:extLst>
       <p:ext uri="{BB962C8B-B14F-4D97-AF65-F5344CB8AC3E}">
-        <p14:creationId xmlns:p14="http://schemas.microsoft.com/office/powerpoint/2010/main" val="480167131"/>
+        <p14:creationId xmlns:p14="http://schemas.microsoft.com/office/powerpoint/2010/main" val="275000774"/>
       </p:ext>
     </p:extLst>
   </p:cSld>
@@ -8239,2128 +6730,6 @@
 </file>
 
 <file path=ppt/slides/slide15.xml><?xml version="1.0" encoding="utf-8"?>
-<p:sld xmlns:a="http://schemas.openxmlformats.org/drawingml/2006/main" xmlns:r="http://schemas.openxmlformats.org/officeDocument/2006/relationships" xmlns:p="http://schemas.openxmlformats.org/presentationml/2006/main">
-  <p:cSld>
-    <p:spTree>
-      <p:nvGrpSpPr>
-        <p:cNvPr id="1" name=""/>
-        <p:cNvGrpSpPr/>
-        <p:nvPr/>
-      </p:nvGrpSpPr>
-      <p:grpSpPr>
-        <a:xfrm>
-          <a:off x="0" y="0"/>
-          <a:ext cx="0" cy="0"/>
-          <a:chOff x="0" y="0"/>
-          <a:chExt cx="0" cy="0"/>
-        </a:xfrm>
-      </p:grpSpPr>
-      <p:sp>
-        <p:nvSpPr>
-          <p:cNvPr id="17" name="Rectangle 16">
-            <a:extLst>
-              <a:ext uri="{FF2B5EF4-FFF2-40B4-BE49-F238E27FC236}">
-                <a16:creationId xmlns:a16="http://schemas.microsoft.com/office/drawing/2014/main" id="{0A8FE870-A334-4DE1-84A7-AB191ED10D63}"/>
-              </a:ext>
-            </a:extLst>
-          </p:cNvPr>
-          <p:cNvSpPr/>
-          <p:nvPr/>
-        </p:nvSpPr>
-        <p:spPr>
-          <a:xfrm>
-            <a:off x="-2" y="-52157"/>
-            <a:ext cx="12192000" cy="6910157"/>
-          </a:xfrm>
-          <a:prstGeom prst="rect">
-            <a:avLst/>
-          </a:prstGeom>
-          <a:solidFill>
-            <a:srgbClr val="395583"/>
-          </a:solidFill>
-        </p:spPr>
-        <p:style>
-          <a:lnRef idx="2">
-            <a:schemeClr val="accent1">
-              <a:shade val="50000"/>
-            </a:schemeClr>
-          </a:lnRef>
-          <a:fillRef idx="1">
-            <a:schemeClr val="accent1"/>
-          </a:fillRef>
-          <a:effectRef idx="0">
-            <a:schemeClr val="accent1"/>
-          </a:effectRef>
-          <a:fontRef idx="minor">
-            <a:schemeClr val="lt1"/>
-          </a:fontRef>
-        </p:style>
-        <p:txBody>
-          <a:bodyPr rtlCol="0" anchor="ctr"/>
-          <a:lstStyle/>
-          <a:p>
-            <a:pPr algn="ctr"/>
-            <a:endParaRPr lang="en-US"/>
-          </a:p>
-        </p:txBody>
-      </p:sp>
-      <p:pic>
-        <p:nvPicPr>
-          <p:cNvPr id="8" name="Picture 7" descr="A close up of a toy&#10;&#10;Description automatically generated">
-            <a:extLst>
-              <a:ext uri="{FF2B5EF4-FFF2-40B4-BE49-F238E27FC236}">
-                <a16:creationId xmlns:a16="http://schemas.microsoft.com/office/drawing/2014/main" id="{131D5527-B848-4F84-9601-62DB93565332}"/>
-              </a:ext>
-            </a:extLst>
-          </p:cNvPr>
-          <p:cNvPicPr>
-            <a:picLocks noChangeAspect="1"/>
-          </p:cNvPicPr>
-          <p:nvPr/>
-        </p:nvPicPr>
-        <p:blipFill rotWithShape="1">
-          <a:blip r:embed="rId2">
-            <a:extLst>
-              <a:ext uri="{28A0092B-C50C-407E-A947-70E740481C1C}">
-                <a14:useLocalDpi xmlns:a14="http://schemas.microsoft.com/office/drawing/2010/main" val="0"/>
-              </a:ext>
-            </a:extLst>
-          </a:blip>
-          <a:srcRect l="6238" r="10796"/>
-          <a:stretch/>
-        </p:blipFill>
-        <p:spPr>
-          <a:xfrm>
-            <a:off x="0" y="-52157"/>
-            <a:ext cx="2684015" cy="3969421"/>
-          </a:xfrm>
-          <a:prstGeom prst="rect">
-            <a:avLst/>
-          </a:prstGeom>
-        </p:spPr>
-      </p:pic>
-      <p:sp>
-        <p:nvSpPr>
-          <p:cNvPr id="33" name="Rectangle 32">
-            <a:extLst>
-              <a:ext uri="{FF2B5EF4-FFF2-40B4-BE49-F238E27FC236}">
-                <a16:creationId xmlns:a16="http://schemas.microsoft.com/office/drawing/2014/main" id="{6F93929A-DE1C-47C4-AF97-F99DB104E96F}"/>
-              </a:ext>
-            </a:extLst>
-          </p:cNvPr>
-          <p:cNvSpPr/>
-          <p:nvPr/>
-        </p:nvSpPr>
-        <p:spPr>
-          <a:xfrm rot="16200000">
-            <a:off x="782431" y="1849427"/>
-            <a:ext cx="3969421" cy="166254"/>
-          </a:xfrm>
-          <a:prstGeom prst="rect">
-            <a:avLst/>
-          </a:prstGeom>
-          <a:solidFill>
-            <a:schemeClr val="tx1"/>
-          </a:solidFill>
-          <a:ln>
-            <a:noFill/>
-          </a:ln>
-        </p:spPr>
-        <p:style>
-          <a:lnRef idx="2">
-            <a:schemeClr val="accent1">
-              <a:shade val="50000"/>
-            </a:schemeClr>
-          </a:lnRef>
-          <a:fillRef idx="1">
-            <a:schemeClr val="accent1"/>
-          </a:fillRef>
-          <a:effectRef idx="0">
-            <a:schemeClr val="accent1"/>
-          </a:effectRef>
-          <a:fontRef idx="minor">
-            <a:schemeClr val="lt1"/>
-          </a:fontRef>
-        </p:style>
-        <p:txBody>
-          <a:bodyPr rtlCol="0" anchor="ctr"/>
-          <a:lstStyle/>
-          <a:p>
-            <a:pPr algn="ctr"/>
-            <a:endParaRPr lang="en-US" dirty="0">
-              <a:solidFill>
-                <a:srgbClr val="DB5B5C"/>
-              </a:solidFill>
-            </a:endParaRPr>
-          </a:p>
-        </p:txBody>
-      </p:sp>
-      <p:sp>
-        <p:nvSpPr>
-          <p:cNvPr id="35" name="Rectangle 34">
-            <a:extLst>
-              <a:ext uri="{FF2B5EF4-FFF2-40B4-BE49-F238E27FC236}">
-                <a16:creationId xmlns:a16="http://schemas.microsoft.com/office/drawing/2014/main" id="{259A39E4-556F-4581-82A2-C6B68A8147A4}"/>
-              </a:ext>
-            </a:extLst>
-          </p:cNvPr>
-          <p:cNvSpPr/>
-          <p:nvPr/>
-        </p:nvSpPr>
-        <p:spPr>
-          <a:xfrm rot="10800000">
-            <a:off x="-2" y="3756674"/>
-            <a:ext cx="2850269" cy="3101326"/>
-          </a:xfrm>
-          <a:prstGeom prst="rect">
-            <a:avLst/>
-          </a:prstGeom>
-          <a:solidFill>
-            <a:schemeClr val="tx1"/>
-          </a:solidFill>
-          <a:ln>
-            <a:noFill/>
-          </a:ln>
-        </p:spPr>
-        <p:style>
-          <a:lnRef idx="2">
-            <a:schemeClr val="accent1">
-              <a:shade val="50000"/>
-            </a:schemeClr>
-          </a:lnRef>
-          <a:fillRef idx="1">
-            <a:schemeClr val="accent1"/>
-          </a:fillRef>
-          <a:effectRef idx="0">
-            <a:schemeClr val="accent1"/>
-          </a:effectRef>
-          <a:fontRef idx="minor">
-            <a:schemeClr val="lt1"/>
-          </a:fontRef>
-        </p:style>
-        <p:txBody>
-          <a:bodyPr rtlCol="0" anchor="ctr"/>
-          <a:lstStyle/>
-          <a:p>
-            <a:pPr algn="ctr"/>
-            <a:endParaRPr lang="en-US" dirty="0">
-              <a:solidFill>
-                <a:srgbClr val="DB5B5C"/>
-              </a:solidFill>
-            </a:endParaRPr>
-          </a:p>
-        </p:txBody>
-      </p:sp>
-      <p:sp>
-        <p:nvSpPr>
-          <p:cNvPr id="23" name="Subtitle 22">
-            <a:extLst>
-              <a:ext uri="{FF2B5EF4-FFF2-40B4-BE49-F238E27FC236}">
-                <a16:creationId xmlns:a16="http://schemas.microsoft.com/office/drawing/2014/main" id="{1E5D6413-9C6F-483D-BE52-F3BBB1E74630}"/>
-              </a:ext>
-            </a:extLst>
-          </p:cNvPr>
-          <p:cNvSpPr>
-            <a:spLocks noGrp="1"/>
-          </p:cNvSpPr>
-          <p:nvPr>
-            <p:ph type="subTitle" idx="1"/>
-          </p:nvPr>
-        </p:nvSpPr>
-        <p:spPr>
-          <a:xfrm>
-            <a:off x="3007491" y="137620"/>
-            <a:ext cx="9341732" cy="1684867"/>
-          </a:xfrm>
-        </p:spPr>
-        <p:txBody>
-          <a:bodyPr>
-            <a:normAutofit/>
-          </a:bodyPr>
-          <a:lstStyle/>
-          <a:p>
-            <a:pPr algn="l"/>
-            <a:r>
-              <a:rPr lang="en-US" sz="4400" dirty="0">
-                <a:solidFill>
-                  <a:schemeClr val="bg1"/>
-                </a:solidFill>
-                <a:latin typeface="Selawik Semibold" panose="020B0702040204020203" pitchFamily="34" charset="0"/>
-              </a:rPr>
-              <a:t>Wins Above Replacement</a:t>
-            </a:r>
-          </a:p>
-        </p:txBody>
-      </p:sp>
-      <p:pic>
-        <p:nvPicPr>
-          <p:cNvPr id="16" name="Picture 15" descr="A close up of a toy&#10;&#10;Description automatically generated">
-            <a:extLst>
-              <a:ext uri="{FF2B5EF4-FFF2-40B4-BE49-F238E27FC236}">
-                <a16:creationId xmlns:a16="http://schemas.microsoft.com/office/drawing/2014/main" id="{94C75949-F15C-4E05-810D-EF40FCE89107}"/>
-              </a:ext>
-            </a:extLst>
-          </p:cNvPr>
-          <p:cNvPicPr>
-            <a:picLocks noChangeAspect="1"/>
-          </p:cNvPicPr>
-          <p:nvPr/>
-        </p:nvPicPr>
-        <p:blipFill>
-          <a:blip r:embed="rId3">
-            <a:extLst>
-              <a:ext uri="{28A0092B-C50C-407E-A947-70E740481C1C}">
-                <a14:useLocalDpi xmlns:a14="http://schemas.microsoft.com/office/drawing/2010/main" val="0"/>
-              </a:ext>
-            </a:extLst>
-          </a:blip>
-          <a:stretch>
-            <a:fillRect/>
-          </a:stretch>
-        </p:blipFill>
-        <p:spPr>
-          <a:xfrm>
-            <a:off x="417789" y="4380288"/>
-            <a:ext cx="2014687" cy="2014687"/>
-          </a:xfrm>
-          <a:prstGeom prst="ellipse">
-            <a:avLst/>
-          </a:prstGeom>
-          <a:ln w="63500" cap="rnd">
-            <a:solidFill>
-              <a:srgbClr val="333333"/>
-            </a:solidFill>
-          </a:ln>
-          <a:effectLst>
-            <a:outerShdw blurRad="381000" dist="292100" dir="5400000" sx="-80000" sy="-18000" rotWithShape="0">
-              <a:srgbClr val="000000">
-                <a:alpha val="22000"/>
-              </a:srgbClr>
-            </a:outerShdw>
-          </a:effectLst>
-          <a:scene3d>
-            <a:camera prst="orthographicFront"/>
-            <a:lightRig rig="contrasting" dir="t">
-              <a:rot lat="0" lon="0" rev="3000000"/>
-            </a:lightRig>
-          </a:scene3d>
-          <a:sp3d contourW="7620">
-            <a:bevelT w="95250" h="31750"/>
-            <a:contourClr>
-              <a:srgbClr val="333333"/>
-            </a:contourClr>
-          </a:sp3d>
-        </p:spPr>
-      </p:pic>
-      <p:sp>
-        <p:nvSpPr>
-          <p:cNvPr id="38" name="Rectangle 37">
-            <a:extLst>
-              <a:ext uri="{FF2B5EF4-FFF2-40B4-BE49-F238E27FC236}">
-                <a16:creationId xmlns:a16="http://schemas.microsoft.com/office/drawing/2014/main" id="{28B1909D-4141-4FB1-8633-83F335349C97}"/>
-              </a:ext>
-            </a:extLst>
-          </p:cNvPr>
-          <p:cNvSpPr/>
-          <p:nvPr/>
-        </p:nvSpPr>
-        <p:spPr>
-          <a:xfrm rot="10800000">
-            <a:off x="3007493" y="844062"/>
-            <a:ext cx="9027282" cy="137067"/>
-          </a:xfrm>
-          <a:prstGeom prst="rect">
-            <a:avLst/>
-          </a:prstGeom>
-          <a:solidFill>
-            <a:schemeClr val="tx1"/>
-          </a:solidFill>
-          <a:ln>
-            <a:noFill/>
-          </a:ln>
-        </p:spPr>
-        <p:style>
-          <a:lnRef idx="2">
-            <a:schemeClr val="accent1">
-              <a:shade val="50000"/>
-            </a:schemeClr>
-          </a:lnRef>
-          <a:fillRef idx="1">
-            <a:schemeClr val="accent1"/>
-          </a:fillRef>
-          <a:effectRef idx="0">
-            <a:schemeClr val="accent1"/>
-          </a:effectRef>
-          <a:fontRef idx="minor">
-            <a:schemeClr val="lt1"/>
-          </a:fontRef>
-        </p:style>
-        <p:txBody>
-          <a:bodyPr rtlCol="0" anchor="ctr"/>
-          <a:lstStyle/>
-          <a:p>
-            <a:pPr algn="ctr"/>
-            <a:endParaRPr lang="en-US" dirty="0">
-              <a:solidFill>
-                <a:srgbClr val="DB5B5C"/>
-              </a:solidFill>
-            </a:endParaRPr>
-          </a:p>
-        </p:txBody>
-      </p:sp>
-      <p:sp>
-        <p:nvSpPr>
-          <p:cNvPr id="10" name="TextBox 9">
-            <a:extLst>
-              <a:ext uri="{FF2B5EF4-FFF2-40B4-BE49-F238E27FC236}">
-                <a16:creationId xmlns:a16="http://schemas.microsoft.com/office/drawing/2014/main" id="{8A07C2CC-416F-4D29-84CF-D1F8B766EE5F}"/>
-              </a:ext>
-            </a:extLst>
-          </p:cNvPr>
-          <p:cNvSpPr txBox="1"/>
-          <p:nvPr/>
-        </p:nvSpPr>
-        <p:spPr>
-          <a:xfrm>
-            <a:off x="3080080" y="1520792"/>
-            <a:ext cx="8532800" cy="3539430"/>
-          </a:xfrm>
-          <a:prstGeom prst="rect">
-            <a:avLst/>
-          </a:prstGeom>
-          <a:noFill/>
-        </p:spPr>
-        <p:txBody>
-          <a:bodyPr wrap="square" rtlCol="0">
-            <a:spAutoFit/>
-          </a:bodyPr>
-          <a:lstStyle/>
-          <a:p>
-            <a:pPr marL="342900" indent="-342900">
-              <a:buFont typeface="Arial" panose="020B0604020202020204" pitchFamily="34" charset="0"/>
-              <a:buChar char="•"/>
-            </a:pPr>
-            <a:r>
-              <a:rPr lang="en-US" sz="2400" dirty="0">
-                <a:solidFill>
-                  <a:schemeClr val="bg1"/>
-                </a:solidFill>
-                <a:latin typeface="Selawik Semibold" panose="020B0702040204020203" pitchFamily="34" charset="0"/>
-              </a:rPr>
-              <a:t>Wins Above Replacement (WAR)</a:t>
-            </a:r>
-          </a:p>
-          <a:p>
-            <a:pPr marL="800100" lvl="1" indent="-342900">
-              <a:buFont typeface="Arial" panose="020B0604020202020204" pitchFamily="34" charset="0"/>
-              <a:buChar char="•"/>
-            </a:pPr>
-            <a:r>
-              <a:rPr lang="en-US" sz="2000" dirty="0">
-                <a:solidFill>
-                  <a:schemeClr val="bg1"/>
-                </a:solidFill>
-                <a:latin typeface="Selawik Semibold" panose="020B0702040204020203" pitchFamily="34" charset="0"/>
-              </a:rPr>
-              <a:t>Attempt to Measure All of a Baseball’s Player’s Contributions</a:t>
-            </a:r>
-          </a:p>
-          <a:p>
-            <a:pPr marL="800100" lvl="1" indent="-342900">
-              <a:buFont typeface="Arial" panose="020B0604020202020204" pitchFamily="34" charset="0"/>
-              <a:buChar char="•"/>
-            </a:pPr>
-            <a:r>
-              <a:rPr lang="en-US" sz="2000" dirty="0">
-                <a:solidFill>
-                  <a:schemeClr val="bg1"/>
-                </a:solidFill>
-                <a:latin typeface="Selawik Semibold" panose="020B0702040204020203" pitchFamily="34" charset="0"/>
-              </a:rPr>
-              <a:t>What is it good for? Absolutely Everything</a:t>
-            </a:r>
-          </a:p>
-          <a:p>
-            <a:pPr marL="800100" lvl="1" indent="-342900">
-              <a:buFont typeface="Arial" panose="020B0604020202020204" pitchFamily="34" charset="0"/>
-              <a:buChar char="•"/>
-            </a:pPr>
-            <a:r>
-              <a:rPr lang="en-US" sz="2000" dirty="0">
-                <a:solidFill>
-                  <a:schemeClr val="bg1"/>
-                </a:solidFill>
-                <a:latin typeface="Selawik Semibold" panose="020B0702040204020203" pitchFamily="34" charset="0"/>
-              </a:rPr>
-              <a:t>Not Comparing to Average Player but Replacement Player</a:t>
-            </a:r>
-          </a:p>
-          <a:p>
-            <a:pPr marL="800100" lvl="1" indent="-342900">
-              <a:buFont typeface="Arial" panose="020B0604020202020204" pitchFamily="34" charset="0"/>
-              <a:buChar char="•"/>
-            </a:pPr>
-            <a:r>
-              <a:rPr lang="en-US" sz="2000" dirty="0">
-                <a:solidFill>
-                  <a:schemeClr val="bg1"/>
-                </a:solidFill>
-                <a:latin typeface="Selawik Semibold" panose="020B0702040204020203" pitchFamily="34" charset="0"/>
-              </a:rPr>
-              <a:t>Interpretation: “If a player got injured and their team had to replace them, how many </a:t>
-            </a:r>
-            <a:r>
-              <a:rPr lang="en-US" sz="2000" u="sng" dirty="0">
-                <a:solidFill>
-                  <a:schemeClr val="bg1"/>
-                </a:solidFill>
-                <a:latin typeface="Selawik Semibold" panose="020B0702040204020203" pitchFamily="34" charset="0"/>
-              </a:rPr>
-              <a:t>wins</a:t>
-            </a:r>
-            <a:r>
-              <a:rPr lang="en-US" sz="2000" dirty="0">
-                <a:solidFill>
-                  <a:schemeClr val="bg1"/>
-                </a:solidFill>
-                <a:latin typeface="Selawik Semibold" panose="020B0702040204020203" pitchFamily="34" charset="0"/>
-              </a:rPr>
-              <a:t> would the team be losing?</a:t>
-            </a:r>
-          </a:p>
-          <a:p>
-            <a:pPr marL="800100" lvl="1" indent="-342900">
-              <a:buFont typeface="Arial" panose="020B0604020202020204" pitchFamily="34" charset="0"/>
-              <a:buChar char="•"/>
-            </a:pPr>
-            <a:endParaRPr lang="en-US" sz="2000" dirty="0">
-              <a:solidFill>
-                <a:schemeClr val="bg1"/>
-              </a:solidFill>
-              <a:latin typeface="Selawik Semibold" panose="020B0702040204020203" pitchFamily="34" charset="0"/>
-            </a:endParaRPr>
-          </a:p>
-          <a:p>
-            <a:pPr marL="342900" indent="-342900">
-              <a:buFont typeface="Arial" panose="020B0604020202020204" pitchFamily="34" charset="0"/>
-              <a:buChar char="•"/>
-            </a:pPr>
-            <a:r>
-              <a:rPr lang="en-US" sz="2000" dirty="0">
-                <a:solidFill>
-                  <a:schemeClr val="bg1"/>
-                </a:solidFill>
-                <a:latin typeface="Selawik Semibold" panose="020B0702040204020203" pitchFamily="34" charset="0"/>
-              </a:rPr>
-              <a:t>Three Main Sources of WAR</a:t>
-            </a:r>
-          </a:p>
-          <a:p>
-            <a:pPr marL="800100" lvl="1" indent="-342900">
-              <a:buFont typeface="Arial" panose="020B0604020202020204" pitchFamily="34" charset="0"/>
-              <a:buChar char="•"/>
-            </a:pPr>
-            <a:r>
-              <a:rPr lang="en-US" sz="2000" dirty="0">
-                <a:solidFill>
-                  <a:schemeClr val="bg1"/>
-                </a:solidFill>
-                <a:latin typeface="Selawik Semibold" panose="020B0702040204020203" pitchFamily="34" charset="0"/>
-              </a:rPr>
-              <a:t>Baseball-Reference (</a:t>
-            </a:r>
-            <a:r>
-              <a:rPr lang="en-US" sz="2000" dirty="0" err="1">
-                <a:solidFill>
-                  <a:schemeClr val="bg1"/>
-                </a:solidFill>
-                <a:latin typeface="Selawik Semibold" panose="020B0702040204020203" pitchFamily="34" charset="0"/>
-              </a:rPr>
-              <a:t>bWAR</a:t>
-            </a:r>
-            <a:r>
-              <a:rPr lang="en-US" sz="2000" dirty="0">
-                <a:solidFill>
-                  <a:schemeClr val="bg1"/>
-                </a:solidFill>
-                <a:latin typeface="Selawik Semibold" panose="020B0702040204020203" pitchFamily="34" charset="0"/>
-              </a:rPr>
-              <a:t>)</a:t>
-            </a:r>
-          </a:p>
-          <a:p>
-            <a:pPr marL="800100" lvl="1" indent="-342900">
-              <a:buFont typeface="Arial" panose="020B0604020202020204" pitchFamily="34" charset="0"/>
-              <a:buChar char="•"/>
-            </a:pPr>
-            <a:r>
-              <a:rPr lang="en-US" sz="2000" dirty="0">
-                <a:solidFill>
-                  <a:schemeClr val="bg1"/>
-                </a:solidFill>
-                <a:latin typeface="Selawik Semibold" panose="020B0702040204020203" pitchFamily="34" charset="0"/>
-              </a:rPr>
-              <a:t>FanGraphs (</a:t>
-            </a:r>
-            <a:r>
-              <a:rPr lang="en-US" sz="2000" dirty="0" err="1">
-                <a:solidFill>
-                  <a:schemeClr val="bg1"/>
-                </a:solidFill>
-                <a:latin typeface="Selawik Semibold" panose="020B0702040204020203" pitchFamily="34" charset="0"/>
-              </a:rPr>
-              <a:t>fWAR</a:t>
-            </a:r>
-            <a:r>
-              <a:rPr lang="en-US" sz="2000" dirty="0">
-                <a:solidFill>
-                  <a:schemeClr val="bg1"/>
-                </a:solidFill>
-                <a:latin typeface="Selawik Semibold" panose="020B0702040204020203" pitchFamily="34" charset="0"/>
-              </a:rPr>
-              <a:t>)</a:t>
-            </a:r>
-          </a:p>
-          <a:p>
-            <a:pPr marL="800100" lvl="1" indent="-342900">
-              <a:buFont typeface="Arial" panose="020B0604020202020204" pitchFamily="34" charset="0"/>
-              <a:buChar char="•"/>
-            </a:pPr>
-            <a:r>
-              <a:rPr lang="en-US" sz="2000" dirty="0">
-                <a:solidFill>
-                  <a:schemeClr val="bg1"/>
-                </a:solidFill>
-                <a:latin typeface="Selawik Semibold" panose="020B0702040204020203" pitchFamily="34" charset="0"/>
-              </a:rPr>
-              <a:t>Baseball Prospectus (WARP)</a:t>
-            </a:r>
-          </a:p>
-        </p:txBody>
-      </p:sp>
-    </p:spTree>
-    <p:extLst>
-      <p:ext uri="{BB962C8B-B14F-4D97-AF65-F5344CB8AC3E}">
-        <p14:creationId xmlns:p14="http://schemas.microsoft.com/office/powerpoint/2010/main" val="1358373830"/>
-      </p:ext>
-    </p:extLst>
-  </p:cSld>
-  <p:clrMapOvr>
-    <a:masterClrMapping/>
-  </p:clrMapOvr>
-</p:sld>
-</file>
-
-<file path=ppt/slides/slide16.xml><?xml version="1.0" encoding="utf-8"?>
-<p:sld xmlns:a="http://schemas.openxmlformats.org/drawingml/2006/main" xmlns:r="http://schemas.openxmlformats.org/officeDocument/2006/relationships" xmlns:p="http://schemas.openxmlformats.org/presentationml/2006/main">
-  <p:cSld>
-    <p:spTree>
-      <p:nvGrpSpPr>
-        <p:cNvPr id="1" name=""/>
-        <p:cNvGrpSpPr/>
-        <p:nvPr/>
-      </p:nvGrpSpPr>
-      <p:grpSpPr>
-        <a:xfrm>
-          <a:off x="0" y="0"/>
-          <a:ext cx="0" cy="0"/>
-          <a:chOff x="0" y="0"/>
-          <a:chExt cx="0" cy="0"/>
-        </a:xfrm>
-      </p:grpSpPr>
-      <p:sp>
-        <p:nvSpPr>
-          <p:cNvPr id="17" name="Rectangle 16">
-            <a:extLst>
-              <a:ext uri="{FF2B5EF4-FFF2-40B4-BE49-F238E27FC236}">
-                <a16:creationId xmlns:a16="http://schemas.microsoft.com/office/drawing/2014/main" id="{0A8FE870-A334-4DE1-84A7-AB191ED10D63}"/>
-              </a:ext>
-            </a:extLst>
-          </p:cNvPr>
-          <p:cNvSpPr/>
-          <p:nvPr/>
-        </p:nvSpPr>
-        <p:spPr>
-          <a:xfrm>
-            <a:off x="-2" y="-52157"/>
-            <a:ext cx="12192000" cy="6910157"/>
-          </a:xfrm>
-          <a:prstGeom prst="rect">
-            <a:avLst/>
-          </a:prstGeom>
-          <a:solidFill>
-            <a:srgbClr val="395583"/>
-          </a:solidFill>
-        </p:spPr>
-        <p:style>
-          <a:lnRef idx="2">
-            <a:schemeClr val="accent1">
-              <a:shade val="50000"/>
-            </a:schemeClr>
-          </a:lnRef>
-          <a:fillRef idx="1">
-            <a:schemeClr val="accent1"/>
-          </a:fillRef>
-          <a:effectRef idx="0">
-            <a:schemeClr val="accent1"/>
-          </a:effectRef>
-          <a:fontRef idx="minor">
-            <a:schemeClr val="lt1"/>
-          </a:fontRef>
-        </p:style>
-        <p:txBody>
-          <a:bodyPr rtlCol="0" anchor="ctr"/>
-          <a:lstStyle/>
-          <a:p>
-            <a:pPr algn="ctr"/>
-            <a:endParaRPr lang="en-US"/>
-          </a:p>
-        </p:txBody>
-      </p:sp>
-      <p:pic>
-        <p:nvPicPr>
-          <p:cNvPr id="8" name="Picture 7" descr="A close up of a toy&#10;&#10;Description automatically generated">
-            <a:extLst>
-              <a:ext uri="{FF2B5EF4-FFF2-40B4-BE49-F238E27FC236}">
-                <a16:creationId xmlns:a16="http://schemas.microsoft.com/office/drawing/2014/main" id="{131D5527-B848-4F84-9601-62DB93565332}"/>
-              </a:ext>
-            </a:extLst>
-          </p:cNvPr>
-          <p:cNvPicPr>
-            <a:picLocks noChangeAspect="1"/>
-          </p:cNvPicPr>
-          <p:nvPr/>
-        </p:nvPicPr>
-        <p:blipFill rotWithShape="1">
-          <a:blip r:embed="rId2">
-            <a:extLst>
-              <a:ext uri="{28A0092B-C50C-407E-A947-70E740481C1C}">
-                <a14:useLocalDpi xmlns:a14="http://schemas.microsoft.com/office/drawing/2010/main" val="0"/>
-              </a:ext>
-            </a:extLst>
-          </a:blip>
-          <a:srcRect l="6238" r="10796"/>
-          <a:stretch/>
-        </p:blipFill>
-        <p:spPr>
-          <a:xfrm>
-            <a:off x="0" y="-52157"/>
-            <a:ext cx="2684015" cy="3969421"/>
-          </a:xfrm>
-          <a:prstGeom prst="rect">
-            <a:avLst/>
-          </a:prstGeom>
-        </p:spPr>
-      </p:pic>
-      <p:sp>
-        <p:nvSpPr>
-          <p:cNvPr id="33" name="Rectangle 32">
-            <a:extLst>
-              <a:ext uri="{FF2B5EF4-FFF2-40B4-BE49-F238E27FC236}">
-                <a16:creationId xmlns:a16="http://schemas.microsoft.com/office/drawing/2014/main" id="{6F93929A-DE1C-47C4-AF97-F99DB104E96F}"/>
-              </a:ext>
-            </a:extLst>
-          </p:cNvPr>
-          <p:cNvSpPr/>
-          <p:nvPr/>
-        </p:nvSpPr>
-        <p:spPr>
-          <a:xfrm rot="16200000">
-            <a:off x="782431" y="1849427"/>
-            <a:ext cx="3969421" cy="166254"/>
-          </a:xfrm>
-          <a:prstGeom prst="rect">
-            <a:avLst/>
-          </a:prstGeom>
-          <a:solidFill>
-            <a:schemeClr val="tx1"/>
-          </a:solidFill>
-          <a:ln>
-            <a:noFill/>
-          </a:ln>
-        </p:spPr>
-        <p:style>
-          <a:lnRef idx="2">
-            <a:schemeClr val="accent1">
-              <a:shade val="50000"/>
-            </a:schemeClr>
-          </a:lnRef>
-          <a:fillRef idx="1">
-            <a:schemeClr val="accent1"/>
-          </a:fillRef>
-          <a:effectRef idx="0">
-            <a:schemeClr val="accent1"/>
-          </a:effectRef>
-          <a:fontRef idx="minor">
-            <a:schemeClr val="lt1"/>
-          </a:fontRef>
-        </p:style>
-        <p:txBody>
-          <a:bodyPr rtlCol="0" anchor="ctr"/>
-          <a:lstStyle/>
-          <a:p>
-            <a:pPr algn="ctr"/>
-            <a:endParaRPr lang="en-US" dirty="0">
-              <a:solidFill>
-                <a:srgbClr val="DB5B5C"/>
-              </a:solidFill>
-            </a:endParaRPr>
-          </a:p>
-        </p:txBody>
-      </p:sp>
-      <p:sp>
-        <p:nvSpPr>
-          <p:cNvPr id="35" name="Rectangle 34">
-            <a:extLst>
-              <a:ext uri="{FF2B5EF4-FFF2-40B4-BE49-F238E27FC236}">
-                <a16:creationId xmlns:a16="http://schemas.microsoft.com/office/drawing/2014/main" id="{259A39E4-556F-4581-82A2-C6B68A8147A4}"/>
-              </a:ext>
-            </a:extLst>
-          </p:cNvPr>
-          <p:cNvSpPr/>
-          <p:nvPr/>
-        </p:nvSpPr>
-        <p:spPr>
-          <a:xfrm rot="10800000">
-            <a:off x="-2" y="3756674"/>
-            <a:ext cx="2850269" cy="3101326"/>
-          </a:xfrm>
-          <a:prstGeom prst="rect">
-            <a:avLst/>
-          </a:prstGeom>
-          <a:solidFill>
-            <a:schemeClr val="tx1"/>
-          </a:solidFill>
-          <a:ln>
-            <a:noFill/>
-          </a:ln>
-        </p:spPr>
-        <p:style>
-          <a:lnRef idx="2">
-            <a:schemeClr val="accent1">
-              <a:shade val="50000"/>
-            </a:schemeClr>
-          </a:lnRef>
-          <a:fillRef idx="1">
-            <a:schemeClr val="accent1"/>
-          </a:fillRef>
-          <a:effectRef idx="0">
-            <a:schemeClr val="accent1"/>
-          </a:effectRef>
-          <a:fontRef idx="minor">
-            <a:schemeClr val="lt1"/>
-          </a:fontRef>
-        </p:style>
-        <p:txBody>
-          <a:bodyPr rtlCol="0" anchor="ctr"/>
-          <a:lstStyle/>
-          <a:p>
-            <a:pPr algn="ctr"/>
-            <a:endParaRPr lang="en-US" dirty="0">
-              <a:solidFill>
-                <a:srgbClr val="DB5B5C"/>
-              </a:solidFill>
-            </a:endParaRPr>
-          </a:p>
-        </p:txBody>
-      </p:sp>
-      <p:sp>
-        <p:nvSpPr>
-          <p:cNvPr id="23" name="Subtitle 22">
-            <a:extLst>
-              <a:ext uri="{FF2B5EF4-FFF2-40B4-BE49-F238E27FC236}">
-                <a16:creationId xmlns:a16="http://schemas.microsoft.com/office/drawing/2014/main" id="{1E5D6413-9C6F-483D-BE52-F3BBB1E74630}"/>
-              </a:ext>
-            </a:extLst>
-          </p:cNvPr>
-          <p:cNvSpPr>
-            <a:spLocks noGrp="1"/>
-          </p:cNvSpPr>
-          <p:nvPr>
-            <p:ph type="subTitle" idx="1"/>
-          </p:nvPr>
-        </p:nvSpPr>
-        <p:spPr>
-          <a:xfrm>
-            <a:off x="3007491" y="137620"/>
-            <a:ext cx="9341732" cy="1684867"/>
-          </a:xfrm>
-        </p:spPr>
-        <p:txBody>
-          <a:bodyPr>
-            <a:normAutofit/>
-          </a:bodyPr>
-          <a:lstStyle/>
-          <a:p>
-            <a:pPr algn="l"/>
-            <a:r>
-              <a:rPr lang="en-US" sz="4400" dirty="0">
-                <a:solidFill>
-                  <a:schemeClr val="bg1"/>
-                </a:solidFill>
-                <a:latin typeface="Selawik Semibold" panose="020B0702040204020203" pitchFamily="34" charset="0"/>
-              </a:rPr>
-              <a:t>Wins Above Replacement</a:t>
-            </a:r>
-          </a:p>
-        </p:txBody>
-      </p:sp>
-      <p:pic>
-        <p:nvPicPr>
-          <p:cNvPr id="16" name="Picture 15" descr="A close up of a toy&#10;&#10;Description automatically generated">
-            <a:extLst>
-              <a:ext uri="{FF2B5EF4-FFF2-40B4-BE49-F238E27FC236}">
-                <a16:creationId xmlns:a16="http://schemas.microsoft.com/office/drawing/2014/main" id="{94C75949-F15C-4E05-810D-EF40FCE89107}"/>
-              </a:ext>
-            </a:extLst>
-          </p:cNvPr>
-          <p:cNvPicPr>
-            <a:picLocks noChangeAspect="1"/>
-          </p:cNvPicPr>
-          <p:nvPr/>
-        </p:nvPicPr>
-        <p:blipFill>
-          <a:blip r:embed="rId3">
-            <a:extLst>
-              <a:ext uri="{28A0092B-C50C-407E-A947-70E740481C1C}">
-                <a14:useLocalDpi xmlns:a14="http://schemas.microsoft.com/office/drawing/2010/main" val="0"/>
-              </a:ext>
-            </a:extLst>
-          </a:blip>
-          <a:stretch>
-            <a:fillRect/>
-          </a:stretch>
-        </p:blipFill>
-        <p:spPr>
-          <a:xfrm>
-            <a:off x="417789" y="4380288"/>
-            <a:ext cx="2014687" cy="2014687"/>
-          </a:xfrm>
-          <a:prstGeom prst="ellipse">
-            <a:avLst/>
-          </a:prstGeom>
-          <a:ln w="63500" cap="rnd">
-            <a:solidFill>
-              <a:srgbClr val="333333"/>
-            </a:solidFill>
-          </a:ln>
-          <a:effectLst>
-            <a:outerShdw blurRad="381000" dist="292100" dir="5400000" sx="-80000" sy="-18000" rotWithShape="0">
-              <a:srgbClr val="000000">
-                <a:alpha val="22000"/>
-              </a:srgbClr>
-            </a:outerShdw>
-          </a:effectLst>
-          <a:scene3d>
-            <a:camera prst="orthographicFront"/>
-            <a:lightRig rig="contrasting" dir="t">
-              <a:rot lat="0" lon="0" rev="3000000"/>
-            </a:lightRig>
-          </a:scene3d>
-          <a:sp3d contourW="7620">
-            <a:bevelT w="95250" h="31750"/>
-            <a:contourClr>
-              <a:srgbClr val="333333"/>
-            </a:contourClr>
-          </a:sp3d>
-        </p:spPr>
-      </p:pic>
-      <p:sp>
-        <p:nvSpPr>
-          <p:cNvPr id="38" name="Rectangle 37">
-            <a:extLst>
-              <a:ext uri="{FF2B5EF4-FFF2-40B4-BE49-F238E27FC236}">
-                <a16:creationId xmlns:a16="http://schemas.microsoft.com/office/drawing/2014/main" id="{28B1909D-4141-4FB1-8633-83F335349C97}"/>
-              </a:ext>
-            </a:extLst>
-          </p:cNvPr>
-          <p:cNvSpPr/>
-          <p:nvPr/>
-        </p:nvSpPr>
-        <p:spPr>
-          <a:xfrm rot="10800000">
-            <a:off x="3007493" y="844062"/>
-            <a:ext cx="9027282" cy="137067"/>
-          </a:xfrm>
-          <a:prstGeom prst="rect">
-            <a:avLst/>
-          </a:prstGeom>
-          <a:solidFill>
-            <a:schemeClr val="tx1"/>
-          </a:solidFill>
-          <a:ln>
-            <a:noFill/>
-          </a:ln>
-        </p:spPr>
-        <p:style>
-          <a:lnRef idx="2">
-            <a:schemeClr val="accent1">
-              <a:shade val="50000"/>
-            </a:schemeClr>
-          </a:lnRef>
-          <a:fillRef idx="1">
-            <a:schemeClr val="accent1"/>
-          </a:fillRef>
-          <a:effectRef idx="0">
-            <a:schemeClr val="accent1"/>
-          </a:effectRef>
-          <a:fontRef idx="minor">
-            <a:schemeClr val="lt1"/>
-          </a:fontRef>
-        </p:style>
-        <p:txBody>
-          <a:bodyPr rtlCol="0" anchor="ctr"/>
-          <a:lstStyle/>
-          <a:p>
-            <a:pPr algn="ctr"/>
-            <a:endParaRPr lang="en-US" dirty="0">
-              <a:solidFill>
-                <a:srgbClr val="DB5B5C"/>
-              </a:solidFill>
-            </a:endParaRPr>
-          </a:p>
-        </p:txBody>
-      </p:sp>
-      <p:sp>
-        <p:nvSpPr>
-          <p:cNvPr id="10" name="TextBox 9">
-            <a:extLst>
-              <a:ext uri="{FF2B5EF4-FFF2-40B4-BE49-F238E27FC236}">
-                <a16:creationId xmlns:a16="http://schemas.microsoft.com/office/drawing/2014/main" id="{8A07C2CC-416F-4D29-84CF-D1F8B766EE5F}"/>
-              </a:ext>
-            </a:extLst>
-          </p:cNvPr>
-          <p:cNvSpPr txBox="1"/>
-          <p:nvPr/>
-        </p:nvSpPr>
-        <p:spPr>
-          <a:xfrm>
-            <a:off x="3080080" y="1520792"/>
-            <a:ext cx="8532800" cy="2369880"/>
-          </a:xfrm>
-          <a:prstGeom prst="rect">
-            <a:avLst/>
-          </a:prstGeom>
-          <a:noFill/>
-        </p:spPr>
-        <p:txBody>
-          <a:bodyPr wrap="square" rtlCol="0">
-            <a:spAutoFit/>
-          </a:bodyPr>
-          <a:lstStyle/>
-          <a:p>
-            <a:pPr marL="342900" indent="-342900">
-              <a:buFont typeface="Arial" panose="020B0604020202020204" pitchFamily="34" charset="0"/>
-              <a:buChar char="•"/>
-            </a:pPr>
-            <a:r>
-              <a:rPr lang="en-US" sz="2400" dirty="0">
-                <a:solidFill>
-                  <a:schemeClr val="bg1"/>
-                </a:solidFill>
-                <a:latin typeface="Selawik Semibold" panose="020B0702040204020203" pitchFamily="34" charset="0"/>
-              </a:rPr>
-              <a:t>Formula Differs for Position Players and Pitchers</a:t>
-            </a:r>
-          </a:p>
-          <a:p>
-            <a:pPr marL="800100" lvl="1" indent="-342900">
-              <a:buFont typeface="Arial" panose="020B0604020202020204" pitchFamily="34" charset="0"/>
-              <a:buChar char="•"/>
-            </a:pPr>
-            <a:r>
-              <a:rPr lang="en-US" sz="2000" dirty="0">
-                <a:solidFill>
-                  <a:schemeClr val="bg1"/>
-                </a:solidFill>
-                <a:latin typeface="Selawik Semibold" panose="020B0702040204020203" pitchFamily="34" charset="0"/>
-              </a:rPr>
-              <a:t>Position Players: Batting, Baserunning, and Fielding Measured in Runs Above Average (RAA)</a:t>
-            </a:r>
-          </a:p>
-          <a:p>
-            <a:pPr marL="800100" lvl="1" indent="-342900">
-              <a:buFont typeface="Arial" panose="020B0604020202020204" pitchFamily="34" charset="0"/>
-              <a:buChar char="•"/>
-            </a:pPr>
-            <a:r>
-              <a:rPr lang="en-US" sz="2000" dirty="0">
-                <a:solidFill>
-                  <a:schemeClr val="bg1"/>
-                </a:solidFill>
-                <a:latin typeface="Selawik Semibold" panose="020B0702040204020203" pitchFamily="34" charset="0"/>
-              </a:rPr>
-              <a:t>Pitchers: Either Based on Runs Allowed Per 9 Innings (RA9) or Fielding Independent Pitching (FIP)</a:t>
-            </a:r>
-          </a:p>
-          <a:p>
-            <a:pPr marL="800100" lvl="1" indent="-342900">
-              <a:buFont typeface="Arial" panose="020B0604020202020204" pitchFamily="34" charset="0"/>
-              <a:buChar char="•"/>
-            </a:pPr>
-            <a:endParaRPr lang="en-US" sz="2000" dirty="0">
-              <a:solidFill>
-                <a:schemeClr val="bg1"/>
-              </a:solidFill>
-              <a:latin typeface="Selawik Semibold" panose="020B0702040204020203" pitchFamily="34" charset="0"/>
-            </a:endParaRPr>
-          </a:p>
-          <a:p>
-            <a:pPr marL="342900" indent="-342900">
-              <a:buFont typeface="Arial" panose="020B0604020202020204" pitchFamily="34" charset="0"/>
-              <a:buChar char="•"/>
-            </a:pPr>
-            <a:r>
-              <a:rPr lang="en-US" sz="2400" dirty="0">
-                <a:solidFill>
-                  <a:schemeClr val="bg1"/>
-                </a:solidFill>
-                <a:latin typeface="Selawik Semibold" panose="020B0702040204020203" pitchFamily="34" charset="0"/>
-              </a:rPr>
-              <a:t>General Formula for Position Players (</a:t>
-            </a:r>
-            <a:r>
-              <a:rPr lang="en-US" sz="2400" dirty="0" err="1">
-                <a:solidFill>
-                  <a:schemeClr val="bg1"/>
-                </a:solidFill>
-                <a:latin typeface="Selawik Semibold" panose="020B0702040204020203" pitchFamily="34" charset="0"/>
-              </a:rPr>
-              <a:t>fWAR</a:t>
-            </a:r>
-            <a:r>
-              <a:rPr lang="en-US" sz="2400" dirty="0">
-                <a:solidFill>
-                  <a:schemeClr val="bg1"/>
-                </a:solidFill>
-                <a:latin typeface="Selawik Semibold" panose="020B0702040204020203" pitchFamily="34" charset="0"/>
-              </a:rPr>
-              <a:t>)</a:t>
-            </a:r>
-          </a:p>
-        </p:txBody>
-      </p:sp>
-      <p:pic>
-        <p:nvPicPr>
-          <p:cNvPr id="3" name="Picture 2">
-            <a:extLst>
-              <a:ext uri="{FF2B5EF4-FFF2-40B4-BE49-F238E27FC236}">
-                <a16:creationId xmlns:a16="http://schemas.microsoft.com/office/drawing/2014/main" id="{83BF563E-ADAA-4D54-8BE0-D91224E0FD68}"/>
-              </a:ext>
-            </a:extLst>
-          </p:cNvPr>
-          <p:cNvPicPr>
-            <a:picLocks noChangeAspect="1"/>
-          </p:cNvPicPr>
-          <p:nvPr/>
-        </p:nvPicPr>
-        <p:blipFill>
-          <a:blip r:embed="rId4"/>
-          <a:stretch>
-            <a:fillRect/>
-          </a:stretch>
-        </p:blipFill>
-        <p:spPr>
-          <a:xfrm>
-            <a:off x="3545609" y="4004278"/>
-            <a:ext cx="8489166" cy="852112"/>
-          </a:xfrm>
-          <a:prstGeom prst="rect">
-            <a:avLst/>
-          </a:prstGeom>
-          <a:ln w="38100">
-            <a:solidFill>
-              <a:schemeClr val="tx1"/>
-            </a:solidFill>
-          </a:ln>
-        </p:spPr>
-      </p:pic>
-    </p:spTree>
-    <p:extLst>
-      <p:ext uri="{BB962C8B-B14F-4D97-AF65-F5344CB8AC3E}">
-        <p14:creationId xmlns:p14="http://schemas.microsoft.com/office/powerpoint/2010/main" val="1278628988"/>
-      </p:ext>
-    </p:extLst>
-  </p:cSld>
-  <p:clrMapOvr>
-    <a:masterClrMapping/>
-  </p:clrMapOvr>
-</p:sld>
-</file>
-
-<file path=ppt/slides/slide17.xml><?xml version="1.0" encoding="utf-8"?>
-<p:sld xmlns:a="http://schemas.openxmlformats.org/drawingml/2006/main" xmlns:r="http://schemas.openxmlformats.org/officeDocument/2006/relationships" xmlns:p="http://schemas.openxmlformats.org/presentationml/2006/main">
-  <p:cSld>
-    <p:spTree>
-      <p:nvGrpSpPr>
-        <p:cNvPr id="1" name=""/>
-        <p:cNvGrpSpPr/>
-        <p:nvPr/>
-      </p:nvGrpSpPr>
-      <p:grpSpPr>
-        <a:xfrm>
-          <a:off x="0" y="0"/>
-          <a:ext cx="0" cy="0"/>
-          <a:chOff x="0" y="0"/>
-          <a:chExt cx="0" cy="0"/>
-        </a:xfrm>
-      </p:grpSpPr>
-      <p:sp>
-        <p:nvSpPr>
-          <p:cNvPr id="17" name="Rectangle 16">
-            <a:extLst>
-              <a:ext uri="{FF2B5EF4-FFF2-40B4-BE49-F238E27FC236}">
-                <a16:creationId xmlns:a16="http://schemas.microsoft.com/office/drawing/2014/main" id="{0A8FE870-A334-4DE1-84A7-AB191ED10D63}"/>
-              </a:ext>
-            </a:extLst>
-          </p:cNvPr>
-          <p:cNvSpPr/>
-          <p:nvPr/>
-        </p:nvSpPr>
-        <p:spPr>
-          <a:xfrm>
-            <a:off x="-2" y="-52157"/>
-            <a:ext cx="12192000" cy="6910157"/>
-          </a:xfrm>
-          <a:prstGeom prst="rect">
-            <a:avLst/>
-          </a:prstGeom>
-          <a:solidFill>
-            <a:srgbClr val="395583"/>
-          </a:solidFill>
-        </p:spPr>
-        <p:style>
-          <a:lnRef idx="2">
-            <a:schemeClr val="accent1">
-              <a:shade val="50000"/>
-            </a:schemeClr>
-          </a:lnRef>
-          <a:fillRef idx="1">
-            <a:schemeClr val="accent1"/>
-          </a:fillRef>
-          <a:effectRef idx="0">
-            <a:schemeClr val="accent1"/>
-          </a:effectRef>
-          <a:fontRef idx="minor">
-            <a:schemeClr val="lt1"/>
-          </a:fontRef>
-        </p:style>
-        <p:txBody>
-          <a:bodyPr rtlCol="0" anchor="ctr"/>
-          <a:lstStyle/>
-          <a:p>
-            <a:pPr algn="ctr"/>
-            <a:endParaRPr lang="en-US"/>
-          </a:p>
-        </p:txBody>
-      </p:sp>
-      <p:pic>
-        <p:nvPicPr>
-          <p:cNvPr id="8" name="Picture 7" descr="A close up of a toy&#10;&#10;Description automatically generated">
-            <a:extLst>
-              <a:ext uri="{FF2B5EF4-FFF2-40B4-BE49-F238E27FC236}">
-                <a16:creationId xmlns:a16="http://schemas.microsoft.com/office/drawing/2014/main" id="{131D5527-B848-4F84-9601-62DB93565332}"/>
-              </a:ext>
-            </a:extLst>
-          </p:cNvPr>
-          <p:cNvPicPr>
-            <a:picLocks noChangeAspect="1"/>
-          </p:cNvPicPr>
-          <p:nvPr/>
-        </p:nvPicPr>
-        <p:blipFill rotWithShape="1">
-          <a:blip r:embed="rId2">
-            <a:extLst>
-              <a:ext uri="{28A0092B-C50C-407E-A947-70E740481C1C}">
-                <a14:useLocalDpi xmlns:a14="http://schemas.microsoft.com/office/drawing/2010/main" val="0"/>
-              </a:ext>
-            </a:extLst>
-          </a:blip>
-          <a:srcRect l="6238" r="10796"/>
-          <a:stretch/>
-        </p:blipFill>
-        <p:spPr>
-          <a:xfrm>
-            <a:off x="0" y="-52157"/>
-            <a:ext cx="2684015" cy="3969421"/>
-          </a:xfrm>
-          <a:prstGeom prst="rect">
-            <a:avLst/>
-          </a:prstGeom>
-        </p:spPr>
-      </p:pic>
-      <p:sp>
-        <p:nvSpPr>
-          <p:cNvPr id="33" name="Rectangle 32">
-            <a:extLst>
-              <a:ext uri="{FF2B5EF4-FFF2-40B4-BE49-F238E27FC236}">
-                <a16:creationId xmlns:a16="http://schemas.microsoft.com/office/drawing/2014/main" id="{6F93929A-DE1C-47C4-AF97-F99DB104E96F}"/>
-              </a:ext>
-            </a:extLst>
-          </p:cNvPr>
-          <p:cNvSpPr/>
-          <p:nvPr/>
-        </p:nvSpPr>
-        <p:spPr>
-          <a:xfrm rot="16200000">
-            <a:off x="782431" y="1849427"/>
-            <a:ext cx="3969421" cy="166254"/>
-          </a:xfrm>
-          <a:prstGeom prst="rect">
-            <a:avLst/>
-          </a:prstGeom>
-          <a:solidFill>
-            <a:schemeClr val="tx1"/>
-          </a:solidFill>
-          <a:ln>
-            <a:noFill/>
-          </a:ln>
-        </p:spPr>
-        <p:style>
-          <a:lnRef idx="2">
-            <a:schemeClr val="accent1">
-              <a:shade val="50000"/>
-            </a:schemeClr>
-          </a:lnRef>
-          <a:fillRef idx="1">
-            <a:schemeClr val="accent1"/>
-          </a:fillRef>
-          <a:effectRef idx="0">
-            <a:schemeClr val="accent1"/>
-          </a:effectRef>
-          <a:fontRef idx="minor">
-            <a:schemeClr val="lt1"/>
-          </a:fontRef>
-        </p:style>
-        <p:txBody>
-          <a:bodyPr rtlCol="0" anchor="ctr"/>
-          <a:lstStyle/>
-          <a:p>
-            <a:pPr algn="ctr"/>
-            <a:endParaRPr lang="en-US" dirty="0">
-              <a:solidFill>
-                <a:srgbClr val="DB5B5C"/>
-              </a:solidFill>
-            </a:endParaRPr>
-          </a:p>
-        </p:txBody>
-      </p:sp>
-      <p:sp>
-        <p:nvSpPr>
-          <p:cNvPr id="35" name="Rectangle 34">
-            <a:extLst>
-              <a:ext uri="{FF2B5EF4-FFF2-40B4-BE49-F238E27FC236}">
-                <a16:creationId xmlns:a16="http://schemas.microsoft.com/office/drawing/2014/main" id="{259A39E4-556F-4581-82A2-C6B68A8147A4}"/>
-              </a:ext>
-            </a:extLst>
-          </p:cNvPr>
-          <p:cNvSpPr/>
-          <p:nvPr/>
-        </p:nvSpPr>
-        <p:spPr>
-          <a:xfrm rot="10800000">
-            <a:off x="-2" y="3756674"/>
-            <a:ext cx="2850269" cy="3101326"/>
-          </a:xfrm>
-          <a:prstGeom prst="rect">
-            <a:avLst/>
-          </a:prstGeom>
-          <a:solidFill>
-            <a:schemeClr val="tx1"/>
-          </a:solidFill>
-          <a:ln>
-            <a:noFill/>
-          </a:ln>
-        </p:spPr>
-        <p:style>
-          <a:lnRef idx="2">
-            <a:schemeClr val="accent1">
-              <a:shade val="50000"/>
-            </a:schemeClr>
-          </a:lnRef>
-          <a:fillRef idx="1">
-            <a:schemeClr val="accent1"/>
-          </a:fillRef>
-          <a:effectRef idx="0">
-            <a:schemeClr val="accent1"/>
-          </a:effectRef>
-          <a:fontRef idx="minor">
-            <a:schemeClr val="lt1"/>
-          </a:fontRef>
-        </p:style>
-        <p:txBody>
-          <a:bodyPr rtlCol="0" anchor="ctr"/>
-          <a:lstStyle/>
-          <a:p>
-            <a:pPr algn="ctr"/>
-            <a:endParaRPr lang="en-US" dirty="0">
-              <a:solidFill>
-                <a:srgbClr val="DB5B5C"/>
-              </a:solidFill>
-            </a:endParaRPr>
-          </a:p>
-        </p:txBody>
-      </p:sp>
-      <p:sp>
-        <p:nvSpPr>
-          <p:cNvPr id="23" name="Subtitle 22">
-            <a:extLst>
-              <a:ext uri="{FF2B5EF4-FFF2-40B4-BE49-F238E27FC236}">
-                <a16:creationId xmlns:a16="http://schemas.microsoft.com/office/drawing/2014/main" id="{1E5D6413-9C6F-483D-BE52-F3BBB1E74630}"/>
-              </a:ext>
-            </a:extLst>
-          </p:cNvPr>
-          <p:cNvSpPr>
-            <a:spLocks noGrp="1"/>
-          </p:cNvSpPr>
-          <p:nvPr>
-            <p:ph type="subTitle" idx="1"/>
-          </p:nvPr>
-        </p:nvSpPr>
-        <p:spPr>
-          <a:xfrm>
-            <a:off x="3007491" y="137620"/>
-            <a:ext cx="9341732" cy="1684867"/>
-          </a:xfrm>
-        </p:spPr>
-        <p:txBody>
-          <a:bodyPr>
-            <a:normAutofit/>
-          </a:bodyPr>
-          <a:lstStyle/>
-          <a:p>
-            <a:pPr algn="l"/>
-            <a:r>
-              <a:rPr lang="en-US" sz="4400" dirty="0">
-                <a:solidFill>
-                  <a:schemeClr val="bg1"/>
-                </a:solidFill>
-                <a:latin typeface="Selawik Semibold" panose="020B0702040204020203" pitchFamily="34" charset="0"/>
-              </a:rPr>
-              <a:t>Wins Above Replacement</a:t>
-            </a:r>
-          </a:p>
-        </p:txBody>
-      </p:sp>
-      <p:pic>
-        <p:nvPicPr>
-          <p:cNvPr id="16" name="Picture 15" descr="A close up of a toy&#10;&#10;Description automatically generated">
-            <a:extLst>
-              <a:ext uri="{FF2B5EF4-FFF2-40B4-BE49-F238E27FC236}">
-                <a16:creationId xmlns:a16="http://schemas.microsoft.com/office/drawing/2014/main" id="{94C75949-F15C-4E05-810D-EF40FCE89107}"/>
-              </a:ext>
-            </a:extLst>
-          </p:cNvPr>
-          <p:cNvPicPr>
-            <a:picLocks noChangeAspect="1"/>
-          </p:cNvPicPr>
-          <p:nvPr/>
-        </p:nvPicPr>
-        <p:blipFill>
-          <a:blip r:embed="rId3">
-            <a:extLst>
-              <a:ext uri="{28A0092B-C50C-407E-A947-70E740481C1C}">
-                <a14:useLocalDpi xmlns:a14="http://schemas.microsoft.com/office/drawing/2010/main" val="0"/>
-              </a:ext>
-            </a:extLst>
-          </a:blip>
-          <a:stretch>
-            <a:fillRect/>
-          </a:stretch>
-        </p:blipFill>
-        <p:spPr>
-          <a:xfrm>
-            <a:off x="417789" y="4380288"/>
-            <a:ext cx="2014687" cy="2014687"/>
-          </a:xfrm>
-          <a:prstGeom prst="ellipse">
-            <a:avLst/>
-          </a:prstGeom>
-          <a:ln w="63500" cap="rnd">
-            <a:solidFill>
-              <a:srgbClr val="333333"/>
-            </a:solidFill>
-          </a:ln>
-          <a:effectLst>
-            <a:outerShdw blurRad="381000" dist="292100" dir="5400000" sx="-80000" sy="-18000" rotWithShape="0">
-              <a:srgbClr val="000000">
-                <a:alpha val="22000"/>
-              </a:srgbClr>
-            </a:outerShdw>
-          </a:effectLst>
-          <a:scene3d>
-            <a:camera prst="orthographicFront"/>
-            <a:lightRig rig="contrasting" dir="t">
-              <a:rot lat="0" lon="0" rev="3000000"/>
-            </a:lightRig>
-          </a:scene3d>
-          <a:sp3d contourW="7620">
-            <a:bevelT w="95250" h="31750"/>
-            <a:contourClr>
-              <a:srgbClr val="333333"/>
-            </a:contourClr>
-          </a:sp3d>
-        </p:spPr>
-      </p:pic>
-      <p:sp>
-        <p:nvSpPr>
-          <p:cNvPr id="38" name="Rectangle 37">
-            <a:extLst>
-              <a:ext uri="{FF2B5EF4-FFF2-40B4-BE49-F238E27FC236}">
-                <a16:creationId xmlns:a16="http://schemas.microsoft.com/office/drawing/2014/main" id="{28B1909D-4141-4FB1-8633-83F335349C97}"/>
-              </a:ext>
-            </a:extLst>
-          </p:cNvPr>
-          <p:cNvSpPr/>
-          <p:nvPr/>
-        </p:nvSpPr>
-        <p:spPr>
-          <a:xfrm rot="10800000">
-            <a:off x="3007493" y="844062"/>
-            <a:ext cx="9027282" cy="137067"/>
-          </a:xfrm>
-          <a:prstGeom prst="rect">
-            <a:avLst/>
-          </a:prstGeom>
-          <a:solidFill>
-            <a:schemeClr val="tx1"/>
-          </a:solidFill>
-          <a:ln>
-            <a:noFill/>
-          </a:ln>
-        </p:spPr>
-        <p:style>
-          <a:lnRef idx="2">
-            <a:schemeClr val="accent1">
-              <a:shade val="50000"/>
-            </a:schemeClr>
-          </a:lnRef>
-          <a:fillRef idx="1">
-            <a:schemeClr val="accent1"/>
-          </a:fillRef>
-          <a:effectRef idx="0">
-            <a:schemeClr val="accent1"/>
-          </a:effectRef>
-          <a:fontRef idx="minor">
-            <a:schemeClr val="lt1"/>
-          </a:fontRef>
-        </p:style>
-        <p:txBody>
-          <a:bodyPr rtlCol="0" anchor="ctr"/>
-          <a:lstStyle/>
-          <a:p>
-            <a:pPr algn="ctr"/>
-            <a:endParaRPr lang="en-US" dirty="0">
-              <a:solidFill>
-                <a:srgbClr val="DB5B5C"/>
-              </a:solidFill>
-            </a:endParaRPr>
-          </a:p>
-        </p:txBody>
-      </p:sp>
-      <p:sp>
-        <p:nvSpPr>
-          <p:cNvPr id="10" name="TextBox 9">
-            <a:extLst>
-              <a:ext uri="{FF2B5EF4-FFF2-40B4-BE49-F238E27FC236}">
-                <a16:creationId xmlns:a16="http://schemas.microsoft.com/office/drawing/2014/main" id="{8A07C2CC-416F-4D29-84CF-D1F8B766EE5F}"/>
-              </a:ext>
-            </a:extLst>
-          </p:cNvPr>
-          <p:cNvSpPr txBox="1"/>
-          <p:nvPr/>
-        </p:nvSpPr>
-        <p:spPr>
-          <a:xfrm>
-            <a:off x="3080080" y="1520792"/>
-            <a:ext cx="8532800" cy="461665"/>
-          </a:xfrm>
-          <a:prstGeom prst="rect">
-            <a:avLst/>
-          </a:prstGeom>
-          <a:noFill/>
-        </p:spPr>
-        <p:txBody>
-          <a:bodyPr wrap="square" rtlCol="0">
-            <a:spAutoFit/>
-          </a:bodyPr>
-          <a:lstStyle/>
-          <a:p>
-            <a:pPr marL="342900" indent="-342900">
-              <a:buFont typeface="Arial" panose="020B0604020202020204" pitchFamily="34" charset="0"/>
-              <a:buChar char="•"/>
-            </a:pPr>
-            <a:r>
-              <a:rPr lang="en-US" sz="2400" dirty="0">
-                <a:solidFill>
-                  <a:schemeClr val="bg1"/>
-                </a:solidFill>
-                <a:latin typeface="Selawik Semibold" panose="020B0702040204020203" pitchFamily="34" charset="0"/>
-              </a:rPr>
-              <a:t>Top Players for </a:t>
-            </a:r>
-            <a:r>
-              <a:rPr lang="en-US" sz="2400" dirty="0" err="1">
-                <a:solidFill>
-                  <a:schemeClr val="bg1"/>
-                </a:solidFill>
-                <a:latin typeface="Selawik Semibold" panose="020B0702040204020203" pitchFamily="34" charset="0"/>
-              </a:rPr>
-              <a:t>bWAR</a:t>
-            </a:r>
-            <a:r>
-              <a:rPr lang="en-US" sz="2400" dirty="0">
-                <a:solidFill>
-                  <a:schemeClr val="bg1"/>
-                </a:solidFill>
-                <a:latin typeface="Selawik Semibold" panose="020B0702040204020203" pitchFamily="34" charset="0"/>
-              </a:rPr>
-              <a:t> Based on Career</a:t>
-            </a:r>
-            <a:endParaRPr lang="en-US" sz="2000" dirty="0">
-              <a:solidFill>
-                <a:schemeClr val="bg1"/>
-              </a:solidFill>
-              <a:latin typeface="Selawik Semibold" panose="020B0702040204020203" pitchFamily="34" charset="0"/>
-            </a:endParaRPr>
-          </a:p>
-        </p:txBody>
-      </p:sp>
-      <p:pic>
-        <p:nvPicPr>
-          <p:cNvPr id="2" name="Picture 1">
-            <a:extLst>
-              <a:ext uri="{FF2B5EF4-FFF2-40B4-BE49-F238E27FC236}">
-                <a16:creationId xmlns:a16="http://schemas.microsoft.com/office/drawing/2014/main" id="{66DEB47C-14F0-43E0-9CFA-D70C79C1F06E}"/>
-              </a:ext>
-            </a:extLst>
-          </p:cNvPr>
-          <p:cNvPicPr>
-            <a:picLocks noChangeAspect="1"/>
-          </p:cNvPicPr>
-          <p:nvPr/>
-        </p:nvPicPr>
-        <p:blipFill>
-          <a:blip r:embed="rId4"/>
-          <a:stretch>
-            <a:fillRect/>
-          </a:stretch>
-        </p:blipFill>
-        <p:spPr>
-          <a:xfrm>
-            <a:off x="3584323" y="2069743"/>
-            <a:ext cx="6325962" cy="3993060"/>
-          </a:xfrm>
-          <a:prstGeom prst="rect">
-            <a:avLst/>
-          </a:prstGeom>
-          <a:ln w="38100">
-            <a:solidFill>
-              <a:schemeClr val="tx1"/>
-            </a:solidFill>
-          </a:ln>
-        </p:spPr>
-      </p:pic>
-    </p:spTree>
-    <p:extLst>
-      <p:ext uri="{BB962C8B-B14F-4D97-AF65-F5344CB8AC3E}">
-        <p14:creationId xmlns:p14="http://schemas.microsoft.com/office/powerpoint/2010/main" val="473596568"/>
-      </p:ext>
-    </p:extLst>
-  </p:cSld>
-  <p:clrMapOvr>
-    <a:masterClrMapping/>
-  </p:clrMapOvr>
-</p:sld>
-</file>
-
-<file path=ppt/slides/slide18.xml><?xml version="1.0" encoding="utf-8"?>
-<p:sld xmlns:a="http://schemas.openxmlformats.org/drawingml/2006/main" xmlns:r="http://schemas.openxmlformats.org/officeDocument/2006/relationships" xmlns:p="http://schemas.openxmlformats.org/presentationml/2006/main">
-  <p:cSld>
-    <p:spTree>
-      <p:nvGrpSpPr>
-        <p:cNvPr id="1" name=""/>
-        <p:cNvGrpSpPr/>
-        <p:nvPr/>
-      </p:nvGrpSpPr>
-      <p:grpSpPr>
-        <a:xfrm>
-          <a:off x="0" y="0"/>
-          <a:ext cx="0" cy="0"/>
-          <a:chOff x="0" y="0"/>
-          <a:chExt cx="0" cy="0"/>
-        </a:xfrm>
-      </p:grpSpPr>
-      <p:sp>
-        <p:nvSpPr>
-          <p:cNvPr id="17" name="Rectangle 16">
-            <a:extLst>
-              <a:ext uri="{FF2B5EF4-FFF2-40B4-BE49-F238E27FC236}">
-                <a16:creationId xmlns:a16="http://schemas.microsoft.com/office/drawing/2014/main" id="{0A8FE870-A334-4DE1-84A7-AB191ED10D63}"/>
-              </a:ext>
-            </a:extLst>
-          </p:cNvPr>
-          <p:cNvSpPr/>
-          <p:nvPr/>
-        </p:nvSpPr>
-        <p:spPr>
-          <a:xfrm>
-            <a:off x="-2" y="-52157"/>
-            <a:ext cx="12192000" cy="6910157"/>
-          </a:xfrm>
-          <a:prstGeom prst="rect">
-            <a:avLst/>
-          </a:prstGeom>
-          <a:solidFill>
-            <a:srgbClr val="395583"/>
-          </a:solidFill>
-        </p:spPr>
-        <p:style>
-          <a:lnRef idx="2">
-            <a:schemeClr val="accent1">
-              <a:shade val="50000"/>
-            </a:schemeClr>
-          </a:lnRef>
-          <a:fillRef idx="1">
-            <a:schemeClr val="accent1"/>
-          </a:fillRef>
-          <a:effectRef idx="0">
-            <a:schemeClr val="accent1"/>
-          </a:effectRef>
-          <a:fontRef idx="minor">
-            <a:schemeClr val="lt1"/>
-          </a:fontRef>
-        </p:style>
-        <p:txBody>
-          <a:bodyPr rtlCol="0" anchor="ctr"/>
-          <a:lstStyle/>
-          <a:p>
-            <a:pPr algn="ctr"/>
-            <a:endParaRPr lang="en-US"/>
-          </a:p>
-        </p:txBody>
-      </p:sp>
-      <p:pic>
-        <p:nvPicPr>
-          <p:cNvPr id="8" name="Picture 7" descr="A close up of a toy&#10;&#10;Description automatically generated">
-            <a:extLst>
-              <a:ext uri="{FF2B5EF4-FFF2-40B4-BE49-F238E27FC236}">
-                <a16:creationId xmlns:a16="http://schemas.microsoft.com/office/drawing/2014/main" id="{131D5527-B848-4F84-9601-62DB93565332}"/>
-              </a:ext>
-            </a:extLst>
-          </p:cNvPr>
-          <p:cNvPicPr>
-            <a:picLocks noChangeAspect="1"/>
-          </p:cNvPicPr>
-          <p:nvPr/>
-        </p:nvPicPr>
-        <p:blipFill rotWithShape="1">
-          <a:blip r:embed="rId2">
-            <a:extLst>
-              <a:ext uri="{28A0092B-C50C-407E-A947-70E740481C1C}">
-                <a14:useLocalDpi xmlns:a14="http://schemas.microsoft.com/office/drawing/2010/main" val="0"/>
-              </a:ext>
-            </a:extLst>
-          </a:blip>
-          <a:srcRect l="6238" r="10796"/>
-          <a:stretch/>
-        </p:blipFill>
-        <p:spPr>
-          <a:xfrm>
-            <a:off x="0" y="-52157"/>
-            <a:ext cx="2684015" cy="3969421"/>
-          </a:xfrm>
-          <a:prstGeom prst="rect">
-            <a:avLst/>
-          </a:prstGeom>
-        </p:spPr>
-      </p:pic>
-      <p:sp>
-        <p:nvSpPr>
-          <p:cNvPr id="33" name="Rectangle 32">
-            <a:extLst>
-              <a:ext uri="{FF2B5EF4-FFF2-40B4-BE49-F238E27FC236}">
-                <a16:creationId xmlns:a16="http://schemas.microsoft.com/office/drawing/2014/main" id="{6F93929A-DE1C-47C4-AF97-F99DB104E96F}"/>
-              </a:ext>
-            </a:extLst>
-          </p:cNvPr>
-          <p:cNvSpPr/>
-          <p:nvPr/>
-        </p:nvSpPr>
-        <p:spPr>
-          <a:xfrm rot="16200000">
-            <a:off x="782431" y="1849427"/>
-            <a:ext cx="3969421" cy="166254"/>
-          </a:xfrm>
-          <a:prstGeom prst="rect">
-            <a:avLst/>
-          </a:prstGeom>
-          <a:solidFill>
-            <a:schemeClr val="tx1"/>
-          </a:solidFill>
-          <a:ln>
-            <a:noFill/>
-          </a:ln>
-        </p:spPr>
-        <p:style>
-          <a:lnRef idx="2">
-            <a:schemeClr val="accent1">
-              <a:shade val="50000"/>
-            </a:schemeClr>
-          </a:lnRef>
-          <a:fillRef idx="1">
-            <a:schemeClr val="accent1"/>
-          </a:fillRef>
-          <a:effectRef idx="0">
-            <a:schemeClr val="accent1"/>
-          </a:effectRef>
-          <a:fontRef idx="minor">
-            <a:schemeClr val="lt1"/>
-          </a:fontRef>
-        </p:style>
-        <p:txBody>
-          <a:bodyPr rtlCol="0" anchor="ctr"/>
-          <a:lstStyle/>
-          <a:p>
-            <a:pPr algn="ctr"/>
-            <a:endParaRPr lang="en-US" dirty="0">
-              <a:solidFill>
-                <a:srgbClr val="DB5B5C"/>
-              </a:solidFill>
-            </a:endParaRPr>
-          </a:p>
-        </p:txBody>
-      </p:sp>
-      <p:sp>
-        <p:nvSpPr>
-          <p:cNvPr id="35" name="Rectangle 34">
-            <a:extLst>
-              <a:ext uri="{FF2B5EF4-FFF2-40B4-BE49-F238E27FC236}">
-                <a16:creationId xmlns:a16="http://schemas.microsoft.com/office/drawing/2014/main" id="{259A39E4-556F-4581-82A2-C6B68A8147A4}"/>
-              </a:ext>
-            </a:extLst>
-          </p:cNvPr>
-          <p:cNvSpPr/>
-          <p:nvPr/>
-        </p:nvSpPr>
-        <p:spPr>
-          <a:xfrm rot="10800000">
-            <a:off x="-2" y="3756674"/>
-            <a:ext cx="2850269" cy="3101326"/>
-          </a:xfrm>
-          <a:prstGeom prst="rect">
-            <a:avLst/>
-          </a:prstGeom>
-          <a:solidFill>
-            <a:schemeClr val="tx1"/>
-          </a:solidFill>
-          <a:ln>
-            <a:noFill/>
-          </a:ln>
-        </p:spPr>
-        <p:style>
-          <a:lnRef idx="2">
-            <a:schemeClr val="accent1">
-              <a:shade val="50000"/>
-            </a:schemeClr>
-          </a:lnRef>
-          <a:fillRef idx="1">
-            <a:schemeClr val="accent1"/>
-          </a:fillRef>
-          <a:effectRef idx="0">
-            <a:schemeClr val="accent1"/>
-          </a:effectRef>
-          <a:fontRef idx="minor">
-            <a:schemeClr val="lt1"/>
-          </a:fontRef>
-        </p:style>
-        <p:txBody>
-          <a:bodyPr rtlCol="0" anchor="ctr"/>
-          <a:lstStyle/>
-          <a:p>
-            <a:pPr algn="ctr"/>
-            <a:endParaRPr lang="en-US" dirty="0">
-              <a:solidFill>
-                <a:srgbClr val="DB5B5C"/>
-              </a:solidFill>
-            </a:endParaRPr>
-          </a:p>
-        </p:txBody>
-      </p:sp>
-      <p:sp>
-        <p:nvSpPr>
-          <p:cNvPr id="23" name="Subtitle 22">
-            <a:extLst>
-              <a:ext uri="{FF2B5EF4-FFF2-40B4-BE49-F238E27FC236}">
-                <a16:creationId xmlns:a16="http://schemas.microsoft.com/office/drawing/2014/main" id="{1E5D6413-9C6F-483D-BE52-F3BBB1E74630}"/>
-              </a:ext>
-            </a:extLst>
-          </p:cNvPr>
-          <p:cNvSpPr>
-            <a:spLocks noGrp="1"/>
-          </p:cNvSpPr>
-          <p:nvPr>
-            <p:ph type="subTitle" idx="1"/>
-          </p:nvPr>
-        </p:nvSpPr>
-        <p:spPr>
-          <a:xfrm>
-            <a:off x="3007491" y="137620"/>
-            <a:ext cx="9341732" cy="1684867"/>
-          </a:xfrm>
-        </p:spPr>
-        <p:txBody>
-          <a:bodyPr>
-            <a:normAutofit/>
-          </a:bodyPr>
-          <a:lstStyle/>
-          <a:p>
-            <a:pPr algn="l"/>
-            <a:r>
-              <a:rPr lang="en-US" sz="4400" dirty="0">
-                <a:solidFill>
-                  <a:schemeClr val="bg1"/>
-                </a:solidFill>
-                <a:latin typeface="Selawik Semibold" panose="020B0702040204020203" pitchFamily="34" charset="0"/>
-              </a:rPr>
-              <a:t>Wins Above Replacement</a:t>
-            </a:r>
-          </a:p>
-        </p:txBody>
-      </p:sp>
-      <p:pic>
-        <p:nvPicPr>
-          <p:cNvPr id="16" name="Picture 15" descr="A close up of a toy&#10;&#10;Description automatically generated">
-            <a:extLst>
-              <a:ext uri="{FF2B5EF4-FFF2-40B4-BE49-F238E27FC236}">
-                <a16:creationId xmlns:a16="http://schemas.microsoft.com/office/drawing/2014/main" id="{94C75949-F15C-4E05-810D-EF40FCE89107}"/>
-              </a:ext>
-            </a:extLst>
-          </p:cNvPr>
-          <p:cNvPicPr>
-            <a:picLocks noChangeAspect="1"/>
-          </p:cNvPicPr>
-          <p:nvPr/>
-        </p:nvPicPr>
-        <p:blipFill>
-          <a:blip r:embed="rId3">
-            <a:extLst>
-              <a:ext uri="{28A0092B-C50C-407E-A947-70E740481C1C}">
-                <a14:useLocalDpi xmlns:a14="http://schemas.microsoft.com/office/drawing/2010/main" val="0"/>
-              </a:ext>
-            </a:extLst>
-          </a:blip>
-          <a:stretch>
-            <a:fillRect/>
-          </a:stretch>
-        </p:blipFill>
-        <p:spPr>
-          <a:xfrm>
-            <a:off x="417789" y="4380288"/>
-            <a:ext cx="2014687" cy="2014687"/>
-          </a:xfrm>
-          <a:prstGeom prst="ellipse">
-            <a:avLst/>
-          </a:prstGeom>
-          <a:ln w="63500" cap="rnd">
-            <a:solidFill>
-              <a:srgbClr val="333333"/>
-            </a:solidFill>
-          </a:ln>
-          <a:effectLst>
-            <a:outerShdw blurRad="381000" dist="292100" dir="5400000" sx="-80000" sy="-18000" rotWithShape="0">
-              <a:srgbClr val="000000">
-                <a:alpha val="22000"/>
-              </a:srgbClr>
-            </a:outerShdw>
-          </a:effectLst>
-          <a:scene3d>
-            <a:camera prst="orthographicFront"/>
-            <a:lightRig rig="contrasting" dir="t">
-              <a:rot lat="0" lon="0" rev="3000000"/>
-            </a:lightRig>
-          </a:scene3d>
-          <a:sp3d contourW="7620">
-            <a:bevelT w="95250" h="31750"/>
-            <a:contourClr>
-              <a:srgbClr val="333333"/>
-            </a:contourClr>
-          </a:sp3d>
-        </p:spPr>
-      </p:pic>
-      <p:sp>
-        <p:nvSpPr>
-          <p:cNvPr id="38" name="Rectangle 37">
-            <a:extLst>
-              <a:ext uri="{FF2B5EF4-FFF2-40B4-BE49-F238E27FC236}">
-                <a16:creationId xmlns:a16="http://schemas.microsoft.com/office/drawing/2014/main" id="{28B1909D-4141-4FB1-8633-83F335349C97}"/>
-              </a:ext>
-            </a:extLst>
-          </p:cNvPr>
-          <p:cNvSpPr/>
-          <p:nvPr/>
-        </p:nvSpPr>
-        <p:spPr>
-          <a:xfrm rot="10800000">
-            <a:off x="3007493" y="844062"/>
-            <a:ext cx="9027282" cy="137067"/>
-          </a:xfrm>
-          <a:prstGeom prst="rect">
-            <a:avLst/>
-          </a:prstGeom>
-          <a:solidFill>
-            <a:schemeClr val="tx1"/>
-          </a:solidFill>
-          <a:ln>
-            <a:noFill/>
-          </a:ln>
-        </p:spPr>
-        <p:style>
-          <a:lnRef idx="2">
-            <a:schemeClr val="accent1">
-              <a:shade val="50000"/>
-            </a:schemeClr>
-          </a:lnRef>
-          <a:fillRef idx="1">
-            <a:schemeClr val="accent1"/>
-          </a:fillRef>
-          <a:effectRef idx="0">
-            <a:schemeClr val="accent1"/>
-          </a:effectRef>
-          <a:fontRef idx="minor">
-            <a:schemeClr val="lt1"/>
-          </a:fontRef>
-        </p:style>
-        <p:txBody>
-          <a:bodyPr rtlCol="0" anchor="ctr"/>
-          <a:lstStyle/>
-          <a:p>
-            <a:pPr algn="ctr"/>
-            <a:endParaRPr lang="en-US" dirty="0">
-              <a:solidFill>
-                <a:srgbClr val="DB5B5C"/>
-              </a:solidFill>
-            </a:endParaRPr>
-          </a:p>
-        </p:txBody>
-      </p:sp>
-      <p:sp>
-        <p:nvSpPr>
-          <p:cNvPr id="10" name="TextBox 9">
-            <a:extLst>
-              <a:ext uri="{FF2B5EF4-FFF2-40B4-BE49-F238E27FC236}">
-                <a16:creationId xmlns:a16="http://schemas.microsoft.com/office/drawing/2014/main" id="{8A07C2CC-416F-4D29-84CF-D1F8B766EE5F}"/>
-              </a:ext>
-            </a:extLst>
-          </p:cNvPr>
-          <p:cNvSpPr txBox="1"/>
-          <p:nvPr/>
-        </p:nvSpPr>
-        <p:spPr>
-          <a:xfrm>
-            <a:off x="3080080" y="1520792"/>
-            <a:ext cx="8532800" cy="461665"/>
-          </a:xfrm>
-          <a:prstGeom prst="rect">
-            <a:avLst/>
-          </a:prstGeom>
-          <a:noFill/>
-        </p:spPr>
-        <p:txBody>
-          <a:bodyPr wrap="square" rtlCol="0">
-            <a:spAutoFit/>
-          </a:bodyPr>
-          <a:lstStyle/>
-          <a:p>
-            <a:pPr marL="342900" indent="-342900">
-              <a:buFont typeface="Arial" panose="020B0604020202020204" pitchFamily="34" charset="0"/>
-              <a:buChar char="•"/>
-            </a:pPr>
-            <a:r>
-              <a:rPr lang="en-US" sz="2400" dirty="0">
-                <a:solidFill>
-                  <a:schemeClr val="bg1"/>
-                </a:solidFill>
-                <a:latin typeface="Selawik Semibold" panose="020B0702040204020203" pitchFamily="34" charset="0"/>
-              </a:rPr>
-              <a:t>Top Players for </a:t>
-            </a:r>
-            <a:r>
-              <a:rPr lang="en-US" sz="2400" dirty="0" err="1">
-                <a:solidFill>
-                  <a:schemeClr val="bg1"/>
-                </a:solidFill>
-                <a:latin typeface="Selawik Semibold" panose="020B0702040204020203" pitchFamily="34" charset="0"/>
-              </a:rPr>
-              <a:t>fWAR</a:t>
-            </a:r>
-            <a:r>
-              <a:rPr lang="en-US" sz="2400" dirty="0">
-                <a:solidFill>
-                  <a:schemeClr val="bg1"/>
-                </a:solidFill>
-                <a:latin typeface="Selawik Semibold" panose="020B0702040204020203" pitchFamily="34" charset="0"/>
-              </a:rPr>
-              <a:t> Based on 2019 Season</a:t>
-            </a:r>
-            <a:endParaRPr lang="en-US" sz="2000" dirty="0">
-              <a:solidFill>
-                <a:schemeClr val="bg1"/>
-              </a:solidFill>
-              <a:latin typeface="Selawik Semibold" panose="020B0702040204020203" pitchFamily="34" charset="0"/>
-            </a:endParaRPr>
-          </a:p>
-        </p:txBody>
-      </p:sp>
-      <p:pic>
-        <p:nvPicPr>
-          <p:cNvPr id="3" name="Picture 2">
-            <a:extLst>
-              <a:ext uri="{FF2B5EF4-FFF2-40B4-BE49-F238E27FC236}">
-                <a16:creationId xmlns:a16="http://schemas.microsoft.com/office/drawing/2014/main" id="{26ADD305-22BB-4382-844F-C42DD7345E2D}"/>
-              </a:ext>
-            </a:extLst>
-          </p:cNvPr>
-          <p:cNvPicPr>
-            <a:picLocks noChangeAspect="1"/>
-          </p:cNvPicPr>
-          <p:nvPr/>
-        </p:nvPicPr>
-        <p:blipFill>
-          <a:blip r:embed="rId4"/>
-          <a:stretch>
-            <a:fillRect/>
-          </a:stretch>
-        </p:blipFill>
-        <p:spPr>
-          <a:xfrm>
-            <a:off x="3558145" y="2093990"/>
-            <a:ext cx="8429955" cy="3437625"/>
-          </a:xfrm>
-          <a:prstGeom prst="rect">
-            <a:avLst/>
-          </a:prstGeom>
-          <a:ln w="38100">
-            <a:solidFill>
-              <a:schemeClr val="tx1"/>
-            </a:solidFill>
-          </a:ln>
-        </p:spPr>
-      </p:pic>
-    </p:spTree>
-    <p:extLst>
-      <p:ext uri="{BB962C8B-B14F-4D97-AF65-F5344CB8AC3E}">
-        <p14:creationId xmlns:p14="http://schemas.microsoft.com/office/powerpoint/2010/main" val="3371303366"/>
-      </p:ext>
-    </p:extLst>
-  </p:cSld>
-  <p:clrMapOvr>
-    <a:masterClrMapping/>
-  </p:clrMapOvr>
-</p:sld>
-</file>
-
-<file path=ppt/slides/slide19.xml><?xml version="1.0" encoding="utf-8"?>
 <p:sld xmlns:a="http://schemas.openxmlformats.org/drawingml/2006/main" xmlns:r="http://schemas.openxmlformats.org/officeDocument/2006/relationships" xmlns:p="http://schemas.openxmlformats.org/presentationml/2006/main">
   <p:cSld>
     <p:bg>
@@ -11049,7 +7418,7 @@
                 </a:solidFill>
                 <a:latin typeface="Selawik Semibold" panose="020B0702040204020203" pitchFamily="34" charset="0"/>
               </a:rPr>
-              <a:t>Player Win Averages</a:t>
+              <a:t>Win Probability Added</a:t>
             </a:r>
           </a:p>
         </p:txBody>
@@ -11185,7 +7554,7 @@
         <p:spPr>
           <a:xfrm>
             <a:off x="3080081" y="1520792"/>
-            <a:ext cx="8127849" cy="5139869"/>
+            <a:ext cx="9027282" cy="5201424"/>
           </a:xfrm>
           <a:prstGeom prst="rect">
             <a:avLst/>
@@ -11209,11 +7578,194 @@
                 </a:solidFill>
                 <a:latin typeface="Selawik Semibold" panose="020B0702040204020203" pitchFamily="34" charset="0"/>
               </a:rPr>
-              <a:t>Let p = Probability My Team Wins (%)</a:t>
-            </a:r>
-          </a:p>
-          <a:p>
-            <a:pPr marL="342900" indent="-342900">
+              <a:t>Motivation:</a:t>
+            </a:r>
+          </a:p>
+          <a:p>
+            <a:pPr marL="800100" lvl="1" indent="-342900">
+              <a:buFont typeface="Arial" panose="020B0604020202020204" pitchFamily="34" charset="0"/>
+              <a:buChar char="•"/>
+            </a:pPr>
+            <a:r>
+              <a:rPr lang="en-US" sz="2400" dirty="0">
+                <a:solidFill>
+                  <a:schemeClr val="bg1"/>
+                </a:solidFill>
+                <a:latin typeface="Selawik Semibold" panose="020B0702040204020203" pitchFamily="34" charset="0"/>
+              </a:rPr>
+              <a:t>1951 Playoffs</a:t>
+            </a:r>
+          </a:p>
+          <a:p>
+            <a:pPr marL="800100" lvl="1" indent="-342900">
+              <a:buFont typeface="Arial" panose="020B0604020202020204" pitchFamily="34" charset="0"/>
+              <a:buChar char="•"/>
+            </a:pPr>
+            <a:r>
+              <a:rPr lang="en-US" sz="2400" dirty="0">
+                <a:solidFill>
+                  <a:schemeClr val="bg1"/>
+                </a:solidFill>
+                <a:latin typeface="Selawik Semibold" panose="020B0702040204020203" pitchFamily="34" charset="0"/>
+              </a:rPr>
+              <a:t>New York Giants (H) Versus Brooklyn Dodgers (A)</a:t>
+            </a:r>
+          </a:p>
+          <a:p>
+            <a:pPr marL="800100" lvl="1" indent="-342900">
+              <a:buFont typeface="Arial" panose="020B0604020202020204" pitchFamily="34" charset="0"/>
+              <a:buChar char="•"/>
+            </a:pPr>
+            <a:r>
+              <a:rPr lang="en-US" sz="2400" dirty="0">
+                <a:solidFill>
+                  <a:schemeClr val="bg1"/>
+                </a:solidFill>
+                <a:latin typeface="Selawik Semibold" panose="020B0702040204020203" pitchFamily="34" charset="0"/>
+              </a:rPr>
+              <a:t>Situation:</a:t>
+            </a:r>
+          </a:p>
+          <a:p>
+            <a:pPr marL="1257300" lvl="2" indent="-342900">
+              <a:buFont typeface="Arial" panose="020B0604020202020204" pitchFamily="34" charset="0"/>
+              <a:buChar char="•"/>
+            </a:pPr>
+            <a:r>
+              <a:rPr lang="en-US" sz="2400" dirty="0">
+                <a:solidFill>
+                  <a:schemeClr val="bg1"/>
+                </a:solidFill>
+                <a:latin typeface="Selawik Semibold" panose="020B0702040204020203" pitchFamily="34" charset="0"/>
+              </a:rPr>
+              <a:t>9</a:t>
+            </a:r>
+            <a:r>
+              <a:rPr lang="en-US" sz="2400" baseline="30000" dirty="0">
+                <a:solidFill>
+                  <a:schemeClr val="bg1"/>
+                </a:solidFill>
+                <a:latin typeface="Selawik Semibold" panose="020B0702040204020203" pitchFamily="34" charset="0"/>
+              </a:rPr>
+              <a:t>th</a:t>
+            </a:r>
+            <a:r>
+              <a:rPr lang="en-US" sz="2400" dirty="0">
+                <a:solidFill>
+                  <a:schemeClr val="bg1"/>
+                </a:solidFill>
+                <a:latin typeface="Selawik Semibold" panose="020B0702040204020203" pitchFamily="34" charset="0"/>
+              </a:rPr>
+              <a:t> inning</a:t>
+            </a:r>
+          </a:p>
+          <a:p>
+            <a:pPr marL="1257300" lvl="2" indent="-342900">
+              <a:buFont typeface="Arial" panose="020B0604020202020204" pitchFamily="34" charset="0"/>
+              <a:buChar char="•"/>
+            </a:pPr>
+            <a:r>
+              <a:rPr lang="en-US" sz="2400" dirty="0">
+                <a:solidFill>
+                  <a:schemeClr val="bg1"/>
+                </a:solidFill>
+                <a:latin typeface="Selawik Semibold" panose="020B0702040204020203" pitchFamily="34" charset="0"/>
+              </a:rPr>
+              <a:t>Giants Losing By Two Runs</a:t>
+            </a:r>
+          </a:p>
+          <a:p>
+            <a:pPr marL="1257300" lvl="2" indent="-342900">
+              <a:buFont typeface="Arial" panose="020B0604020202020204" pitchFamily="34" charset="0"/>
+              <a:buChar char="•"/>
+            </a:pPr>
+            <a:r>
+              <a:rPr lang="en-US" sz="2400" dirty="0">
+                <a:solidFill>
+                  <a:schemeClr val="bg1"/>
+                </a:solidFill>
+                <a:latin typeface="Selawik Semibold" panose="020B0702040204020203" pitchFamily="34" charset="0"/>
+              </a:rPr>
+              <a:t>Runners on Second and Third</a:t>
+            </a:r>
+          </a:p>
+          <a:p>
+            <a:pPr marL="1257300" lvl="2" indent="-342900">
+              <a:buFont typeface="Arial" panose="020B0604020202020204" pitchFamily="34" charset="0"/>
+              <a:buChar char="•"/>
+            </a:pPr>
+            <a:r>
+              <a:rPr lang="en-US" sz="2400" dirty="0">
+                <a:solidFill>
+                  <a:schemeClr val="bg1"/>
+                </a:solidFill>
+                <a:latin typeface="Selawik Semibold" panose="020B0702040204020203" pitchFamily="34" charset="0"/>
+              </a:rPr>
+              <a:t>1 Out</a:t>
+            </a:r>
+          </a:p>
+          <a:p>
+            <a:pPr marL="800100" lvl="1" indent="-342900">
+              <a:buFont typeface="Arial" panose="020B0604020202020204" pitchFamily="34" charset="0"/>
+              <a:buChar char="•"/>
+            </a:pPr>
+            <a:r>
+              <a:rPr lang="en-US" sz="2400" dirty="0">
+                <a:solidFill>
+                  <a:schemeClr val="bg1"/>
+                </a:solidFill>
+                <a:latin typeface="Selawik Semibold" panose="020B0702040204020203" pitchFamily="34" charset="0"/>
+              </a:rPr>
+              <a:t>Currently, Giants Have 27% Chance to Win</a:t>
+            </a:r>
+          </a:p>
+          <a:p>
+            <a:pPr marL="800100" lvl="1" indent="-342900">
+              <a:buFont typeface="Arial" panose="020B0604020202020204" pitchFamily="34" charset="0"/>
+              <a:buChar char="•"/>
+            </a:pPr>
+            <a:r>
+              <a:rPr lang="en-US" sz="2400" dirty="0">
+                <a:solidFill>
+                  <a:schemeClr val="bg1"/>
+                </a:solidFill>
+                <a:latin typeface="Selawik Semibold" panose="020B0702040204020203" pitchFamily="34" charset="0"/>
+              </a:rPr>
+              <a:t>Bobby Thomson HR to Win Game Against Ralph </a:t>
+            </a:r>
+            <a:r>
+              <a:rPr lang="en-US" sz="2400" dirty="0" err="1">
+                <a:solidFill>
+                  <a:schemeClr val="bg1"/>
+                </a:solidFill>
+                <a:latin typeface="Selawik Semibold" panose="020B0702040204020203" pitchFamily="34" charset="0"/>
+              </a:rPr>
+              <a:t>Branca</a:t>
+            </a:r>
+            <a:endParaRPr lang="en-US" sz="2400" dirty="0">
+              <a:solidFill>
+                <a:schemeClr val="bg1"/>
+              </a:solidFill>
+              <a:latin typeface="Selawik Semibold" panose="020B0702040204020203" pitchFamily="34" charset="0"/>
+            </a:endParaRPr>
+          </a:p>
+          <a:p>
+            <a:pPr marL="800100" lvl="1" indent="-342900">
+              <a:buFont typeface="Arial" panose="020B0604020202020204" pitchFamily="34" charset="0"/>
+              <a:buChar char="•"/>
+            </a:pPr>
+            <a:r>
+              <a:rPr lang="en-US" sz="2400" dirty="0">
+                <a:solidFill>
+                  <a:schemeClr val="bg1"/>
+                </a:solidFill>
+                <a:latin typeface="Selawik Semibold" panose="020B0702040204020203" pitchFamily="34" charset="0"/>
+              </a:rPr>
+              <a:t>Now, the Giants Have 100% Chance to Win Game</a:t>
+            </a:r>
+          </a:p>
+          <a:p>
+            <a:pPr marL="800100" lvl="1" indent="-342900">
               <a:buFont typeface="Arial" panose="020B0604020202020204" pitchFamily="34" charset="0"/>
               <a:buChar char="•"/>
             </a:pPr>
@@ -11236,15 +7788,9 @@
                 </a:solidFill>
                 <a:latin typeface="Selawik Semibold" panose="020B0702040204020203" pitchFamily="34" charset="0"/>
               </a:rPr>
-              <a:t>Let q = 100-p = Probability Opponent’s Team Wins</a:t>
-            </a:r>
-          </a:p>
-          <a:p>
-            <a:pPr marL="342900" indent="-342900">
-              <a:buFont typeface="Arial" panose="020B0604020202020204" pitchFamily="34" charset="0"/>
-              <a:buChar char="•"/>
-            </a:pPr>
-            <a:endParaRPr lang="en-US" sz="2400" dirty="0">
+              <a:t>Goal: Measure an Athlete’s Ability to Help Team Win</a:t>
+            </a:r>
+            <a:endParaRPr lang="en-US" sz="2000" dirty="0">
               <a:solidFill>
                 <a:schemeClr val="bg1"/>
               </a:solidFill>
@@ -11252,115 +7798,7 @@
             </a:endParaRPr>
           </a:p>
           <a:p>
-            <a:pPr marL="342900" indent="-342900">
-              <a:buFont typeface="Arial" panose="020B0604020202020204" pitchFamily="34" charset="0"/>
-              <a:buChar char="•"/>
-            </a:pPr>
-            <a:r>
-              <a:rPr lang="en-US" sz="2400" dirty="0">
-                <a:solidFill>
-                  <a:schemeClr val="bg1"/>
-                </a:solidFill>
-                <a:latin typeface="Selawik Semibold" panose="020B0702040204020203" pitchFamily="34" charset="0"/>
-              </a:rPr>
-              <a:t>How Does an Individual Player Impact p?</a:t>
-            </a:r>
-          </a:p>
-          <a:p>
-            <a:pPr marL="342900" indent="-342900">
-              <a:buFont typeface="Arial" panose="020B0604020202020204" pitchFamily="34" charset="0"/>
-              <a:buChar char="•"/>
-            </a:pPr>
-            <a:endParaRPr lang="en-US" sz="2400" dirty="0">
-              <a:solidFill>
-                <a:schemeClr val="bg1"/>
-              </a:solidFill>
-              <a:latin typeface="Selawik Semibold" panose="020B0702040204020203" pitchFamily="34" charset="0"/>
-            </a:endParaRPr>
-          </a:p>
-          <a:p>
-            <a:pPr marL="342900" indent="-342900">
-              <a:buFont typeface="Arial" panose="020B0604020202020204" pitchFamily="34" charset="0"/>
-              <a:buChar char="•"/>
-            </a:pPr>
-            <a:r>
-              <a:rPr lang="en-US" sz="2400" dirty="0">
-                <a:solidFill>
-                  <a:schemeClr val="bg1"/>
-                </a:solidFill>
-                <a:latin typeface="Selawik Semibold" panose="020B0702040204020203" pitchFamily="34" charset="0"/>
-              </a:rPr>
-              <a:t>Winning Probability Difference (WINDIFF)</a:t>
-            </a:r>
-          </a:p>
-          <a:p>
-            <a:pPr marL="342900" indent="-342900">
-              <a:buFont typeface="Arial" panose="020B0604020202020204" pitchFamily="34" charset="0"/>
-              <a:buChar char="•"/>
-            </a:pPr>
-            <a:endParaRPr lang="en-US" sz="2400" dirty="0">
-              <a:solidFill>
-                <a:schemeClr val="bg1"/>
-              </a:solidFill>
-              <a:latin typeface="Selawik Semibold" panose="020B0702040204020203" pitchFamily="34" charset="0"/>
-            </a:endParaRPr>
-          </a:p>
-          <a:p>
-            <a:pPr marL="342900" indent="-342900">
-              <a:buFont typeface="Arial" panose="020B0604020202020204" pitchFamily="34" charset="0"/>
-              <a:buChar char="•"/>
-            </a:pPr>
-            <a:endParaRPr lang="en-US" sz="2400" dirty="0">
-              <a:solidFill>
-                <a:schemeClr val="bg1"/>
-              </a:solidFill>
-              <a:latin typeface="Selawik Semibold" panose="020B0702040204020203" pitchFamily="34" charset="0"/>
-            </a:endParaRPr>
-          </a:p>
-          <a:p>
-            <a:pPr marL="342900" indent="-342900">
-              <a:buFont typeface="Arial" panose="020B0604020202020204" pitchFamily="34" charset="0"/>
-              <a:buChar char="•"/>
-            </a:pPr>
-            <a:endParaRPr lang="en-US" sz="2400" dirty="0">
-              <a:solidFill>
-                <a:schemeClr val="bg1"/>
-              </a:solidFill>
-              <a:latin typeface="Selawik Semibold" panose="020B0702040204020203" pitchFamily="34" charset="0"/>
-            </a:endParaRPr>
-          </a:p>
-          <a:p>
-            <a:pPr marL="342900" indent="-342900">
-              <a:buFont typeface="Arial" panose="020B0604020202020204" pitchFamily="34" charset="0"/>
-              <a:buChar char="•"/>
-            </a:pPr>
-            <a:r>
-              <a:rPr lang="en-US" sz="2400" dirty="0">
-                <a:solidFill>
-                  <a:schemeClr val="bg1"/>
-                </a:solidFill>
-                <a:latin typeface="Selawik Semibold" panose="020B0702040204020203" pitchFamily="34" charset="0"/>
-              </a:rPr>
-              <a:t>WINDIFF Before Game Begins</a:t>
-            </a:r>
-          </a:p>
-          <a:p>
             <a:pPr marL="800100" lvl="1" indent="-342900">
-              <a:buFont typeface="Arial" panose="020B0604020202020204" pitchFamily="34" charset="0"/>
-              <a:buChar char="•"/>
-            </a:pPr>
-            <a:r>
-              <a:rPr lang="en-US" sz="2400" dirty="0">
-                <a:solidFill>
-                  <a:schemeClr val="bg1"/>
-                </a:solidFill>
-                <a:latin typeface="Selawik Semibold" panose="020B0702040204020203" pitchFamily="34" charset="0"/>
-              </a:rPr>
-              <a:t>Assume Each Team Equally Likely to Win</a:t>
-            </a:r>
-          </a:p>
-          <a:p>
-            <a:pPr marL="342900" indent="-342900">
               <a:buFont typeface="Arial" panose="020B0604020202020204" pitchFamily="34" charset="0"/>
               <a:buChar char="•"/>
             </a:pPr>
@@ -11371,471 +7809,12 @@
               <a:latin typeface="Selawik Semibold" panose="020B0702040204020203" pitchFamily="34" charset="0"/>
             </a:endParaRPr>
           </a:p>
-          <a:p>
-            <a:pPr marL="800100" lvl="1" indent="-342900">
-              <a:buFont typeface="Arial" panose="020B0604020202020204" pitchFamily="34" charset="0"/>
-              <a:buChar char="•"/>
-            </a:pPr>
-            <a:endParaRPr lang="en-US" sz="2000" dirty="0">
-              <a:solidFill>
-                <a:schemeClr val="bg1"/>
-              </a:solidFill>
-              <a:latin typeface="Selawik Semibold" panose="020B0702040204020203" pitchFamily="34" charset="0"/>
-            </a:endParaRPr>
-          </a:p>
-        </p:txBody>
-      </p:sp>
-      <mc:AlternateContent xmlns:mc="http://schemas.openxmlformats.org/markup-compatibility/2006" xmlns:a14="http://schemas.microsoft.com/office/drawing/2010/main">
-        <mc:Choice Requires="a14">
-          <p:sp>
-            <p:nvSpPr>
-              <p:cNvPr id="11" name="TextBox 10">
-                <a:extLst>
-                  <a:ext uri="{FF2B5EF4-FFF2-40B4-BE49-F238E27FC236}">
-                    <a16:creationId xmlns:a16="http://schemas.microsoft.com/office/drawing/2014/main" id="{27CDB3D9-4234-42CC-9217-A4D74E675D50}"/>
-                  </a:ext>
-                </a:extLst>
-              </p:cNvPr>
-              <p:cNvSpPr txBox="1"/>
-              <p:nvPr/>
-            </p:nvSpPr>
-            <p:spPr>
-              <a:xfrm>
-                <a:off x="3434023" y="4299551"/>
-                <a:ext cx="7214761" cy="461665"/>
-              </a:xfrm>
-              <a:prstGeom prst="rect">
-                <a:avLst/>
-              </a:prstGeom>
-              <a:noFill/>
-            </p:spPr>
-            <p:txBody>
-              <a:bodyPr wrap="square" rtlCol="0">
-                <a:spAutoFit/>
-              </a:bodyPr>
-              <a:lstStyle/>
-              <a:p>
-                <a14:m>
-                  <m:oMath xmlns:m="http://schemas.openxmlformats.org/officeDocument/2006/math">
-                    <m:r>
-                      <a:rPr lang="en-US" sz="2400" b="1" i="1" smtClean="0">
-                        <a:solidFill>
-                          <a:schemeClr val="bg1"/>
-                        </a:solidFill>
-                        <a:latin typeface="Cambria Math" panose="02040503050406030204" pitchFamily="18" charset="0"/>
-                      </a:rPr>
-                      <m:t>𝑾𝑰𝑵𝑫𝑰𝑭</m:t>
-                    </m:r>
-                    <m:sSub>
-                      <m:sSubPr>
-                        <m:ctrlPr>
-                          <a:rPr lang="en-US" sz="2400" b="1" i="1" smtClean="0">
-                            <a:solidFill>
-                              <a:schemeClr val="bg1"/>
-                            </a:solidFill>
-                            <a:latin typeface="Cambria Math" panose="02040503050406030204" pitchFamily="18" charset="0"/>
-                          </a:rPr>
-                        </m:ctrlPr>
-                      </m:sSubPr>
-                      <m:e>
-                        <m:r>
-                          <a:rPr lang="en-US" sz="2400" b="1" i="1" smtClean="0">
-                            <a:solidFill>
-                              <a:schemeClr val="bg1"/>
-                            </a:solidFill>
-                            <a:latin typeface="Cambria Math" panose="02040503050406030204" pitchFamily="18" charset="0"/>
-                          </a:rPr>
-                          <m:t>𝑭</m:t>
-                        </m:r>
-                      </m:e>
-                      <m:sub>
-                        <m:r>
-                          <a:rPr lang="en-US" sz="2400" b="1" i="1" smtClean="0">
-                            <a:solidFill>
-                              <a:schemeClr val="bg1"/>
-                            </a:solidFill>
-                            <a:latin typeface="Cambria Math" panose="02040503050406030204" pitchFamily="18" charset="0"/>
-                          </a:rPr>
-                          <m:t>𝒕</m:t>
-                        </m:r>
-                      </m:sub>
-                    </m:sSub>
-                    <m:r>
-                      <a:rPr lang="en-US" sz="2400" b="1" i="1" smtClean="0">
-                        <a:solidFill>
-                          <a:schemeClr val="bg1"/>
-                        </a:solidFill>
-                        <a:latin typeface="Cambria Math" panose="02040503050406030204" pitchFamily="18" charset="0"/>
-                      </a:rPr>
-                      <m:t>=</m:t>
-                    </m:r>
-                    <m:sSub>
-                      <m:sSubPr>
-                        <m:ctrlPr>
-                          <a:rPr lang="en-US" sz="2400" b="1" i="1" smtClean="0">
-                            <a:solidFill>
-                              <a:schemeClr val="bg1"/>
-                            </a:solidFill>
-                            <a:latin typeface="Cambria Math" panose="02040503050406030204" pitchFamily="18" charset="0"/>
-                          </a:rPr>
-                        </m:ctrlPr>
-                      </m:sSubPr>
-                      <m:e>
-                        <m:r>
-                          <a:rPr lang="en-US" sz="2400" b="1" i="1" smtClean="0">
-                            <a:solidFill>
-                              <a:schemeClr val="bg1"/>
-                            </a:solidFill>
-                            <a:latin typeface="Cambria Math" panose="02040503050406030204" pitchFamily="18" charset="0"/>
-                          </a:rPr>
-                          <m:t>𝒑</m:t>
-                        </m:r>
-                      </m:e>
-                      <m:sub>
-                        <m:r>
-                          <a:rPr lang="en-US" sz="2400" b="1" i="1" smtClean="0">
-                            <a:solidFill>
-                              <a:schemeClr val="bg1"/>
-                            </a:solidFill>
-                            <a:latin typeface="Cambria Math" panose="02040503050406030204" pitchFamily="18" charset="0"/>
-                          </a:rPr>
-                          <m:t>𝒕</m:t>
-                        </m:r>
-                      </m:sub>
-                    </m:sSub>
-                    <m:r>
-                      <a:rPr lang="en-US" sz="2400" b="1" i="1" smtClean="0">
-                        <a:solidFill>
-                          <a:schemeClr val="bg1"/>
-                        </a:solidFill>
-                        <a:latin typeface="Cambria Math" panose="02040503050406030204" pitchFamily="18" charset="0"/>
-                      </a:rPr>
-                      <m:t>−</m:t>
-                    </m:r>
-                    <m:sSub>
-                      <m:sSubPr>
-                        <m:ctrlPr>
-                          <a:rPr lang="en-US" sz="2400" b="1" i="1" smtClean="0">
-                            <a:solidFill>
-                              <a:schemeClr val="bg1"/>
-                            </a:solidFill>
-                            <a:latin typeface="Cambria Math" panose="02040503050406030204" pitchFamily="18" charset="0"/>
-                          </a:rPr>
-                        </m:ctrlPr>
-                      </m:sSubPr>
-                      <m:e>
-                        <m:r>
-                          <a:rPr lang="en-US" sz="2400" b="1" i="1" smtClean="0">
-                            <a:solidFill>
-                              <a:schemeClr val="bg1"/>
-                            </a:solidFill>
-                            <a:latin typeface="Cambria Math" panose="02040503050406030204" pitchFamily="18" charset="0"/>
-                          </a:rPr>
-                          <m:t>𝒒</m:t>
-                        </m:r>
-                      </m:e>
-                      <m:sub>
-                        <m:r>
-                          <a:rPr lang="en-US" sz="2400" b="1" i="1" smtClean="0">
-                            <a:solidFill>
-                              <a:schemeClr val="bg1"/>
-                            </a:solidFill>
-                            <a:latin typeface="Cambria Math" panose="02040503050406030204" pitchFamily="18" charset="0"/>
-                          </a:rPr>
-                          <m:t>𝒕</m:t>
-                        </m:r>
-                      </m:sub>
-                    </m:sSub>
-                  </m:oMath>
-                </a14:m>
-                <a:r>
-                  <a:rPr lang="en-US" sz="2400" b="1" dirty="0">
-                    <a:solidFill>
-                      <a:schemeClr val="bg1"/>
-                    </a:solidFill>
-                  </a:rPr>
-                  <a:t>  where   </a:t>
-                </a:r>
-                <a14:m>
-                  <m:oMath xmlns:m="http://schemas.openxmlformats.org/officeDocument/2006/math">
-                    <m:r>
-                      <a:rPr lang="en-US" sz="2400" b="1" i="1" smtClean="0">
-                        <a:solidFill>
-                          <a:schemeClr val="bg1"/>
-                        </a:solidFill>
-                        <a:latin typeface="Cambria Math" panose="02040503050406030204" pitchFamily="18" charset="0"/>
-                      </a:rPr>
-                      <m:t>𝒕</m:t>
-                    </m:r>
-                    <m:r>
-                      <a:rPr lang="en-US" sz="2400" b="1" i="1" smtClean="0">
-                        <a:solidFill>
-                          <a:schemeClr val="bg1"/>
-                        </a:solidFill>
-                        <a:latin typeface="Cambria Math" panose="02040503050406030204" pitchFamily="18" charset="0"/>
-                      </a:rPr>
-                      <m:t>=</m:t>
-                    </m:r>
-                    <m:r>
-                      <a:rPr lang="en-US" sz="2400" b="1" i="1" smtClean="0">
-                        <a:solidFill>
-                          <a:schemeClr val="bg1"/>
-                        </a:solidFill>
-                        <a:latin typeface="Cambria Math" panose="02040503050406030204" pitchFamily="18" charset="0"/>
-                      </a:rPr>
-                      <m:t>𝑻𝒊𝒎𝒆</m:t>
-                    </m:r>
-                  </m:oMath>
-                </a14:m>
-                <a:endParaRPr lang="en-US" sz="2400" b="1" dirty="0">
-                  <a:solidFill>
-                    <a:schemeClr val="bg1"/>
-                  </a:solidFill>
-                </a:endParaRPr>
-              </a:p>
-            </p:txBody>
-          </p:sp>
-        </mc:Choice>
-        <mc:Fallback xmlns="">
-          <p:sp>
-            <p:nvSpPr>
-              <p:cNvPr id="11" name="TextBox 10">
-                <a:extLst>
-                  <a:ext uri="{FF2B5EF4-FFF2-40B4-BE49-F238E27FC236}">
-                    <a16:creationId xmlns:a16="http://schemas.microsoft.com/office/drawing/2014/main" id="{27CDB3D9-4234-42CC-9217-A4D74E675D50}"/>
-                  </a:ext>
-                </a:extLst>
-              </p:cNvPr>
-              <p:cNvSpPr txBox="1">
-                <a:spLocks noRot="1" noChangeAspect="1" noMove="1" noResize="1" noEditPoints="1" noAdjustHandles="1" noChangeArrowheads="1" noChangeShapeType="1" noTextEdit="1"/>
-              </p:cNvSpPr>
-              <p:nvPr/>
-            </p:nvSpPr>
-            <p:spPr>
-              <a:xfrm>
-                <a:off x="3434023" y="4299551"/>
-                <a:ext cx="7214761" cy="461665"/>
-              </a:xfrm>
-              <a:prstGeom prst="rect">
-                <a:avLst/>
-              </a:prstGeom>
-              <a:blipFill>
-                <a:blip r:embed="rId4"/>
-                <a:stretch>
-                  <a:fillRect l="-169" t="-10526" b="-28947"/>
-                </a:stretch>
-              </a:blipFill>
-            </p:spPr>
-            <p:txBody>
-              <a:bodyPr/>
-              <a:lstStyle/>
-              <a:p>
-                <a:r>
-                  <a:rPr lang="en-US">
-                    <a:noFill/>
-                  </a:rPr>
-                  <a:t> </a:t>
-                </a:r>
-              </a:p>
-            </p:txBody>
-          </p:sp>
-        </mc:Fallback>
-      </mc:AlternateContent>
-      <mc:AlternateContent xmlns:mc="http://schemas.openxmlformats.org/markup-compatibility/2006" xmlns:a14="http://schemas.microsoft.com/office/drawing/2010/main">
-        <mc:Choice Requires="a14">
-          <p:sp>
-            <p:nvSpPr>
-              <p:cNvPr id="12" name="TextBox 11">
-                <a:extLst>
-                  <a:ext uri="{FF2B5EF4-FFF2-40B4-BE49-F238E27FC236}">
-                    <a16:creationId xmlns:a16="http://schemas.microsoft.com/office/drawing/2014/main" id="{0083FDA7-15B6-4FD0-9899-4C8CFF02C6D1}"/>
-                  </a:ext>
-                </a:extLst>
-              </p:cNvPr>
-              <p:cNvSpPr txBox="1"/>
-              <p:nvPr/>
-            </p:nvSpPr>
-            <p:spPr>
-              <a:xfrm>
-                <a:off x="2189455" y="6066833"/>
-                <a:ext cx="7214761" cy="461665"/>
-              </a:xfrm>
-              <a:prstGeom prst="rect">
-                <a:avLst/>
-              </a:prstGeom>
-              <a:noFill/>
-            </p:spPr>
-            <p:txBody>
-              <a:bodyPr wrap="square" rtlCol="0">
-                <a:spAutoFit/>
-              </a:bodyPr>
-              <a:lstStyle/>
-              <a:p>
-                <a:pPr/>
-                <a14:m>
-                  <m:oMathPara xmlns:m="http://schemas.openxmlformats.org/officeDocument/2006/math">
-                    <m:oMathParaPr>
-                      <m:jc m:val="centerGroup"/>
-                    </m:oMathParaPr>
-                    <m:oMath xmlns:m="http://schemas.openxmlformats.org/officeDocument/2006/math">
-                      <m:r>
-                        <a:rPr lang="en-US" sz="2400" b="1" i="1" smtClean="0">
-                          <a:solidFill>
-                            <a:schemeClr val="bg1"/>
-                          </a:solidFill>
-                          <a:latin typeface="Cambria Math" panose="02040503050406030204" pitchFamily="18" charset="0"/>
-                        </a:rPr>
-                        <m:t>𝑾𝑰𝑵𝑫𝑰𝑭</m:t>
-                      </m:r>
-                      <m:sSub>
-                        <m:sSubPr>
-                          <m:ctrlPr>
-                            <a:rPr lang="en-US" sz="2400" b="1" i="1" smtClean="0">
-                              <a:solidFill>
-                                <a:schemeClr val="bg1"/>
-                              </a:solidFill>
-                              <a:latin typeface="Cambria Math" panose="02040503050406030204" pitchFamily="18" charset="0"/>
-                            </a:rPr>
-                          </m:ctrlPr>
-                        </m:sSubPr>
-                        <m:e>
-                          <m:r>
-                            <a:rPr lang="en-US" sz="2400" b="1" i="1" smtClean="0">
-                              <a:solidFill>
-                                <a:schemeClr val="bg1"/>
-                              </a:solidFill>
-                              <a:latin typeface="Cambria Math" panose="02040503050406030204" pitchFamily="18" charset="0"/>
-                            </a:rPr>
-                            <m:t>𝑭</m:t>
-                          </m:r>
-                        </m:e>
-                        <m:sub>
-                          <m:r>
-                            <a:rPr lang="en-US" sz="2400" b="1" i="1" smtClean="0">
-                              <a:solidFill>
-                                <a:schemeClr val="bg1"/>
-                              </a:solidFill>
-                              <a:latin typeface="Cambria Math" panose="02040503050406030204" pitchFamily="18" charset="0"/>
-                            </a:rPr>
-                            <m:t>𝟎</m:t>
-                          </m:r>
-                        </m:sub>
-                      </m:sSub>
-                      <m:r>
-                        <a:rPr lang="en-US" sz="2400" b="1" i="1" smtClean="0">
-                          <a:solidFill>
-                            <a:schemeClr val="bg1"/>
-                          </a:solidFill>
-                          <a:latin typeface="Cambria Math" panose="02040503050406030204" pitchFamily="18" charset="0"/>
-                        </a:rPr>
-                        <m:t>=</m:t>
-                      </m:r>
-                      <m:r>
-                        <a:rPr lang="en-US" sz="2400" b="1" i="1" smtClean="0">
-                          <a:solidFill>
-                            <a:schemeClr val="bg1"/>
-                          </a:solidFill>
-                          <a:latin typeface="Cambria Math" panose="02040503050406030204" pitchFamily="18" charset="0"/>
-                        </a:rPr>
-                        <m:t>𝟓𝟎</m:t>
-                      </m:r>
-                      <m:r>
-                        <a:rPr lang="en-US" sz="2400" b="1" i="1" smtClean="0">
-                          <a:solidFill>
-                            <a:schemeClr val="bg1"/>
-                          </a:solidFill>
-                          <a:latin typeface="Cambria Math" panose="02040503050406030204" pitchFamily="18" charset="0"/>
-                        </a:rPr>
-                        <m:t>−</m:t>
-                      </m:r>
-                      <m:r>
-                        <a:rPr lang="en-US" sz="2400" b="1" i="1" smtClean="0">
-                          <a:solidFill>
-                            <a:schemeClr val="bg1"/>
-                          </a:solidFill>
-                          <a:latin typeface="Cambria Math" panose="02040503050406030204" pitchFamily="18" charset="0"/>
-                        </a:rPr>
-                        <m:t>𝟓𝟎</m:t>
-                      </m:r>
-                      <m:r>
-                        <a:rPr lang="en-US" sz="2400" b="1" i="1" smtClean="0">
-                          <a:solidFill>
-                            <a:schemeClr val="bg1"/>
-                          </a:solidFill>
-                          <a:latin typeface="Cambria Math" panose="02040503050406030204" pitchFamily="18" charset="0"/>
-                        </a:rPr>
-                        <m:t>=</m:t>
-                      </m:r>
-                      <m:r>
-                        <a:rPr lang="en-US" sz="2400" b="1" i="1" smtClean="0">
-                          <a:solidFill>
-                            <a:schemeClr val="bg1"/>
-                          </a:solidFill>
-                          <a:latin typeface="Cambria Math" panose="02040503050406030204" pitchFamily="18" charset="0"/>
-                        </a:rPr>
-                        <m:t>𝟎</m:t>
-                      </m:r>
-                    </m:oMath>
-                  </m:oMathPara>
-                </a14:m>
-                <a:endParaRPr lang="en-US" sz="2400" b="1" dirty="0">
-                  <a:solidFill>
-                    <a:schemeClr val="bg1"/>
-                  </a:solidFill>
-                </a:endParaRPr>
-              </a:p>
-            </p:txBody>
-          </p:sp>
-        </mc:Choice>
-        <mc:Fallback xmlns="">
-          <p:sp>
-            <p:nvSpPr>
-              <p:cNvPr id="12" name="TextBox 11">
-                <a:extLst>
-                  <a:ext uri="{FF2B5EF4-FFF2-40B4-BE49-F238E27FC236}">
-                    <a16:creationId xmlns:a16="http://schemas.microsoft.com/office/drawing/2014/main" id="{0083FDA7-15B6-4FD0-9899-4C8CFF02C6D1}"/>
-                  </a:ext>
-                </a:extLst>
-              </p:cNvPr>
-              <p:cNvSpPr txBox="1">
-                <a:spLocks noRot="1" noChangeAspect="1" noMove="1" noResize="1" noEditPoints="1" noAdjustHandles="1" noChangeArrowheads="1" noChangeShapeType="1" noTextEdit="1"/>
-              </p:cNvSpPr>
-              <p:nvPr/>
-            </p:nvSpPr>
-            <p:spPr>
-              <a:xfrm>
-                <a:off x="2189455" y="6066833"/>
-                <a:ext cx="7214761" cy="461665"/>
-              </a:xfrm>
-              <a:prstGeom prst="rect">
-                <a:avLst/>
-              </a:prstGeom>
-              <a:blipFill>
-                <a:blip r:embed="rId5"/>
-                <a:stretch>
-                  <a:fillRect b="-2632"/>
-                </a:stretch>
-              </a:blipFill>
-            </p:spPr>
-            <p:txBody>
-              <a:bodyPr/>
-              <a:lstStyle/>
-              <a:p>
-                <a:r>
-                  <a:rPr lang="en-US">
-                    <a:noFill/>
-                  </a:rPr>
-                  <a:t> </a:t>
-                </a:r>
-              </a:p>
-            </p:txBody>
-          </p:sp>
-        </mc:Fallback>
-      </mc:AlternateContent>
+        </p:txBody>
+      </p:sp>
     </p:spTree>
     <p:extLst>
       <p:ext uri="{BB962C8B-B14F-4D97-AF65-F5344CB8AC3E}">
-        <p14:creationId xmlns:p14="http://schemas.microsoft.com/office/powerpoint/2010/main" val="405984214"/>
+        <p14:creationId xmlns:p14="http://schemas.microsoft.com/office/powerpoint/2010/main" val="2664662431"/>
       </p:ext>
     </p:extLst>
   </p:cSld>
@@ -12102,7 +8081,7 @@
                 </a:solidFill>
                 <a:latin typeface="Selawik Semibold" panose="020B0702040204020203" pitchFamily="34" charset="0"/>
               </a:rPr>
-              <a:t>Player Win Averages</a:t>
+              <a:t>Win Probability Added</a:t>
             </a:r>
           </a:p>
         </p:txBody>
@@ -12238,7 +8217,7 @@
         <p:spPr>
           <a:xfrm>
             <a:off x="3080081" y="1520792"/>
-            <a:ext cx="8954694" cy="4832092"/>
+            <a:ext cx="9027282" cy="3600986"/>
           </a:xfrm>
           <a:prstGeom prst="rect">
             <a:avLst/>
@@ -12262,17 +8241,14 @@
                 </a:solidFill>
                 <a:latin typeface="Selawik Semibold" panose="020B0702040204020203" pitchFamily="34" charset="0"/>
               </a:rPr>
-              <a:t>Jeff </a:t>
-            </a:r>
-            <a:r>
-              <a:rPr lang="en-US" sz="2400" dirty="0" err="1">
-                <a:solidFill>
-                  <a:schemeClr val="bg1"/>
-                </a:solidFill>
-                <a:latin typeface="Selawik Semibold" panose="020B0702040204020203" pitchFamily="34" charset="0"/>
-              </a:rPr>
-              <a:t>Sagarin</a:t>
-            </a:r>
+              <a:t>Win Probability Added (WPA)</a:t>
+            </a:r>
+          </a:p>
+          <a:p>
+            <a:pPr marL="342900" indent="-342900">
+              <a:buFont typeface="Arial" panose="020B0604020202020204" pitchFamily="34" charset="0"/>
+              <a:buChar char="•"/>
+            </a:pPr>
             <a:endParaRPr lang="en-US" sz="2400" dirty="0">
               <a:solidFill>
                 <a:schemeClr val="bg1"/>
@@ -12292,11 +8268,11 @@
                 </a:solidFill>
                 <a:latin typeface="Selawik Semibold" panose="020B0702040204020203" pitchFamily="34" charset="0"/>
               </a:rPr>
-              <a:t>Developed Ranking Methods in Variety of Sports</a:t>
-            </a:r>
-          </a:p>
-          <a:p>
-            <a:pPr marL="800100" lvl="1" indent="-342900">
+              <a:t>Based off Scenario:</a:t>
+            </a:r>
+          </a:p>
+          <a:p>
+            <a:pPr marL="1257300" lvl="2" indent="-342900">
               <a:buFont typeface="Arial" panose="020B0604020202020204" pitchFamily="34" charset="0"/>
               <a:buChar char="•"/>
             </a:pPr>
@@ -12307,37 +8283,40 @@
                 </a:solidFill>
                 <a:latin typeface="Selawik Semibold" panose="020B0702040204020203" pitchFamily="34" charset="0"/>
               </a:rPr>
-              <a:t>Publishes Rankings in USA Today</a:t>
-            </a:r>
-          </a:p>
-          <a:p>
-            <a:pPr marL="800100" lvl="1" indent="-342900">
+              <a:t>Thomson’s WPA: 1-0.27 = 0.73</a:t>
+            </a:r>
+          </a:p>
+          <a:p>
+            <a:pPr marL="1257300" lvl="2" indent="-342900">
               <a:buFont typeface="Arial" panose="020B0604020202020204" pitchFamily="34" charset="0"/>
               <a:buChar char="•"/>
             </a:pPr>
             <a:r>
+              <a:rPr lang="en-US" sz="2000" dirty="0" err="1">
+                <a:solidFill>
+                  <a:schemeClr val="bg1"/>
+                </a:solidFill>
+                <a:latin typeface="Selawik Semibold" panose="020B0702040204020203" pitchFamily="34" charset="0"/>
+              </a:rPr>
+              <a:t>Branca’s</a:t>
+            </a:r>
+            <a:r>
               <a:rPr lang="en-US" sz="2000" dirty="0">
                 <a:solidFill>
                   <a:schemeClr val="bg1"/>
                 </a:solidFill>
                 <a:latin typeface="Selawik Semibold" panose="020B0702040204020203" pitchFamily="34" charset="0"/>
               </a:rPr>
-              <a:t>Known for MLB Player Win Average Analysis (1957-2006)</a:t>
-            </a:r>
-          </a:p>
-          <a:p>
-            <a:pPr marL="800100" lvl="1" indent="-342900">
-              <a:buFont typeface="Arial" panose="020B0604020202020204" pitchFamily="34" charset="0"/>
-              <a:buChar char="•"/>
-            </a:pPr>
+              <a:t> WPA: 0-0.73 = </a:t>
+            </a:r>
             <a:r>
               <a:rPr lang="en-US" sz="2000" dirty="0">
                 <a:solidFill>
-                  <a:schemeClr val="bg1"/>
-                </a:solidFill>
-                <a:latin typeface="Selawik Semibold" panose="020B0702040204020203" pitchFamily="34" charset="0"/>
-              </a:rPr>
-              <a:t>To Avoid Decimals,</a:t>
+                  <a:srgbClr val="FF0000"/>
+                </a:solidFill>
+                <a:latin typeface="Selawik Semibold" panose="020B0702040204020203" pitchFamily="34" charset="0"/>
+              </a:rPr>
+              <a:t>-0.73</a:t>
             </a:r>
           </a:p>
           <a:p>
@@ -12353,37 +8332,22 @@
             </a:endParaRPr>
           </a:p>
           <a:p>
-            <a:pPr lvl="1"/>
-            <a:endParaRPr lang="en-US" sz="2000" dirty="0">
-              <a:solidFill>
-                <a:schemeClr val="bg1"/>
-              </a:solidFill>
-              <a:latin typeface="Selawik Semibold" panose="020B0702040204020203" pitchFamily="34" charset="0"/>
-            </a:endParaRPr>
-          </a:p>
-          <a:p>
-            <a:pPr marL="342900" indent="-342900">
+            <a:pPr marL="800100" lvl="1" indent="-342900">
               <a:buFont typeface="Arial" panose="020B0604020202020204" pitchFamily="34" charset="0"/>
               <a:buChar char="•"/>
             </a:pPr>
             <a:r>
-              <a:rPr lang="en-US" sz="2400" dirty="0">
+              <a:rPr lang="en-US" sz="2000" dirty="0">
                 <a:solidFill>
                   <a:schemeClr val="bg1"/>
                 </a:solidFill>
                 <a:latin typeface="Selawik Semibold" panose="020B0702040204020203" pitchFamily="34" charset="0"/>
               </a:rPr>
-              <a:t>Scenario</a:t>
-            </a:r>
-            <a:endParaRPr lang="en-US" sz="2000" dirty="0">
-              <a:solidFill>
-                <a:schemeClr val="bg1"/>
-              </a:solidFill>
-              <a:latin typeface="Selawik Semibold" panose="020B0702040204020203" pitchFamily="34" charset="0"/>
-            </a:endParaRPr>
-          </a:p>
-          <a:p>
-            <a:pPr marL="800100" lvl="1" indent="-342900">
+              <a:t>WPA of a Player is a Difference Between</a:t>
+            </a:r>
+          </a:p>
+          <a:p>
+            <a:pPr marL="1257300" lvl="2" indent="-342900">
               <a:buFont typeface="Arial" panose="020B0604020202020204" pitchFamily="34" charset="0"/>
               <a:buChar char="•"/>
             </a:pPr>
@@ -12394,11 +8358,11 @@
                 </a:solidFill>
                 <a:latin typeface="Selawik Semibold" panose="020B0702040204020203" pitchFamily="34" charset="0"/>
               </a:rPr>
-              <a:t>Home Team Losing by 2 Runs in Bottom of 9th </a:t>
-            </a:r>
-          </a:p>
-          <a:p>
-            <a:pPr marL="800100" lvl="1" indent="-342900">
+              <a:t>Win Probability After</a:t>
+            </a:r>
+          </a:p>
+          <a:p>
+            <a:pPr marL="1257300" lvl="2" indent="-342900">
               <a:buFont typeface="Arial" panose="020B0604020202020204" pitchFamily="34" charset="0"/>
               <a:buChar char="•"/>
             </a:pPr>
@@ -12409,22 +8373,7 @@
                 </a:solidFill>
                 <a:latin typeface="Selawik Semibold" panose="020B0702040204020203" pitchFamily="34" charset="0"/>
               </a:rPr>
-              <a:t>Bases Loaded and Mariano Rivera Comes in to Pitch</a:t>
-            </a:r>
-          </a:p>
-          <a:p>
-            <a:pPr marL="800100" lvl="1" indent="-342900">
-              <a:buFont typeface="Arial" panose="020B0604020202020204" pitchFamily="34" charset="0"/>
-              <a:buChar char="•"/>
-            </a:pPr>
-            <a:r>
-              <a:rPr lang="en-US" sz="2000" dirty="0">
-                <a:solidFill>
-                  <a:schemeClr val="bg1"/>
-                </a:solidFill>
-                <a:latin typeface="Selawik Semibold" panose="020B0702040204020203" pitchFamily="34" charset="0"/>
-              </a:rPr>
-              <a:t>Current WINDIFF</a:t>
+              <a:t>Win Probability Before</a:t>
             </a:r>
           </a:p>
           <a:p>
@@ -12440,22 +8389,10 @@
             </a:endParaRPr>
           </a:p>
           <a:p>
-            <a:pPr marL="1257300" lvl="2" indent="-342900">
+            <a:pPr marL="800100" lvl="1" indent="-342900">
               <a:buFont typeface="Arial" panose="020B0604020202020204" pitchFamily="34" charset="0"/>
               <a:buChar char="•"/>
             </a:pPr>
-            <a:endParaRPr lang="en-US" sz="2000" dirty="0">
-              <a:solidFill>
-                <a:schemeClr val="bg1"/>
-              </a:solidFill>
-              <a:latin typeface="Selawik Semibold" panose="020B0702040204020203" pitchFamily="34" charset="0"/>
-            </a:endParaRPr>
-          </a:p>
-          <a:p>
-            <a:pPr marL="800100" lvl="1" indent="-342900">
-              <a:buFont typeface="Arial" panose="020B0604020202020204" pitchFamily="34" charset="0"/>
-              <a:buChar char="•"/>
-            </a:pPr>
             <a:r>
               <a:rPr lang="en-US" sz="2000" dirty="0">
                 <a:solidFill>
@@ -12463,831 +8400,50 @@
                 </a:solidFill>
                 <a:latin typeface="Selawik Semibold" panose="020B0702040204020203" pitchFamily="34" charset="0"/>
               </a:rPr>
-              <a:t>Batter Hits into Double Play and 1 Run Scores</a:t>
-            </a:r>
-          </a:p>
-          <a:p>
-            <a:pPr marL="800100" lvl="1" indent="-342900">
-              <a:buFont typeface="Arial" panose="020B0604020202020204" pitchFamily="34" charset="0"/>
-              <a:buChar char="•"/>
-            </a:pPr>
-            <a:r>
-              <a:rPr lang="en-US" sz="2000" dirty="0">
-                <a:solidFill>
-                  <a:schemeClr val="bg1"/>
-                </a:solidFill>
-                <a:latin typeface="Selawik Semibold" panose="020B0702040204020203" pitchFamily="34" charset="0"/>
-              </a:rPr>
-              <a:t>Next WINDIFF</a:t>
-            </a:r>
-          </a:p>
-        </p:txBody>
-      </p:sp>
-      <mc:AlternateContent xmlns:mc="http://schemas.openxmlformats.org/markup-compatibility/2006" xmlns:a14="http://schemas.microsoft.com/office/drawing/2010/main">
-        <mc:Choice Requires="a14">
-          <p:sp>
-            <p:nvSpPr>
-              <p:cNvPr id="13" name="TextBox 12">
-                <a:extLst>
-                  <a:ext uri="{FF2B5EF4-FFF2-40B4-BE49-F238E27FC236}">
-                    <a16:creationId xmlns:a16="http://schemas.microsoft.com/office/drawing/2014/main" id="{727B78A9-025A-43AA-8319-A59275F177F2}"/>
-                  </a:ext>
-                </a:extLst>
-              </p:cNvPr>
-              <p:cNvSpPr txBox="1"/>
-              <p:nvPr/>
-            </p:nvSpPr>
-            <p:spPr>
-              <a:xfrm>
-                <a:off x="3863303" y="3198167"/>
-                <a:ext cx="7214761" cy="461665"/>
-              </a:xfrm>
-              <a:prstGeom prst="rect">
-                <a:avLst/>
-              </a:prstGeom>
-              <a:noFill/>
-            </p:spPr>
-            <p:txBody>
-              <a:bodyPr wrap="square" rtlCol="0">
-                <a:spAutoFit/>
-              </a:bodyPr>
-              <a:lstStyle/>
-              <a:p>
-                <a14:m>
-                  <m:oMath xmlns:m="http://schemas.openxmlformats.org/officeDocument/2006/math">
-                    <m:r>
-                      <a:rPr lang="en-US" sz="2400" b="1" i="1">
-                        <a:solidFill>
-                          <a:schemeClr val="bg1"/>
-                        </a:solidFill>
-                        <a:latin typeface="Cambria Math" panose="02040503050406030204" pitchFamily="18" charset="0"/>
-                      </a:rPr>
-                      <m:t>𝑺𝑨𝑮𝑾𝑰𝑵𝑫𝑰𝑭</m:t>
-                    </m:r>
-                    <m:sSub>
-                      <m:sSubPr>
-                        <m:ctrlPr>
-                          <a:rPr lang="en-US" sz="2400" b="1" i="1">
-                            <a:solidFill>
-                              <a:schemeClr val="bg1"/>
-                            </a:solidFill>
-                            <a:latin typeface="Cambria Math" panose="02040503050406030204" pitchFamily="18" charset="0"/>
-                          </a:rPr>
-                        </m:ctrlPr>
-                      </m:sSubPr>
-                      <m:e>
-                        <m:r>
-                          <a:rPr lang="en-US" sz="2400" b="1" i="1">
-                            <a:solidFill>
-                              <a:schemeClr val="bg1"/>
-                            </a:solidFill>
-                            <a:latin typeface="Cambria Math" panose="02040503050406030204" pitchFamily="18" charset="0"/>
-                          </a:rPr>
-                          <m:t>𝑭</m:t>
-                        </m:r>
-                      </m:e>
-                      <m:sub>
-                        <m:r>
-                          <a:rPr lang="en-US" sz="2400" b="1" i="1">
-                            <a:solidFill>
-                              <a:schemeClr val="bg1"/>
-                            </a:solidFill>
-                            <a:latin typeface="Cambria Math" panose="02040503050406030204" pitchFamily="18" charset="0"/>
-                          </a:rPr>
-                          <m:t>𝒕</m:t>
-                        </m:r>
-                      </m:sub>
-                    </m:sSub>
-                    <m:r>
-                      <a:rPr lang="en-US" sz="2400" b="1" i="1">
-                        <a:solidFill>
-                          <a:schemeClr val="bg1"/>
-                        </a:solidFill>
-                        <a:latin typeface="Cambria Math" panose="02040503050406030204" pitchFamily="18" charset="0"/>
-                      </a:rPr>
-                      <m:t>=</m:t>
-                    </m:r>
-                    <m:r>
-                      <a:rPr lang="en-US" sz="2400" b="1" i="1">
-                        <a:solidFill>
-                          <a:schemeClr val="bg1"/>
-                        </a:solidFill>
-                        <a:latin typeface="Cambria Math" panose="02040503050406030204" pitchFamily="18" charset="0"/>
-                      </a:rPr>
-                      <m:t>𝟏𝟎</m:t>
-                    </m:r>
-                    <m:r>
-                      <a:rPr lang="en-US" sz="2400" b="1" i="1">
-                        <a:solidFill>
-                          <a:schemeClr val="bg1"/>
-                        </a:solidFill>
-                        <a:latin typeface="Cambria Math" panose="02040503050406030204" pitchFamily="18" charset="0"/>
-                      </a:rPr>
-                      <m:t>(</m:t>
-                    </m:r>
-                    <m:sSub>
-                      <m:sSubPr>
-                        <m:ctrlPr>
-                          <a:rPr lang="en-US" sz="2400" b="1" i="1">
-                            <a:solidFill>
-                              <a:schemeClr val="bg1"/>
-                            </a:solidFill>
-                            <a:latin typeface="Cambria Math" panose="02040503050406030204" pitchFamily="18" charset="0"/>
-                          </a:rPr>
-                        </m:ctrlPr>
-                      </m:sSubPr>
-                      <m:e>
-                        <m:r>
-                          <a:rPr lang="en-US" sz="2400" b="1" i="1">
-                            <a:solidFill>
-                              <a:schemeClr val="bg1"/>
-                            </a:solidFill>
-                            <a:latin typeface="Cambria Math" panose="02040503050406030204" pitchFamily="18" charset="0"/>
-                          </a:rPr>
-                          <m:t>𝒑</m:t>
-                        </m:r>
-                      </m:e>
-                      <m:sub>
-                        <m:r>
-                          <a:rPr lang="en-US" sz="2400" b="1" i="1">
-                            <a:solidFill>
-                              <a:schemeClr val="bg1"/>
-                            </a:solidFill>
-                            <a:latin typeface="Cambria Math" panose="02040503050406030204" pitchFamily="18" charset="0"/>
-                          </a:rPr>
-                          <m:t>𝒕</m:t>
-                        </m:r>
-                      </m:sub>
-                    </m:sSub>
-                    <m:r>
-                      <a:rPr lang="en-US" sz="2400" b="1" i="1">
-                        <a:solidFill>
-                          <a:schemeClr val="bg1"/>
-                        </a:solidFill>
-                        <a:latin typeface="Cambria Math" panose="02040503050406030204" pitchFamily="18" charset="0"/>
-                      </a:rPr>
-                      <m:t>−</m:t>
-                    </m:r>
-                    <m:sSub>
-                      <m:sSubPr>
-                        <m:ctrlPr>
-                          <a:rPr lang="en-US" sz="2400" b="1" i="1">
-                            <a:solidFill>
-                              <a:schemeClr val="bg1"/>
-                            </a:solidFill>
-                            <a:latin typeface="Cambria Math" panose="02040503050406030204" pitchFamily="18" charset="0"/>
-                          </a:rPr>
-                        </m:ctrlPr>
-                      </m:sSubPr>
-                      <m:e>
-                        <m:r>
-                          <a:rPr lang="en-US" sz="2400" b="1" i="1">
-                            <a:solidFill>
-                              <a:schemeClr val="bg1"/>
-                            </a:solidFill>
-                            <a:latin typeface="Cambria Math" panose="02040503050406030204" pitchFamily="18" charset="0"/>
-                          </a:rPr>
-                          <m:t>𝒒</m:t>
-                        </m:r>
-                      </m:e>
-                      <m:sub>
-                        <m:r>
-                          <a:rPr lang="en-US" sz="2400" b="1" i="1">
-                            <a:solidFill>
-                              <a:schemeClr val="bg1"/>
-                            </a:solidFill>
-                            <a:latin typeface="Cambria Math" panose="02040503050406030204" pitchFamily="18" charset="0"/>
-                          </a:rPr>
-                          <m:t>𝒕</m:t>
-                        </m:r>
-                      </m:sub>
-                    </m:sSub>
-                    <m:r>
-                      <a:rPr lang="en-US" sz="2400" b="1" i="1">
-                        <a:solidFill>
-                          <a:schemeClr val="bg1"/>
-                        </a:solidFill>
-                        <a:latin typeface="Cambria Math" panose="02040503050406030204" pitchFamily="18" charset="0"/>
-                      </a:rPr>
-                      <m:t>)</m:t>
-                    </m:r>
-                  </m:oMath>
-                </a14:m>
-                <a:r>
-                  <a:rPr lang="en-US" sz="2400" b="1" dirty="0">
-                    <a:solidFill>
-                      <a:schemeClr val="bg1"/>
-                    </a:solidFill>
-                  </a:rPr>
-                  <a:t>  where   </a:t>
-                </a:r>
-                <a14:m>
-                  <m:oMath xmlns:m="http://schemas.openxmlformats.org/officeDocument/2006/math">
-                    <m:r>
-                      <a:rPr lang="en-US" sz="2400" b="1" i="1">
-                        <a:solidFill>
-                          <a:schemeClr val="bg1"/>
-                        </a:solidFill>
-                        <a:latin typeface="Cambria Math" panose="02040503050406030204" pitchFamily="18" charset="0"/>
-                      </a:rPr>
-                      <m:t>𝒕</m:t>
-                    </m:r>
-                    <m:r>
-                      <a:rPr lang="en-US" sz="2400" b="1" i="1">
-                        <a:solidFill>
-                          <a:schemeClr val="bg1"/>
-                        </a:solidFill>
-                        <a:latin typeface="Cambria Math" panose="02040503050406030204" pitchFamily="18" charset="0"/>
-                      </a:rPr>
-                      <m:t>=</m:t>
-                    </m:r>
-                    <m:r>
-                      <a:rPr lang="en-US" sz="2400" b="1" i="1">
-                        <a:solidFill>
-                          <a:schemeClr val="bg1"/>
-                        </a:solidFill>
-                        <a:latin typeface="Cambria Math" panose="02040503050406030204" pitchFamily="18" charset="0"/>
-                      </a:rPr>
-                      <m:t>𝑻𝒊𝒎𝒆</m:t>
-                    </m:r>
-                  </m:oMath>
-                </a14:m>
-                <a:endParaRPr lang="en-US" sz="2400" b="1" dirty="0">
-                  <a:solidFill>
-                    <a:schemeClr val="bg1"/>
-                  </a:solidFill>
-                </a:endParaRPr>
-              </a:p>
-            </p:txBody>
-          </p:sp>
-        </mc:Choice>
-        <mc:Fallback xmlns="">
-          <p:sp>
-            <p:nvSpPr>
-              <p:cNvPr id="13" name="TextBox 12">
-                <a:extLst>
-                  <a:ext uri="{FF2B5EF4-FFF2-40B4-BE49-F238E27FC236}">
-                    <a16:creationId xmlns:a16="http://schemas.microsoft.com/office/drawing/2014/main" id="{727B78A9-025A-43AA-8319-A59275F177F2}"/>
-                  </a:ext>
-                </a:extLst>
-              </p:cNvPr>
-              <p:cNvSpPr txBox="1">
-                <a:spLocks noRot="1" noChangeAspect="1" noMove="1" noResize="1" noEditPoints="1" noAdjustHandles="1" noChangeArrowheads="1" noChangeShapeType="1" noTextEdit="1"/>
-              </p:cNvSpPr>
-              <p:nvPr/>
-            </p:nvSpPr>
-            <p:spPr>
-              <a:xfrm>
-                <a:off x="3863303" y="3198167"/>
-                <a:ext cx="7214761" cy="461665"/>
-              </a:xfrm>
-              <a:prstGeom prst="rect">
-                <a:avLst/>
-              </a:prstGeom>
-              <a:blipFill>
-                <a:blip r:embed="rId4"/>
-                <a:stretch>
-                  <a:fillRect l="-254" t="-10667" b="-30667"/>
-                </a:stretch>
-              </a:blipFill>
-            </p:spPr>
-            <p:txBody>
-              <a:bodyPr/>
-              <a:lstStyle/>
-              <a:p>
-                <a:r>
-                  <a:rPr lang="en-US">
-                    <a:noFill/>
-                  </a:rPr>
-                  <a:t> </a:t>
-                </a:r>
-              </a:p>
-            </p:txBody>
-          </p:sp>
-        </mc:Fallback>
-      </mc:AlternateContent>
-      <mc:AlternateContent xmlns:mc="http://schemas.openxmlformats.org/markup-compatibility/2006" xmlns:a14="http://schemas.microsoft.com/office/drawing/2010/main">
-        <mc:Choice Requires="a14">
-          <p:sp>
-            <p:nvSpPr>
-              <p:cNvPr id="14" name="TextBox 13">
-                <a:extLst>
-                  <a:ext uri="{FF2B5EF4-FFF2-40B4-BE49-F238E27FC236}">
-                    <a16:creationId xmlns:a16="http://schemas.microsoft.com/office/drawing/2014/main" id="{A835DE65-BDF0-44C5-B619-CE145F89D093}"/>
-                  </a:ext>
-                </a:extLst>
-              </p:cNvPr>
-              <p:cNvSpPr txBox="1"/>
-              <p:nvPr/>
-            </p:nvSpPr>
-            <p:spPr>
-              <a:xfrm>
-                <a:off x="3171520" y="5076504"/>
-                <a:ext cx="7214761" cy="461665"/>
-              </a:xfrm>
-              <a:prstGeom prst="rect">
-                <a:avLst/>
-              </a:prstGeom>
-              <a:noFill/>
-            </p:spPr>
-            <p:txBody>
-              <a:bodyPr wrap="square" rtlCol="0">
-                <a:spAutoFit/>
-              </a:bodyPr>
-              <a:lstStyle/>
-              <a:p>
-                <a:pPr/>
-                <a14:m>
-                  <m:oMathPara xmlns:m="http://schemas.openxmlformats.org/officeDocument/2006/math">
-                    <m:oMathParaPr>
-                      <m:jc m:val="centerGroup"/>
-                    </m:oMathParaPr>
-                    <m:oMath xmlns:m="http://schemas.openxmlformats.org/officeDocument/2006/math">
-                      <m:r>
-                        <a:rPr lang="en-US" sz="2400" b="1" i="1" smtClean="0">
-                          <a:solidFill>
-                            <a:schemeClr val="bg1"/>
-                          </a:solidFill>
-                          <a:latin typeface="Cambria Math" panose="02040503050406030204" pitchFamily="18" charset="0"/>
-                        </a:rPr>
-                        <m:t>𝑺𝑨𝑮𝑾𝑰𝑵𝑫𝑰𝑭</m:t>
-                      </m:r>
-                      <m:sSub>
-                        <m:sSubPr>
-                          <m:ctrlPr>
-                            <a:rPr lang="en-US" sz="2400" b="1" i="1" smtClean="0">
-                              <a:solidFill>
-                                <a:schemeClr val="bg1"/>
-                              </a:solidFill>
-                              <a:latin typeface="Cambria Math" panose="02040503050406030204" pitchFamily="18" charset="0"/>
-                            </a:rPr>
-                          </m:ctrlPr>
-                        </m:sSubPr>
-                        <m:e>
-                          <m:r>
-                            <a:rPr lang="en-US" sz="2400" b="1" i="1" smtClean="0">
-                              <a:solidFill>
-                                <a:schemeClr val="bg1"/>
-                              </a:solidFill>
-                              <a:latin typeface="Cambria Math" panose="02040503050406030204" pitchFamily="18" charset="0"/>
-                            </a:rPr>
-                            <m:t>𝑭</m:t>
-                          </m:r>
-                        </m:e>
-                        <m:sub>
-                          <m:r>
-                            <a:rPr lang="en-US" sz="2400" b="1" i="1" smtClean="0">
-                              <a:solidFill>
-                                <a:schemeClr val="bg1"/>
-                              </a:solidFill>
-                              <a:latin typeface="Cambria Math" panose="02040503050406030204" pitchFamily="18" charset="0"/>
-                            </a:rPr>
-                            <m:t>𝒕</m:t>
-                          </m:r>
-                        </m:sub>
-                      </m:sSub>
-                      <m:r>
-                        <a:rPr lang="en-US" sz="2400" b="1" i="1">
-                          <a:solidFill>
-                            <a:schemeClr val="bg1"/>
-                          </a:solidFill>
-                          <a:latin typeface="Cambria Math" panose="02040503050406030204" pitchFamily="18" charset="0"/>
-                        </a:rPr>
-                        <m:t>=</m:t>
-                      </m:r>
-                      <m:r>
-                        <a:rPr lang="en-US" sz="2400" b="1" i="1">
-                          <a:solidFill>
-                            <a:schemeClr val="bg1"/>
-                          </a:solidFill>
-                          <a:latin typeface="Cambria Math" panose="02040503050406030204" pitchFamily="18" charset="0"/>
-                        </a:rPr>
-                        <m:t>𝟏𝟎</m:t>
-                      </m:r>
-                      <m:d>
-                        <m:dPr>
-                          <m:ctrlPr>
-                            <a:rPr lang="en-US" sz="2400" b="1" i="1">
-                              <a:solidFill>
-                                <a:schemeClr val="bg1"/>
-                              </a:solidFill>
-                              <a:latin typeface="Cambria Math" panose="02040503050406030204" pitchFamily="18" charset="0"/>
-                            </a:rPr>
-                          </m:ctrlPr>
-                        </m:dPr>
-                        <m:e>
-                          <m:r>
-                            <a:rPr lang="en-US" sz="2400" b="1" i="1" smtClean="0">
-                              <a:solidFill>
-                                <a:schemeClr val="bg1"/>
-                              </a:solidFill>
-                              <a:latin typeface="Cambria Math" panose="02040503050406030204" pitchFamily="18" charset="0"/>
-                            </a:rPr>
-                            <m:t>𝟓𝟐</m:t>
-                          </m:r>
-                          <m:r>
-                            <a:rPr lang="en-US" sz="2400" b="1" i="1" smtClean="0">
-                              <a:solidFill>
-                                <a:schemeClr val="bg1"/>
-                              </a:solidFill>
-                              <a:latin typeface="Cambria Math" panose="02040503050406030204" pitchFamily="18" charset="0"/>
-                            </a:rPr>
-                            <m:t>.</m:t>
-                          </m:r>
-                          <m:r>
-                            <a:rPr lang="en-US" sz="2400" b="1" i="1" smtClean="0">
-                              <a:solidFill>
-                                <a:schemeClr val="bg1"/>
-                              </a:solidFill>
-                              <a:latin typeface="Cambria Math" panose="02040503050406030204" pitchFamily="18" charset="0"/>
-                            </a:rPr>
-                            <m:t>𝟑</m:t>
-                          </m:r>
-                          <m:r>
-                            <a:rPr lang="en-US" sz="2400" b="1" i="1">
-                              <a:solidFill>
-                                <a:schemeClr val="bg1"/>
-                              </a:solidFill>
-                              <a:latin typeface="Cambria Math" panose="02040503050406030204" pitchFamily="18" charset="0"/>
-                            </a:rPr>
-                            <m:t>−</m:t>
-                          </m:r>
-                          <m:r>
-                            <a:rPr lang="en-US" sz="2400" b="1" i="1" smtClean="0">
-                              <a:solidFill>
-                                <a:schemeClr val="bg1"/>
-                              </a:solidFill>
-                              <a:latin typeface="Cambria Math" panose="02040503050406030204" pitchFamily="18" charset="0"/>
-                            </a:rPr>
-                            <m:t>𝟒𝟕</m:t>
-                          </m:r>
-                          <m:r>
-                            <a:rPr lang="en-US" sz="2400" b="1" i="1" smtClean="0">
-                              <a:solidFill>
-                                <a:schemeClr val="bg1"/>
-                              </a:solidFill>
-                              <a:latin typeface="Cambria Math" panose="02040503050406030204" pitchFamily="18" charset="0"/>
-                            </a:rPr>
-                            <m:t>.</m:t>
-                          </m:r>
-                          <m:r>
-                            <a:rPr lang="en-US" sz="2400" b="1" i="1" smtClean="0">
-                              <a:solidFill>
-                                <a:schemeClr val="bg1"/>
-                              </a:solidFill>
-                              <a:latin typeface="Cambria Math" panose="02040503050406030204" pitchFamily="18" charset="0"/>
-                            </a:rPr>
-                            <m:t>𝟕</m:t>
-                          </m:r>
-                        </m:e>
-                      </m:d>
-                      <m:r>
-                        <a:rPr lang="en-US" sz="2400" b="1" i="1" smtClean="0">
-                          <a:solidFill>
-                            <a:schemeClr val="bg1"/>
-                          </a:solidFill>
-                          <a:latin typeface="Cambria Math" panose="02040503050406030204" pitchFamily="18" charset="0"/>
-                        </a:rPr>
-                        <m:t>=</m:t>
-                      </m:r>
-                      <m:r>
-                        <a:rPr lang="en-US" sz="2400" b="1" i="1" smtClean="0">
-                          <a:solidFill>
-                            <a:schemeClr val="bg1"/>
-                          </a:solidFill>
-                          <a:latin typeface="Cambria Math" panose="02040503050406030204" pitchFamily="18" charset="0"/>
-                        </a:rPr>
-                        <m:t>𝟒𝟔</m:t>
-                      </m:r>
-                    </m:oMath>
-                  </m:oMathPara>
-                </a14:m>
-                <a:endParaRPr lang="en-US" sz="2400" b="1" dirty="0">
-                  <a:solidFill>
-                    <a:schemeClr val="bg1"/>
-                  </a:solidFill>
-                </a:endParaRPr>
-              </a:p>
-            </p:txBody>
-          </p:sp>
-        </mc:Choice>
-        <mc:Fallback xmlns="">
-          <p:sp>
-            <p:nvSpPr>
-              <p:cNvPr id="14" name="TextBox 13">
-                <a:extLst>
-                  <a:ext uri="{FF2B5EF4-FFF2-40B4-BE49-F238E27FC236}">
-                    <a16:creationId xmlns:a16="http://schemas.microsoft.com/office/drawing/2014/main" id="{A835DE65-BDF0-44C5-B619-CE145F89D093}"/>
-                  </a:ext>
-                </a:extLst>
-              </p:cNvPr>
-              <p:cNvSpPr txBox="1">
-                <a:spLocks noRot="1" noChangeAspect="1" noMove="1" noResize="1" noEditPoints="1" noAdjustHandles="1" noChangeArrowheads="1" noChangeShapeType="1" noTextEdit="1"/>
-              </p:cNvSpPr>
-              <p:nvPr/>
-            </p:nvSpPr>
-            <p:spPr>
-              <a:xfrm>
-                <a:off x="3171520" y="5076504"/>
-                <a:ext cx="7214761" cy="461665"/>
-              </a:xfrm>
-              <a:prstGeom prst="rect">
-                <a:avLst/>
-              </a:prstGeom>
-              <a:blipFill>
-                <a:blip r:embed="rId5"/>
-                <a:stretch>
-                  <a:fillRect b="-1333"/>
-                </a:stretch>
-              </a:blipFill>
-            </p:spPr>
-            <p:txBody>
-              <a:bodyPr/>
-              <a:lstStyle/>
-              <a:p>
-                <a:r>
-                  <a:rPr lang="en-US">
-                    <a:noFill/>
-                  </a:rPr>
-                  <a:t> </a:t>
-                </a:r>
-              </a:p>
-            </p:txBody>
-          </p:sp>
-        </mc:Fallback>
-      </mc:AlternateContent>
-      <mc:AlternateContent xmlns:mc="http://schemas.openxmlformats.org/markup-compatibility/2006" xmlns:a14="http://schemas.microsoft.com/office/drawing/2010/main">
-        <mc:Choice Requires="a14">
-          <p:sp>
-            <p:nvSpPr>
-              <p:cNvPr id="15" name="TextBox 14">
-                <a:extLst>
-                  <a:ext uri="{FF2B5EF4-FFF2-40B4-BE49-F238E27FC236}">
-                    <a16:creationId xmlns:a16="http://schemas.microsoft.com/office/drawing/2014/main" id="{F1C0429F-69AA-45E6-BC35-1CE8EFB895C9}"/>
-                  </a:ext>
-                </a:extLst>
-              </p:cNvPr>
-              <p:cNvSpPr txBox="1"/>
-              <p:nvPr/>
-            </p:nvSpPr>
-            <p:spPr>
-              <a:xfrm>
-                <a:off x="3529315" y="6298576"/>
-                <a:ext cx="7214761" cy="461665"/>
-              </a:xfrm>
-              <a:prstGeom prst="rect">
-                <a:avLst/>
-              </a:prstGeom>
-              <a:noFill/>
-            </p:spPr>
-            <p:txBody>
-              <a:bodyPr wrap="square" rtlCol="0">
-                <a:spAutoFit/>
-              </a:bodyPr>
-              <a:lstStyle/>
-              <a:p>
-                <a:pPr/>
-                <a14:m>
-                  <m:oMathPara xmlns:m="http://schemas.openxmlformats.org/officeDocument/2006/math">
-                    <m:oMathParaPr>
-                      <m:jc m:val="centerGroup"/>
-                    </m:oMathParaPr>
-                    <m:oMath xmlns:m="http://schemas.openxmlformats.org/officeDocument/2006/math">
-                      <m:r>
-                        <a:rPr lang="en-US" sz="2400" b="1" i="1" smtClean="0">
-                          <a:solidFill>
-                            <a:schemeClr val="bg1"/>
-                          </a:solidFill>
-                          <a:latin typeface="Cambria Math" panose="02040503050406030204" pitchFamily="18" charset="0"/>
-                        </a:rPr>
-                        <m:t>𝑺𝑨𝑮𝑾𝑰𝑵𝑫𝑰𝑭</m:t>
-                      </m:r>
-                      <m:sSub>
-                        <m:sSubPr>
-                          <m:ctrlPr>
-                            <a:rPr lang="en-US" sz="2400" b="1" i="1" smtClean="0">
-                              <a:solidFill>
-                                <a:schemeClr val="bg1"/>
-                              </a:solidFill>
-                              <a:latin typeface="Cambria Math" panose="02040503050406030204" pitchFamily="18" charset="0"/>
-                            </a:rPr>
-                          </m:ctrlPr>
-                        </m:sSubPr>
-                        <m:e>
-                          <m:r>
-                            <a:rPr lang="en-US" sz="2400" b="1" i="1" smtClean="0">
-                              <a:solidFill>
-                                <a:schemeClr val="bg1"/>
-                              </a:solidFill>
-                              <a:latin typeface="Cambria Math" panose="02040503050406030204" pitchFamily="18" charset="0"/>
-                            </a:rPr>
-                            <m:t>𝑭</m:t>
-                          </m:r>
-                        </m:e>
-                        <m:sub>
-                          <m:r>
-                            <a:rPr lang="en-US" sz="2400" b="1" i="1" smtClean="0">
-                              <a:solidFill>
-                                <a:schemeClr val="bg1"/>
-                              </a:solidFill>
-                              <a:latin typeface="Cambria Math" panose="02040503050406030204" pitchFamily="18" charset="0"/>
-                            </a:rPr>
-                            <m:t>𝒕</m:t>
-                          </m:r>
-                          <m:r>
-                            <a:rPr lang="en-US" sz="2400" b="1" i="1" smtClean="0">
-                              <a:solidFill>
-                                <a:schemeClr val="bg1"/>
-                              </a:solidFill>
-                              <a:latin typeface="Cambria Math" panose="02040503050406030204" pitchFamily="18" charset="0"/>
-                            </a:rPr>
-                            <m:t>+</m:t>
-                          </m:r>
-                          <m:r>
-                            <a:rPr lang="en-US" sz="2400" b="1" i="1" smtClean="0">
-                              <a:solidFill>
-                                <a:schemeClr val="bg1"/>
-                              </a:solidFill>
-                              <a:latin typeface="Cambria Math" panose="02040503050406030204" pitchFamily="18" charset="0"/>
-                            </a:rPr>
-                            <m:t>𝟏</m:t>
-                          </m:r>
-                        </m:sub>
-                      </m:sSub>
-                      <m:r>
-                        <a:rPr lang="en-US" sz="2400" b="1" i="1">
-                          <a:solidFill>
-                            <a:schemeClr val="bg1"/>
-                          </a:solidFill>
-                          <a:latin typeface="Cambria Math" panose="02040503050406030204" pitchFamily="18" charset="0"/>
-                        </a:rPr>
-                        <m:t>=</m:t>
-                      </m:r>
-                      <m:r>
-                        <a:rPr lang="en-US" sz="2400" b="1" i="1">
-                          <a:solidFill>
-                            <a:schemeClr val="bg1"/>
-                          </a:solidFill>
-                          <a:latin typeface="Cambria Math" panose="02040503050406030204" pitchFamily="18" charset="0"/>
-                        </a:rPr>
-                        <m:t>𝟏𝟎</m:t>
-                      </m:r>
-                      <m:d>
-                        <m:dPr>
-                          <m:ctrlPr>
-                            <a:rPr lang="en-US" sz="2400" b="1" i="1">
-                              <a:solidFill>
-                                <a:schemeClr val="bg1"/>
-                              </a:solidFill>
-                              <a:latin typeface="Cambria Math" panose="02040503050406030204" pitchFamily="18" charset="0"/>
-                            </a:rPr>
-                          </m:ctrlPr>
-                        </m:dPr>
-                        <m:e>
-                          <m:r>
-                            <a:rPr lang="en-US" sz="2400" b="1" i="1" smtClean="0">
-                              <a:solidFill>
-                                <a:schemeClr val="bg1"/>
-                              </a:solidFill>
-                              <a:latin typeface="Cambria Math" panose="02040503050406030204" pitchFamily="18" charset="0"/>
-                            </a:rPr>
-                            <m:t>𝟏𝟕</m:t>
-                          </m:r>
-                          <m:r>
-                            <a:rPr lang="en-US" sz="2400" b="1" i="1" smtClean="0">
-                              <a:solidFill>
-                                <a:schemeClr val="bg1"/>
-                              </a:solidFill>
-                              <a:latin typeface="Cambria Math" panose="02040503050406030204" pitchFamily="18" charset="0"/>
-                            </a:rPr>
-                            <m:t>.</m:t>
-                          </m:r>
-                          <m:r>
-                            <a:rPr lang="en-US" sz="2400" b="1" i="1" smtClean="0">
-                              <a:solidFill>
-                                <a:schemeClr val="bg1"/>
-                              </a:solidFill>
-                              <a:latin typeface="Cambria Math" panose="02040503050406030204" pitchFamily="18" charset="0"/>
-                            </a:rPr>
-                            <m:t>𝟐</m:t>
-                          </m:r>
-                          <m:r>
-                            <a:rPr lang="en-US" sz="2400" b="1" i="1" smtClean="0">
-                              <a:solidFill>
-                                <a:schemeClr val="bg1"/>
-                              </a:solidFill>
-                              <a:latin typeface="Cambria Math" panose="02040503050406030204" pitchFamily="18" charset="0"/>
-                            </a:rPr>
-                            <m:t> −</m:t>
-                          </m:r>
-                          <m:r>
-                            <a:rPr lang="en-US" sz="2400" b="1" i="1" smtClean="0">
-                              <a:solidFill>
-                                <a:schemeClr val="bg1"/>
-                              </a:solidFill>
-                              <a:latin typeface="Cambria Math" panose="02040503050406030204" pitchFamily="18" charset="0"/>
-                            </a:rPr>
-                            <m:t>𝟖𝟐</m:t>
-                          </m:r>
-                          <m:r>
-                            <a:rPr lang="en-US" sz="2400" b="1" i="1" smtClean="0">
-                              <a:solidFill>
-                                <a:schemeClr val="bg1"/>
-                              </a:solidFill>
-                              <a:latin typeface="Cambria Math" panose="02040503050406030204" pitchFamily="18" charset="0"/>
-                            </a:rPr>
-                            <m:t>.</m:t>
-                          </m:r>
-                          <m:r>
-                            <a:rPr lang="en-US" sz="2400" b="1" i="1" smtClean="0">
-                              <a:solidFill>
-                                <a:schemeClr val="bg1"/>
-                              </a:solidFill>
-                              <a:latin typeface="Cambria Math" panose="02040503050406030204" pitchFamily="18" charset="0"/>
-                            </a:rPr>
-                            <m:t>𝟖</m:t>
-                          </m:r>
-                        </m:e>
-                      </m:d>
-                      <m:r>
-                        <a:rPr lang="en-US" sz="2400" b="1" i="1" smtClean="0">
-                          <a:solidFill>
-                            <a:schemeClr val="bg1"/>
-                          </a:solidFill>
-                          <a:latin typeface="Cambria Math" panose="02040503050406030204" pitchFamily="18" charset="0"/>
-                        </a:rPr>
-                        <m:t>=−</m:t>
-                      </m:r>
-                      <m:r>
-                        <a:rPr lang="en-US" sz="2400" b="1" i="1" smtClean="0">
-                          <a:solidFill>
-                            <a:schemeClr val="bg1"/>
-                          </a:solidFill>
-                          <a:latin typeface="Cambria Math" panose="02040503050406030204" pitchFamily="18" charset="0"/>
-                        </a:rPr>
-                        <m:t>𝟔𝟓𝟔</m:t>
-                      </m:r>
-                    </m:oMath>
-                  </m:oMathPara>
-                </a14:m>
-                <a:endParaRPr lang="en-US" sz="2400" b="1" dirty="0">
-                  <a:solidFill>
-                    <a:schemeClr val="bg1"/>
-                  </a:solidFill>
-                </a:endParaRPr>
-              </a:p>
-            </p:txBody>
-          </p:sp>
-        </mc:Choice>
-        <mc:Fallback xmlns="">
-          <p:sp>
-            <p:nvSpPr>
-              <p:cNvPr id="15" name="TextBox 14">
-                <a:extLst>
-                  <a:ext uri="{FF2B5EF4-FFF2-40B4-BE49-F238E27FC236}">
-                    <a16:creationId xmlns:a16="http://schemas.microsoft.com/office/drawing/2014/main" id="{F1C0429F-69AA-45E6-BC35-1CE8EFB895C9}"/>
-                  </a:ext>
-                </a:extLst>
-              </p:cNvPr>
-              <p:cNvSpPr txBox="1">
-                <a:spLocks noRot="1" noChangeAspect="1" noMove="1" noResize="1" noEditPoints="1" noAdjustHandles="1" noChangeArrowheads="1" noChangeShapeType="1" noTextEdit="1"/>
-              </p:cNvSpPr>
-              <p:nvPr/>
-            </p:nvSpPr>
-            <p:spPr>
-              <a:xfrm>
-                <a:off x="3529315" y="6298576"/>
-                <a:ext cx="7214761" cy="461665"/>
-              </a:xfrm>
-              <a:prstGeom prst="rect">
-                <a:avLst/>
-              </a:prstGeom>
-              <a:blipFill>
-                <a:blip r:embed="rId6"/>
-                <a:stretch>
-                  <a:fillRect b="-2632"/>
-                </a:stretch>
-              </a:blipFill>
-            </p:spPr>
-            <p:txBody>
-              <a:bodyPr/>
-              <a:lstStyle/>
-              <a:p>
-                <a:r>
-                  <a:rPr lang="en-US">
-                    <a:noFill/>
-                  </a:rPr>
-                  <a:t> </a:t>
-                </a:r>
-              </a:p>
-            </p:txBody>
-          </p:sp>
-        </mc:Fallback>
-      </mc:AlternateContent>
+              <a:t>WPA Changes for Every Plate Appearance</a:t>
+            </a:r>
+          </a:p>
+        </p:txBody>
+      </p:sp>
+      <p:pic>
+        <p:nvPicPr>
+          <p:cNvPr id="3" name="Picture 2">
+            <a:extLst>
+              <a:ext uri="{FF2B5EF4-FFF2-40B4-BE49-F238E27FC236}">
+                <a16:creationId xmlns:a16="http://schemas.microsoft.com/office/drawing/2014/main" id="{C08903AB-2B25-853E-EC28-A2AF6E209905}"/>
+              </a:ext>
+            </a:extLst>
+          </p:cNvPr>
+          <p:cNvPicPr>
+            <a:picLocks noChangeAspect="1"/>
+          </p:cNvPicPr>
+          <p:nvPr/>
+        </p:nvPicPr>
+        <p:blipFill>
+          <a:blip r:embed="rId4"/>
+          <a:stretch>
+            <a:fillRect/>
+          </a:stretch>
+        </p:blipFill>
+        <p:spPr>
+          <a:xfrm>
+            <a:off x="9066212" y="1687571"/>
+            <a:ext cx="2847975" cy="2781300"/>
+          </a:xfrm>
+          <a:prstGeom prst="rect">
+            <a:avLst/>
+          </a:prstGeom>
+          <a:ln w="25400">
+            <a:solidFill>
+              <a:schemeClr val="dk1"/>
+            </a:solidFill>
+          </a:ln>
+        </p:spPr>
+      </p:pic>
     </p:spTree>
     <p:extLst>
       <p:ext uri="{BB962C8B-B14F-4D97-AF65-F5344CB8AC3E}">
-        <p14:creationId xmlns:p14="http://schemas.microsoft.com/office/powerpoint/2010/main" val="3178363569"/>
+        <p14:creationId xmlns:p14="http://schemas.microsoft.com/office/powerpoint/2010/main" val="4291400374"/>
       </p:ext>
     </p:extLst>
   </p:cSld>
@@ -13554,7 +8710,7 @@
                 </a:solidFill>
                 <a:latin typeface="Selawik Semibold" panose="020B0702040204020203" pitchFamily="34" charset="0"/>
               </a:rPr>
-              <a:t>Player Win Averages</a:t>
+              <a:t>Win Probability Added</a:t>
             </a:r>
           </a:p>
         </p:txBody>
@@ -13690,7 +8846,7 @@
         <p:spPr>
           <a:xfrm>
             <a:off x="3080081" y="1520792"/>
-            <a:ext cx="8954694" cy="5201424"/>
+            <a:ext cx="9027282" cy="461665"/>
           </a:xfrm>
           <a:prstGeom prst="rect">
             <a:avLst/>
@@ -13714,38 +8870,8 @@
                 </a:solidFill>
                 <a:latin typeface="Selawik Semibold" panose="020B0702040204020203" pitchFamily="34" charset="0"/>
               </a:rPr>
-              <a:t>Scenario</a:t>
-            </a:r>
-          </a:p>
-          <a:p>
-            <a:pPr marL="800100" lvl="1" indent="-342900">
-              <a:buFont typeface="Arial" panose="020B0604020202020204" pitchFamily="34" charset="0"/>
-              <a:buChar char="•"/>
-            </a:pPr>
-            <a:r>
-              <a:rPr lang="en-US" sz="2000" dirty="0">
-                <a:solidFill>
-                  <a:schemeClr val="bg1"/>
-                </a:solidFill>
-                <a:latin typeface="Selawik Semibold" panose="020B0702040204020203" pitchFamily="34" charset="0"/>
-              </a:rPr>
-              <a:t>Observe the Change in WINDIFF</a:t>
-            </a:r>
-          </a:p>
-          <a:p>
-            <a:pPr lvl="1"/>
-            <a:endParaRPr lang="en-US" sz="2400" dirty="0">
-              <a:solidFill>
-                <a:schemeClr val="bg1"/>
-              </a:solidFill>
-              <a:latin typeface="Selawik Semibold" panose="020B0702040204020203" pitchFamily="34" charset="0"/>
-            </a:endParaRPr>
-          </a:p>
-          <a:p>
-            <a:pPr marL="800100" lvl="1" indent="-342900">
-              <a:buFont typeface="Arial" panose="020B0604020202020204" pitchFamily="34" charset="0"/>
-              <a:buChar char="•"/>
-            </a:pPr>
+              <a:t>FanGraphs Calculation of WPA in 2019</a:t>
+            </a:r>
             <a:endParaRPr lang="en-US" sz="2000" dirty="0">
               <a:solidFill>
                 <a:schemeClr val="bg1"/>
@@ -13753,11 +8879,82 @@
               <a:latin typeface="Selawik Semibold" panose="020B0702040204020203" pitchFamily="34" charset="0"/>
             </a:endParaRPr>
           </a:p>
-          <a:p>
-            <a:pPr marL="800100" lvl="1" indent="-342900">
-              <a:buFont typeface="Arial" panose="020B0604020202020204" pitchFamily="34" charset="0"/>
-              <a:buChar char="•"/>
-            </a:pPr>
+        </p:txBody>
+      </p:sp>
+      <p:pic>
+        <p:nvPicPr>
+          <p:cNvPr id="3" name="Picture 2">
+            <a:extLst>
+              <a:ext uri="{FF2B5EF4-FFF2-40B4-BE49-F238E27FC236}">
+                <a16:creationId xmlns:a16="http://schemas.microsoft.com/office/drawing/2014/main" id="{4CCE90DB-4B4C-2D62-401B-48EA02358044}"/>
+              </a:ext>
+            </a:extLst>
+          </p:cNvPr>
+          <p:cNvPicPr>
+            <a:picLocks noChangeAspect="1"/>
+          </p:cNvPicPr>
+          <p:nvPr/>
+        </p:nvPicPr>
+        <p:blipFill>
+          <a:blip r:embed="rId4"/>
+          <a:stretch>
+            <a:fillRect/>
+          </a:stretch>
+        </p:blipFill>
+        <p:spPr>
+          <a:xfrm>
+            <a:off x="3488531" y="2012263"/>
+            <a:ext cx="3676606" cy="2941285"/>
+          </a:xfrm>
+          <a:prstGeom prst="rect">
+            <a:avLst/>
+          </a:prstGeom>
+        </p:spPr>
+      </p:pic>
+      <p:sp>
+        <p:nvSpPr>
+          <p:cNvPr id="5" name="TextBox 4">
+            <a:extLst>
+              <a:ext uri="{FF2B5EF4-FFF2-40B4-BE49-F238E27FC236}">
+                <a16:creationId xmlns:a16="http://schemas.microsoft.com/office/drawing/2014/main" id="{74AF314E-BEB5-2347-F594-A94233F8259E}"/>
+              </a:ext>
+            </a:extLst>
+          </p:cNvPr>
+          <p:cNvSpPr txBox="1"/>
+          <p:nvPr/>
+        </p:nvSpPr>
+        <p:spPr>
+          <a:xfrm>
+            <a:off x="4941889" y="5337208"/>
+            <a:ext cx="4550768" cy="400110"/>
+          </a:xfrm>
+          <a:prstGeom prst="rect">
+            <a:avLst/>
+          </a:prstGeom>
+          <a:noFill/>
+          <a:ln w="25400"/>
+        </p:spPr>
+        <p:style>
+          <a:lnRef idx="2">
+            <a:schemeClr val="dk1"/>
+          </a:lnRef>
+          <a:fillRef idx="1">
+            <a:schemeClr val="lt1"/>
+          </a:fillRef>
+          <a:effectRef idx="0">
+            <a:schemeClr val="dk1"/>
+          </a:effectRef>
+          <a:fontRef idx="minor">
+            <a:schemeClr val="dk1"/>
+          </a:fontRef>
+        </p:style>
+        <p:txBody>
+          <a:bodyPr wrap="square" rtlCol="0">
+            <a:spAutoFit/>
+          </a:bodyPr>
+          <a:lstStyle/>
+          <a:p>
+            <a:pPr algn="ctr"/>
             <a:r>
               <a:rPr lang="en-US" sz="2000" dirty="0">
                 <a:solidFill>
@@ -13765,625 +8962,45 @@
                 </a:solidFill>
                 <a:latin typeface="Selawik Semibold" panose="020B0702040204020203" pitchFamily="34" charset="0"/>
               </a:rPr>
-              <a:t>Clearly, Swing Was in Mariano Rivera’s Favor</a:t>
-            </a:r>
-          </a:p>
-          <a:p>
-            <a:pPr marL="1257300" lvl="2" indent="-342900">
-              <a:buFont typeface="Arial" panose="020B0604020202020204" pitchFamily="34" charset="0"/>
-              <a:buChar char="•"/>
-            </a:pPr>
-            <a:r>
-              <a:rPr lang="en-US" dirty="0">
-                <a:solidFill>
-                  <a:schemeClr val="bg1"/>
-                </a:solidFill>
-                <a:latin typeface="Selawik Semibold" panose="020B0702040204020203" pitchFamily="34" charset="0"/>
-              </a:rPr>
-              <a:t>Batter Loses 702 Points</a:t>
-            </a:r>
-          </a:p>
-          <a:p>
-            <a:pPr marL="1257300" lvl="2" indent="-342900">
-              <a:buFont typeface="Arial" panose="020B0604020202020204" pitchFamily="34" charset="0"/>
-              <a:buChar char="•"/>
-            </a:pPr>
-            <a:r>
-              <a:rPr lang="en-US" dirty="0">
-                <a:solidFill>
-                  <a:schemeClr val="bg1"/>
-                </a:solidFill>
-                <a:latin typeface="Selawik Semibold" panose="020B0702040204020203" pitchFamily="34" charset="0"/>
-              </a:rPr>
-              <a:t>Mariano Gains 702 Points</a:t>
-            </a:r>
-          </a:p>
-          <a:p>
-            <a:pPr marL="800100" lvl="1" indent="-342900">
-              <a:buFont typeface="Arial" panose="020B0604020202020204" pitchFamily="34" charset="0"/>
-              <a:buChar char="•"/>
-            </a:pPr>
-            <a:r>
-              <a:rPr lang="en-US" sz="2000" dirty="0">
-                <a:solidFill>
-                  <a:schemeClr val="bg1"/>
-                </a:solidFill>
-                <a:latin typeface="Selawik Semibold" panose="020B0702040204020203" pitchFamily="34" charset="0"/>
-              </a:rPr>
-              <a:t>How Does This Methodology Improve ERA?</a:t>
-            </a:r>
-          </a:p>
-          <a:p>
-            <a:pPr marL="342900" indent="-342900">
-              <a:buFont typeface="Arial" panose="020B0604020202020204" pitchFamily="34" charset="0"/>
-              <a:buChar char="•"/>
-            </a:pPr>
-            <a:endParaRPr lang="en-US" sz="2400" dirty="0">
-              <a:solidFill>
-                <a:schemeClr val="bg1"/>
-              </a:solidFill>
-              <a:latin typeface="Selawik Semibold" panose="020B0702040204020203" pitchFamily="34" charset="0"/>
-            </a:endParaRPr>
-          </a:p>
-          <a:p>
-            <a:pPr marL="342900" indent="-342900">
-              <a:buFont typeface="Arial" panose="020B0604020202020204" pitchFamily="34" charset="0"/>
-              <a:buChar char="•"/>
-            </a:pPr>
-            <a:r>
-              <a:rPr lang="en-US" sz="2400" dirty="0">
-                <a:solidFill>
-                  <a:schemeClr val="bg1"/>
-                </a:solidFill>
-                <a:latin typeface="Selawik Semibold" panose="020B0702040204020203" pitchFamily="34" charset="0"/>
-              </a:rPr>
-              <a:t>Key Conversion: 2000 SAGWINDIFF = 1 WIN Above 500</a:t>
-            </a:r>
-          </a:p>
-          <a:p>
-            <a:pPr marL="800100" lvl="1" indent="-342900">
-              <a:buFont typeface="Arial" panose="020B0604020202020204" pitchFamily="34" charset="0"/>
-              <a:buChar char="•"/>
-            </a:pPr>
-            <a:r>
-              <a:rPr lang="en-US" sz="2000" dirty="0">
-                <a:solidFill>
-                  <a:schemeClr val="bg1"/>
-                </a:solidFill>
-                <a:latin typeface="Selawik Semibold" panose="020B0702040204020203" pitchFamily="34" charset="0"/>
-              </a:rPr>
-              <a:t>Changes in SAGWINDIFF For Team = 1000 Points</a:t>
-            </a:r>
-          </a:p>
-          <a:p>
-            <a:pPr marL="800100" lvl="1" indent="-342900">
-              <a:buFont typeface="Arial" panose="020B0604020202020204" pitchFamily="34" charset="0"/>
-              <a:buChar char="•"/>
-            </a:pPr>
-            <a:r>
-              <a:rPr lang="en-US" sz="2000" dirty="0">
-                <a:solidFill>
-                  <a:schemeClr val="bg1"/>
-                </a:solidFill>
-                <a:latin typeface="Selawik Semibold" panose="020B0702040204020203" pitchFamily="34" charset="0"/>
-              </a:rPr>
-              <a:t>Suppose Team Record is 82W and 80L</a:t>
-            </a:r>
-          </a:p>
-          <a:p>
-            <a:pPr marL="800100" lvl="1" indent="-342900">
-              <a:buFont typeface="Arial" panose="020B0604020202020204" pitchFamily="34" charset="0"/>
-              <a:buChar char="•"/>
-            </a:pPr>
-            <a:r>
-              <a:rPr lang="en-US" sz="2000" dirty="0">
-                <a:solidFill>
-                  <a:schemeClr val="bg1"/>
-                </a:solidFill>
-                <a:latin typeface="Selawik Semibold" panose="020B0702040204020203" pitchFamily="34" charset="0"/>
-              </a:rPr>
-              <a:t>Across Season</a:t>
-            </a:r>
-          </a:p>
-          <a:p>
-            <a:pPr marL="800100" lvl="1" indent="-342900">
-              <a:buFont typeface="Arial" panose="020B0604020202020204" pitchFamily="34" charset="0"/>
-              <a:buChar char="•"/>
-            </a:pPr>
-            <a:endParaRPr lang="en-US" sz="2000" dirty="0">
-              <a:solidFill>
-                <a:schemeClr val="bg1"/>
-              </a:solidFill>
-              <a:latin typeface="Selawik Semibold" panose="020B0702040204020203" pitchFamily="34" charset="0"/>
-            </a:endParaRPr>
-          </a:p>
-          <a:p>
-            <a:pPr marL="800100" lvl="1" indent="-342900">
-              <a:buFont typeface="Arial" panose="020B0604020202020204" pitchFamily="34" charset="0"/>
-              <a:buChar char="•"/>
-            </a:pPr>
-            <a:endParaRPr lang="en-US" sz="2000" dirty="0">
-              <a:solidFill>
-                <a:schemeClr val="bg1"/>
-              </a:solidFill>
-              <a:latin typeface="Selawik Semibold" panose="020B0702040204020203" pitchFamily="34" charset="0"/>
-            </a:endParaRPr>
-          </a:p>
-          <a:p>
-            <a:pPr marL="800100" lvl="1" indent="-342900">
-              <a:buFont typeface="Arial" panose="020B0604020202020204" pitchFamily="34" charset="0"/>
-              <a:buChar char="•"/>
-            </a:pPr>
-            <a:r>
-              <a:rPr lang="en-US" sz="2000" dirty="0">
-                <a:solidFill>
-                  <a:schemeClr val="bg1"/>
-                </a:solidFill>
-                <a:latin typeface="Selawik Semibold" panose="020B0702040204020203" pitchFamily="34" charset="0"/>
-              </a:rPr>
-              <a:t>Team Ends Season 1 Game Over .500</a:t>
-            </a:r>
-          </a:p>
-        </p:txBody>
-      </p:sp>
-      <mc:AlternateContent xmlns:mc="http://schemas.openxmlformats.org/markup-compatibility/2006" xmlns:a14="http://schemas.microsoft.com/office/drawing/2010/main">
-        <mc:Choice Requires="a14">
-          <p:sp>
-            <p:nvSpPr>
-              <p:cNvPr id="18" name="TextBox 17">
-                <a:extLst>
-                  <a:ext uri="{FF2B5EF4-FFF2-40B4-BE49-F238E27FC236}">
-                    <a16:creationId xmlns:a16="http://schemas.microsoft.com/office/drawing/2014/main" id="{722D4133-5B4B-49F2-86C5-735392F9CBE7}"/>
-                  </a:ext>
-                </a:extLst>
-              </p:cNvPr>
-              <p:cNvSpPr txBox="1"/>
-              <p:nvPr/>
-            </p:nvSpPr>
-            <p:spPr>
-              <a:xfrm>
-                <a:off x="3394443" y="2362149"/>
-                <a:ext cx="8253382" cy="461665"/>
-              </a:xfrm>
-              <a:prstGeom prst="rect">
-                <a:avLst/>
-              </a:prstGeom>
-              <a:noFill/>
-            </p:spPr>
-            <p:txBody>
-              <a:bodyPr wrap="square" rtlCol="0">
-                <a:spAutoFit/>
-              </a:bodyPr>
-              <a:lstStyle/>
-              <a:p>
-                <a:pPr/>
-                <a14:m>
-                  <m:oMathPara xmlns:m="http://schemas.openxmlformats.org/officeDocument/2006/math">
-                    <m:oMathParaPr>
-                      <m:jc m:val="centerGroup"/>
-                    </m:oMathParaPr>
-                    <m:oMath xmlns:m="http://schemas.openxmlformats.org/officeDocument/2006/math">
-                      <m:r>
-                        <a:rPr lang="en-US" sz="2400" b="1" i="1" smtClean="0">
-                          <a:solidFill>
-                            <a:schemeClr val="bg1"/>
-                          </a:solidFill>
-                          <a:latin typeface="Cambria Math" panose="02040503050406030204" pitchFamily="18" charset="0"/>
-                        </a:rPr>
-                        <m:t>𝑺𝑨𝑮𝑾𝑰𝑵𝑫𝑰𝑭</m:t>
-                      </m:r>
-                      <m:sSub>
-                        <m:sSubPr>
-                          <m:ctrlPr>
-                            <a:rPr lang="en-US" sz="2400" b="1" i="1" smtClean="0">
-                              <a:solidFill>
-                                <a:schemeClr val="bg1"/>
-                              </a:solidFill>
-                              <a:latin typeface="Cambria Math" panose="02040503050406030204" pitchFamily="18" charset="0"/>
-                            </a:rPr>
-                          </m:ctrlPr>
-                        </m:sSubPr>
-                        <m:e>
-                          <m:r>
-                            <a:rPr lang="en-US" sz="2400" b="1" i="1" smtClean="0">
-                              <a:solidFill>
-                                <a:schemeClr val="bg1"/>
-                              </a:solidFill>
-                              <a:latin typeface="Cambria Math" panose="02040503050406030204" pitchFamily="18" charset="0"/>
-                            </a:rPr>
-                            <m:t>𝑭</m:t>
-                          </m:r>
-                        </m:e>
-                        <m:sub>
-                          <m:r>
-                            <a:rPr lang="en-US" sz="2400" b="1" i="1" smtClean="0">
-                              <a:solidFill>
-                                <a:schemeClr val="bg1"/>
-                              </a:solidFill>
-                              <a:latin typeface="Cambria Math" panose="02040503050406030204" pitchFamily="18" charset="0"/>
-                            </a:rPr>
-                            <m:t>𝒕</m:t>
-                          </m:r>
-                          <m:r>
-                            <a:rPr lang="en-US" sz="2400" b="1" i="1" smtClean="0">
-                              <a:solidFill>
-                                <a:schemeClr val="bg1"/>
-                              </a:solidFill>
-                              <a:latin typeface="Cambria Math" panose="02040503050406030204" pitchFamily="18" charset="0"/>
-                            </a:rPr>
-                            <m:t>+</m:t>
-                          </m:r>
-                          <m:r>
-                            <a:rPr lang="en-US" sz="2400" b="1" i="1" smtClean="0">
-                              <a:solidFill>
-                                <a:schemeClr val="bg1"/>
-                              </a:solidFill>
-                              <a:latin typeface="Cambria Math" panose="02040503050406030204" pitchFamily="18" charset="0"/>
-                            </a:rPr>
-                            <m:t>𝟏</m:t>
-                          </m:r>
-                        </m:sub>
-                      </m:sSub>
-                      <m:r>
-                        <a:rPr lang="en-US" sz="2400" b="1" i="1" smtClean="0">
-                          <a:solidFill>
-                            <a:schemeClr val="bg1"/>
-                          </a:solidFill>
-                          <a:latin typeface="Cambria Math" panose="02040503050406030204" pitchFamily="18" charset="0"/>
-                        </a:rPr>
-                        <m:t>−</m:t>
-                      </m:r>
-                      <m:r>
-                        <a:rPr lang="en-US" sz="2400" b="1" i="1" smtClean="0">
-                          <a:solidFill>
-                            <a:schemeClr val="bg1"/>
-                          </a:solidFill>
-                          <a:latin typeface="Cambria Math" panose="02040503050406030204" pitchFamily="18" charset="0"/>
-                        </a:rPr>
-                        <m:t>𝑺𝑨𝑮𝑾𝑰𝑵𝑫𝑰𝑭</m:t>
-                      </m:r>
-                      <m:sSub>
-                        <m:sSubPr>
-                          <m:ctrlPr>
-                            <a:rPr lang="en-US" sz="2400" b="1" i="1" smtClean="0">
-                              <a:solidFill>
-                                <a:schemeClr val="bg1"/>
-                              </a:solidFill>
-                              <a:latin typeface="Cambria Math" panose="02040503050406030204" pitchFamily="18" charset="0"/>
-                            </a:rPr>
-                          </m:ctrlPr>
-                        </m:sSubPr>
-                        <m:e>
-                          <m:r>
-                            <a:rPr lang="en-US" sz="2400" b="1" i="1" smtClean="0">
-                              <a:solidFill>
-                                <a:schemeClr val="bg1"/>
-                              </a:solidFill>
-                              <a:latin typeface="Cambria Math" panose="02040503050406030204" pitchFamily="18" charset="0"/>
-                            </a:rPr>
-                            <m:t>𝑭</m:t>
-                          </m:r>
-                        </m:e>
-                        <m:sub>
-                          <m:r>
-                            <a:rPr lang="en-US" sz="2400" b="1" i="1" smtClean="0">
-                              <a:solidFill>
-                                <a:schemeClr val="bg1"/>
-                              </a:solidFill>
-                              <a:latin typeface="Cambria Math" panose="02040503050406030204" pitchFamily="18" charset="0"/>
-                            </a:rPr>
-                            <m:t>𝒕</m:t>
-                          </m:r>
-                        </m:sub>
-                      </m:sSub>
-                      <m:r>
-                        <a:rPr lang="en-US" sz="2400" b="1" i="1" smtClean="0">
-                          <a:solidFill>
-                            <a:schemeClr val="bg1"/>
-                          </a:solidFill>
-                          <a:latin typeface="Cambria Math" panose="02040503050406030204" pitchFamily="18" charset="0"/>
-                        </a:rPr>
-                        <m:t>=−</m:t>
-                      </m:r>
-                      <m:r>
-                        <a:rPr lang="en-US" sz="2400" b="1" i="1" smtClean="0">
-                          <a:solidFill>
-                            <a:schemeClr val="bg1"/>
-                          </a:solidFill>
-                          <a:latin typeface="Cambria Math" panose="02040503050406030204" pitchFamily="18" charset="0"/>
-                        </a:rPr>
-                        <m:t>𝟔𝟓𝟔</m:t>
-                      </m:r>
-                      <m:r>
-                        <a:rPr lang="en-US" sz="2400" b="1" i="1" smtClean="0">
-                          <a:solidFill>
-                            <a:schemeClr val="bg1"/>
-                          </a:solidFill>
-                          <a:latin typeface="Cambria Math" panose="02040503050406030204" pitchFamily="18" charset="0"/>
-                        </a:rPr>
-                        <m:t>−</m:t>
-                      </m:r>
-                      <m:r>
-                        <a:rPr lang="en-US" sz="2400" b="1" i="1" smtClean="0">
-                          <a:solidFill>
-                            <a:schemeClr val="bg1"/>
-                          </a:solidFill>
-                          <a:latin typeface="Cambria Math" panose="02040503050406030204" pitchFamily="18" charset="0"/>
-                        </a:rPr>
-                        <m:t>𝟒𝟔</m:t>
-                      </m:r>
-                      <m:r>
-                        <a:rPr lang="en-US" sz="2400" b="1" i="1" smtClean="0">
-                          <a:solidFill>
-                            <a:schemeClr val="bg1"/>
-                          </a:solidFill>
-                          <a:latin typeface="Cambria Math" panose="02040503050406030204" pitchFamily="18" charset="0"/>
-                        </a:rPr>
-                        <m:t>=−</m:t>
-                      </m:r>
-                      <m:r>
-                        <a:rPr lang="en-US" sz="2400" b="1" i="1" smtClean="0">
-                          <a:solidFill>
-                            <a:schemeClr val="bg1"/>
-                          </a:solidFill>
-                          <a:latin typeface="Cambria Math" panose="02040503050406030204" pitchFamily="18" charset="0"/>
-                        </a:rPr>
-                        <m:t>𝟕𝟎𝟐</m:t>
-                      </m:r>
-                    </m:oMath>
-                  </m:oMathPara>
-                </a14:m>
-                <a:endParaRPr lang="en-US" sz="2400" b="1" dirty="0">
-                  <a:solidFill>
-                    <a:schemeClr val="bg1"/>
-                  </a:solidFill>
-                </a:endParaRPr>
-              </a:p>
-            </p:txBody>
-          </p:sp>
-        </mc:Choice>
-        <mc:Fallback xmlns="">
-          <p:sp>
-            <p:nvSpPr>
-              <p:cNvPr id="18" name="TextBox 17">
-                <a:extLst>
-                  <a:ext uri="{FF2B5EF4-FFF2-40B4-BE49-F238E27FC236}">
-                    <a16:creationId xmlns:a16="http://schemas.microsoft.com/office/drawing/2014/main" id="{722D4133-5B4B-49F2-86C5-735392F9CBE7}"/>
-                  </a:ext>
-                </a:extLst>
-              </p:cNvPr>
-              <p:cNvSpPr txBox="1">
-                <a:spLocks noRot="1" noChangeAspect="1" noMove="1" noResize="1" noEditPoints="1" noAdjustHandles="1" noChangeArrowheads="1" noChangeShapeType="1" noTextEdit="1"/>
-              </p:cNvSpPr>
-              <p:nvPr/>
-            </p:nvSpPr>
-            <p:spPr>
-              <a:xfrm>
-                <a:off x="3394443" y="2362149"/>
-                <a:ext cx="8253382" cy="461665"/>
-              </a:xfrm>
-              <a:prstGeom prst="rect">
-                <a:avLst/>
-              </a:prstGeom>
-              <a:blipFill>
-                <a:blip r:embed="rId4"/>
-                <a:stretch>
-                  <a:fillRect b="-2632"/>
-                </a:stretch>
-              </a:blipFill>
-            </p:spPr>
-            <p:txBody>
-              <a:bodyPr/>
-              <a:lstStyle/>
-              <a:p>
-                <a:r>
-                  <a:rPr lang="en-US">
-                    <a:noFill/>
-                  </a:rPr>
-                  <a:t> </a:t>
-                </a:r>
-              </a:p>
-            </p:txBody>
-          </p:sp>
-        </mc:Fallback>
-      </mc:AlternateContent>
-      <mc:AlternateContent xmlns:mc="http://schemas.openxmlformats.org/markup-compatibility/2006" xmlns:a14="http://schemas.microsoft.com/office/drawing/2010/main">
-        <mc:Choice Requires="a14">
-          <p:sp>
-            <p:nvSpPr>
-              <p:cNvPr id="19" name="TextBox 18">
-                <a:extLst>
-                  <a:ext uri="{FF2B5EF4-FFF2-40B4-BE49-F238E27FC236}">
-                    <a16:creationId xmlns:a16="http://schemas.microsoft.com/office/drawing/2014/main" id="{F7D93DCC-B96F-46F5-B93F-32BC7FD0AF2B}"/>
-                  </a:ext>
-                </a:extLst>
-              </p:cNvPr>
-              <p:cNvSpPr txBox="1"/>
-              <p:nvPr/>
-            </p:nvSpPr>
-            <p:spPr>
-              <a:xfrm>
-                <a:off x="3007491" y="5783106"/>
-                <a:ext cx="8253382" cy="461665"/>
-              </a:xfrm>
-              <a:prstGeom prst="rect">
-                <a:avLst/>
-              </a:prstGeom>
-              <a:noFill/>
-            </p:spPr>
-            <p:txBody>
-              <a:bodyPr wrap="square" rtlCol="0">
-                <a:spAutoFit/>
-              </a:bodyPr>
-              <a:lstStyle/>
-              <a:p>
-                <a:pPr/>
-                <a14:m>
-                  <m:oMathPara xmlns:m="http://schemas.openxmlformats.org/officeDocument/2006/math">
-                    <m:oMathParaPr>
-                      <m:jc m:val="centerGroup"/>
-                    </m:oMathParaPr>
-                    <m:oMath xmlns:m="http://schemas.openxmlformats.org/officeDocument/2006/math">
-                      <m:r>
-                        <a:rPr lang="en-US" sz="2400" b="1" i="1" smtClean="0">
-                          <a:solidFill>
-                            <a:schemeClr val="bg1"/>
-                          </a:solidFill>
-                          <a:latin typeface="Cambria Math" panose="02040503050406030204" pitchFamily="18" charset="0"/>
-                        </a:rPr>
-                        <m:t>𝟖𝟐</m:t>
-                      </m:r>
-                      <m:r>
-                        <a:rPr lang="en-US" sz="2400" b="1" i="1" smtClean="0">
-                          <a:solidFill>
-                            <a:schemeClr val="bg1"/>
-                          </a:solidFill>
-                          <a:latin typeface="Cambria Math" panose="02040503050406030204" pitchFamily="18" charset="0"/>
-                        </a:rPr>
-                        <m:t>×</m:t>
-                      </m:r>
-                      <m:r>
-                        <a:rPr lang="en-US" sz="2400" b="1" i="1" smtClean="0">
-                          <a:solidFill>
-                            <a:schemeClr val="bg1"/>
-                          </a:solidFill>
-                          <a:latin typeface="Cambria Math" panose="02040503050406030204" pitchFamily="18" charset="0"/>
-                        </a:rPr>
-                        <m:t>𝟏𝟎𝟎𝟎</m:t>
-                      </m:r>
-                      <m:r>
-                        <a:rPr lang="en-US" sz="2400" b="1" i="1" smtClean="0">
-                          <a:solidFill>
-                            <a:schemeClr val="bg1"/>
-                          </a:solidFill>
-                          <a:latin typeface="Cambria Math" panose="02040503050406030204" pitchFamily="18" charset="0"/>
-                        </a:rPr>
-                        <m:t>−</m:t>
-                      </m:r>
-                      <m:r>
-                        <a:rPr lang="en-US" sz="2400" b="1" i="1" smtClean="0">
-                          <a:solidFill>
-                            <a:schemeClr val="bg1"/>
-                          </a:solidFill>
-                          <a:latin typeface="Cambria Math" panose="02040503050406030204" pitchFamily="18" charset="0"/>
-                        </a:rPr>
-                        <m:t>𝟖𝟎</m:t>
-                      </m:r>
-                      <m:r>
-                        <a:rPr lang="en-US" sz="2400" b="1" i="1" smtClean="0">
-                          <a:solidFill>
-                            <a:schemeClr val="bg1"/>
-                          </a:solidFill>
-                          <a:latin typeface="Cambria Math" panose="02040503050406030204" pitchFamily="18" charset="0"/>
-                        </a:rPr>
-                        <m:t>×</m:t>
-                      </m:r>
-                      <m:r>
-                        <a:rPr lang="en-US" sz="2400" b="1" i="1" smtClean="0">
-                          <a:solidFill>
-                            <a:schemeClr val="bg1"/>
-                          </a:solidFill>
-                          <a:latin typeface="Cambria Math" panose="02040503050406030204" pitchFamily="18" charset="0"/>
-                        </a:rPr>
-                        <m:t>𝟏𝟎𝟎𝟎</m:t>
-                      </m:r>
-                      <m:r>
-                        <a:rPr lang="en-US" sz="2400" b="1" i="1" smtClean="0">
-                          <a:solidFill>
-                            <a:schemeClr val="bg1"/>
-                          </a:solidFill>
-                          <a:latin typeface="Cambria Math" panose="02040503050406030204" pitchFamily="18" charset="0"/>
-                        </a:rPr>
-                        <m:t>=</m:t>
-                      </m:r>
-                      <m:r>
-                        <a:rPr lang="en-US" sz="2400" b="1" i="1" smtClean="0">
-                          <a:solidFill>
-                            <a:schemeClr val="bg1"/>
-                          </a:solidFill>
-                          <a:latin typeface="Cambria Math" panose="02040503050406030204" pitchFamily="18" charset="0"/>
-                        </a:rPr>
-                        <m:t>𝟐𝟎𝟎𝟎</m:t>
-                      </m:r>
-                      <m:r>
-                        <a:rPr lang="en-US" sz="2400" b="1" i="1" smtClean="0">
-                          <a:solidFill>
-                            <a:schemeClr val="bg1"/>
-                          </a:solidFill>
-                          <a:latin typeface="Cambria Math" panose="02040503050406030204" pitchFamily="18" charset="0"/>
-                        </a:rPr>
-                        <m:t> </m:t>
-                      </m:r>
-                      <m:r>
-                        <a:rPr lang="en-US" sz="2400" b="1" i="1" smtClean="0">
-                          <a:solidFill>
-                            <a:schemeClr val="bg1"/>
-                          </a:solidFill>
-                          <a:latin typeface="Cambria Math" panose="02040503050406030204" pitchFamily="18" charset="0"/>
-                        </a:rPr>
-                        <m:t>𝑷𝒐𝒊𝒏𝒕𝒔</m:t>
-                      </m:r>
-                    </m:oMath>
-                  </m:oMathPara>
-                </a14:m>
-                <a:endParaRPr lang="en-US" sz="2400" b="1" dirty="0">
-                  <a:solidFill>
-                    <a:schemeClr val="bg1"/>
-                  </a:solidFill>
-                </a:endParaRPr>
-              </a:p>
-            </p:txBody>
-          </p:sp>
-        </mc:Choice>
-        <mc:Fallback xmlns="">
-          <p:sp>
-            <p:nvSpPr>
-              <p:cNvPr id="19" name="TextBox 18">
-                <a:extLst>
-                  <a:ext uri="{FF2B5EF4-FFF2-40B4-BE49-F238E27FC236}">
-                    <a16:creationId xmlns:a16="http://schemas.microsoft.com/office/drawing/2014/main" id="{F7D93DCC-B96F-46F5-B93F-32BC7FD0AF2B}"/>
-                  </a:ext>
-                </a:extLst>
-              </p:cNvPr>
-              <p:cNvSpPr txBox="1">
-                <a:spLocks noRot="1" noChangeAspect="1" noMove="1" noResize="1" noEditPoints="1" noAdjustHandles="1" noChangeArrowheads="1" noChangeShapeType="1" noTextEdit="1"/>
-              </p:cNvSpPr>
-              <p:nvPr/>
-            </p:nvSpPr>
-            <p:spPr>
-              <a:xfrm>
-                <a:off x="3007491" y="5783106"/>
-                <a:ext cx="8253382" cy="461665"/>
-              </a:xfrm>
-              <a:prstGeom prst="rect">
-                <a:avLst/>
-              </a:prstGeom>
-              <a:blipFill>
-                <a:blip r:embed="rId5"/>
-                <a:stretch>
-                  <a:fillRect/>
-                </a:stretch>
-              </a:blipFill>
-            </p:spPr>
-            <p:txBody>
-              <a:bodyPr/>
-              <a:lstStyle/>
-              <a:p>
-                <a:r>
-                  <a:rPr lang="en-US">
-                    <a:noFill/>
-                  </a:rPr>
-                  <a:t> </a:t>
-                </a:r>
-              </a:p>
-            </p:txBody>
-          </p:sp>
-        </mc:Fallback>
-      </mc:AlternateContent>
+              <a:t>Can Be Interpreted in Games Added</a:t>
+            </a:r>
+          </a:p>
+        </p:txBody>
+      </p:sp>
+      <p:pic>
+        <p:nvPicPr>
+          <p:cNvPr id="7" name="Picture 6">
+            <a:extLst>
+              <a:ext uri="{FF2B5EF4-FFF2-40B4-BE49-F238E27FC236}">
+                <a16:creationId xmlns:a16="http://schemas.microsoft.com/office/drawing/2014/main" id="{4772F8A7-CE3D-F038-DD3B-943C06679BA6}"/>
+              </a:ext>
+            </a:extLst>
+          </p:cNvPr>
+          <p:cNvPicPr>
+            <a:picLocks noChangeAspect="1"/>
+          </p:cNvPicPr>
+          <p:nvPr/>
+        </p:nvPicPr>
+        <p:blipFill>
+          <a:blip r:embed="rId5"/>
+          <a:stretch>
+            <a:fillRect/>
+          </a:stretch>
+        </p:blipFill>
+        <p:spPr>
+          <a:xfrm>
+            <a:off x="7370328" y="2016320"/>
+            <a:ext cx="3556423" cy="2932681"/>
+          </a:xfrm>
+          <a:prstGeom prst="rect">
+            <a:avLst/>
+          </a:prstGeom>
+        </p:spPr>
+      </p:pic>
     </p:spTree>
     <p:extLst>
       <p:ext uri="{BB962C8B-B14F-4D97-AF65-F5344CB8AC3E}">
-        <p14:creationId xmlns:p14="http://schemas.microsoft.com/office/powerpoint/2010/main" val="2365765922"/>
+        <p14:creationId xmlns:p14="http://schemas.microsoft.com/office/powerpoint/2010/main" val="1206371402"/>
       </p:ext>
     </p:extLst>
   </p:cSld>
@@ -14650,7 +9267,7 @@
                 </a:solidFill>
                 <a:latin typeface="Selawik Semibold" panose="020B0702040204020203" pitchFamily="34" charset="0"/>
               </a:rPr>
-              <a:t>Player Win Averages</a:t>
+              <a:t>Win Probability Added</a:t>
             </a:r>
           </a:p>
         </p:txBody>
@@ -14786,7 +9403,7 @@
         <p:spPr>
           <a:xfrm>
             <a:off x="3080081" y="1520792"/>
-            <a:ext cx="8954694" cy="461665"/>
+            <a:ext cx="9027282" cy="4893647"/>
           </a:xfrm>
           <a:prstGeom prst="rect">
             <a:avLst/>
@@ -14810,7 +9427,154 @@
                 </a:solidFill>
                 <a:latin typeface="Selawik Semibold" panose="020B0702040204020203" pitchFamily="34" charset="0"/>
               </a:rPr>
-              <a:t>Win Average Leaders from 2004 to 2006</a:t>
+              <a:t>FanGraphs Calculation of WPA in 2019</a:t>
+            </a:r>
+          </a:p>
+          <a:p>
+            <a:pPr marL="342900" indent="-342900">
+              <a:buFont typeface="Arial" panose="020B0604020202020204" pitchFamily="34" charset="0"/>
+              <a:buChar char="•"/>
+            </a:pPr>
+            <a:endParaRPr lang="en-US" sz="2400" dirty="0">
+              <a:solidFill>
+                <a:schemeClr val="bg1"/>
+              </a:solidFill>
+              <a:latin typeface="Selawik Semibold" panose="020B0702040204020203" pitchFamily="34" charset="0"/>
+            </a:endParaRPr>
+          </a:p>
+          <a:p>
+            <a:pPr marL="342900" indent="-342900">
+              <a:buFont typeface="Arial" panose="020B0604020202020204" pitchFamily="34" charset="0"/>
+              <a:buChar char="•"/>
+            </a:pPr>
+            <a:endParaRPr lang="en-US" sz="2400" dirty="0">
+              <a:solidFill>
+                <a:schemeClr val="bg1"/>
+              </a:solidFill>
+              <a:latin typeface="Selawik Semibold" panose="020B0702040204020203" pitchFamily="34" charset="0"/>
+            </a:endParaRPr>
+          </a:p>
+          <a:p>
+            <a:pPr marL="342900" indent="-342900">
+              <a:buFont typeface="Arial" panose="020B0604020202020204" pitchFamily="34" charset="0"/>
+              <a:buChar char="•"/>
+            </a:pPr>
+            <a:endParaRPr lang="en-US" sz="2400" dirty="0">
+              <a:solidFill>
+                <a:schemeClr val="bg1"/>
+              </a:solidFill>
+              <a:latin typeface="Selawik Semibold" panose="020B0702040204020203" pitchFamily="34" charset="0"/>
+            </a:endParaRPr>
+          </a:p>
+          <a:p>
+            <a:pPr marL="342900" indent="-342900">
+              <a:buFont typeface="Arial" panose="020B0604020202020204" pitchFamily="34" charset="0"/>
+              <a:buChar char="•"/>
+            </a:pPr>
+            <a:endParaRPr lang="en-US" sz="2400" dirty="0">
+              <a:solidFill>
+                <a:schemeClr val="bg1"/>
+              </a:solidFill>
+              <a:latin typeface="Selawik Semibold" panose="020B0702040204020203" pitchFamily="34" charset="0"/>
+            </a:endParaRPr>
+          </a:p>
+          <a:p>
+            <a:pPr marL="342900" indent="-342900">
+              <a:buFont typeface="Arial" panose="020B0604020202020204" pitchFamily="34" charset="0"/>
+              <a:buChar char="•"/>
+            </a:pPr>
+            <a:endParaRPr lang="en-US" sz="2400" dirty="0">
+              <a:solidFill>
+                <a:schemeClr val="bg1"/>
+              </a:solidFill>
+              <a:latin typeface="Selawik Semibold" panose="020B0702040204020203" pitchFamily="34" charset="0"/>
+            </a:endParaRPr>
+          </a:p>
+          <a:p>
+            <a:pPr marL="342900" indent="-342900">
+              <a:buFont typeface="Arial" panose="020B0604020202020204" pitchFamily="34" charset="0"/>
+              <a:buChar char="•"/>
+            </a:pPr>
+            <a:endParaRPr lang="en-US" sz="2400" dirty="0">
+              <a:solidFill>
+                <a:schemeClr val="bg1"/>
+              </a:solidFill>
+              <a:latin typeface="Selawik Semibold" panose="020B0702040204020203" pitchFamily="34" charset="0"/>
+            </a:endParaRPr>
+          </a:p>
+          <a:p>
+            <a:pPr marL="342900" indent="-342900">
+              <a:buFont typeface="Arial" panose="020B0604020202020204" pitchFamily="34" charset="0"/>
+              <a:buChar char="•"/>
+            </a:pPr>
+            <a:endParaRPr lang="en-US" sz="2400" dirty="0">
+              <a:solidFill>
+                <a:schemeClr val="bg1"/>
+              </a:solidFill>
+              <a:latin typeface="Selawik Semibold" panose="020B0702040204020203" pitchFamily="34" charset="0"/>
+            </a:endParaRPr>
+          </a:p>
+          <a:p>
+            <a:pPr marL="342900" indent="-342900">
+              <a:buFont typeface="Arial" panose="020B0604020202020204" pitchFamily="34" charset="0"/>
+              <a:buChar char="•"/>
+            </a:pPr>
+            <a:endParaRPr lang="en-US" sz="2400" dirty="0">
+              <a:solidFill>
+                <a:schemeClr val="bg1"/>
+              </a:solidFill>
+              <a:latin typeface="Selawik Semibold" panose="020B0702040204020203" pitchFamily="34" charset="0"/>
+            </a:endParaRPr>
+          </a:p>
+          <a:p>
+            <a:pPr marL="342900" indent="-342900">
+              <a:buFont typeface="Arial" panose="020B0604020202020204" pitchFamily="34" charset="0"/>
+              <a:buChar char="•"/>
+            </a:pPr>
+            <a:endParaRPr lang="en-US" sz="2400" dirty="0">
+              <a:solidFill>
+                <a:schemeClr val="bg1"/>
+              </a:solidFill>
+              <a:latin typeface="Selawik Semibold" panose="020B0702040204020203" pitchFamily="34" charset="0"/>
+            </a:endParaRPr>
+          </a:p>
+          <a:p>
+            <a:pPr marL="342900" indent="-342900">
+              <a:buFont typeface="Arial" panose="020B0604020202020204" pitchFamily="34" charset="0"/>
+              <a:buChar char="•"/>
+            </a:pPr>
+            <a:endParaRPr lang="en-US" sz="2400" dirty="0">
+              <a:solidFill>
+                <a:schemeClr val="bg1"/>
+              </a:solidFill>
+              <a:latin typeface="Selawik Semibold" panose="020B0702040204020203" pitchFamily="34" charset="0"/>
+            </a:endParaRPr>
+          </a:p>
+          <a:p>
+            <a:pPr marL="342900" indent="-342900">
+              <a:buFont typeface="Arial" panose="020B0604020202020204" pitchFamily="34" charset="0"/>
+              <a:buChar char="•"/>
+            </a:pPr>
+            <a:endParaRPr lang="en-US" sz="2400" dirty="0">
+              <a:solidFill>
+                <a:schemeClr val="bg1"/>
+              </a:solidFill>
+              <a:latin typeface="Selawik Semibold" panose="020B0702040204020203" pitchFamily="34" charset="0"/>
+            </a:endParaRPr>
+          </a:p>
+          <a:p>
+            <a:pPr marL="342900" indent="-342900">
+              <a:buFont typeface="Arial" panose="020B0604020202020204" pitchFamily="34" charset="0"/>
+              <a:buChar char="•"/>
+            </a:pPr>
+            <a:r>
+              <a:rPr lang="en-US" sz="2400" dirty="0">
+                <a:solidFill>
+                  <a:schemeClr val="bg1"/>
+                </a:solidFill>
+                <a:latin typeface="Selawik Semibold" panose="020B0702040204020203" pitchFamily="34" charset="0"/>
+              </a:rPr>
+              <a:t>Relief Pitchers Benefit From This Metric</a:t>
             </a:r>
             <a:endParaRPr lang="en-US" sz="2000" dirty="0">
               <a:solidFill>
@@ -14823,10 +9587,10 @@
       </p:sp>
       <p:pic>
         <p:nvPicPr>
-          <p:cNvPr id="2" name="Picture 1">
-            <a:extLst>
-              <a:ext uri="{FF2B5EF4-FFF2-40B4-BE49-F238E27FC236}">
-                <a16:creationId xmlns:a16="http://schemas.microsoft.com/office/drawing/2014/main" id="{3ED9E88F-9BDA-4925-B7E9-E1BC8D841CDC}"/>
+          <p:cNvPr id="3" name="Picture 2">
+            <a:extLst>
+              <a:ext uri="{FF2B5EF4-FFF2-40B4-BE49-F238E27FC236}">
+                <a16:creationId xmlns:a16="http://schemas.microsoft.com/office/drawing/2014/main" id="{4CCE90DB-4B4C-2D62-401B-48EA02358044}"/>
               </a:ext>
             </a:extLst>
           </p:cNvPr>
@@ -14843,23 +9607,104 @@
         </p:blipFill>
         <p:spPr>
           <a:xfrm>
-            <a:off x="3147353" y="2113615"/>
-            <a:ext cx="8820150" cy="4333875"/>
+            <a:off x="3488531" y="2012263"/>
+            <a:ext cx="3676606" cy="2941285"/>
           </a:xfrm>
           <a:prstGeom prst="rect">
             <a:avLst/>
           </a:prstGeom>
-          <a:ln w="38100">
-            <a:solidFill>
-              <a:schemeClr val="tx1"/>
-            </a:solidFill>
-          </a:ln>
+        </p:spPr>
+      </p:pic>
+      <p:sp>
+        <p:nvSpPr>
+          <p:cNvPr id="5" name="TextBox 4">
+            <a:extLst>
+              <a:ext uri="{FF2B5EF4-FFF2-40B4-BE49-F238E27FC236}">
+                <a16:creationId xmlns:a16="http://schemas.microsoft.com/office/drawing/2014/main" id="{74AF314E-BEB5-2347-F594-A94233F8259E}"/>
+              </a:ext>
+            </a:extLst>
+          </p:cNvPr>
+          <p:cNvSpPr txBox="1"/>
+          <p:nvPr/>
+        </p:nvSpPr>
+        <p:spPr>
+          <a:xfrm>
+            <a:off x="5094944" y="5187576"/>
+            <a:ext cx="4550768" cy="400110"/>
+          </a:xfrm>
+          <a:prstGeom prst="rect">
+            <a:avLst/>
+          </a:prstGeom>
+          <a:noFill/>
+          <a:ln w="25400"/>
+        </p:spPr>
+        <p:style>
+          <a:lnRef idx="2">
+            <a:schemeClr val="dk1"/>
+          </a:lnRef>
+          <a:fillRef idx="1">
+            <a:schemeClr val="lt1"/>
+          </a:fillRef>
+          <a:effectRef idx="0">
+            <a:schemeClr val="dk1"/>
+          </a:effectRef>
+          <a:fontRef idx="minor">
+            <a:schemeClr val="dk1"/>
+          </a:fontRef>
+        </p:style>
+        <p:txBody>
+          <a:bodyPr wrap="square" rtlCol="0">
+            <a:spAutoFit/>
+          </a:bodyPr>
+          <a:lstStyle/>
+          <a:p>
+            <a:pPr algn="ctr"/>
+            <a:r>
+              <a:rPr lang="en-US" sz="2000" dirty="0">
+                <a:solidFill>
+                  <a:schemeClr val="bg1"/>
+                </a:solidFill>
+                <a:latin typeface="Selawik Semibold" panose="020B0702040204020203" pitchFamily="34" charset="0"/>
+              </a:rPr>
+              <a:t>Can Be Interpreted in Games Added</a:t>
+            </a:r>
+          </a:p>
+        </p:txBody>
+      </p:sp>
+      <p:pic>
+        <p:nvPicPr>
+          <p:cNvPr id="7" name="Picture 6">
+            <a:extLst>
+              <a:ext uri="{FF2B5EF4-FFF2-40B4-BE49-F238E27FC236}">
+                <a16:creationId xmlns:a16="http://schemas.microsoft.com/office/drawing/2014/main" id="{4772F8A7-CE3D-F038-DD3B-943C06679BA6}"/>
+              </a:ext>
+            </a:extLst>
+          </p:cNvPr>
+          <p:cNvPicPr>
+            <a:picLocks noChangeAspect="1"/>
+          </p:cNvPicPr>
+          <p:nvPr/>
+        </p:nvPicPr>
+        <p:blipFill>
+          <a:blip r:embed="rId5"/>
+          <a:stretch>
+            <a:fillRect/>
+          </a:stretch>
+        </p:blipFill>
+        <p:spPr>
+          <a:xfrm>
+            <a:off x="7370328" y="2016320"/>
+            <a:ext cx="3556423" cy="2932681"/>
+          </a:xfrm>
+          <a:prstGeom prst="rect">
+            <a:avLst/>
+          </a:prstGeom>
         </p:spPr>
       </p:pic>
     </p:spTree>
     <p:extLst>
       <p:ext uri="{BB962C8B-B14F-4D97-AF65-F5344CB8AC3E}">
-        <p14:creationId xmlns:p14="http://schemas.microsoft.com/office/powerpoint/2010/main" val="2662773882"/>
+        <p14:creationId xmlns:p14="http://schemas.microsoft.com/office/powerpoint/2010/main" val="227471254"/>
       </p:ext>
     </p:extLst>
   </p:cSld>
@@ -14908,7 +9753,7 @@
         </p:nvSpPr>
         <p:spPr>
           <a:xfrm>
-            <a:off x="-2" y="-52157"/>
+            <a:off x="0" y="-52157"/>
             <a:ext cx="12192000" cy="6910157"/>
           </a:xfrm>
           <a:prstGeom prst="rect">
@@ -15126,7 +9971,7 @@
                 </a:solidFill>
                 <a:latin typeface="Selawik Semibold" panose="020B0702040204020203" pitchFamily="34" charset="0"/>
               </a:rPr>
-              <a:t>Player Win Averages</a:t>
+              <a:t>Win Probability Added</a:t>
             </a:r>
           </a:p>
         </p:txBody>
@@ -15262,7 +10107,7 @@
         <p:spPr>
           <a:xfrm>
             <a:off x="3080081" y="1520792"/>
-            <a:ext cx="8954694" cy="4154984"/>
+            <a:ext cx="9027282" cy="4524315"/>
           </a:xfrm>
           <a:prstGeom prst="rect">
             <a:avLst/>
@@ -15286,7 +10131,7 @@
                 </a:solidFill>
                 <a:latin typeface="Selawik Semibold" panose="020B0702040204020203" pitchFamily="34" charset="0"/>
               </a:rPr>
-              <a:t>Applied to Fielding Ability</a:t>
+              <a:t>Fielding Ratings Into WPA</a:t>
             </a:r>
           </a:p>
           <a:p>
@@ -15295,24 +10140,66 @@
               <a:buChar char="•"/>
             </a:pPr>
             <a:r>
-              <a:rPr lang="en-US" sz="2000" dirty="0">
+              <a:rPr lang="en-US" sz="2400" dirty="0">
                 <a:solidFill>
                   <a:schemeClr val="bg1"/>
                 </a:solidFill>
                 <a:latin typeface="Selawik Semibold" panose="020B0702040204020203" pitchFamily="34" charset="0"/>
               </a:rPr>
-              <a:t>Use of Rating System by John Dewan’s </a:t>
-            </a:r>
-            <a:r>
-              <a:rPr lang="en-US" sz="2000" i="1" dirty="0">
+              <a:t>Prerequisites:</a:t>
+            </a:r>
+          </a:p>
+          <a:p>
+            <a:pPr marL="1257300" lvl="2" indent="-342900">
+              <a:buFont typeface="Arial" panose="020B0604020202020204" pitchFamily="34" charset="0"/>
+              <a:buChar char="•"/>
+            </a:pPr>
+            <a:r>
+              <a:rPr lang="en-US" sz="2400" dirty="0">
                 <a:solidFill>
                   <a:schemeClr val="bg1"/>
                 </a:solidFill>
                 <a:latin typeface="Selawik Semibold" panose="020B0702040204020203" pitchFamily="34" charset="0"/>
               </a:rPr>
-              <a:t>Fielding Bible</a:t>
-            </a:r>
-            <a:endParaRPr lang="en-US" sz="2000" dirty="0">
+              <a:t>Outs Above Average (OAA)</a:t>
+            </a:r>
+          </a:p>
+          <a:p>
+            <a:pPr marL="1257300" lvl="2" indent="-342900">
+              <a:buFont typeface="Arial" panose="020B0604020202020204" pitchFamily="34" charset="0"/>
+              <a:buChar char="•"/>
+            </a:pPr>
+            <a:r>
+              <a:rPr lang="en-US" sz="2400" dirty="0">
+                <a:solidFill>
+                  <a:schemeClr val="bg1"/>
+                </a:solidFill>
+                <a:latin typeface="Selawik Semibold" panose="020B0702040204020203" pitchFamily="34" charset="0"/>
+              </a:rPr>
+              <a:t>Runs Prevented</a:t>
+            </a:r>
+          </a:p>
+          <a:p>
+            <a:pPr marL="1257300" lvl="2" indent="-342900">
+              <a:buFont typeface="Arial" panose="020B0604020202020204" pitchFamily="34" charset="0"/>
+              <a:buChar char="•"/>
+            </a:pPr>
+            <a:r>
+              <a:rPr lang="en-US" sz="2400" dirty="0">
+                <a:solidFill>
+                  <a:schemeClr val="bg1"/>
+                </a:solidFill>
+                <a:latin typeface="Selawik Semibold" panose="020B0702040204020203" pitchFamily="34" charset="0"/>
+              </a:rPr>
+              <a:t>10 Runs = 1 Win (Pythagorean Method)</a:t>
+            </a:r>
+          </a:p>
+          <a:p>
+            <a:pPr marL="1257300" lvl="2" indent="-342900">
+              <a:buFont typeface="Arial" panose="020B0604020202020204" pitchFamily="34" charset="0"/>
+              <a:buChar char="•"/>
+            </a:pPr>
+            <a:endParaRPr lang="en-US" sz="2400" dirty="0">
               <a:solidFill>
                 <a:schemeClr val="bg1"/>
               </a:solidFill>
@@ -15325,13 +10212,13 @@
               <a:buChar char="•"/>
             </a:pPr>
             <a:r>
-              <a:rPr lang="en-US" sz="2000" dirty="0">
+              <a:rPr lang="en-US" sz="2400" dirty="0">
                 <a:solidFill>
                   <a:schemeClr val="bg1"/>
                 </a:solidFill>
                 <a:latin typeface="Selawik Semibold" panose="020B0702040204020203" pitchFamily="34" charset="0"/>
               </a:rPr>
-              <a:t>Derek Jeter’s Rating was -34 (Caused 34 Hits More Than Average)</a:t>
+              <a:t>Requirement: Convert Runs Prevented into Wins</a:t>
             </a:r>
           </a:p>
           <a:p>
@@ -15339,22 +10226,7 @@
               <a:buFont typeface="Arial" panose="020B0604020202020204" pitchFamily="34" charset="0"/>
               <a:buChar char="•"/>
             </a:pPr>
-            <a:r>
-              <a:rPr lang="en-US" sz="2000" dirty="0">
-                <a:solidFill>
-                  <a:schemeClr val="bg1"/>
-                </a:solidFill>
-                <a:latin typeface="Selawik Semibold" panose="020B0702040204020203" pitchFamily="34" charset="0"/>
-              </a:rPr>
-              <a:t>Derek Jeter Cost the Team</a:t>
-            </a:r>
-          </a:p>
-          <a:p>
-            <a:pPr marL="800100" lvl="1" indent="-342900">
-              <a:buFont typeface="Arial" panose="020B0604020202020204" pitchFamily="34" charset="0"/>
-              <a:buChar char="•"/>
-            </a:pPr>
-            <a:endParaRPr lang="en-US" sz="2000" dirty="0">
+            <a:endParaRPr lang="en-US" sz="2400" dirty="0">
               <a:solidFill>
                 <a:schemeClr val="bg1"/>
               </a:solidFill>
@@ -15366,122 +10238,71 @@
               <a:buFont typeface="Arial" panose="020B0604020202020204" pitchFamily="34" charset="0"/>
               <a:buChar char="•"/>
             </a:pPr>
-            <a:endParaRPr lang="en-US" sz="2000" dirty="0">
-              <a:solidFill>
-                <a:schemeClr val="bg1"/>
-              </a:solidFill>
-              <a:latin typeface="Selawik Semibold" panose="020B0702040204020203" pitchFamily="34" charset="0"/>
-            </a:endParaRPr>
-          </a:p>
-          <a:p>
-            <a:pPr marL="800100" lvl="1" indent="-342900">
+            <a:r>
+              <a:rPr lang="en-US" sz="2400" dirty="0">
+                <a:solidFill>
+                  <a:schemeClr val="bg1"/>
+                </a:solidFill>
+                <a:latin typeface="Selawik Semibold" panose="020B0702040204020203" pitchFamily="34" charset="0"/>
+              </a:rPr>
+              <a:t>Example: Cody Bellinger 2019</a:t>
+            </a:r>
+          </a:p>
+          <a:p>
+            <a:pPr marL="1257300" lvl="2" indent="-342900">
               <a:buFont typeface="Arial" panose="020B0604020202020204" pitchFamily="34" charset="0"/>
               <a:buChar char="•"/>
             </a:pPr>
-            <a:endParaRPr lang="en-US" sz="2000" dirty="0">
-              <a:solidFill>
-                <a:schemeClr val="bg1"/>
-              </a:solidFill>
-              <a:latin typeface="Selawik Semibold" panose="020B0702040204020203" pitchFamily="34" charset="0"/>
-            </a:endParaRPr>
-          </a:p>
-          <a:p>
-            <a:pPr marL="800100" lvl="1" indent="-342900">
+            <a:r>
+              <a:rPr lang="en-US" sz="2400" dirty="0">
+                <a:solidFill>
+                  <a:schemeClr val="bg1"/>
+                </a:solidFill>
+                <a:latin typeface="Selawik Semibold" panose="020B0702040204020203" pitchFamily="34" charset="0"/>
+              </a:rPr>
+              <a:t>WPA = 5.41</a:t>
+            </a:r>
+          </a:p>
+          <a:p>
+            <a:pPr marL="1257300" lvl="2" indent="-342900">
               <a:buFont typeface="Arial" panose="020B0604020202020204" pitchFamily="34" charset="0"/>
               <a:buChar char="•"/>
             </a:pPr>
-            <a:endParaRPr lang="en-US" sz="2000" dirty="0">
-              <a:solidFill>
-                <a:schemeClr val="bg1"/>
-              </a:solidFill>
-              <a:latin typeface="Selawik Semibold" panose="020B0702040204020203" pitchFamily="34" charset="0"/>
-            </a:endParaRPr>
-          </a:p>
-          <a:p>
-            <a:pPr marL="800100" lvl="1" indent="-342900">
+            <a:r>
+              <a:rPr lang="en-US" sz="2400" dirty="0">
+                <a:solidFill>
+                  <a:schemeClr val="bg1"/>
+                </a:solidFill>
+                <a:latin typeface="Selawik Semibold" panose="020B0702040204020203" pitchFamily="34" charset="0"/>
+              </a:rPr>
+              <a:t>Fielding Prevented 7 Runs More Than Average</a:t>
+            </a:r>
+          </a:p>
+          <a:p>
+            <a:pPr marL="1257300" lvl="2" indent="-342900">
               <a:buFont typeface="Arial" panose="020B0604020202020204" pitchFamily="34" charset="0"/>
               <a:buChar char="•"/>
             </a:pPr>
-            <a:endParaRPr lang="en-US" sz="2000" dirty="0">
-              <a:solidFill>
-                <a:schemeClr val="bg1"/>
-              </a:solidFill>
-              <a:latin typeface="Selawik Semibold" panose="020B0702040204020203" pitchFamily="34" charset="0"/>
-            </a:endParaRPr>
-          </a:p>
-          <a:p>
-            <a:pPr marL="800100" lvl="1" indent="-342900">
-              <a:buFont typeface="Arial" panose="020B0604020202020204" pitchFamily="34" charset="0"/>
-              <a:buChar char="•"/>
-            </a:pPr>
-            <a:r>
-              <a:rPr lang="en-US" sz="2000" dirty="0">
+            <a:r>
+              <a:rPr lang="en-US" sz="2400" dirty="0">
                 <a:solidFill>
                   <a:schemeClr val="bg1"/>
                 </a:solidFill>
                 <a:latin typeface="Selawik Semibold" panose="020B0702040204020203" pitchFamily="34" charset="0"/>
               </a:rPr>
-              <a:t>Adjust Derek Jeter’s Win Points by Subtraction</a:t>
-            </a:r>
-          </a:p>
-          <a:p>
-            <a:pPr marL="800100" lvl="1" indent="-342900">
-              <a:buFont typeface="Arial" panose="020B0604020202020204" pitchFamily="34" charset="0"/>
-              <a:buChar char="•"/>
-            </a:pPr>
-            <a:r>
-              <a:rPr lang="en-US" sz="2000" dirty="0">
-                <a:solidFill>
-                  <a:schemeClr val="bg1"/>
-                </a:solidFill>
-                <a:latin typeface="Selawik Semibold" panose="020B0702040204020203" pitchFamily="34" charset="0"/>
-              </a:rPr>
-              <a:t>Historically, Fielding Has Been Overrated</a:t>
-            </a:r>
-          </a:p>
-          <a:p>
-            <a:pPr marL="800100" lvl="1" indent="-342900">
-              <a:buFont typeface="Arial" panose="020B0604020202020204" pitchFamily="34" charset="0"/>
-              <a:buChar char="•"/>
-            </a:pPr>
-            <a:r>
-              <a:rPr lang="en-US" sz="2000" dirty="0">
-                <a:solidFill>
-                  <a:schemeClr val="bg1"/>
-                </a:solidFill>
-                <a:latin typeface="Selawik Semibold" panose="020B0702040204020203" pitchFamily="34" charset="0"/>
-              </a:rPr>
-              <a:t>Based on </a:t>
-            </a:r>
-            <a:r>
-              <a:rPr lang="en-US" sz="2000" i="1" dirty="0">
-                <a:solidFill>
-                  <a:schemeClr val="bg1"/>
-                </a:solidFill>
-                <a:latin typeface="Selawik Semibold" panose="020B0702040204020203" pitchFamily="34" charset="0"/>
-              </a:rPr>
-              <a:t>Fielding Bible</a:t>
-            </a:r>
-            <a:r>
-              <a:rPr lang="en-US" sz="2000" dirty="0">
-                <a:solidFill>
-                  <a:schemeClr val="bg1"/>
-                </a:solidFill>
-                <a:latin typeface="Selawik Semibold" panose="020B0702040204020203" pitchFamily="34" charset="0"/>
-              </a:rPr>
-              <a:t>, Only 7 Players with Positive Fielding Ratings Equivalent to 2 More Wins Above Average.</a:t>
-            </a:r>
-          </a:p>
-        </p:txBody>
-      </p:sp>
-      <mc:AlternateContent xmlns:mc="http://schemas.openxmlformats.org/markup-compatibility/2006" xmlns:a14="http://schemas.microsoft.com/office/drawing/2010/main">
-        <mc:Choice Requires="a14">
+              <a:t>WPA with Fielding</a:t>
+            </a:r>
+          </a:p>
+        </p:txBody>
+      </p:sp>
+      <mc:AlternateContent xmlns:mc="http://schemas.openxmlformats.org/markup-compatibility/2006">
+        <mc:Choice xmlns:a14="http://schemas.microsoft.com/office/drawing/2010/main" Requires="a14">
           <p:sp>
             <p:nvSpPr>
-              <p:cNvPr id="12" name="TextBox 11">
+              <p:cNvPr id="2" name="TextBox 1">
                 <a:extLst>
                   <a:ext uri="{FF2B5EF4-FFF2-40B4-BE49-F238E27FC236}">
-                    <a16:creationId xmlns:a16="http://schemas.microsoft.com/office/drawing/2014/main" id="{23BB7BFD-47C6-4BF5-86BF-7984A3107251}"/>
+                    <a16:creationId xmlns:a16="http://schemas.microsoft.com/office/drawing/2014/main" id="{4F5E27D4-13B0-D6CB-0BB0-4A3FD9AA7B51}"/>
                   </a:ext>
                 </a:extLst>
               </p:cNvPr>
@@ -15490,8 +10311,8 @@
             </p:nvSpPr>
             <p:spPr>
               <a:xfrm>
-                <a:off x="2178743" y="2931428"/>
-                <a:ext cx="9120627" cy="1364476"/>
+                <a:off x="3792389" y="5936639"/>
+                <a:ext cx="3728745" cy="783741"/>
               </a:xfrm>
               <a:prstGeom prst="rect">
                 <a:avLst/>
@@ -15504,7 +10325,7 @@
               </a:bodyPr>
               <a:lstStyle/>
               <a:p>
-                <a:pPr algn="just"/>
+                <a:pPr/>
                 <a14:m>
                   <m:oMathPara xmlns:m="http://schemas.openxmlformats.org/officeDocument/2006/math">
                     <m:oMathParaPr>
@@ -15518,52 +10339,7 @@
                           </a:solidFill>
                           <a:latin typeface="Cambria Math" panose="02040503050406030204" pitchFamily="18" charset="0"/>
                         </a:rPr>
-                        <m:t>−</m:t>
-                      </m:r>
-                      <m:r>
-                        <a:rPr lang="en-US" sz="2400" b="1" i="1" smtClean="0">
-                          <a:solidFill>
-                            <a:schemeClr val="bg1"/>
-                          </a:solidFill>
-                          <a:latin typeface="Cambria Math" panose="02040503050406030204" pitchFamily="18" charset="0"/>
-                        </a:rPr>
-                        <m:t>𝟑𝟒</m:t>
-                      </m:r>
-                      <m:r>
-                        <a:rPr lang="en-US" sz="2400" b="1" i="1" smtClean="0">
-                          <a:solidFill>
-                            <a:schemeClr val="bg1"/>
-                          </a:solidFill>
-                          <a:latin typeface="Cambria Math" panose="02040503050406030204" pitchFamily="18" charset="0"/>
-                        </a:rPr>
-                        <m:t> </m:t>
-                      </m:r>
-                      <m:r>
-                        <a:rPr lang="en-US" sz="2400" b="1" i="1" smtClean="0">
-                          <a:solidFill>
-                            <a:schemeClr val="bg1"/>
-                          </a:solidFill>
-                          <a:latin typeface="Cambria Math" panose="02040503050406030204" pitchFamily="18" charset="0"/>
-                        </a:rPr>
-                        <m:t>𝑯𝒊𝒕𝒔</m:t>
-                      </m:r>
-                      <m:r>
-                        <a:rPr lang="en-US" sz="2400" b="1" i="1" smtClean="0">
-                          <a:solidFill>
-                            <a:schemeClr val="bg1"/>
-                          </a:solidFill>
-                          <a:latin typeface="Cambria Math" panose="02040503050406030204" pitchFamily="18" charset="0"/>
-                        </a:rPr>
-                        <m:t>=−</m:t>
-                      </m:r>
-                      <m:r>
-                        <a:rPr lang="en-US" sz="2400" b="1" i="1" smtClean="0">
-                          <a:solidFill>
-                            <a:schemeClr val="bg1"/>
-                          </a:solidFill>
-                          <a:latin typeface="Cambria Math" panose="02040503050406030204" pitchFamily="18" charset="0"/>
-                        </a:rPr>
-                        <m:t>𝟎</m:t>
+                        <m:t>𝟓</m:t>
                       </m:r>
                       <m:r>
                         <a:rPr lang="en-US" sz="2400" b="1" i="1" smtClean="0">
@@ -15581,7 +10357,7 @@
                           </a:solidFill>
                           <a:latin typeface="Cambria Math" panose="02040503050406030204" pitchFamily="18" charset="0"/>
                         </a:rPr>
-                        <m:t>𝟖</m:t>
+                        <m:t>𝟒𝟏</m:t>
                       </m:r>
                       <m:r>
                         <a:rPr lang="en-US" sz="2400" b="1" i="1" smtClean="0">
@@ -15590,7 +10366,50 @@
                           </a:solidFill>
                           <a:latin typeface="Cambria Math" panose="02040503050406030204" pitchFamily="18" charset="0"/>
                         </a:rPr>
-                        <m:t>×</m:t>
+                        <m:t>+</m:t>
+                      </m:r>
+                      <m:f>
+                        <m:fPr>
+                          <m:ctrlPr>
+                            <a:rPr lang="en-US" sz="2400" b="1" i="1" smtClean="0">
+                              <a:solidFill>
+                                <a:schemeClr val="bg1"/>
+                              </a:solidFill>
+                              <a:latin typeface="Cambria Math" panose="02040503050406030204" pitchFamily="18" charset="0"/>
+                            </a:rPr>
+                          </m:ctrlPr>
+                        </m:fPr>
+                        <m:num>
+                          <m:r>
+                            <a:rPr lang="en-US" sz="2400" b="1" i="1" smtClean="0">
+                              <a:solidFill>
+                                <a:schemeClr val="bg1"/>
+                              </a:solidFill>
+                              <a:latin typeface="Cambria Math" panose="02040503050406030204" pitchFamily="18" charset="0"/>
+                            </a:rPr>
+                            <m:t>𝟕</m:t>
+                          </m:r>
+                        </m:num>
+                        <m:den>
+                          <m:r>
+                            <a:rPr lang="en-US" sz="2400" b="1" i="1" smtClean="0">
+                              <a:solidFill>
+                                <a:schemeClr val="bg1"/>
+                              </a:solidFill>
+                              <a:latin typeface="Cambria Math" panose="02040503050406030204" pitchFamily="18" charset="0"/>
+                            </a:rPr>
+                            <m:t>𝟏𝟎</m:t>
+                          </m:r>
+                        </m:den>
+                      </m:f>
+                      <m:r>
+                        <a:rPr lang="en-US" sz="2400" b="1" i="1" smtClean="0">
+                          <a:solidFill>
+                            <a:schemeClr val="bg1"/>
+                          </a:solidFill>
+                          <a:latin typeface="Cambria Math" panose="02040503050406030204" pitchFamily="18" charset="0"/>
+                        </a:rPr>
+                        <m:t>=</m:t>
                       </m:r>
                       <m:r>
                         <a:rPr lang="en-US" sz="2400" b="1" i="1" smtClean="0">
@@ -15599,43 +10418,7 @@
                           </a:solidFill>
                           <a:latin typeface="Cambria Math" panose="02040503050406030204" pitchFamily="18" charset="0"/>
                         </a:rPr>
-                        <m:t>𝟑𝟒</m:t>
-                      </m:r>
-                      <m:r>
-                        <a:rPr lang="en-US" sz="2400" b="1" i="1" smtClean="0">
-                          <a:solidFill>
-                            <a:schemeClr val="bg1"/>
-                          </a:solidFill>
-                          <a:latin typeface="Cambria Math" panose="02040503050406030204" pitchFamily="18" charset="0"/>
-                        </a:rPr>
-                        <m:t> </m:t>
-                      </m:r>
-                      <m:r>
-                        <a:rPr lang="en-US" sz="2400" b="1" i="1" smtClean="0">
-                          <a:solidFill>
-                            <a:schemeClr val="bg1"/>
-                          </a:solidFill>
-                          <a:latin typeface="Cambria Math" panose="02040503050406030204" pitchFamily="18" charset="0"/>
-                        </a:rPr>
-                        <m:t>𝑹𝒖𝒏𝒔</m:t>
-                      </m:r>
-                      <m:r>
-                        <a:rPr lang="en-US" sz="2400" b="1" i="1" smtClean="0">
-                          <a:solidFill>
-                            <a:schemeClr val="bg1"/>
-                          </a:solidFill>
-                          <a:latin typeface="Cambria Math" panose="02040503050406030204" pitchFamily="18" charset="0"/>
-                        </a:rPr>
-                        <m:t>=−</m:t>
-                      </m:r>
-                      <m:r>
-                        <a:rPr lang="en-US" sz="2400" b="1" i="1" smtClean="0">
-                          <a:solidFill>
-                            <a:schemeClr val="bg1"/>
-                          </a:solidFill>
-                          <a:latin typeface="Cambria Math" panose="02040503050406030204" pitchFamily="18" charset="0"/>
-                        </a:rPr>
-                        <m:t>𝟐𝟕</m:t>
+                        <m:t>𝟔</m:t>
                       </m:r>
                       <m:r>
                         <a:rPr lang="en-US" sz="2400" b="1" i="1" smtClean="0">
@@ -15653,335 +10436,27 @@
                           </a:solidFill>
                           <a:latin typeface="Cambria Math" panose="02040503050406030204" pitchFamily="18" charset="0"/>
                         </a:rPr>
-                        <m:t>𝟐</m:t>
-                      </m:r>
-                      <m:r>
-                        <a:rPr lang="en-US" sz="2400" b="1" i="1" smtClean="0">
-                          <a:solidFill>
-                            <a:schemeClr val="bg1"/>
-                          </a:solidFill>
-                          <a:latin typeface="Cambria Math" panose="02040503050406030204" pitchFamily="18" charset="0"/>
-                        </a:rPr>
-                        <m:t> </m:t>
-                      </m:r>
-                      <m:r>
-                        <a:rPr lang="en-US" sz="2400" b="1" i="1" smtClean="0">
-                          <a:solidFill>
-                            <a:schemeClr val="bg1"/>
-                          </a:solidFill>
-                          <a:latin typeface="Cambria Math" panose="02040503050406030204" pitchFamily="18" charset="0"/>
-                        </a:rPr>
-                        <m:t>𝑹𝒖𝒏𝒔</m:t>
+                        <m:t>𝟏𝟏</m:t>
                       </m:r>
                     </m:oMath>
                   </m:oMathPara>
                 </a14:m>
-                <a:endParaRPr lang="en-US" sz="2400" b="1" i="1" dirty="0">
+                <a:endParaRPr lang="en-US" sz="2400" b="1" dirty="0">
                   <a:solidFill>
                     <a:schemeClr val="bg1"/>
                   </a:solidFill>
-                  <a:latin typeface="Cambria Math" panose="02040503050406030204" pitchFamily="18" charset="0"/>
-                </a:endParaRPr>
-              </a:p>
-              <a:p>
-                <a:pPr algn="just"/>
-                <a:r>
-                  <a:rPr lang="en-US" sz="2400" b="1" dirty="0">
-                    <a:solidFill>
-                      <a:schemeClr val="bg1"/>
-                    </a:solidFill>
-                  </a:rPr>
-                  <a:t>                                          </a:t>
-                </a:r>
-                <a14:m>
-                  <m:oMath xmlns:m="http://schemas.openxmlformats.org/officeDocument/2006/math">
-                    <m:r>
-                      <a:rPr lang="en-US" sz="2400" b="1" i="1" smtClean="0">
-                        <a:solidFill>
-                          <a:schemeClr val="bg1"/>
-                        </a:solidFill>
-                        <a:latin typeface="Cambria Math" panose="02040503050406030204" pitchFamily="18" charset="0"/>
-                      </a:rPr>
-                      <m:t>=−</m:t>
-                    </m:r>
-                    <m:f>
-                      <m:fPr>
-                        <m:ctrlPr>
-                          <a:rPr lang="en-US" sz="2400" b="1" i="1">
-                            <a:solidFill>
-                              <a:schemeClr val="bg1"/>
-                            </a:solidFill>
-                            <a:latin typeface="Cambria Math" panose="02040503050406030204" pitchFamily="18" charset="0"/>
-                          </a:rPr>
-                        </m:ctrlPr>
-                      </m:fPr>
-                      <m:num>
-                        <m:r>
-                          <a:rPr lang="en-US" sz="2400" b="1" i="1">
-                            <a:solidFill>
-                              <a:schemeClr val="bg1"/>
-                            </a:solidFill>
-                            <a:latin typeface="Cambria Math" panose="02040503050406030204" pitchFamily="18" charset="0"/>
-                          </a:rPr>
-                          <m:t>𝟐𝟕</m:t>
-                        </m:r>
-                        <m:r>
-                          <a:rPr lang="en-US" sz="2400" b="1" i="1">
-                            <a:solidFill>
-                              <a:schemeClr val="bg1"/>
-                            </a:solidFill>
-                            <a:latin typeface="Cambria Math" panose="02040503050406030204" pitchFamily="18" charset="0"/>
-                          </a:rPr>
-                          <m:t>.</m:t>
-                        </m:r>
-                        <m:r>
-                          <a:rPr lang="en-US" sz="2400" b="1" i="1">
-                            <a:solidFill>
-                              <a:schemeClr val="bg1"/>
-                            </a:solidFill>
-                            <a:latin typeface="Cambria Math" panose="02040503050406030204" pitchFamily="18" charset="0"/>
-                          </a:rPr>
-                          <m:t>𝟐</m:t>
-                        </m:r>
-                      </m:num>
-                      <m:den>
-                        <m:r>
-                          <a:rPr lang="en-US" sz="2400" b="1" i="1">
-                            <a:solidFill>
-                              <a:schemeClr val="bg1"/>
-                            </a:solidFill>
-                            <a:latin typeface="Cambria Math" panose="02040503050406030204" pitchFamily="18" charset="0"/>
-                          </a:rPr>
-                          <m:t>𝟏𝟎</m:t>
-                        </m:r>
-                      </m:den>
-                    </m:f>
-                    <m:r>
-                      <a:rPr lang="en-US" sz="2400" b="1" i="1">
-                        <a:solidFill>
-                          <a:schemeClr val="bg1"/>
-                        </a:solidFill>
-                        <a:latin typeface="Cambria Math" panose="02040503050406030204" pitchFamily="18" charset="0"/>
-                      </a:rPr>
-                      <m:t> </m:t>
-                    </m:r>
-                    <m:r>
-                      <a:rPr lang="en-US" sz="2400" b="1" i="1">
-                        <a:solidFill>
-                          <a:schemeClr val="bg1"/>
-                        </a:solidFill>
-                        <a:latin typeface="Cambria Math" panose="02040503050406030204" pitchFamily="18" charset="0"/>
-                      </a:rPr>
-                      <m:t>𝑾𝒊𝒏𝒔</m:t>
-                    </m:r>
-                    <m:r>
-                      <a:rPr lang="en-US" sz="2400" b="1" i="1" smtClean="0">
-                        <a:solidFill>
-                          <a:schemeClr val="bg1"/>
-                        </a:solidFill>
-                        <a:latin typeface="Cambria Math" panose="02040503050406030204" pitchFamily="18" charset="0"/>
-                      </a:rPr>
-                      <m:t>=−</m:t>
-                    </m:r>
-                    <m:r>
-                      <a:rPr lang="en-US" sz="2400" b="1" i="1" smtClean="0">
-                        <a:solidFill>
-                          <a:schemeClr val="bg1"/>
-                        </a:solidFill>
-                        <a:latin typeface="Cambria Math" panose="02040503050406030204" pitchFamily="18" charset="0"/>
-                      </a:rPr>
-                      <m:t>𝟐𝟎𝟎𝟎</m:t>
-                    </m:r>
-                    <m:r>
-                      <a:rPr lang="en-US" sz="2400" b="1" i="1" smtClean="0">
-                        <a:solidFill>
-                          <a:schemeClr val="bg1"/>
-                        </a:solidFill>
-                        <a:latin typeface="Cambria Math" panose="02040503050406030204" pitchFamily="18" charset="0"/>
-                      </a:rPr>
-                      <m:t>×</m:t>
-                    </m:r>
-                    <m:r>
-                      <a:rPr lang="en-US" sz="2400" b="1" i="1" smtClean="0">
-                        <a:solidFill>
-                          <a:schemeClr val="bg1"/>
-                        </a:solidFill>
-                        <a:latin typeface="Cambria Math" panose="02040503050406030204" pitchFamily="18" charset="0"/>
-                      </a:rPr>
-                      <m:t>𝟐</m:t>
-                    </m:r>
-                    <m:r>
-                      <a:rPr lang="en-US" sz="2400" b="1" i="1" smtClean="0">
-                        <a:solidFill>
-                          <a:schemeClr val="bg1"/>
-                        </a:solidFill>
-                        <a:latin typeface="Cambria Math" panose="02040503050406030204" pitchFamily="18" charset="0"/>
-                      </a:rPr>
-                      <m:t>.</m:t>
-                    </m:r>
-                    <m:r>
-                      <a:rPr lang="en-US" sz="2400" b="1" i="1" smtClean="0">
-                        <a:solidFill>
-                          <a:schemeClr val="bg1"/>
-                        </a:solidFill>
-                        <a:latin typeface="Cambria Math" panose="02040503050406030204" pitchFamily="18" charset="0"/>
-                      </a:rPr>
-                      <m:t>𝟕𝟐</m:t>
-                    </m:r>
-                    <m:r>
-                      <a:rPr lang="en-US" sz="2400" b="1" i="1" smtClean="0">
-                        <a:solidFill>
-                          <a:schemeClr val="bg1"/>
-                        </a:solidFill>
-                        <a:latin typeface="Cambria Math" panose="02040503050406030204" pitchFamily="18" charset="0"/>
-                      </a:rPr>
-                      <m:t> </m:t>
-                    </m:r>
-                    <m:r>
-                      <a:rPr lang="en-US" sz="2400" b="1" i="1" smtClean="0">
-                        <a:solidFill>
-                          <a:schemeClr val="bg1"/>
-                        </a:solidFill>
-                        <a:latin typeface="Cambria Math" panose="02040503050406030204" pitchFamily="18" charset="0"/>
-                      </a:rPr>
-                      <m:t>𝑾𝒊𝒏</m:t>
-                    </m:r>
-                    <m:r>
-                      <a:rPr lang="en-US" sz="2400" b="1" i="1" smtClean="0">
-                        <a:solidFill>
-                          <a:schemeClr val="bg1"/>
-                        </a:solidFill>
-                        <a:latin typeface="Cambria Math" panose="02040503050406030204" pitchFamily="18" charset="0"/>
-                      </a:rPr>
-                      <m:t> </m:t>
-                    </m:r>
-                    <m:r>
-                      <a:rPr lang="en-US" sz="2400" b="1" i="1" smtClean="0">
-                        <a:solidFill>
-                          <a:schemeClr val="bg1"/>
-                        </a:solidFill>
-                        <a:latin typeface="Cambria Math" panose="02040503050406030204" pitchFamily="18" charset="0"/>
-                      </a:rPr>
-                      <m:t>𝑷𝒐𝒊𝒏𝒕𝒔</m:t>
-                    </m:r>
-                  </m:oMath>
-                </a14:m>
-                <a:endParaRPr lang="en-US" sz="2400" b="1" i="1" dirty="0">
-                  <a:solidFill>
-                    <a:schemeClr val="bg1"/>
-                  </a:solidFill>
-                  <a:latin typeface="Cambria Math" panose="02040503050406030204" pitchFamily="18" charset="0"/>
-                </a:endParaRPr>
-              </a:p>
-              <a:p>
-                <a:pPr algn="just"/>
-                <a14:m>
-                  <m:oMathPara xmlns:m="http://schemas.openxmlformats.org/officeDocument/2006/math">
-                    <m:oMathParaPr>
-                      <m:jc m:val="centerGroup"/>
-                    </m:oMathParaPr>
-                    <m:oMath xmlns:m="http://schemas.openxmlformats.org/officeDocument/2006/math">
-                      <m:r>
-                        <a:rPr lang="en-US" sz="2400" b="1" i="1">
-                          <a:solidFill>
-                            <a:schemeClr val="bg1"/>
-                          </a:solidFill>
-                          <a:latin typeface="Cambria Math" panose="02040503050406030204" pitchFamily="18" charset="0"/>
-                        </a:rPr>
-                        <m:t>=</m:t>
-                      </m:r>
-                      <m:r>
-                        <a:rPr lang="en-US" sz="2400" b="1" i="1" smtClean="0">
-                          <a:solidFill>
-                            <a:schemeClr val="bg1"/>
-                          </a:solidFill>
-                          <a:latin typeface="Cambria Math" panose="02040503050406030204" pitchFamily="18" charset="0"/>
-                        </a:rPr>
-                        <m:t>−</m:t>
-                      </m:r>
-                      <m:r>
-                        <a:rPr lang="en-US" sz="2400" b="1" i="1">
-                          <a:solidFill>
-                            <a:schemeClr val="bg1"/>
-                          </a:solidFill>
-                          <a:latin typeface="Cambria Math" panose="02040503050406030204" pitchFamily="18" charset="0"/>
-                        </a:rPr>
-                        <m:t>𝟓</m:t>
-                      </m:r>
-                      <m:r>
-                        <a:rPr lang="en-US" sz="2400" b="1" i="1">
-                          <a:solidFill>
-                            <a:schemeClr val="bg1"/>
-                          </a:solidFill>
-                          <a:latin typeface="Cambria Math" panose="02040503050406030204" pitchFamily="18" charset="0"/>
-                        </a:rPr>
-                        <m:t>,</m:t>
-                      </m:r>
-                      <m:r>
-                        <a:rPr lang="en-US" sz="2400" b="1" i="1">
-                          <a:solidFill>
-                            <a:schemeClr val="bg1"/>
-                          </a:solidFill>
-                          <a:latin typeface="Cambria Math" panose="02040503050406030204" pitchFamily="18" charset="0"/>
-                        </a:rPr>
-                        <m:t>𝟒𝟒𝟎</m:t>
-                      </m:r>
-                      <m:r>
-                        <a:rPr lang="en-US" sz="2400" b="1" i="1">
-                          <a:solidFill>
-                            <a:schemeClr val="bg1"/>
-                          </a:solidFill>
-                          <a:latin typeface="Cambria Math" panose="02040503050406030204" pitchFamily="18" charset="0"/>
-                        </a:rPr>
-                        <m:t> </m:t>
-                      </m:r>
-                      <m:r>
-                        <a:rPr lang="en-US" sz="2400" b="1" i="1">
-                          <a:solidFill>
-                            <a:schemeClr val="bg1"/>
-                          </a:solidFill>
-                          <a:latin typeface="Cambria Math" panose="02040503050406030204" pitchFamily="18" charset="0"/>
-                        </a:rPr>
-                        <m:t>𝑾𝒊𝒏</m:t>
-                      </m:r>
-                      <m:r>
-                        <a:rPr lang="en-US" sz="2400" b="1" i="1">
-                          <a:solidFill>
-                            <a:schemeClr val="bg1"/>
-                          </a:solidFill>
-                          <a:latin typeface="Cambria Math" panose="02040503050406030204" pitchFamily="18" charset="0"/>
-                        </a:rPr>
-                        <m:t> </m:t>
-                      </m:r>
-                      <m:r>
-                        <a:rPr lang="en-US" sz="2400" b="1" i="1">
-                          <a:solidFill>
-                            <a:schemeClr val="bg1"/>
-                          </a:solidFill>
-                          <a:latin typeface="Cambria Math" panose="02040503050406030204" pitchFamily="18" charset="0"/>
-                        </a:rPr>
-                        <m:t>𝑷𝒐𝒊𝒏𝒕𝒔</m:t>
-                      </m:r>
-                    </m:oMath>
-                  </m:oMathPara>
-                </a14:m>
-                <a:endParaRPr lang="en-US" sz="2400" b="1" i="1" dirty="0">
-                  <a:solidFill>
-                    <a:schemeClr val="bg1"/>
-                  </a:solidFill>
-                  <a:latin typeface="Cambria Math" panose="02040503050406030204" pitchFamily="18" charset="0"/>
                 </a:endParaRPr>
               </a:p>
             </p:txBody>
           </p:sp>
         </mc:Choice>
-        <mc:Fallback xmlns="">
+        <mc:Fallback>
           <p:sp>
             <p:nvSpPr>
-              <p:cNvPr id="12" name="TextBox 11">
+              <p:cNvPr id="2" name="TextBox 1">
                 <a:extLst>
                   <a:ext uri="{FF2B5EF4-FFF2-40B4-BE49-F238E27FC236}">
-                    <a16:creationId xmlns:a16="http://schemas.microsoft.com/office/drawing/2014/main" id="{23BB7BFD-47C6-4BF5-86BF-7984A3107251}"/>
+                    <a16:creationId xmlns:a16="http://schemas.microsoft.com/office/drawing/2014/main" id="{4F5E27D4-13B0-D6CB-0BB0-4A3FD9AA7B51}"/>
                   </a:ext>
                 </a:extLst>
               </p:cNvPr>
@@ -15992,8 +10467,8 @@
             </p:nvSpPr>
             <p:spPr>
               <a:xfrm>
-                <a:off x="2178743" y="2931428"/>
-                <a:ext cx="9120627" cy="1364476"/>
+                <a:off x="3792389" y="5936639"/>
+                <a:ext cx="3728745" cy="783741"/>
               </a:xfrm>
               <a:prstGeom prst="rect">
                 <a:avLst/>
@@ -16023,7 +10498,7 @@
     </p:spTree>
     <p:extLst>
       <p:ext uri="{BB962C8B-B14F-4D97-AF65-F5344CB8AC3E}">
-        <p14:creationId xmlns:p14="http://schemas.microsoft.com/office/powerpoint/2010/main" val="947464599"/>
+        <p14:creationId xmlns:p14="http://schemas.microsoft.com/office/powerpoint/2010/main" val="2282124938"/>
       </p:ext>
     </p:extLst>
   </p:cSld>
@@ -16290,7 +10765,7 @@
                 </a:solidFill>
                 <a:latin typeface="Selawik Semibold" panose="020B0702040204020203" pitchFamily="34" charset="0"/>
               </a:rPr>
-              <a:t>Player Win Averages</a:t>
+              <a:t>Win Probability Added</a:t>
             </a:r>
           </a:p>
         </p:txBody>
@@ -16426,7 +10901,7 @@
         <p:spPr>
           <a:xfrm>
             <a:off x="3080081" y="1520792"/>
-            <a:ext cx="8954694" cy="3447098"/>
+            <a:ext cx="8954694" cy="4985980"/>
           </a:xfrm>
           <a:prstGeom prst="rect">
             <a:avLst/>
@@ -16450,7 +10925,7 @@
                 </a:solidFill>
                 <a:latin typeface="Selawik Semibold" panose="020B0702040204020203" pitchFamily="34" charset="0"/>
               </a:rPr>
-              <a:t>Applied to Baserunning Ability</a:t>
+              <a:t>Base Running Into WPA</a:t>
             </a:r>
           </a:p>
           <a:p>
@@ -16480,7 +10955,7 @@
                 </a:solidFill>
                 <a:latin typeface="Selawik Semibold" panose="020B0702040204020203" pitchFamily="34" charset="0"/>
               </a:rPr>
-              <a:t>Rarely Caught Stealing</a:t>
+              <a:t>Rarely Caught Stealing and Stealing Often</a:t>
             </a:r>
           </a:p>
           <a:p>
@@ -16518,15 +10993,12 @@
               <a:buFont typeface="Arial" panose="020B0604020202020204" pitchFamily="34" charset="0"/>
               <a:buChar char="•"/>
             </a:pPr>
-            <a:r>
-              <a:rPr lang="en-US" sz="2000" dirty="0">
-                <a:solidFill>
-                  <a:schemeClr val="bg1"/>
-                </a:solidFill>
-                <a:latin typeface="Selawik Semibold" panose="020B0702040204020203" pitchFamily="34" charset="0"/>
-              </a:rPr>
-              <a:t>Player Win Averages Reward Stolen Bases and Preventing Double Plays</a:t>
-            </a:r>
+            <a:endParaRPr lang="en-US" sz="2000" dirty="0">
+              <a:solidFill>
+                <a:schemeClr val="bg1"/>
+              </a:solidFill>
+              <a:latin typeface="Selawik Semibold" panose="020B0702040204020203" pitchFamily="34" charset="0"/>
+            </a:endParaRPr>
           </a:p>
           <a:p>
             <a:pPr marL="800100" lvl="1" indent="-342900">
@@ -16534,26 +11006,17 @@
               <a:buChar char="•"/>
             </a:pPr>
             <a:r>
-              <a:rPr lang="en-US" sz="2000">
+              <a:rPr lang="en-US" sz="2000" dirty="0">
                 <a:solidFill>
                   <a:schemeClr val="bg1"/>
                 </a:solidFill>
                 <a:latin typeface="Selawik Semibold" panose="020B0702040204020203" pitchFamily="34" charset="0"/>
               </a:rPr>
-              <a:t>Fast </a:t>
-            </a:r>
-            <a:r>
-              <a:rPr lang="en-US" sz="2000" dirty="0">
-                <a:solidFill>
-                  <a:schemeClr val="bg1"/>
-                </a:solidFill>
-                <a:latin typeface="Selawik Semibold" panose="020B0702040204020203" pitchFamily="34" charset="0"/>
-              </a:rPr>
-              <a:t>Base Running is not Rewarded by Player Win Averages</a:t>
-            </a:r>
-          </a:p>
-          <a:p>
-            <a:pPr marL="800100" lvl="1" indent="-342900">
+              <a:t>FanGraphs Metrics</a:t>
+            </a:r>
+          </a:p>
+          <a:p>
+            <a:pPr marL="1257300" lvl="2" indent="-342900">
               <a:buFont typeface="Arial" panose="020B0604020202020204" pitchFamily="34" charset="0"/>
               <a:buChar char="•"/>
             </a:pPr>
@@ -16564,11 +11027,11 @@
                 </a:solidFill>
                 <a:latin typeface="Selawik Semibold" panose="020B0702040204020203" pitchFamily="34" charset="0"/>
               </a:rPr>
-              <a:t>Analyzed By Dan Fox (Director Of Baseball Informatics for Pirates)</a:t>
-            </a:r>
-          </a:p>
-          <a:p>
-            <a:pPr marL="800100" lvl="1" indent="-342900">
+              <a:t>Ultimate Base Running (UBR)</a:t>
+            </a:r>
+          </a:p>
+          <a:p>
+            <a:pPr marL="1257300" lvl="2" indent="-342900">
               <a:buFont typeface="Arial" panose="020B0604020202020204" pitchFamily="34" charset="0"/>
               <a:buChar char="•"/>
             </a:pPr>
@@ -16579,11 +11042,29 @@
                 </a:solidFill>
                 <a:latin typeface="Selawik Semibold" panose="020B0702040204020203" pitchFamily="34" charset="0"/>
               </a:rPr>
-              <a:t>Compare Runner’s Number of Runs to Average Runner</a:t>
-            </a:r>
-          </a:p>
-          <a:p>
-            <a:pPr marL="800100" lvl="1" indent="-342900">
+              <a:t>Weighted Stolen Bases (</a:t>
+            </a:r>
+            <a:r>
+              <a:rPr lang="en-US" sz="2000" dirty="0" err="1">
+                <a:solidFill>
+                  <a:schemeClr val="bg1"/>
+                </a:solidFill>
+                <a:latin typeface="Selawik Semibold" panose="020B0702040204020203" pitchFamily="34" charset="0"/>
+              </a:rPr>
+              <a:t>wSB</a:t>
+            </a:r>
+            <a:r>
+              <a:rPr lang="en-US" sz="2000" dirty="0">
+                <a:solidFill>
+                  <a:schemeClr val="bg1"/>
+                </a:solidFill>
+                <a:latin typeface="Selawik Semibold" panose="020B0702040204020203" pitchFamily="34" charset="0"/>
+              </a:rPr>
+              <a:t>)</a:t>
+            </a:r>
+          </a:p>
+          <a:p>
+            <a:pPr marL="1257300" lvl="2" indent="-342900">
               <a:buFont typeface="Arial" panose="020B0604020202020204" pitchFamily="34" charset="0"/>
               <a:buChar char="•"/>
             </a:pPr>
@@ -16594,7 +11075,148 @@
                 </a:solidFill>
                 <a:latin typeface="Selawik Semibold" panose="020B0702040204020203" pitchFamily="34" charset="0"/>
               </a:rPr>
-              <a:t>Best Base Running Has Little Effect on SAGWIN</a:t>
+              <a:t>Weighted Ground Into Double Play (</a:t>
+            </a:r>
+            <a:r>
+              <a:rPr lang="en-US" sz="2000" dirty="0" err="1">
+                <a:solidFill>
+                  <a:schemeClr val="bg1"/>
+                </a:solidFill>
+                <a:latin typeface="Selawik Semibold" panose="020B0702040204020203" pitchFamily="34" charset="0"/>
+              </a:rPr>
+              <a:t>wGDP</a:t>
+            </a:r>
+            <a:r>
+              <a:rPr lang="en-US" sz="2000" dirty="0">
+                <a:solidFill>
+                  <a:schemeClr val="bg1"/>
+                </a:solidFill>
+                <a:latin typeface="Selawik Semibold" panose="020B0702040204020203" pitchFamily="34" charset="0"/>
+              </a:rPr>
+              <a:t>)</a:t>
+            </a:r>
+          </a:p>
+          <a:p>
+            <a:pPr marL="1257300" lvl="2" indent="-342900">
+              <a:buFont typeface="Arial" panose="020B0604020202020204" pitchFamily="34" charset="0"/>
+              <a:buChar char="•"/>
+            </a:pPr>
+            <a:r>
+              <a:rPr lang="en-US" sz="2000" dirty="0">
+                <a:solidFill>
+                  <a:schemeClr val="bg1"/>
+                </a:solidFill>
+                <a:latin typeface="Selawik Semibold" panose="020B0702040204020203" pitchFamily="34" charset="0"/>
+              </a:rPr>
+              <a:t>All Three Measure Runs Added Relative to Average Player</a:t>
+            </a:r>
+          </a:p>
+          <a:p>
+            <a:pPr marL="1257300" lvl="2" indent="-342900">
+              <a:buFont typeface="Arial" panose="020B0604020202020204" pitchFamily="34" charset="0"/>
+              <a:buChar char="•"/>
+            </a:pPr>
+            <a:endParaRPr lang="en-US" sz="2000" dirty="0">
+              <a:solidFill>
+                <a:schemeClr val="bg1"/>
+              </a:solidFill>
+              <a:latin typeface="Selawik Semibold" panose="020B0702040204020203" pitchFamily="34" charset="0"/>
+            </a:endParaRPr>
+          </a:p>
+          <a:p>
+            <a:pPr marL="800100" lvl="1" indent="-342900">
+              <a:buFont typeface="Arial" panose="020B0604020202020204" pitchFamily="34" charset="0"/>
+              <a:buChar char="•"/>
+            </a:pPr>
+            <a:r>
+              <a:rPr lang="en-US" sz="2000" dirty="0">
+                <a:solidFill>
+                  <a:schemeClr val="bg1"/>
+                </a:solidFill>
+                <a:latin typeface="Selawik Semibold" panose="020B0702040204020203" pitchFamily="34" charset="0"/>
+              </a:rPr>
+              <a:t>Example: Billy Hamilton 2016</a:t>
+            </a:r>
+          </a:p>
+          <a:p>
+            <a:pPr marL="1257300" lvl="2" indent="-342900">
+              <a:buFont typeface="Arial" panose="020B0604020202020204" pitchFamily="34" charset="0"/>
+              <a:buChar char="•"/>
+            </a:pPr>
+            <a:r>
+              <a:rPr lang="en-US" sz="2000" dirty="0">
+                <a:solidFill>
+                  <a:schemeClr val="bg1"/>
+                </a:solidFill>
+                <a:latin typeface="Selawik Semibold" panose="020B0702040204020203" pitchFamily="34" charset="0"/>
+              </a:rPr>
+              <a:t>UBR = 4.1, </a:t>
+            </a:r>
+            <a:r>
+              <a:rPr lang="en-US" sz="2000" dirty="0" err="1">
+                <a:solidFill>
+                  <a:schemeClr val="bg1"/>
+                </a:solidFill>
+                <a:latin typeface="Selawik Semibold" panose="020B0702040204020203" pitchFamily="34" charset="0"/>
+              </a:rPr>
+              <a:t>wGDP</a:t>
+            </a:r>
+            <a:r>
+              <a:rPr lang="en-US" sz="2000" dirty="0">
+                <a:solidFill>
+                  <a:schemeClr val="bg1"/>
+                </a:solidFill>
+                <a:latin typeface="Selawik Semibold" panose="020B0702040204020203" pitchFamily="34" charset="0"/>
+              </a:rPr>
+              <a:t> = 0.6, </a:t>
+            </a:r>
+            <a:r>
+              <a:rPr lang="en-US" sz="2000" dirty="0" err="1">
+                <a:solidFill>
+                  <a:schemeClr val="bg1"/>
+                </a:solidFill>
+                <a:latin typeface="Selawik Semibold" panose="020B0702040204020203" pitchFamily="34" charset="0"/>
+              </a:rPr>
+              <a:t>wSB</a:t>
+            </a:r>
+            <a:r>
+              <a:rPr lang="en-US" sz="2000" dirty="0">
+                <a:solidFill>
+                  <a:schemeClr val="bg1"/>
+                </a:solidFill>
+                <a:latin typeface="Selawik Semibold" panose="020B0702040204020203" pitchFamily="34" charset="0"/>
+              </a:rPr>
+              <a:t> = 8.1</a:t>
+            </a:r>
+          </a:p>
+          <a:p>
+            <a:pPr marL="1257300" lvl="2" indent="-342900">
+              <a:buFont typeface="Arial" panose="020B0604020202020204" pitchFamily="34" charset="0"/>
+              <a:buChar char="•"/>
+            </a:pPr>
+            <a:r>
+              <a:rPr lang="en-US" sz="2000" dirty="0">
+                <a:solidFill>
+                  <a:schemeClr val="bg1"/>
+                </a:solidFill>
+                <a:latin typeface="Selawik Semibold" panose="020B0702040204020203" pitchFamily="34" charset="0"/>
+              </a:rPr>
+              <a:t>Baserunning Runs Added = 12.8 Runs</a:t>
+            </a:r>
+          </a:p>
+          <a:p>
+            <a:pPr marL="1257300" lvl="2" indent="-342900">
+              <a:buFont typeface="Arial" panose="020B0604020202020204" pitchFamily="34" charset="0"/>
+              <a:buChar char="•"/>
+            </a:pPr>
+            <a:r>
+              <a:rPr lang="en-US" sz="2000" dirty="0">
+                <a:solidFill>
+                  <a:schemeClr val="bg1"/>
+                </a:solidFill>
+                <a:latin typeface="Selawik Semibold" panose="020B0702040204020203" pitchFamily="34" charset="0"/>
+              </a:rPr>
+              <a:t>Add 1.28 Wins to WPA</a:t>
             </a:r>
           </a:p>
         </p:txBody>
@@ -16651,7 +11273,7 @@
         </p:nvSpPr>
         <p:spPr>
           <a:xfrm>
-            <a:off x="-2" y="-52157"/>
+            <a:off x="-3" y="-52157"/>
             <a:ext cx="12192000" cy="6910157"/>
           </a:xfrm>
           <a:prstGeom prst="rect">
@@ -16869,7 +11491,7 @@
                 </a:solidFill>
                 <a:latin typeface="Selawik Semibold" panose="020B0702040204020203" pitchFamily="34" charset="0"/>
               </a:rPr>
-              <a:t>Player Win Averages</a:t>
+              <a:t>Wins Above Replacement</a:t>
             </a:r>
           </a:p>
         </p:txBody>
@@ -17005,7 +11627,7 @@
         <p:spPr>
           <a:xfrm>
             <a:off x="3080081" y="1520792"/>
-            <a:ext cx="8954694" cy="3662541"/>
+            <a:ext cx="8694130" cy="4832092"/>
           </a:xfrm>
           <a:prstGeom prst="rect">
             <a:avLst/>
@@ -17029,104 +11651,17 @@
                 </a:solidFill>
                 <a:latin typeface="Selawik Semibold" panose="020B0702040204020203" pitchFamily="34" charset="0"/>
               </a:rPr>
-              <a:t>Interesting Application: Hitting Versus Pitching</a:t>
-            </a:r>
-          </a:p>
-          <a:p>
-            <a:pPr marL="800100" lvl="1" indent="-342900">
-              <a:buFont typeface="Arial" panose="020B0604020202020204" pitchFamily="34" charset="0"/>
-              <a:buChar char="•"/>
-            </a:pPr>
-            <a:r>
-              <a:rPr lang="en-US" sz="2400" dirty="0">
+              <a:t>Keith </a:t>
+            </a:r>
+            <a:r>
+              <a:rPr lang="en-US" sz="2400" dirty="0" err="1">
                 <a:solidFill>
                   <a:schemeClr val="bg1"/>
                 </a:solidFill>
                 <a:latin typeface="Selawik Semibold" panose="020B0702040204020203" pitchFamily="34" charset="0"/>
               </a:rPr>
-              <a:t>1969 World Champion New York Mets</a:t>
-            </a:r>
-          </a:p>
-          <a:p>
-            <a:pPr marL="800100" lvl="1" indent="-342900">
-              <a:buFont typeface="Arial" panose="020B0604020202020204" pitchFamily="34" charset="0"/>
-              <a:buChar char="•"/>
-            </a:pPr>
-            <a:r>
-              <a:rPr lang="en-US" sz="2400" dirty="0">
-                <a:solidFill>
-                  <a:schemeClr val="bg1"/>
-                </a:solidFill>
-                <a:latin typeface="Selawik Semibold" panose="020B0702040204020203" pitchFamily="34" charset="0"/>
-              </a:rPr>
-              <a:t>Table of Player Win Averages</a:t>
-            </a:r>
-          </a:p>
-          <a:p>
-            <a:pPr marL="1257300" lvl="2" indent="-342900">
-              <a:buFont typeface="Arial" panose="020B0604020202020204" pitchFamily="34" charset="0"/>
-              <a:buChar char="•"/>
-            </a:pPr>
-            <a:r>
-              <a:rPr lang="en-US" sz="2000" dirty="0">
-                <a:solidFill>
-                  <a:schemeClr val="bg1"/>
-                </a:solidFill>
-                <a:latin typeface="Selawik Semibold" panose="020B0702040204020203" pitchFamily="34" charset="0"/>
-              </a:rPr>
-              <a:t>Hitters = Bad</a:t>
-            </a:r>
-          </a:p>
-          <a:p>
-            <a:pPr marL="1257300" lvl="2" indent="-342900">
-              <a:buFont typeface="Arial" panose="020B0604020202020204" pitchFamily="34" charset="0"/>
-              <a:buChar char="•"/>
-            </a:pPr>
-            <a:r>
-              <a:rPr lang="en-US" sz="2000" dirty="0">
-                <a:solidFill>
-                  <a:schemeClr val="bg1"/>
-                </a:solidFill>
-                <a:latin typeface="Selawik Semibold" panose="020B0702040204020203" pitchFamily="34" charset="0"/>
-              </a:rPr>
-              <a:t>Pitchers = Good</a:t>
-            </a:r>
-          </a:p>
-          <a:p>
-            <a:pPr marL="800100" lvl="1" indent="-342900">
-              <a:buFont typeface="Arial" panose="020B0604020202020204" pitchFamily="34" charset="0"/>
-              <a:buChar char="•"/>
-            </a:pPr>
-            <a:r>
-              <a:rPr lang="en-US" sz="2400" dirty="0">
-                <a:solidFill>
-                  <a:schemeClr val="bg1"/>
-                </a:solidFill>
-                <a:latin typeface="Selawik Semibold" panose="020B0702040204020203" pitchFamily="34" charset="0"/>
-              </a:rPr>
-              <a:t>Season 100 Wins</a:t>
-            </a:r>
-          </a:p>
-          <a:p>
-            <a:pPr marL="800100" lvl="1" indent="-342900">
-              <a:buFont typeface="Arial" panose="020B0604020202020204" pitchFamily="34" charset="0"/>
-              <a:buChar char="•"/>
-            </a:pPr>
-            <a:r>
-              <a:rPr lang="en-US" sz="2400" dirty="0">
-                <a:solidFill>
-                  <a:schemeClr val="bg1"/>
-                </a:solidFill>
-                <a:latin typeface="Selawik Semibold" panose="020B0702040204020203" pitchFamily="34" charset="0"/>
-              </a:rPr>
-              <a:t>Expect 38,000 Win Points</a:t>
-            </a:r>
-          </a:p>
-          <a:p>
-            <a:pPr marL="800100" lvl="1" indent="-342900">
-              <a:buFont typeface="Arial" panose="020B0604020202020204" pitchFamily="34" charset="0"/>
-              <a:buChar char="•"/>
-            </a:pPr>
+              <a:t>Woolner</a:t>
+            </a:r>
             <a:endParaRPr lang="en-US" sz="2400" dirty="0">
               <a:solidFill>
                 <a:schemeClr val="bg1"/>
@@ -17139,12 +11674,15 @@
               <a:buFont typeface="Arial" panose="020B0604020202020204" pitchFamily="34" charset="0"/>
               <a:buChar char="•"/>
             </a:pPr>
-            <a:endParaRPr lang="en-US" sz="2400" dirty="0">
-              <a:solidFill>
-                <a:schemeClr val="bg1"/>
-              </a:solidFill>
-              <a:latin typeface="Selawik Semibold" panose="020B0702040204020203" pitchFamily="34" charset="0"/>
-            </a:endParaRPr>
+            <a:r>
+              <a:rPr lang="en-US" sz="2000" dirty="0">
+                <a:solidFill>
+                  <a:schemeClr val="bg1"/>
+                </a:solidFill>
+                <a:latin typeface="Selawik Semibold" panose="020B0702040204020203" pitchFamily="34" charset="0"/>
+              </a:rPr>
+              <a:t>Works for the Cleveland Indians</a:t>
+            </a:r>
           </a:p>
           <a:p>
             <a:pPr marL="800100" lvl="1" indent="-342900">
@@ -17152,13 +11690,22 @@
               <a:buChar char="•"/>
             </a:pPr>
             <a:r>
-              <a:rPr lang="en-US" sz="2400" dirty="0">
+              <a:rPr lang="en-US" sz="2000" dirty="0">
                 <a:solidFill>
                   <a:schemeClr val="bg1"/>
                 </a:solidFill>
                 <a:latin typeface="Selawik Semibold" panose="020B0702040204020203" pitchFamily="34" charset="0"/>
               </a:rPr>
-              <a:t>Not Equal Because Trades</a:t>
+              <a:t>Authored for </a:t>
+            </a:r>
+            <a:r>
+              <a:rPr lang="en-US" sz="2000" i="1" dirty="0">
+                <a:solidFill>
+                  <a:schemeClr val="bg1"/>
+                </a:solidFill>
+                <a:latin typeface="Selawik Semibold" panose="020B0702040204020203" pitchFamily="34" charset="0"/>
+              </a:rPr>
+              <a:t>Baseball Prospectus</a:t>
             </a:r>
             <a:endParaRPr lang="en-US" sz="2000" dirty="0">
               <a:solidFill>
@@ -17167,231 +11714,183 @@
               <a:latin typeface="Selawik Semibold" panose="020B0702040204020203" pitchFamily="34" charset="0"/>
             </a:endParaRPr>
           </a:p>
-        </p:txBody>
-      </p:sp>
-      <p:pic>
-        <p:nvPicPr>
-          <p:cNvPr id="2" name="Picture 1">
-            <a:extLst>
-              <a:ext uri="{FF2B5EF4-FFF2-40B4-BE49-F238E27FC236}">
-                <a16:creationId xmlns:a16="http://schemas.microsoft.com/office/drawing/2014/main" id="{E107FB37-C0D4-4C81-AE75-A7F91590CBEB}"/>
-              </a:ext>
-            </a:extLst>
-          </p:cNvPr>
-          <p:cNvPicPr>
-            <a:picLocks noChangeAspect="1"/>
-          </p:cNvPicPr>
-          <p:nvPr/>
-        </p:nvPicPr>
-        <p:blipFill>
-          <a:blip r:embed="rId4"/>
-          <a:stretch>
-            <a:fillRect/>
-          </a:stretch>
-        </p:blipFill>
-        <p:spPr>
-          <a:xfrm>
-            <a:off x="7861413" y="3171693"/>
-            <a:ext cx="4173362" cy="3548687"/>
-          </a:xfrm>
-          <a:prstGeom prst="rect">
-            <a:avLst/>
-          </a:prstGeom>
-        </p:spPr>
-      </p:pic>
-      <mc:AlternateContent xmlns:mc="http://schemas.openxmlformats.org/markup-compatibility/2006" xmlns:a14="http://schemas.microsoft.com/office/drawing/2010/main">
-        <mc:Choice Requires="a14">
-          <p:sp>
-            <p:nvSpPr>
-              <p:cNvPr id="11" name="TextBox 10">
-                <a:extLst>
-                  <a:ext uri="{FF2B5EF4-FFF2-40B4-BE49-F238E27FC236}">
-                    <a16:creationId xmlns:a16="http://schemas.microsoft.com/office/drawing/2014/main" id="{D2F61D9C-19D3-473C-8214-7E940AD7D12E}"/>
-                  </a:ext>
-                </a:extLst>
-              </p:cNvPr>
-              <p:cNvSpPr txBox="1"/>
-              <p:nvPr/>
-            </p:nvSpPr>
-            <p:spPr>
-              <a:xfrm>
-                <a:off x="1919378" y="4106495"/>
-                <a:ext cx="7214761" cy="461665"/>
-              </a:xfrm>
-              <a:prstGeom prst="rect">
-                <a:avLst/>
-              </a:prstGeom>
-              <a:noFill/>
-            </p:spPr>
-            <p:txBody>
-              <a:bodyPr wrap="square" rtlCol="0">
-                <a:spAutoFit/>
-              </a:bodyPr>
-              <a:lstStyle/>
-              <a:p>
-                <a:pPr/>
-                <a14:m>
-                  <m:oMathPara xmlns:m="http://schemas.openxmlformats.org/officeDocument/2006/math">
-                    <m:oMathParaPr>
-                      <m:jc m:val="centerGroup"/>
-                    </m:oMathParaPr>
-                    <m:oMath xmlns:m="http://schemas.openxmlformats.org/officeDocument/2006/math">
-                      <m:d>
-                        <m:dPr>
-                          <m:ctrlPr>
-                            <a:rPr lang="en-US" sz="2400" b="1" i="1" smtClean="0">
-                              <a:solidFill>
-                                <a:schemeClr val="bg1"/>
-                              </a:solidFill>
-                              <a:latin typeface="Cambria Math" panose="02040503050406030204" pitchFamily="18" charset="0"/>
-                            </a:rPr>
-                          </m:ctrlPr>
-                        </m:dPr>
-                        <m:e>
-                          <m:r>
-                            <a:rPr lang="en-US" sz="2400" b="1" i="1" smtClean="0">
-                              <a:solidFill>
-                                <a:schemeClr val="bg1"/>
-                              </a:solidFill>
-                              <a:latin typeface="Cambria Math" panose="02040503050406030204" pitchFamily="18" charset="0"/>
-                            </a:rPr>
-                            <m:t>𝟏𝟎𝟎</m:t>
-                          </m:r>
-                          <m:r>
-                            <a:rPr lang="en-US" sz="2400" b="1" i="1" smtClean="0">
-                              <a:solidFill>
-                                <a:schemeClr val="bg1"/>
-                              </a:solidFill>
-                              <a:latin typeface="Cambria Math" panose="02040503050406030204" pitchFamily="18" charset="0"/>
-                            </a:rPr>
-                            <m:t>−</m:t>
-                          </m:r>
-                          <m:r>
-                            <a:rPr lang="en-US" sz="2400" b="1" i="1" smtClean="0">
-                              <a:solidFill>
-                                <a:schemeClr val="bg1"/>
-                              </a:solidFill>
-                              <a:latin typeface="Cambria Math" panose="02040503050406030204" pitchFamily="18" charset="0"/>
-                            </a:rPr>
-                            <m:t>𝟖𝟏</m:t>
-                          </m:r>
-                        </m:e>
-                      </m:d>
-                      <m:r>
-                        <a:rPr lang="en-US" sz="2400" b="1" i="1" smtClean="0">
-                          <a:solidFill>
-                            <a:schemeClr val="bg1"/>
-                          </a:solidFill>
-                          <a:latin typeface="Cambria Math" panose="02040503050406030204" pitchFamily="18" charset="0"/>
-                        </a:rPr>
-                        <m:t>×</m:t>
-                      </m:r>
-                      <m:r>
-                        <a:rPr lang="en-US" sz="2400" b="1" i="1" smtClean="0">
-                          <a:solidFill>
-                            <a:schemeClr val="bg1"/>
-                          </a:solidFill>
-                          <a:latin typeface="Cambria Math" panose="02040503050406030204" pitchFamily="18" charset="0"/>
-                        </a:rPr>
-                        <m:t>𝟐𝟎𝟎𝟎</m:t>
-                      </m:r>
-                      <m:r>
-                        <a:rPr lang="en-US" sz="2400" b="1" i="1" smtClean="0">
-                          <a:solidFill>
-                            <a:schemeClr val="bg1"/>
-                          </a:solidFill>
-                          <a:latin typeface="Cambria Math" panose="02040503050406030204" pitchFamily="18" charset="0"/>
-                        </a:rPr>
-                        <m:t>=</m:t>
-                      </m:r>
-                      <m:r>
-                        <a:rPr lang="en-US" sz="2400" b="1" i="1" smtClean="0">
-                          <a:solidFill>
-                            <a:schemeClr val="bg1"/>
-                          </a:solidFill>
-                          <a:latin typeface="Cambria Math" panose="02040503050406030204" pitchFamily="18" charset="0"/>
-                        </a:rPr>
-                        <m:t>𝟑𝟖</m:t>
-                      </m:r>
-                      <m:r>
-                        <a:rPr lang="en-US" sz="2400" b="1" i="1" smtClean="0">
-                          <a:solidFill>
-                            <a:schemeClr val="bg1"/>
-                          </a:solidFill>
-                          <a:latin typeface="Cambria Math" panose="02040503050406030204" pitchFamily="18" charset="0"/>
-                        </a:rPr>
-                        <m:t>,</m:t>
-                      </m:r>
-                      <m:r>
-                        <a:rPr lang="en-US" sz="2400" b="1" i="1" smtClean="0">
-                          <a:solidFill>
-                            <a:schemeClr val="bg1"/>
-                          </a:solidFill>
-                          <a:latin typeface="Cambria Math" panose="02040503050406030204" pitchFamily="18" charset="0"/>
-                        </a:rPr>
-                        <m:t>𝟎𝟎𝟎</m:t>
-                      </m:r>
-                    </m:oMath>
-                  </m:oMathPara>
-                </a14:m>
-                <a:endParaRPr lang="en-US" sz="2400" b="1" dirty="0">
-                  <a:solidFill>
-                    <a:schemeClr val="bg1"/>
-                  </a:solidFill>
-                </a:endParaRPr>
-              </a:p>
-            </p:txBody>
-          </p:sp>
-        </mc:Choice>
-        <mc:Fallback xmlns="">
-          <p:sp>
-            <p:nvSpPr>
-              <p:cNvPr id="11" name="TextBox 10">
-                <a:extLst>
-                  <a:ext uri="{FF2B5EF4-FFF2-40B4-BE49-F238E27FC236}">
-                    <a16:creationId xmlns:a16="http://schemas.microsoft.com/office/drawing/2014/main" id="{D2F61D9C-19D3-473C-8214-7E940AD7D12E}"/>
-                  </a:ext>
-                </a:extLst>
-              </p:cNvPr>
-              <p:cNvSpPr txBox="1">
-                <a:spLocks noRot="1" noChangeAspect="1" noMove="1" noResize="1" noEditPoints="1" noAdjustHandles="1" noChangeArrowheads="1" noChangeShapeType="1" noTextEdit="1"/>
-              </p:cNvSpPr>
-              <p:nvPr/>
-            </p:nvSpPr>
-            <p:spPr>
-              <a:xfrm>
-                <a:off x="1919378" y="4106495"/>
-                <a:ext cx="7214761" cy="461665"/>
-              </a:xfrm>
-              <a:prstGeom prst="rect">
-                <a:avLst/>
-              </a:prstGeom>
-              <a:blipFill>
-                <a:blip r:embed="rId5"/>
-                <a:stretch>
-                  <a:fillRect/>
-                </a:stretch>
-              </a:blipFill>
-            </p:spPr>
-            <p:txBody>
-              <a:bodyPr/>
-              <a:lstStyle/>
-              <a:p>
-                <a:r>
-                  <a:rPr lang="en-US">
-                    <a:noFill/>
-                  </a:rPr>
-                  <a:t> </a:t>
-                </a:r>
-              </a:p>
-            </p:txBody>
-          </p:sp>
-        </mc:Fallback>
-      </mc:AlternateContent>
+          <a:p>
+            <a:pPr marL="800100" lvl="1" indent="-342900">
+              <a:buFont typeface="Arial" panose="020B0604020202020204" pitchFamily="34" charset="0"/>
+              <a:buChar char="•"/>
+            </a:pPr>
+            <a:r>
+              <a:rPr lang="en-US" sz="2000" dirty="0">
+                <a:solidFill>
+                  <a:schemeClr val="bg1"/>
+                </a:solidFill>
+                <a:latin typeface="Selawik Semibold" panose="020B0702040204020203" pitchFamily="34" charset="0"/>
+              </a:rPr>
+              <a:t>Respected for Player Analysis and Market Evaluation</a:t>
+            </a:r>
+          </a:p>
+          <a:p>
+            <a:pPr marL="800100" lvl="1" indent="-342900">
+              <a:buFont typeface="Arial" panose="020B0604020202020204" pitchFamily="34" charset="0"/>
+              <a:buChar char="•"/>
+            </a:pPr>
+            <a:r>
+              <a:rPr lang="en-US" sz="2000" dirty="0">
+                <a:solidFill>
+                  <a:schemeClr val="bg1"/>
+                </a:solidFill>
+                <a:latin typeface="Selawik Semibold" panose="020B0702040204020203" pitchFamily="34" charset="0"/>
+              </a:rPr>
+              <a:t>Created Value of Replacement Player (VORP)</a:t>
+            </a:r>
+          </a:p>
+          <a:p>
+            <a:pPr marL="800100" lvl="1" indent="-342900">
+              <a:buFont typeface="Arial" panose="020B0604020202020204" pitchFamily="34" charset="0"/>
+              <a:buChar char="•"/>
+            </a:pPr>
+            <a:endParaRPr lang="en-US" sz="2000" dirty="0">
+              <a:solidFill>
+                <a:schemeClr val="bg1"/>
+              </a:solidFill>
+              <a:latin typeface="Selawik Semibold" panose="020B0702040204020203" pitchFamily="34" charset="0"/>
+            </a:endParaRPr>
+          </a:p>
+          <a:p>
+            <a:pPr marL="342900" indent="-342900">
+              <a:buFont typeface="Arial" panose="020B0604020202020204" pitchFamily="34" charset="0"/>
+              <a:buChar char="•"/>
+            </a:pPr>
+            <a:r>
+              <a:rPr lang="en-US" sz="2400" dirty="0">
+                <a:solidFill>
+                  <a:schemeClr val="bg1"/>
+                </a:solidFill>
+                <a:latin typeface="Selawik Semibold" panose="020B0702040204020203" pitchFamily="34" charset="0"/>
+              </a:rPr>
+              <a:t>Replacement Player</a:t>
+            </a:r>
+          </a:p>
+          <a:p>
+            <a:pPr marL="800100" lvl="1" indent="-342900">
+              <a:buFont typeface="Arial" panose="020B0604020202020204" pitchFamily="34" charset="0"/>
+              <a:buChar char="•"/>
+            </a:pPr>
+            <a:r>
+              <a:rPr lang="en-US" sz="2000" dirty="0">
+                <a:solidFill>
+                  <a:schemeClr val="bg1"/>
+                </a:solidFill>
+                <a:latin typeface="Selawik Semibold" panose="020B0702040204020203" pitchFamily="34" charset="0"/>
+              </a:rPr>
+              <a:t>Players Create Value by Keeping Bad Players Off the Field</a:t>
+            </a:r>
+          </a:p>
+          <a:p>
+            <a:pPr marL="800100" lvl="1" indent="-342900">
+              <a:buFont typeface="Arial" panose="020B0604020202020204" pitchFamily="34" charset="0"/>
+              <a:buChar char="•"/>
+            </a:pPr>
+            <a:r>
+              <a:rPr lang="en-US" sz="2000" dirty="0">
+                <a:solidFill>
+                  <a:schemeClr val="bg1"/>
+                </a:solidFill>
+                <a:latin typeface="Selawik Semibold" panose="020B0702040204020203" pitchFamily="34" charset="0"/>
+              </a:rPr>
+              <a:t>Acquiring Replacement Players (Minor League)</a:t>
+            </a:r>
+          </a:p>
+          <a:p>
+            <a:pPr marL="800100" lvl="1" indent="-342900">
+              <a:buFont typeface="Arial" panose="020B0604020202020204" pitchFamily="34" charset="0"/>
+              <a:buChar char="•"/>
+            </a:pPr>
+            <a:r>
+              <a:rPr lang="en-US" sz="2000" dirty="0">
+                <a:solidFill>
+                  <a:schemeClr val="bg1"/>
+                </a:solidFill>
+                <a:latin typeface="Selawik Semibold" panose="020B0702040204020203" pitchFamily="34" charset="0"/>
+              </a:rPr>
+              <a:t>Assume List of Replacement Players is Infinite</a:t>
+            </a:r>
+          </a:p>
+          <a:p>
+            <a:pPr marL="800100" lvl="1" indent="-342900">
+              <a:buFont typeface="Arial" panose="020B0604020202020204" pitchFamily="34" charset="0"/>
+              <a:buChar char="•"/>
+            </a:pPr>
+            <a:r>
+              <a:rPr lang="en-US" sz="2000" dirty="0" err="1">
+                <a:solidFill>
+                  <a:schemeClr val="bg1"/>
+                </a:solidFill>
+                <a:latin typeface="Selawik Semibold" panose="020B0702040204020203" pitchFamily="34" charset="0"/>
+              </a:rPr>
+              <a:t>Woolner</a:t>
+            </a:r>
+            <a:r>
+              <a:rPr lang="en-US" sz="2000" dirty="0">
+                <a:solidFill>
+                  <a:schemeClr val="bg1"/>
+                </a:solidFill>
+                <a:latin typeface="Selawik Semibold" panose="020B0702040204020203" pitchFamily="34" charset="0"/>
+              </a:rPr>
+              <a:t> Defined Replacement Player as a Player in the Bottom 20% of List Ordered by Plate Appearances</a:t>
+            </a:r>
+          </a:p>
+          <a:p>
+            <a:pPr marL="800100" lvl="1" indent="-342900">
+              <a:buFont typeface="Arial" panose="020B0604020202020204" pitchFamily="34" charset="0"/>
+              <a:buChar char="•"/>
+            </a:pPr>
+            <a:r>
+              <a:rPr lang="en-US" sz="2000" dirty="0">
+                <a:solidFill>
+                  <a:schemeClr val="bg1"/>
+                </a:solidFill>
+                <a:latin typeface="Selawik Semibold" panose="020B0702040204020203" pitchFamily="34" charset="0"/>
+              </a:rPr>
+              <a:t>Fan Graphs Definition</a:t>
+            </a:r>
+          </a:p>
+          <a:p>
+            <a:pPr marL="1257300" lvl="2" indent="-342900">
+              <a:buFont typeface="Arial" panose="020B0604020202020204" pitchFamily="34" charset="0"/>
+              <a:buChar char="•"/>
+            </a:pPr>
+            <a:r>
+              <a:rPr lang="en-US" sz="2000" dirty="0">
+                <a:solidFill>
+                  <a:schemeClr val="bg1"/>
+                </a:solidFill>
+                <a:latin typeface="Selawik Semibold" panose="020B0702040204020203" pitchFamily="34" charset="0"/>
+              </a:rPr>
+              <a:t>20 Runs Below Average for a Season</a:t>
+            </a:r>
+          </a:p>
+          <a:p>
+            <a:pPr marL="1257300" lvl="2" indent="-342900">
+              <a:buFont typeface="Arial" panose="020B0604020202020204" pitchFamily="34" charset="0"/>
+              <a:buChar char="•"/>
+            </a:pPr>
+            <a:r>
+              <a:rPr lang="en-US" sz="2000" dirty="0">
+                <a:solidFill>
+                  <a:schemeClr val="bg1"/>
+                </a:solidFill>
+                <a:latin typeface="Selawik Semibold" panose="020B0702040204020203" pitchFamily="34" charset="0"/>
+              </a:rPr>
+              <a:t>Team of Replacement Players Win 48 Games Out of 162</a:t>
+            </a:r>
+          </a:p>
+        </p:txBody>
+      </p:sp>
     </p:spTree>
     <p:extLst>
       <p:ext uri="{BB962C8B-B14F-4D97-AF65-F5344CB8AC3E}">
-        <p14:creationId xmlns:p14="http://schemas.microsoft.com/office/powerpoint/2010/main" val="1157092821"/>
+        <p14:creationId xmlns:p14="http://schemas.microsoft.com/office/powerpoint/2010/main" val="3050381949"/>
       </p:ext>
     </p:extLst>
   </p:cSld>
@@ -17404,14 +11903,6 @@
 <file path=ppt/slides/slide9.xml><?xml version="1.0" encoding="utf-8"?>
 <p:sld xmlns:a="http://schemas.openxmlformats.org/drawingml/2006/main" xmlns:r="http://schemas.openxmlformats.org/officeDocument/2006/relationships" xmlns:p="http://schemas.openxmlformats.org/presentationml/2006/main">
   <p:cSld>
-    <p:bg>
-      <p:bgPr>
-        <a:solidFill>
-          <a:schemeClr val="bg1"/>
-        </a:solidFill>
-        <a:effectLst/>
-      </p:bgPr>
-    </p:bg>
     <p:spTree>
       <p:nvGrpSpPr>
         <p:cNvPr id="1" name=""/>
@@ -17658,7 +12149,7 @@
                 </a:solidFill>
                 <a:latin typeface="Selawik Semibold" panose="020B0702040204020203" pitchFamily="34" charset="0"/>
               </a:rPr>
-              <a:t>Player Win Averages</a:t>
+              <a:t>Wins Above Replacement</a:t>
             </a:r>
           </a:p>
         </p:txBody>
@@ -17793,8 +12284,8 @@
         </p:nvSpPr>
         <p:spPr>
           <a:xfrm>
-            <a:off x="3080081" y="1520792"/>
-            <a:ext cx="8954694" cy="4216539"/>
+            <a:off x="3080080" y="1520792"/>
+            <a:ext cx="8532800" cy="4154984"/>
           </a:xfrm>
           <a:prstGeom prst="rect">
             <a:avLst/>
@@ -17818,7 +12309,7 @@
                 </a:solidFill>
                 <a:latin typeface="Selawik Semibold" panose="020B0702040204020203" pitchFamily="34" charset="0"/>
               </a:rPr>
-              <a:t>Winning Probabilities for All Game Scenarios</a:t>
+              <a:t>Wins Above Replacement (WAR)</a:t>
             </a:r>
           </a:p>
           <a:p>
@@ -17833,7 +12324,7 @@
                 </a:solidFill>
                 <a:latin typeface="Selawik Semibold" panose="020B0702040204020203" pitchFamily="34" charset="0"/>
               </a:rPr>
-              <a:t>Recall: p = Probability My Team Wins (%)</a:t>
+              <a:t>Attempt to Measure All of a Baseball’s Player’s Contributions</a:t>
             </a:r>
           </a:p>
           <a:p>
@@ -17848,7 +12339,7 @@
                 </a:solidFill>
                 <a:latin typeface="Selawik Semibold" panose="020B0702040204020203" pitchFamily="34" charset="0"/>
               </a:rPr>
-              <a:t>How is this Probability Calculated?</a:t>
+              <a:t>What is it good for? Absolutely Everything</a:t>
             </a:r>
           </a:p>
           <a:p>
@@ -17863,7 +12354,7 @@
                 </a:solidFill>
                 <a:latin typeface="Selawik Semibold" panose="020B0702040204020203" pitchFamily="34" charset="0"/>
               </a:rPr>
-              <a:t>We Can Use a Massive Set of Play-by-Play Data (1977-2006)</a:t>
+              <a:t>Not Comparing to Average Player but Replacement Player</a:t>
             </a:r>
           </a:p>
           <a:p>
@@ -17878,7 +12369,25 @@
                 </a:solidFill>
                 <a:latin typeface="Selawik Semibold" panose="020B0702040204020203" pitchFamily="34" charset="0"/>
               </a:rPr>
-              <a:t>Scenarios Based on Inning, Score, Runner Locations, and Outs</a:t>
+              <a:t>Interpretation: “If a player got injured and their team had to replace them, how many </a:t>
+            </a:r>
+            <a:r>
+              <a:rPr lang="en-US" sz="2000" u="sng" dirty="0">
+                <a:solidFill>
+                  <a:schemeClr val="bg1"/>
+                </a:solidFill>
+                <a:latin typeface="Selawik Semibold" panose="020B0702040204020203" pitchFamily="34" charset="0"/>
+              </a:rPr>
+              <a:t>wins</a:t>
+            </a:r>
+            <a:r>
+              <a:rPr lang="en-US" sz="2000" dirty="0">
+                <a:solidFill>
+                  <a:schemeClr val="bg1"/>
+                </a:solidFill>
+                <a:latin typeface="Selawik Semibold" panose="020B0702040204020203" pitchFamily="34" charset="0"/>
+              </a:rPr>
+              <a:t> would the team be losing?</a:t>
             </a:r>
           </a:p>
           <a:p>
@@ -17886,29 +12395,107 @@
               <a:buFont typeface="Arial" panose="020B0604020202020204" pitchFamily="34" charset="0"/>
               <a:buChar char="•"/>
             </a:pPr>
-            <a:r>
-              <a:rPr lang="en-US" sz="2000" dirty="0">
-                <a:solidFill>
-                  <a:schemeClr val="bg1"/>
-                </a:solidFill>
-                <a:latin typeface="Selawik Semibold" panose="020B0702040204020203" pitchFamily="34" charset="0"/>
-              </a:rPr>
-              <a:t>Problem Some Scenarios Are Rare</a:t>
-            </a:r>
-          </a:p>
-          <a:p>
-            <a:pPr marL="800100" lvl="1" indent="-342900">
+            <a:endParaRPr lang="en-US" sz="1600" dirty="0">
+              <a:solidFill>
+                <a:schemeClr val="bg1"/>
+              </a:solidFill>
+              <a:latin typeface="Selawik Semibold" panose="020B0702040204020203" pitchFamily="34" charset="0"/>
+            </a:endParaRPr>
+          </a:p>
+          <a:p>
+            <a:pPr marL="342900" indent="-342900">
               <a:buFont typeface="Arial" panose="020B0604020202020204" pitchFamily="34" charset="0"/>
               <a:buChar char="•"/>
             </a:pPr>
             <a:r>
+              <a:rPr lang="en-US" sz="2400" dirty="0">
+                <a:solidFill>
+                  <a:schemeClr val="bg1"/>
+                </a:solidFill>
+                <a:latin typeface="Selawik Semibold" panose="020B0702040204020203" pitchFamily="34" charset="0"/>
+              </a:rPr>
+              <a:t>Three Main Sources of WAR</a:t>
+            </a:r>
+          </a:p>
+          <a:p>
+            <a:pPr marL="800100" lvl="1" indent="-342900">
+              <a:buFont typeface="Arial" panose="020B0604020202020204" pitchFamily="34" charset="0"/>
+              <a:buChar char="•"/>
+            </a:pPr>
+            <a:r>
               <a:rPr lang="en-US" sz="2000" dirty="0">
                 <a:solidFill>
                   <a:schemeClr val="bg1"/>
                 </a:solidFill>
                 <a:latin typeface="Selawik Semibold" panose="020B0702040204020203" pitchFamily="34" charset="0"/>
               </a:rPr>
-              <a:t>Advised to Use Markov Chain Monte Carlo (MCMC)</a:t>
+              <a:t>Baseball-Reference (</a:t>
+            </a:r>
+            <a:r>
+              <a:rPr lang="en-US" sz="2000" dirty="0" err="1">
+                <a:solidFill>
+                  <a:schemeClr val="bg1"/>
+                </a:solidFill>
+                <a:latin typeface="Selawik Semibold" panose="020B0702040204020203" pitchFamily="34" charset="0"/>
+              </a:rPr>
+              <a:t>bWAR</a:t>
+            </a:r>
+            <a:r>
+              <a:rPr lang="en-US" sz="2000" dirty="0">
+                <a:solidFill>
+                  <a:schemeClr val="bg1"/>
+                </a:solidFill>
+                <a:latin typeface="Selawik Semibold" panose="020B0702040204020203" pitchFamily="34" charset="0"/>
+              </a:rPr>
+              <a:t>)</a:t>
+            </a:r>
+          </a:p>
+          <a:p>
+            <a:pPr marL="800100" lvl="1" indent="-342900">
+              <a:buFont typeface="Arial" panose="020B0604020202020204" pitchFamily="34" charset="0"/>
+              <a:buChar char="•"/>
+            </a:pPr>
+            <a:r>
+              <a:rPr lang="en-US" sz="2000" dirty="0">
+                <a:solidFill>
+                  <a:schemeClr val="bg1"/>
+                </a:solidFill>
+                <a:latin typeface="Selawik Semibold" panose="020B0702040204020203" pitchFamily="34" charset="0"/>
+              </a:rPr>
+              <a:t>FanGraphs (</a:t>
+            </a:r>
+            <a:r>
+              <a:rPr lang="en-US" sz="2000" dirty="0" err="1">
+                <a:solidFill>
+                  <a:schemeClr val="bg1"/>
+                </a:solidFill>
+                <a:latin typeface="Selawik Semibold" panose="020B0702040204020203" pitchFamily="34" charset="0"/>
+              </a:rPr>
+              <a:t>fWAR</a:t>
+            </a:r>
+            <a:r>
+              <a:rPr lang="en-US" sz="2000" dirty="0">
+                <a:solidFill>
+                  <a:schemeClr val="bg1"/>
+                </a:solidFill>
+                <a:latin typeface="Selawik Semibold" panose="020B0702040204020203" pitchFamily="34" charset="0"/>
+              </a:rPr>
+              <a:t>)</a:t>
+            </a:r>
+          </a:p>
+          <a:p>
+            <a:pPr marL="800100" lvl="1" indent="-342900">
+              <a:buFont typeface="Arial" panose="020B0604020202020204" pitchFamily="34" charset="0"/>
+              <a:buChar char="•"/>
+            </a:pPr>
+            <a:r>
+              <a:rPr lang="en-US" sz="2000" dirty="0">
+                <a:solidFill>
+                  <a:schemeClr val="bg1"/>
+                </a:solidFill>
+                <a:latin typeface="Selawik Semibold" panose="020B0702040204020203" pitchFamily="34" charset="0"/>
+              </a:rPr>
+              <a:t>Baseball Prospectus (WARP)</a:t>
             </a:r>
           </a:p>
           <a:p>
@@ -17924,71 +12511,26 @@
             </a:endParaRPr>
           </a:p>
           <a:p>
-            <a:pPr marL="1257300" lvl="2" indent="-342900">
+            <a:pPr marL="342900" indent="-342900">
               <a:buFont typeface="Arial" panose="020B0604020202020204" pitchFamily="34" charset="0"/>
               <a:buChar char="•"/>
             </a:pPr>
-            <a:endParaRPr lang="en-US" sz="2400" dirty="0">
-              <a:solidFill>
-                <a:schemeClr val="bg1"/>
-              </a:solidFill>
-              <a:latin typeface="Selawik Semibold" panose="020B0702040204020203" pitchFamily="34" charset="0"/>
-            </a:endParaRPr>
-          </a:p>
-          <a:p>
-            <a:pPr marL="800100" lvl="1" indent="-342900">
-              <a:buFont typeface="Arial" panose="020B0604020202020204" pitchFamily="34" charset="0"/>
-              <a:buChar char="•"/>
-            </a:pPr>
-            <a:endParaRPr lang="en-US" sz="2000" dirty="0">
-              <a:solidFill>
-                <a:schemeClr val="bg1"/>
-              </a:solidFill>
-              <a:latin typeface="Selawik Semibold" panose="020B0702040204020203" pitchFamily="34" charset="0"/>
-            </a:endParaRPr>
-          </a:p>
-          <a:p>
-            <a:pPr marL="800100" lvl="1" indent="-342900">
-              <a:buFont typeface="Arial" panose="020B0604020202020204" pitchFamily="34" charset="0"/>
-              <a:buChar char="•"/>
-            </a:pPr>
-            <a:endParaRPr lang="en-US" sz="2000" dirty="0">
-              <a:solidFill>
-                <a:schemeClr val="bg1"/>
-              </a:solidFill>
-              <a:latin typeface="Selawik Semibold" panose="020B0702040204020203" pitchFamily="34" charset="0"/>
-            </a:endParaRPr>
-          </a:p>
-          <a:p>
-            <a:pPr marL="800100" lvl="1" indent="-342900">
-              <a:buFont typeface="Arial" panose="020B0604020202020204" pitchFamily="34" charset="0"/>
-              <a:buChar char="•"/>
-            </a:pPr>
-            <a:endParaRPr lang="en-US" sz="2000" dirty="0">
-              <a:solidFill>
-                <a:schemeClr val="bg1"/>
-              </a:solidFill>
-              <a:latin typeface="Selawik Semibold" panose="020B0702040204020203" pitchFamily="34" charset="0"/>
-            </a:endParaRPr>
-          </a:p>
-          <a:p>
-            <a:pPr marL="800100" lvl="1" indent="-342900">
-              <a:buFont typeface="Arial" panose="020B0604020202020204" pitchFamily="34" charset="0"/>
-              <a:buChar char="•"/>
-            </a:pPr>
-            <a:endParaRPr lang="en-US" sz="2000" dirty="0">
-              <a:solidFill>
-                <a:schemeClr val="bg1"/>
-              </a:solidFill>
-              <a:latin typeface="Selawik Semibold" panose="020B0702040204020203" pitchFamily="34" charset="0"/>
-            </a:endParaRPr>
+            <a:r>
+              <a:rPr lang="en-US" sz="2000" dirty="0">
+                <a:solidFill>
+                  <a:schemeClr val="bg1"/>
+                </a:solidFill>
+                <a:latin typeface="Selawik Semibold" panose="020B0702040204020203" pitchFamily="34" charset="0"/>
+              </a:rPr>
+              <a:t>Carefully Read Steps for Calculation of WAR in Textbook</a:t>
+            </a:r>
           </a:p>
         </p:txBody>
       </p:sp>
     </p:spTree>
     <p:extLst>
       <p:ext uri="{BB962C8B-B14F-4D97-AF65-F5344CB8AC3E}">
-        <p14:creationId xmlns:p14="http://schemas.microsoft.com/office/powerpoint/2010/main" val="626982148"/>
+        <p14:creationId xmlns:p14="http://schemas.microsoft.com/office/powerpoint/2010/main" val="1358373830"/>
       </p:ext>
     </p:extLst>
   </p:cSld>

--- a/Slides/Baseball 6/Baseball_6_Lecture.pptx
+++ b/Slides/Baseball 6/Baseball_6_Lecture.pptx
@@ -5,24 +5,23 @@
     <p:sldMasterId id="2147483648" r:id="rId1"/>
   </p:sldMasterIdLst>
   <p:notesMasterIdLst>
-    <p:notesMasterId r:id="rId17"/>
+    <p:notesMasterId r:id="rId16"/>
   </p:notesMasterIdLst>
   <p:sldIdLst>
     <p:sldId id="298" r:id="rId2"/>
     <p:sldId id="350" r:id="rId3"/>
     <p:sldId id="351" r:id="rId4"/>
-    <p:sldId id="352" r:id="rId5"/>
-    <p:sldId id="353" r:id="rId6"/>
-    <p:sldId id="354" r:id="rId7"/>
-    <p:sldId id="337" r:id="rId8"/>
-    <p:sldId id="341" r:id="rId9"/>
-    <p:sldId id="346" r:id="rId10"/>
-    <p:sldId id="347" r:id="rId11"/>
-    <p:sldId id="348" r:id="rId12"/>
-    <p:sldId id="349" r:id="rId13"/>
-    <p:sldId id="355" r:id="rId14"/>
-    <p:sldId id="356" r:id="rId15"/>
-    <p:sldId id="281" r:id="rId16"/>
+    <p:sldId id="353" r:id="rId5"/>
+    <p:sldId id="354" r:id="rId6"/>
+    <p:sldId id="337" r:id="rId7"/>
+    <p:sldId id="341" r:id="rId8"/>
+    <p:sldId id="346" r:id="rId9"/>
+    <p:sldId id="347" r:id="rId10"/>
+    <p:sldId id="348" r:id="rId11"/>
+    <p:sldId id="349" r:id="rId12"/>
+    <p:sldId id="355" r:id="rId13"/>
+    <p:sldId id="356" r:id="rId14"/>
+    <p:sldId id="281" r:id="rId15"/>
   </p:sldIdLst>
   <p:sldSz cx="12192000" cy="6858000"/>
   <p:notesSz cx="6858000" cy="9144000"/>
@@ -211,7 +210,7 @@
           <a:p>
             <a:fld id="{C04E5E84-956F-4423-97B3-5936A6D8EEEE}" type="datetimeFigureOut">
               <a:rPr lang="en-US" smtClean="0"/>
-              <a:t>2/4/2023</a:t>
+              <a:t>2/7/2023</a:t>
             </a:fld>
             <a:endParaRPr lang="en-US"/>
           </a:p>
@@ -625,7 +624,7 @@
           <a:p>
             <a:fld id="{3881C039-66A3-4640-815B-3B5A8B7D868D}" type="datetimeFigureOut">
               <a:rPr lang="en-US" smtClean="0"/>
-              <a:t>2/4/2023</a:t>
+              <a:t>2/7/2023</a:t>
             </a:fld>
             <a:endParaRPr lang="en-US"/>
           </a:p>
@@ -823,7 +822,7 @@
           <a:p>
             <a:fld id="{3881C039-66A3-4640-815B-3B5A8B7D868D}" type="datetimeFigureOut">
               <a:rPr lang="en-US" smtClean="0"/>
-              <a:t>2/4/2023</a:t>
+              <a:t>2/7/2023</a:t>
             </a:fld>
             <a:endParaRPr lang="en-US"/>
           </a:p>
@@ -1031,7 +1030,7 @@
           <a:p>
             <a:fld id="{3881C039-66A3-4640-815B-3B5A8B7D868D}" type="datetimeFigureOut">
               <a:rPr lang="en-US" smtClean="0"/>
-              <a:t>2/4/2023</a:t>
+              <a:t>2/7/2023</a:t>
             </a:fld>
             <a:endParaRPr lang="en-US"/>
           </a:p>
@@ -1229,7 +1228,7 @@
           <a:p>
             <a:fld id="{3881C039-66A3-4640-815B-3B5A8B7D868D}" type="datetimeFigureOut">
               <a:rPr lang="en-US" smtClean="0"/>
-              <a:t>2/4/2023</a:t>
+              <a:t>2/7/2023</a:t>
             </a:fld>
             <a:endParaRPr lang="en-US"/>
           </a:p>
@@ -1504,7 +1503,7 @@
           <a:p>
             <a:fld id="{3881C039-66A3-4640-815B-3B5A8B7D868D}" type="datetimeFigureOut">
               <a:rPr lang="en-US" smtClean="0"/>
-              <a:t>2/4/2023</a:t>
+              <a:t>2/7/2023</a:t>
             </a:fld>
             <a:endParaRPr lang="en-US"/>
           </a:p>
@@ -1769,7 +1768,7 @@
           <a:p>
             <a:fld id="{3881C039-66A3-4640-815B-3B5A8B7D868D}" type="datetimeFigureOut">
               <a:rPr lang="en-US" smtClean="0"/>
-              <a:t>2/4/2023</a:t>
+              <a:t>2/7/2023</a:t>
             </a:fld>
             <a:endParaRPr lang="en-US"/>
           </a:p>
@@ -2181,7 +2180,7 @@
           <a:p>
             <a:fld id="{3881C039-66A3-4640-815B-3B5A8B7D868D}" type="datetimeFigureOut">
               <a:rPr lang="en-US" smtClean="0"/>
-              <a:t>2/4/2023</a:t>
+              <a:t>2/7/2023</a:t>
             </a:fld>
             <a:endParaRPr lang="en-US"/>
           </a:p>
@@ -2322,7 +2321,7 @@
           <a:p>
             <a:fld id="{3881C039-66A3-4640-815B-3B5A8B7D868D}" type="datetimeFigureOut">
               <a:rPr lang="en-US" smtClean="0"/>
-              <a:t>2/4/2023</a:t>
+              <a:t>2/7/2023</a:t>
             </a:fld>
             <a:endParaRPr lang="en-US"/>
           </a:p>
@@ -2435,7 +2434,7 @@
           <a:p>
             <a:fld id="{3881C039-66A3-4640-815B-3B5A8B7D868D}" type="datetimeFigureOut">
               <a:rPr lang="en-US" smtClean="0"/>
-              <a:t>2/4/2023</a:t>
+              <a:t>2/7/2023</a:t>
             </a:fld>
             <a:endParaRPr lang="en-US"/>
           </a:p>
@@ -2746,7 +2745,7 @@
           <a:p>
             <a:fld id="{3881C039-66A3-4640-815B-3B5A8B7D868D}" type="datetimeFigureOut">
               <a:rPr lang="en-US" smtClean="0"/>
-              <a:t>2/4/2023</a:t>
+              <a:t>2/7/2023</a:t>
             </a:fld>
             <a:endParaRPr lang="en-US"/>
           </a:p>
@@ -3034,7 +3033,7 @@
           <a:p>
             <a:fld id="{3881C039-66A3-4640-815B-3B5A8B7D868D}" type="datetimeFigureOut">
               <a:rPr lang="en-US" smtClean="0"/>
-              <a:t>2/4/2023</a:t>
+              <a:t>2/7/2023</a:t>
             </a:fld>
             <a:endParaRPr lang="en-US"/>
           </a:p>
@@ -3278,7 +3277,7 @@
           <a:p>
             <a:fld id="{3881C039-66A3-4640-815B-3B5A8B7D868D}" type="datetimeFigureOut">
               <a:rPr lang="en-US" smtClean="0"/>
-              <a:t>2/4/2023</a:t>
+              <a:t>2/7/2023</a:t>
             </a:fld>
             <a:endParaRPr lang="en-US"/>
           </a:p>
@@ -4396,7 +4395,7 @@
         <p:spPr>
           <a:xfrm>
             <a:off x="3080080" y="1520792"/>
-            <a:ext cx="8532800" cy="2369880"/>
+            <a:ext cx="8532800" cy="461665"/>
           </a:xfrm>
           <a:prstGeom prst="rect">
             <a:avLst/>
@@ -4420,44 +4419,26 @@
                 </a:solidFill>
                 <a:latin typeface="Selawik Semibold" panose="020B0702040204020203" pitchFamily="34" charset="0"/>
               </a:rPr>
-              <a:t>Formula Differs for Position Players and Pitchers</a:t>
-            </a:r>
-          </a:p>
-          <a:p>
-            <a:pPr marL="800100" lvl="1" indent="-342900">
-              <a:buFont typeface="Arial" panose="020B0604020202020204" pitchFamily="34" charset="0"/>
-              <a:buChar char="•"/>
-            </a:pPr>
-            <a:r>
-              <a:rPr lang="en-US" sz="2000" dirty="0">
-                <a:solidFill>
-                  <a:schemeClr val="bg1"/>
-                </a:solidFill>
-                <a:latin typeface="Selawik Semibold" panose="020B0702040204020203" pitchFamily="34" charset="0"/>
-              </a:rPr>
-              <a:t>Position Players: Batting, Baserunning, and Fielding Measured in Runs Above Average (RAA)</a:t>
-            </a:r>
-          </a:p>
-          <a:p>
-            <a:pPr marL="800100" lvl="1" indent="-342900">
-              <a:buFont typeface="Arial" panose="020B0604020202020204" pitchFamily="34" charset="0"/>
-              <a:buChar char="•"/>
-            </a:pPr>
-            <a:r>
-              <a:rPr lang="en-US" sz="2000" dirty="0">
-                <a:solidFill>
-                  <a:schemeClr val="bg1"/>
-                </a:solidFill>
-                <a:latin typeface="Selawik Semibold" panose="020B0702040204020203" pitchFamily="34" charset="0"/>
-              </a:rPr>
-              <a:t>Pitchers: Either Based on Runs Allowed Per 9 Innings (RA9) or Fielding Independent Pitching (FIP)</a:t>
-            </a:r>
-          </a:p>
-          <a:p>
-            <a:pPr marL="800100" lvl="1" indent="-342900">
-              <a:buFont typeface="Arial" panose="020B0604020202020204" pitchFamily="34" charset="0"/>
-              <a:buChar char="•"/>
-            </a:pPr>
+              <a:t>Top Players for </a:t>
+            </a:r>
+            <a:r>
+              <a:rPr lang="en-US" sz="2400" dirty="0" err="1">
+                <a:solidFill>
+                  <a:schemeClr val="bg1"/>
+                </a:solidFill>
+                <a:latin typeface="Selawik Semibold" panose="020B0702040204020203" pitchFamily="34" charset="0"/>
+              </a:rPr>
+              <a:t>bWAR</a:t>
+            </a:r>
+            <a:r>
+              <a:rPr lang="en-US" sz="2400" dirty="0">
+                <a:solidFill>
+                  <a:schemeClr val="bg1"/>
+                </a:solidFill>
+                <a:latin typeface="Selawik Semibold" panose="020B0702040204020203" pitchFamily="34" charset="0"/>
+              </a:rPr>
+              <a:t> Based on Career</a:t>
+            </a:r>
             <a:endParaRPr lang="en-US" sz="2000" dirty="0">
               <a:solidFill>
                 <a:schemeClr val="bg1"/>
@@ -4465,47 +4446,14 @@
               <a:latin typeface="Selawik Semibold" panose="020B0702040204020203" pitchFamily="34" charset="0"/>
             </a:endParaRPr>
           </a:p>
-          <a:p>
-            <a:pPr marL="342900" indent="-342900">
-              <a:buFont typeface="Arial" panose="020B0604020202020204" pitchFamily="34" charset="0"/>
-              <a:buChar char="•"/>
-            </a:pPr>
-            <a:r>
-              <a:rPr lang="en-US" sz="2400" dirty="0">
-                <a:solidFill>
-                  <a:schemeClr val="bg1"/>
-                </a:solidFill>
-                <a:latin typeface="Selawik Semibold" panose="020B0702040204020203" pitchFamily="34" charset="0"/>
-              </a:rPr>
-              <a:t>General Formula for Position Players (</a:t>
-            </a:r>
-            <a:r>
-              <a:rPr lang="en-US" sz="2400" dirty="0" err="1">
-                <a:solidFill>
-                  <a:schemeClr val="bg1"/>
-                </a:solidFill>
-                <a:latin typeface="Selawik Semibold" panose="020B0702040204020203" pitchFamily="34" charset="0"/>
-              </a:rPr>
-              <a:t>fWAR</a:t>
-            </a:r>
-            <a:r>
-              <a:rPr lang="en-US" sz="2400" dirty="0">
-                <a:solidFill>
-                  <a:schemeClr val="bg1"/>
-                </a:solidFill>
-                <a:latin typeface="Selawik Semibold" panose="020B0702040204020203" pitchFamily="34" charset="0"/>
-              </a:rPr>
-              <a:t>)</a:t>
-            </a:r>
-          </a:p>
         </p:txBody>
       </p:sp>
       <p:pic>
         <p:nvPicPr>
-          <p:cNvPr id="3" name="Picture 2">
-            <a:extLst>
-              <a:ext uri="{FF2B5EF4-FFF2-40B4-BE49-F238E27FC236}">
-                <a16:creationId xmlns:a16="http://schemas.microsoft.com/office/drawing/2014/main" id="{83BF563E-ADAA-4D54-8BE0-D91224E0FD68}"/>
+          <p:cNvPr id="2" name="Picture 1">
+            <a:extLst>
+              <a:ext uri="{FF2B5EF4-FFF2-40B4-BE49-F238E27FC236}">
+                <a16:creationId xmlns:a16="http://schemas.microsoft.com/office/drawing/2014/main" id="{66DEB47C-14F0-43E0-9CFA-D70C79C1F06E}"/>
               </a:ext>
             </a:extLst>
           </p:cNvPr>
@@ -4522,8 +4470,8 @@
         </p:blipFill>
         <p:spPr>
           <a:xfrm>
-            <a:off x="3545609" y="4004278"/>
-            <a:ext cx="8489166" cy="852112"/>
+            <a:off x="3584323" y="2069743"/>
+            <a:ext cx="6325962" cy="3993060"/>
           </a:xfrm>
           <a:prstGeom prst="rect">
             <a:avLst/>
@@ -4538,7 +4486,7 @@
     </p:spTree>
     <p:extLst>
       <p:ext uri="{BB962C8B-B14F-4D97-AF65-F5344CB8AC3E}">
-        <p14:creationId xmlns:p14="http://schemas.microsoft.com/office/powerpoint/2010/main" val="1278628988"/>
+        <p14:creationId xmlns:p14="http://schemas.microsoft.com/office/powerpoint/2010/main" val="473596568"/>
       </p:ext>
     </p:extLst>
   </p:cSld>
@@ -4966,7 +4914,7 @@
                 </a:solidFill>
                 <a:latin typeface="Selawik Semibold" panose="020B0702040204020203" pitchFamily="34" charset="0"/>
               </a:rPr>
-              <a:t>bWAR</a:t>
+              <a:t>fWAR</a:t>
             </a:r>
             <a:r>
               <a:rPr lang="en-US" sz="2400" dirty="0">
@@ -4975,7 +4923,7 @@
                 </a:solidFill>
                 <a:latin typeface="Selawik Semibold" panose="020B0702040204020203" pitchFamily="34" charset="0"/>
               </a:rPr>
-              <a:t> Based on Career</a:t>
+              <a:t> Based on 2019 Season</a:t>
             </a:r>
             <a:endParaRPr lang="en-US" sz="2000" dirty="0">
               <a:solidFill>
@@ -4988,10 +4936,10 @@
       </p:sp>
       <p:pic>
         <p:nvPicPr>
-          <p:cNvPr id="2" name="Picture 1">
-            <a:extLst>
-              <a:ext uri="{FF2B5EF4-FFF2-40B4-BE49-F238E27FC236}">
-                <a16:creationId xmlns:a16="http://schemas.microsoft.com/office/drawing/2014/main" id="{66DEB47C-14F0-43E0-9CFA-D70C79C1F06E}"/>
+          <p:cNvPr id="3" name="Picture 2">
+            <a:extLst>
+              <a:ext uri="{FF2B5EF4-FFF2-40B4-BE49-F238E27FC236}">
+                <a16:creationId xmlns:a16="http://schemas.microsoft.com/office/drawing/2014/main" id="{26ADD305-22BB-4382-844F-C42DD7345E2D}"/>
               </a:ext>
             </a:extLst>
           </p:cNvPr>
@@ -5008,8 +4956,8 @@
         </p:blipFill>
         <p:spPr>
           <a:xfrm>
-            <a:off x="3584323" y="2069743"/>
-            <a:ext cx="6325962" cy="3993060"/>
+            <a:off x="3558145" y="2093990"/>
+            <a:ext cx="8429955" cy="3437625"/>
           </a:xfrm>
           <a:prstGeom prst="rect">
             <a:avLst/>
@@ -5024,7 +4972,7 @@
     </p:spTree>
     <p:extLst>
       <p:ext uri="{BB962C8B-B14F-4D97-AF65-F5344CB8AC3E}">
-        <p14:creationId xmlns:p14="http://schemas.microsoft.com/office/powerpoint/2010/main" val="473596568"/>
+        <p14:creationId xmlns:p14="http://schemas.microsoft.com/office/powerpoint/2010/main" val="3371303366"/>
       </p:ext>
     </p:extLst>
   </p:cSld>
@@ -5096,7 +5044,7 @@
           <a:lstStyle/>
           <a:p>
             <a:pPr algn="ctr"/>
-            <a:endParaRPr lang="en-US"/>
+            <a:endParaRPr lang="en-US" dirty="0"/>
           </a:p>
         </p:txBody>
       </p:sp>
@@ -5419,7 +5367,7 @@
         <p:spPr>
           <a:xfrm>
             <a:off x="3080080" y="1520792"/>
-            <a:ext cx="8532800" cy="461665"/>
+            <a:ext cx="8532800" cy="4154984"/>
           </a:xfrm>
           <a:prstGeom prst="rect">
             <a:avLst/>
@@ -5443,26 +5391,14 @@
                 </a:solidFill>
                 <a:latin typeface="Selawik Semibold" panose="020B0702040204020203" pitchFamily="34" charset="0"/>
               </a:rPr>
-              <a:t>Top Players for </a:t>
-            </a:r>
-            <a:r>
-              <a:rPr lang="en-US" sz="2400" dirty="0" err="1">
-                <a:solidFill>
-                  <a:schemeClr val="bg1"/>
-                </a:solidFill>
-                <a:latin typeface="Selawik Semibold" panose="020B0702040204020203" pitchFamily="34" charset="0"/>
-              </a:rPr>
-              <a:t>fWAR</a:t>
-            </a:r>
-            <a:r>
-              <a:rPr lang="en-US" sz="2400" dirty="0">
-                <a:solidFill>
-                  <a:schemeClr val="bg1"/>
-                </a:solidFill>
-                <a:latin typeface="Selawik Semibold" panose="020B0702040204020203" pitchFamily="34" charset="0"/>
-              </a:rPr>
-              <a:t> Based on 2019 Season</a:t>
-            </a:r>
+              <a:t>Using WAR to Determine Player Salaries</a:t>
+            </a:r>
+          </a:p>
+          <a:p>
+            <a:pPr marL="800100" lvl="1" indent="-342900">
+              <a:buFont typeface="Arial" panose="020B0604020202020204" pitchFamily="34" charset="0"/>
+              <a:buChar char="•"/>
+            </a:pPr>
             <a:endParaRPr lang="en-US" sz="2000" dirty="0">
               <a:solidFill>
                 <a:schemeClr val="bg1"/>
@@ -5470,47 +5406,171 @@
               <a:latin typeface="Selawik Semibold" panose="020B0702040204020203" pitchFamily="34" charset="0"/>
             </a:endParaRPr>
           </a:p>
-        </p:txBody>
-      </p:sp>
-      <p:pic>
-        <p:nvPicPr>
-          <p:cNvPr id="3" name="Picture 2">
-            <a:extLst>
-              <a:ext uri="{FF2B5EF4-FFF2-40B4-BE49-F238E27FC236}">
-                <a16:creationId xmlns:a16="http://schemas.microsoft.com/office/drawing/2014/main" id="{26ADD305-22BB-4382-844F-C42DD7345E2D}"/>
-              </a:ext>
-            </a:extLst>
-          </p:cNvPr>
-          <p:cNvPicPr>
-            <a:picLocks noChangeAspect="1"/>
-          </p:cNvPicPr>
-          <p:nvPr/>
-        </p:nvPicPr>
-        <p:blipFill>
-          <a:blip r:embed="rId4"/>
-          <a:stretch>
-            <a:fillRect/>
-          </a:stretch>
-        </p:blipFill>
-        <p:spPr>
-          <a:xfrm>
-            <a:off x="3558145" y="2093990"/>
-            <a:ext cx="8429955" cy="3437625"/>
-          </a:xfrm>
-          <a:prstGeom prst="rect">
-            <a:avLst/>
-          </a:prstGeom>
-          <a:ln w="38100">
-            <a:solidFill>
-              <a:schemeClr val="tx1"/>
-            </a:solidFill>
-          </a:ln>
-        </p:spPr>
-      </p:pic>
+          <a:p>
+            <a:pPr marL="800100" lvl="1" indent="-342900">
+              <a:buFont typeface="Arial" panose="020B0604020202020204" pitchFamily="34" charset="0"/>
+              <a:buChar char="•"/>
+            </a:pPr>
+            <a:r>
+              <a:rPr lang="en-US" sz="2000" dirty="0">
+                <a:solidFill>
+                  <a:schemeClr val="bg1"/>
+                </a:solidFill>
+                <a:latin typeface="Selawik Semibold" panose="020B0702040204020203" pitchFamily="34" charset="0"/>
+              </a:rPr>
+              <a:t>Prerequisites:</a:t>
+            </a:r>
+          </a:p>
+          <a:p>
+            <a:pPr marL="1257300" lvl="2" indent="-342900">
+              <a:buFont typeface="Arial" panose="020B0604020202020204" pitchFamily="34" charset="0"/>
+              <a:buChar char="•"/>
+            </a:pPr>
+            <a:r>
+              <a:rPr lang="en-US" sz="2000" dirty="0">
+                <a:solidFill>
+                  <a:schemeClr val="bg1"/>
+                </a:solidFill>
+                <a:latin typeface="Selawik Semibold" panose="020B0702040204020203" pitchFamily="34" charset="0"/>
+              </a:rPr>
+              <a:t>Teams Have 25 Players</a:t>
+            </a:r>
+          </a:p>
+          <a:p>
+            <a:pPr marL="1257300" lvl="2" indent="-342900">
+              <a:buFont typeface="Arial" panose="020B0604020202020204" pitchFamily="34" charset="0"/>
+              <a:buChar char="•"/>
+            </a:pPr>
+            <a:r>
+              <a:rPr lang="en-US" sz="2000" dirty="0">
+                <a:solidFill>
+                  <a:schemeClr val="bg1"/>
+                </a:solidFill>
+                <a:latin typeface="Selawik Semibold" panose="020B0702040204020203" pitchFamily="34" charset="0"/>
+              </a:rPr>
+              <a:t>Minimum Salary = $500,000</a:t>
+            </a:r>
+          </a:p>
+          <a:p>
+            <a:pPr marL="1257300" lvl="2" indent="-342900">
+              <a:buFont typeface="Arial" panose="020B0604020202020204" pitchFamily="34" charset="0"/>
+              <a:buChar char="•"/>
+            </a:pPr>
+            <a:r>
+              <a:rPr lang="en-US" sz="2000" dirty="0">
+                <a:solidFill>
+                  <a:schemeClr val="bg1"/>
+                </a:solidFill>
+                <a:latin typeface="Selawik Semibold" panose="020B0702040204020203" pitchFamily="34" charset="0"/>
+              </a:rPr>
+              <a:t>Team of Replacement Players Win 48 Games</a:t>
+            </a:r>
+          </a:p>
+          <a:p>
+            <a:pPr marL="1257300" lvl="2" indent="-342900">
+              <a:buFont typeface="Arial" panose="020B0604020202020204" pitchFamily="34" charset="0"/>
+              <a:buChar char="•"/>
+            </a:pPr>
+            <a:r>
+              <a:rPr lang="en-US" sz="2000" dirty="0">
+                <a:solidFill>
+                  <a:schemeClr val="bg1"/>
+                </a:solidFill>
+                <a:latin typeface="Selawik Semibold" panose="020B0702040204020203" pitchFamily="34" charset="0"/>
+              </a:rPr>
+              <a:t>Salary for Team of Replacement Players = $12.5 Million</a:t>
+            </a:r>
+          </a:p>
+          <a:p>
+            <a:pPr marL="1257300" lvl="2" indent="-342900">
+              <a:buFont typeface="Arial" panose="020B0604020202020204" pitchFamily="34" charset="0"/>
+              <a:buChar char="•"/>
+            </a:pPr>
+            <a:r>
+              <a:rPr lang="en-US" sz="2000" dirty="0">
+                <a:solidFill>
+                  <a:schemeClr val="bg1"/>
+                </a:solidFill>
+                <a:latin typeface="Selawik Semibold" panose="020B0702040204020203" pitchFamily="34" charset="0"/>
+              </a:rPr>
+              <a:t>Average Team Salary in 2016 = $114 Million</a:t>
+            </a:r>
+          </a:p>
+          <a:p>
+            <a:pPr marL="1257300" lvl="2" indent="-342900">
+              <a:buFont typeface="Arial" panose="020B0604020202020204" pitchFamily="34" charset="0"/>
+              <a:buChar char="•"/>
+            </a:pPr>
+            <a:r>
+              <a:rPr lang="en-US" sz="2000" dirty="0">
+                <a:solidFill>
+                  <a:schemeClr val="bg1"/>
+                </a:solidFill>
+                <a:latin typeface="Selawik Semibold" panose="020B0702040204020203" pitchFamily="34" charset="0"/>
+              </a:rPr>
+              <a:t>Average Team Wins 81 out of 162 Games</a:t>
+            </a:r>
+          </a:p>
+          <a:p>
+            <a:pPr marL="1257300" lvl="2" indent="-342900">
+              <a:buFont typeface="Arial" panose="020B0604020202020204" pitchFamily="34" charset="0"/>
+              <a:buChar char="•"/>
+            </a:pPr>
+            <a:endParaRPr lang="en-US" sz="2000" dirty="0">
+              <a:solidFill>
+                <a:schemeClr val="bg1"/>
+              </a:solidFill>
+              <a:latin typeface="Selawik Semibold" panose="020B0702040204020203" pitchFamily="34" charset="0"/>
+            </a:endParaRPr>
+          </a:p>
+          <a:p>
+            <a:pPr marL="800100" lvl="1" indent="-342900">
+              <a:buFont typeface="Arial" panose="020B0604020202020204" pitchFamily="34" charset="0"/>
+              <a:buChar char="•"/>
+            </a:pPr>
+            <a:r>
+              <a:rPr lang="en-US" sz="2000" dirty="0">
+                <a:solidFill>
+                  <a:schemeClr val="bg1"/>
+                </a:solidFill>
+                <a:latin typeface="Selawik Semibold" panose="020B0702040204020203" pitchFamily="34" charset="0"/>
+              </a:rPr>
+              <a:t>Cost of 81-48=33 Wins is $114 – $12.5 = $101.5 Million</a:t>
+            </a:r>
+          </a:p>
+          <a:p>
+            <a:pPr marL="800100" lvl="1" indent="-342900">
+              <a:buFont typeface="Arial" panose="020B0604020202020204" pitchFamily="34" charset="0"/>
+              <a:buChar char="•"/>
+            </a:pPr>
+            <a:endParaRPr lang="en-US" sz="2000" dirty="0">
+              <a:solidFill>
+                <a:schemeClr val="bg1"/>
+              </a:solidFill>
+              <a:latin typeface="Selawik Semibold" panose="020B0702040204020203" pitchFamily="34" charset="0"/>
+            </a:endParaRPr>
+          </a:p>
+          <a:p>
+            <a:pPr marL="800100" lvl="1" indent="-342900">
+              <a:buFont typeface="Arial" panose="020B0604020202020204" pitchFamily="34" charset="0"/>
+              <a:buChar char="•"/>
+            </a:pPr>
+            <a:r>
+              <a:rPr lang="en-US" sz="2000" dirty="0">
+                <a:solidFill>
+                  <a:schemeClr val="bg1"/>
+                </a:solidFill>
+                <a:latin typeface="Selawik Semibold" panose="020B0702040204020203" pitchFamily="34" charset="0"/>
+              </a:rPr>
+              <a:t>Each Win Above Replacement is Worth $3.08 Million</a:t>
+            </a:r>
+          </a:p>
+        </p:txBody>
+      </p:sp>
     </p:spTree>
     <p:extLst>
       <p:ext uri="{BB962C8B-B14F-4D97-AF65-F5344CB8AC3E}">
-        <p14:creationId xmlns:p14="http://schemas.microsoft.com/office/powerpoint/2010/main" val="3371303366"/>
+        <p14:creationId xmlns:p14="http://schemas.microsoft.com/office/powerpoint/2010/main" val="23115925"/>
       </p:ext>
     </p:extLst>
   </p:cSld>
@@ -5905,604 +5965,6 @@
         <p:spPr>
           <a:xfrm>
             <a:off x="3080080" y="1520792"/>
-            <a:ext cx="8532800" cy="4154984"/>
-          </a:xfrm>
-          <a:prstGeom prst="rect">
-            <a:avLst/>
-          </a:prstGeom>
-          <a:noFill/>
-        </p:spPr>
-        <p:txBody>
-          <a:bodyPr wrap="square" rtlCol="0">
-            <a:spAutoFit/>
-          </a:bodyPr>
-          <a:lstStyle/>
-          <a:p>
-            <a:pPr marL="342900" indent="-342900">
-              <a:buFont typeface="Arial" panose="020B0604020202020204" pitchFamily="34" charset="0"/>
-              <a:buChar char="•"/>
-            </a:pPr>
-            <a:r>
-              <a:rPr lang="en-US" sz="2400" dirty="0">
-                <a:solidFill>
-                  <a:schemeClr val="bg1"/>
-                </a:solidFill>
-                <a:latin typeface="Selawik Semibold" panose="020B0702040204020203" pitchFamily="34" charset="0"/>
-              </a:rPr>
-              <a:t>Using WAR to Determine Player Salaries</a:t>
-            </a:r>
-          </a:p>
-          <a:p>
-            <a:pPr marL="800100" lvl="1" indent="-342900">
-              <a:buFont typeface="Arial" panose="020B0604020202020204" pitchFamily="34" charset="0"/>
-              <a:buChar char="•"/>
-            </a:pPr>
-            <a:endParaRPr lang="en-US" sz="2000" dirty="0">
-              <a:solidFill>
-                <a:schemeClr val="bg1"/>
-              </a:solidFill>
-              <a:latin typeface="Selawik Semibold" panose="020B0702040204020203" pitchFamily="34" charset="0"/>
-            </a:endParaRPr>
-          </a:p>
-          <a:p>
-            <a:pPr marL="800100" lvl="1" indent="-342900">
-              <a:buFont typeface="Arial" panose="020B0604020202020204" pitchFamily="34" charset="0"/>
-              <a:buChar char="•"/>
-            </a:pPr>
-            <a:r>
-              <a:rPr lang="en-US" sz="2000" dirty="0">
-                <a:solidFill>
-                  <a:schemeClr val="bg1"/>
-                </a:solidFill>
-                <a:latin typeface="Selawik Semibold" panose="020B0702040204020203" pitchFamily="34" charset="0"/>
-              </a:rPr>
-              <a:t>Prerequisites:</a:t>
-            </a:r>
-          </a:p>
-          <a:p>
-            <a:pPr marL="1257300" lvl="2" indent="-342900">
-              <a:buFont typeface="Arial" panose="020B0604020202020204" pitchFamily="34" charset="0"/>
-              <a:buChar char="•"/>
-            </a:pPr>
-            <a:r>
-              <a:rPr lang="en-US" sz="2000" dirty="0">
-                <a:solidFill>
-                  <a:schemeClr val="bg1"/>
-                </a:solidFill>
-                <a:latin typeface="Selawik Semibold" panose="020B0702040204020203" pitchFamily="34" charset="0"/>
-              </a:rPr>
-              <a:t>Teams Have 25 Players</a:t>
-            </a:r>
-          </a:p>
-          <a:p>
-            <a:pPr marL="1257300" lvl="2" indent="-342900">
-              <a:buFont typeface="Arial" panose="020B0604020202020204" pitchFamily="34" charset="0"/>
-              <a:buChar char="•"/>
-            </a:pPr>
-            <a:r>
-              <a:rPr lang="en-US" sz="2000" dirty="0">
-                <a:solidFill>
-                  <a:schemeClr val="bg1"/>
-                </a:solidFill>
-                <a:latin typeface="Selawik Semibold" panose="020B0702040204020203" pitchFamily="34" charset="0"/>
-              </a:rPr>
-              <a:t>Minimum Salary = $500,000</a:t>
-            </a:r>
-          </a:p>
-          <a:p>
-            <a:pPr marL="1257300" lvl="2" indent="-342900">
-              <a:buFont typeface="Arial" panose="020B0604020202020204" pitchFamily="34" charset="0"/>
-              <a:buChar char="•"/>
-            </a:pPr>
-            <a:r>
-              <a:rPr lang="en-US" sz="2000" dirty="0">
-                <a:solidFill>
-                  <a:schemeClr val="bg1"/>
-                </a:solidFill>
-                <a:latin typeface="Selawik Semibold" panose="020B0702040204020203" pitchFamily="34" charset="0"/>
-              </a:rPr>
-              <a:t>Team of Replacement Players Win 48 Games</a:t>
-            </a:r>
-          </a:p>
-          <a:p>
-            <a:pPr marL="1257300" lvl="2" indent="-342900">
-              <a:buFont typeface="Arial" panose="020B0604020202020204" pitchFamily="34" charset="0"/>
-              <a:buChar char="•"/>
-            </a:pPr>
-            <a:r>
-              <a:rPr lang="en-US" sz="2000" dirty="0">
-                <a:solidFill>
-                  <a:schemeClr val="bg1"/>
-                </a:solidFill>
-                <a:latin typeface="Selawik Semibold" panose="020B0702040204020203" pitchFamily="34" charset="0"/>
-              </a:rPr>
-              <a:t>Salary for Team of Replacement Players = $12.5 Million</a:t>
-            </a:r>
-          </a:p>
-          <a:p>
-            <a:pPr marL="1257300" lvl="2" indent="-342900">
-              <a:buFont typeface="Arial" panose="020B0604020202020204" pitchFamily="34" charset="0"/>
-              <a:buChar char="•"/>
-            </a:pPr>
-            <a:r>
-              <a:rPr lang="en-US" sz="2000" dirty="0">
-                <a:solidFill>
-                  <a:schemeClr val="bg1"/>
-                </a:solidFill>
-                <a:latin typeface="Selawik Semibold" panose="020B0702040204020203" pitchFamily="34" charset="0"/>
-              </a:rPr>
-              <a:t>Average Team Salary in 2016 = $114 Million</a:t>
-            </a:r>
-          </a:p>
-          <a:p>
-            <a:pPr marL="1257300" lvl="2" indent="-342900">
-              <a:buFont typeface="Arial" panose="020B0604020202020204" pitchFamily="34" charset="0"/>
-              <a:buChar char="•"/>
-            </a:pPr>
-            <a:r>
-              <a:rPr lang="en-US" sz="2000" dirty="0">
-                <a:solidFill>
-                  <a:schemeClr val="bg1"/>
-                </a:solidFill>
-                <a:latin typeface="Selawik Semibold" panose="020B0702040204020203" pitchFamily="34" charset="0"/>
-              </a:rPr>
-              <a:t>Average Team Wins 81 out of 162 Games</a:t>
-            </a:r>
-          </a:p>
-          <a:p>
-            <a:pPr marL="1257300" lvl="2" indent="-342900">
-              <a:buFont typeface="Arial" panose="020B0604020202020204" pitchFamily="34" charset="0"/>
-              <a:buChar char="•"/>
-            </a:pPr>
-            <a:endParaRPr lang="en-US" sz="2000" dirty="0">
-              <a:solidFill>
-                <a:schemeClr val="bg1"/>
-              </a:solidFill>
-              <a:latin typeface="Selawik Semibold" panose="020B0702040204020203" pitchFamily="34" charset="0"/>
-            </a:endParaRPr>
-          </a:p>
-          <a:p>
-            <a:pPr marL="800100" lvl="1" indent="-342900">
-              <a:buFont typeface="Arial" panose="020B0604020202020204" pitchFamily="34" charset="0"/>
-              <a:buChar char="•"/>
-            </a:pPr>
-            <a:r>
-              <a:rPr lang="en-US" sz="2000" dirty="0">
-                <a:solidFill>
-                  <a:schemeClr val="bg1"/>
-                </a:solidFill>
-                <a:latin typeface="Selawik Semibold" panose="020B0702040204020203" pitchFamily="34" charset="0"/>
-              </a:rPr>
-              <a:t>Cost of 81-48=33 Wins is $114 – $12.5 = $101.5 Million</a:t>
-            </a:r>
-          </a:p>
-          <a:p>
-            <a:pPr marL="800100" lvl="1" indent="-342900">
-              <a:buFont typeface="Arial" panose="020B0604020202020204" pitchFamily="34" charset="0"/>
-              <a:buChar char="•"/>
-            </a:pPr>
-            <a:endParaRPr lang="en-US" sz="2000" dirty="0">
-              <a:solidFill>
-                <a:schemeClr val="bg1"/>
-              </a:solidFill>
-              <a:latin typeface="Selawik Semibold" panose="020B0702040204020203" pitchFamily="34" charset="0"/>
-            </a:endParaRPr>
-          </a:p>
-          <a:p>
-            <a:pPr marL="800100" lvl="1" indent="-342900">
-              <a:buFont typeface="Arial" panose="020B0604020202020204" pitchFamily="34" charset="0"/>
-              <a:buChar char="•"/>
-            </a:pPr>
-            <a:r>
-              <a:rPr lang="en-US" sz="2000" dirty="0">
-                <a:solidFill>
-                  <a:schemeClr val="bg1"/>
-                </a:solidFill>
-                <a:latin typeface="Selawik Semibold" panose="020B0702040204020203" pitchFamily="34" charset="0"/>
-              </a:rPr>
-              <a:t>Each Win Above Replacement is Worth $3.08 Million</a:t>
-            </a:r>
-          </a:p>
-        </p:txBody>
-      </p:sp>
-    </p:spTree>
-    <p:extLst>
-      <p:ext uri="{BB962C8B-B14F-4D97-AF65-F5344CB8AC3E}">
-        <p14:creationId xmlns:p14="http://schemas.microsoft.com/office/powerpoint/2010/main" val="23115925"/>
-      </p:ext>
-    </p:extLst>
-  </p:cSld>
-  <p:clrMapOvr>
-    <a:masterClrMapping/>
-  </p:clrMapOvr>
-</p:sld>
-</file>
-
-<file path=ppt/slides/slide14.xml><?xml version="1.0" encoding="utf-8"?>
-<p:sld xmlns:a="http://schemas.openxmlformats.org/drawingml/2006/main" xmlns:r="http://schemas.openxmlformats.org/officeDocument/2006/relationships" xmlns:p="http://schemas.openxmlformats.org/presentationml/2006/main">
-  <p:cSld>
-    <p:spTree>
-      <p:nvGrpSpPr>
-        <p:cNvPr id="1" name=""/>
-        <p:cNvGrpSpPr/>
-        <p:nvPr/>
-      </p:nvGrpSpPr>
-      <p:grpSpPr>
-        <a:xfrm>
-          <a:off x="0" y="0"/>
-          <a:ext cx="0" cy="0"/>
-          <a:chOff x="0" y="0"/>
-          <a:chExt cx="0" cy="0"/>
-        </a:xfrm>
-      </p:grpSpPr>
-      <p:sp>
-        <p:nvSpPr>
-          <p:cNvPr id="17" name="Rectangle 16">
-            <a:extLst>
-              <a:ext uri="{FF2B5EF4-FFF2-40B4-BE49-F238E27FC236}">
-                <a16:creationId xmlns:a16="http://schemas.microsoft.com/office/drawing/2014/main" id="{0A8FE870-A334-4DE1-84A7-AB191ED10D63}"/>
-              </a:ext>
-            </a:extLst>
-          </p:cNvPr>
-          <p:cNvSpPr/>
-          <p:nvPr/>
-        </p:nvSpPr>
-        <p:spPr>
-          <a:xfrm>
-            <a:off x="-2" y="-52157"/>
-            <a:ext cx="12192000" cy="6910157"/>
-          </a:xfrm>
-          <a:prstGeom prst="rect">
-            <a:avLst/>
-          </a:prstGeom>
-          <a:solidFill>
-            <a:srgbClr val="395583"/>
-          </a:solidFill>
-        </p:spPr>
-        <p:style>
-          <a:lnRef idx="2">
-            <a:schemeClr val="accent1">
-              <a:shade val="50000"/>
-            </a:schemeClr>
-          </a:lnRef>
-          <a:fillRef idx="1">
-            <a:schemeClr val="accent1"/>
-          </a:fillRef>
-          <a:effectRef idx="0">
-            <a:schemeClr val="accent1"/>
-          </a:effectRef>
-          <a:fontRef idx="minor">
-            <a:schemeClr val="lt1"/>
-          </a:fontRef>
-        </p:style>
-        <p:txBody>
-          <a:bodyPr rtlCol="0" anchor="ctr"/>
-          <a:lstStyle/>
-          <a:p>
-            <a:pPr algn="ctr"/>
-            <a:endParaRPr lang="en-US" dirty="0"/>
-          </a:p>
-        </p:txBody>
-      </p:sp>
-      <p:pic>
-        <p:nvPicPr>
-          <p:cNvPr id="8" name="Picture 7" descr="A close up of a toy&#10;&#10;Description automatically generated">
-            <a:extLst>
-              <a:ext uri="{FF2B5EF4-FFF2-40B4-BE49-F238E27FC236}">
-                <a16:creationId xmlns:a16="http://schemas.microsoft.com/office/drawing/2014/main" id="{131D5527-B848-4F84-9601-62DB93565332}"/>
-              </a:ext>
-            </a:extLst>
-          </p:cNvPr>
-          <p:cNvPicPr>
-            <a:picLocks noChangeAspect="1"/>
-          </p:cNvPicPr>
-          <p:nvPr/>
-        </p:nvPicPr>
-        <p:blipFill rotWithShape="1">
-          <a:blip r:embed="rId2">
-            <a:extLst>
-              <a:ext uri="{28A0092B-C50C-407E-A947-70E740481C1C}">
-                <a14:useLocalDpi xmlns:a14="http://schemas.microsoft.com/office/drawing/2010/main" val="0"/>
-              </a:ext>
-            </a:extLst>
-          </a:blip>
-          <a:srcRect l="6238" r="10796"/>
-          <a:stretch/>
-        </p:blipFill>
-        <p:spPr>
-          <a:xfrm>
-            <a:off x="0" y="-52157"/>
-            <a:ext cx="2684015" cy="3969421"/>
-          </a:xfrm>
-          <a:prstGeom prst="rect">
-            <a:avLst/>
-          </a:prstGeom>
-        </p:spPr>
-      </p:pic>
-      <p:sp>
-        <p:nvSpPr>
-          <p:cNvPr id="33" name="Rectangle 32">
-            <a:extLst>
-              <a:ext uri="{FF2B5EF4-FFF2-40B4-BE49-F238E27FC236}">
-                <a16:creationId xmlns:a16="http://schemas.microsoft.com/office/drawing/2014/main" id="{6F93929A-DE1C-47C4-AF97-F99DB104E96F}"/>
-              </a:ext>
-            </a:extLst>
-          </p:cNvPr>
-          <p:cNvSpPr/>
-          <p:nvPr/>
-        </p:nvSpPr>
-        <p:spPr>
-          <a:xfrm rot="16200000">
-            <a:off x="782431" y="1849427"/>
-            <a:ext cx="3969421" cy="166254"/>
-          </a:xfrm>
-          <a:prstGeom prst="rect">
-            <a:avLst/>
-          </a:prstGeom>
-          <a:solidFill>
-            <a:schemeClr val="tx1"/>
-          </a:solidFill>
-          <a:ln>
-            <a:noFill/>
-          </a:ln>
-        </p:spPr>
-        <p:style>
-          <a:lnRef idx="2">
-            <a:schemeClr val="accent1">
-              <a:shade val="50000"/>
-            </a:schemeClr>
-          </a:lnRef>
-          <a:fillRef idx="1">
-            <a:schemeClr val="accent1"/>
-          </a:fillRef>
-          <a:effectRef idx="0">
-            <a:schemeClr val="accent1"/>
-          </a:effectRef>
-          <a:fontRef idx="minor">
-            <a:schemeClr val="lt1"/>
-          </a:fontRef>
-        </p:style>
-        <p:txBody>
-          <a:bodyPr rtlCol="0" anchor="ctr"/>
-          <a:lstStyle/>
-          <a:p>
-            <a:pPr algn="ctr"/>
-            <a:endParaRPr lang="en-US" dirty="0">
-              <a:solidFill>
-                <a:srgbClr val="DB5B5C"/>
-              </a:solidFill>
-            </a:endParaRPr>
-          </a:p>
-        </p:txBody>
-      </p:sp>
-      <p:sp>
-        <p:nvSpPr>
-          <p:cNvPr id="35" name="Rectangle 34">
-            <a:extLst>
-              <a:ext uri="{FF2B5EF4-FFF2-40B4-BE49-F238E27FC236}">
-                <a16:creationId xmlns:a16="http://schemas.microsoft.com/office/drawing/2014/main" id="{259A39E4-556F-4581-82A2-C6B68A8147A4}"/>
-              </a:ext>
-            </a:extLst>
-          </p:cNvPr>
-          <p:cNvSpPr/>
-          <p:nvPr/>
-        </p:nvSpPr>
-        <p:spPr>
-          <a:xfrm rot="10800000">
-            <a:off x="-2" y="3756674"/>
-            <a:ext cx="2850269" cy="3101326"/>
-          </a:xfrm>
-          <a:prstGeom prst="rect">
-            <a:avLst/>
-          </a:prstGeom>
-          <a:solidFill>
-            <a:schemeClr val="tx1"/>
-          </a:solidFill>
-          <a:ln>
-            <a:noFill/>
-          </a:ln>
-        </p:spPr>
-        <p:style>
-          <a:lnRef idx="2">
-            <a:schemeClr val="accent1">
-              <a:shade val="50000"/>
-            </a:schemeClr>
-          </a:lnRef>
-          <a:fillRef idx="1">
-            <a:schemeClr val="accent1"/>
-          </a:fillRef>
-          <a:effectRef idx="0">
-            <a:schemeClr val="accent1"/>
-          </a:effectRef>
-          <a:fontRef idx="minor">
-            <a:schemeClr val="lt1"/>
-          </a:fontRef>
-        </p:style>
-        <p:txBody>
-          <a:bodyPr rtlCol="0" anchor="ctr"/>
-          <a:lstStyle/>
-          <a:p>
-            <a:pPr algn="ctr"/>
-            <a:endParaRPr lang="en-US" dirty="0">
-              <a:solidFill>
-                <a:srgbClr val="DB5B5C"/>
-              </a:solidFill>
-            </a:endParaRPr>
-          </a:p>
-        </p:txBody>
-      </p:sp>
-      <p:sp>
-        <p:nvSpPr>
-          <p:cNvPr id="23" name="Subtitle 22">
-            <a:extLst>
-              <a:ext uri="{FF2B5EF4-FFF2-40B4-BE49-F238E27FC236}">
-                <a16:creationId xmlns:a16="http://schemas.microsoft.com/office/drawing/2014/main" id="{1E5D6413-9C6F-483D-BE52-F3BBB1E74630}"/>
-              </a:ext>
-            </a:extLst>
-          </p:cNvPr>
-          <p:cNvSpPr>
-            <a:spLocks noGrp="1"/>
-          </p:cNvSpPr>
-          <p:nvPr>
-            <p:ph type="subTitle" idx="1"/>
-          </p:nvPr>
-        </p:nvSpPr>
-        <p:spPr>
-          <a:xfrm>
-            <a:off x="3007491" y="137620"/>
-            <a:ext cx="9341732" cy="1684867"/>
-          </a:xfrm>
-        </p:spPr>
-        <p:txBody>
-          <a:bodyPr>
-            <a:normAutofit/>
-          </a:bodyPr>
-          <a:lstStyle/>
-          <a:p>
-            <a:pPr algn="l"/>
-            <a:r>
-              <a:rPr lang="en-US" sz="4400" dirty="0">
-                <a:solidFill>
-                  <a:schemeClr val="bg1"/>
-                </a:solidFill>
-                <a:latin typeface="Selawik Semibold" panose="020B0702040204020203" pitchFamily="34" charset="0"/>
-              </a:rPr>
-              <a:t>Wins Above Replacement</a:t>
-            </a:r>
-          </a:p>
-        </p:txBody>
-      </p:sp>
-      <p:pic>
-        <p:nvPicPr>
-          <p:cNvPr id="16" name="Picture 15" descr="A close up of a toy&#10;&#10;Description automatically generated">
-            <a:extLst>
-              <a:ext uri="{FF2B5EF4-FFF2-40B4-BE49-F238E27FC236}">
-                <a16:creationId xmlns:a16="http://schemas.microsoft.com/office/drawing/2014/main" id="{94C75949-F15C-4E05-810D-EF40FCE89107}"/>
-              </a:ext>
-            </a:extLst>
-          </p:cNvPr>
-          <p:cNvPicPr>
-            <a:picLocks noChangeAspect="1"/>
-          </p:cNvPicPr>
-          <p:nvPr/>
-        </p:nvPicPr>
-        <p:blipFill>
-          <a:blip r:embed="rId3">
-            <a:extLst>
-              <a:ext uri="{28A0092B-C50C-407E-A947-70E740481C1C}">
-                <a14:useLocalDpi xmlns:a14="http://schemas.microsoft.com/office/drawing/2010/main" val="0"/>
-              </a:ext>
-            </a:extLst>
-          </a:blip>
-          <a:stretch>
-            <a:fillRect/>
-          </a:stretch>
-        </p:blipFill>
-        <p:spPr>
-          <a:xfrm>
-            <a:off x="417789" y="4380288"/>
-            <a:ext cx="2014687" cy="2014687"/>
-          </a:xfrm>
-          <a:prstGeom prst="ellipse">
-            <a:avLst/>
-          </a:prstGeom>
-          <a:ln w="63500" cap="rnd">
-            <a:solidFill>
-              <a:srgbClr val="333333"/>
-            </a:solidFill>
-          </a:ln>
-          <a:effectLst>
-            <a:outerShdw blurRad="381000" dist="292100" dir="5400000" sx="-80000" sy="-18000" rotWithShape="0">
-              <a:srgbClr val="000000">
-                <a:alpha val="22000"/>
-              </a:srgbClr>
-            </a:outerShdw>
-          </a:effectLst>
-          <a:scene3d>
-            <a:camera prst="orthographicFront"/>
-            <a:lightRig rig="contrasting" dir="t">
-              <a:rot lat="0" lon="0" rev="3000000"/>
-            </a:lightRig>
-          </a:scene3d>
-          <a:sp3d contourW="7620">
-            <a:bevelT w="95250" h="31750"/>
-            <a:contourClr>
-              <a:srgbClr val="333333"/>
-            </a:contourClr>
-          </a:sp3d>
-        </p:spPr>
-      </p:pic>
-      <p:sp>
-        <p:nvSpPr>
-          <p:cNvPr id="38" name="Rectangle 37">
-            <a:extLst>
-              <a:ext uri="{FF2B5EF4-FFF2-40B4-BE49-F238E27FC236}">
-                <a16:creationId xmlns:a16="http://schemas.microsoft.com/office/drawing/2014/main" id="{28B1909D-4141-4FB1-8633-83F335349C97}"/>
-              </a:ext>
-            </a:extLst>
-          </p:cNvPr>
-          <p:cNvSpPr/>
-          <p:nvPr/>
-        </p:nvSpPr>
-        <p:spPr>
-          <a:xfrm rot="10800000">
-            <a:off x="3007493" y="844062"/>
-            <a:ext cx="9027282" cy="137067"/>
-          </a:xfrm>
-          <a:prstGeom prst="rect">
-            <a:avLst/>
-          </a:prstGeom>
-          <a:solidFill>
-            <a:schemeClr val="tx1"/>
-          </a:solidFill>
-          <a:ln>
-            <a:noFill/>
-          </a:ln>
-        </p:spPr>
-        <p:style>
-          <a:lnRef idx="2">
-            <a:schemeClr val="accent1">
-              <a:shade val="50000"/>
-            </a:schemeClr>
-          </a:lnRef>
-          <a:fillRef idx="1">
-            <a:schemeClr val="accent1"/>
-          </a:fillRef>
-          <a:effectRef idx="0">
-            <a:schemeClr val="accent1"/>
-          </a:effectRef>
-          <a:fontRef idx="minor">
-            <a:schemeClr val="lt1"/>
-          </a:fontRef>
-        </p:style>
-        <p:txBody>
-          <a:bodyPr rtlCol="0" anchor="ctr"/>
-          <a:lstStyle/>
-          <a:p>
-            <a:pPr algn="ctr"/>
-            <a:endParaRPr lang="en-US" dirty="0">
-              <a:solidFill>
-                <a:srgbClr val="DB5B5C"/>
-              </a:solidFill>
-            </a:endParaRPr>
-          </a:p>
-        </p:txBody>
-      </p:sp>
-      <p:sp>
-        <p:nvSpPr>
-          <p:cNvPr id="10" name="TextBox 9">
-            <a:extLst>
-              <a:ext uri="{FF2B5EF4-FFF2-40B4-BE49-F238E27FC236}">
-                <a16:creationId xmlns:a16="http://schemas.microsoft.com/office/drawing/2014/main" id="{8A07C2CC-416F-4D29-84CF-D1F8B766EE5F}"/>
-              </a:ext>
-            </a:extLst>
-          </p:cNvPr>
-          <p:cNvSpPr txBox="1"/>
-          <p:nvPr/>
-        </p:nvSpPr>
-        <p:spPr>
-          <a:xfrm>
-            <a:off x="3080080" y="1520792"/>
             <a:ext cx="8532800" cy="4893647"/>
           </a:xfrm>
           <a:prstGeom prst="rect">
@@ -6729,7 +6191,7 @@
 </p:sld>
 </file>
 
-<file path=ppt/slides/slide15.xml><?xml version="1.0" encoding="utf-8"?>
+<file path=ppt/slides/slide14.xml><?xml version="1.0" encoding="utf-8"?>
 <p:sld xmlns:a="http://schemas.openxmlformats.org/drawingml/2006/main" xmlns:r="http://schemas.openxmlformats.org/officeDocument/2006/relationships" xmlns:p="http://schemas.openxmlformats.org/presentationml/2006/main">
   <p:cSld>
     <p:bg>
@@ -8846,7 +8308,7 @@
         <p:spPr>
           <a:xfrm>
             <a:off x="3080081" y="1520792"/>
-            <a:ext cx="9027282" cy="461665"/>
+            <a:ext cx="9027282" cy="4893647"/>
           </a:xfrm>
           <a:prstGeom prst="rect">
             <a:avLst/>
@@ -8871,6 +8333,153 @@
                 <a:latin typeface="Selawik Semibold" panose="020B0702040204020203" pitchFamily="34" charset="0"/>
               </a:rPr>
               <a:t>FanGraphs Calculation of WPA in 2019</a:t>
+            </a:r>
+          </a:p>
+          <a:p>
+            <a:pPr marL="342900" indent="-342900">
+              <a:buFont typeface="Arial" panose="020B0604020202020204" pitchFamily="34" charset="0"/>
+              <a:buChar char="•"/>
+            </a:pPr>
+            <a:endParaRPr lang="en-US" sz="2400" dirty="0">
+              <a:solidFill>
+                <a:schemeClr val="bg1"/>
+              </a:solidFill>
+              <a:latin typeface="Selawik Semibold" panose="020B0702040204020203" pitchFamily="34" charset="0"/>
+            </a:endParaRPr>
+          </a:p>
+          <a:p>
+            <a:pPr marL="342900" indent="-342900">
+              <a:buFont typeface="Arial" panose="020B0604020202020204" pitchFamily="34" charset="0"/>
+              <a:buChar char="•"/>
+            </a:pPr>
+            <a:endParaRPr lang="en-US" sz="2400" dirty="0">
+              <a:solidFill>
+                <a:schemeClr val="bg1"/>
+              </a:solidFill>
+              <a:latin typeface="Selawik Semibold" panose="020B0702040204020203" pitchFamily="34" charset="0"/>
+            </a:endParaRPr>
+          </a:p>
+          <a:p>
+            <a:pPr marL="342900" indent="-342900">
+              <a:buFont typeface="Arial" panose="020B0604020202020204" pitchFamily="34" charset="0"/>
+              <a:buChar char="•"/>
+            </a:pPr>
+            <a:endParaRPr lang="en-US" sz="2400" dirty="0">
+              <a:solidFill>
+                <a:schemeClr val="bg1"/>
+              </a:solidFill>
+              <a:latin typeface="Selawik Semibold" panose="020B0702040204020203" pitchFamily="34" charset="0"/>
+            </a:endParaRPr>
+          </a:p>
+          <a:p>
+            <a:pPr marL="342900" indent="-342900">
+              <a:buFont typeface="Arial" panose="020B0604020202020204" pitchFamily="34" charset="0"/>
+              <a:buChar char="•"/>
+            </a:pPr>
+            <a:endParaRPr lang="en-US" sz="2400" dirty="0">
+              <a:solidFill>
+                <a:schemeClr val="bg1"/>
+              </a:solidFill>
+              <a:latin typeface="Selawik Semibold" panose="020B0702040204020203" pitchFamily="34" charset="0"/>
+            </a:endParaRPr>
+          </a:p>
+          <a:p>
+            <a:pPr marL="342900" indent="-342900">
+              <a:buFont typeface="Arial" panose="020B0604020202020204" pitchFamily="34" charset="0"/>
+              <a:buChar char="•"/>
+            </a:pPr>
+            <a:endParaRPr lang="en-US" sz="2400" dirty="0">
+              <a:solidFill>
+                <a:schemeClr val="bg1"/>
+              </a:solidFill>
+              <a:latin typeface="Selawik Semibold" panose="020B0702040204020203" pitchFamily="34" charset="0"/>
+            </a:endParaRPr>
+          </a:p>
+          <a:p>
+            <a:pPr marL="342900" indent="-342900">
+              <a:buFont typeface="Arial" panose="020B0604020202020204" pitchFamily="34" charset="0"/>
+              <a:buChar char="•"/>
+            </a:pPr>
+            <a:endParaRPr lang="en-US" sz="2400" dirty="0">
+              <a:solidFill>
+                <a:schemeClr val="bg1"/>
+              </a:solidFill>
+              <a:latin typeface="Selawik Semibold" panose="020B0702040204020203" pitchFamily="34" charset="0"/>
+            </a:endParaRPr>
+          </a:p>
+          <a:p>
+            <a:pPr marL="342900" indent="-342900">
+              <a:buFont typeface="Arial" panose="020B0604020202020204" pitchFamily="34" charset="0"/>
+              <a:buChar char="•"/>
+            </a:pPr>
+            <a:endParaRPr lang="en-US" sz="2400" dirty="0">
+              <a:solidFill>
+                <a:schemeClr val="bg1"/>
+              </a:solidFill>
+              <a:latin typeface="Selawik Semibold" panose="020B0702040204020203" pitchFamily="34" charset="0"/>
+            </a:endParaRPr>
+          </a:p>
+          <a:p>
+            <a:pPr marL="342900" indent="-342900">
+              <a:buFont typeface="Arial" panose="020B0604020202020204" pitchFamily="34" charset="0"/>
+              <a:buChar char="•"/>
+            </a:pPr>
+            <a:endParaRPr lang="en-US" sz="2400" dirty="0">
+              <a:solidFill>
+                <a:schemeClr val="bg1"/>
+              </a:solidFill>
+              <a:latin typeface="Selawik Semibold" panose="020B0702040204020203" pitchFamily="34" charset="0"/>
+            </a:endParaRPr>
+          </a:p>
+          <a:p>
+            <a:pPr marL="342900" indent="-342900">
+              <a:buFont typeface="Arial" panose="020B0604020202020204" pitchFamily="34" charset="0"/>
+              <a:buChar char="•"/>
+            </a:pPr>
+            <a:endParaRPr lang="en-US" sz="2400" dirty="0">
+              <a:solidFill>
+                <a:schemeClr val="bg1"/>
+              </a:solidFill>
+              <a:latin typeface="Selawik Semibold" panose="020B0702040204020203" pitchFamily="34" charset="0"/>
+            </a:endParaRPr>
+          </a:p>
+          <a:p>
+            <a:pPr marL="342900" indent="-342900">
+              <a:buFont typeface="Arial" panose="020B0604020202020204" pitchFamily="34" charset="0"/>
+              <a:buChar char="•"/>
+            </a:pPr>
+            <a:endParaRPr lang="en-US" sz="2400" dirty="0">
+              <a:solidFill>
+                <a:schemeClr val="bg1"/>
+              </a:solidFill>
+              <a:latin typeface="Selawik Semibold" panose="020B0702040204020203" pitchFamily="34" charset="0"/>
+            </a:endParaRPr>
+          </a:p>
+          <a:p>
+            <a:pPr marL="342900" indent="-342900">
+              <a:buFont typeface="Arial" panose="020B0604020202020204" pitchFamily="34" charset="0"/>
+              <a:buChar char="•"/>
+            </a:pPr>
+            <a:endParaRPr lang="en-US" sz="2400" dirty="0">
+              <a:solidFill>
+                <a:schemeClr val="bg1"/>
+              </a:solidFill>
+              <a:latin typeface="Selawik Semibold" panose="020B0702040204020203" pitchFamily="34" charset="0"/>
+            </a:endParaRPr>
+          </a:p>
+          <a:p>
+            <a:pPr marL="342900" indent="-342900">
+              <a:buFont typeface="Arial" panose="020B0604020202020204" pitchFamily="34" charset="0"/>
+              <a:buChar char="•"/>
+            </a:pPr>
+            <a:r>
+              <a:rPr lang="en-US" sz="2400" dirty="0">
+                <a:solidFill>
+                  <a:schemeClr val="bg1"/>
+                </a:solidFill>
+                <a:latin typeface="Selawik Semibold" panose="020B0702040204020203" pitchFamily="34" charset="0"/>
+              </a:rPr>
+              <a:t>Relief Pitchers Benefit From This Metric</a:t>
             </a:r>
             <a:endParaRPr lang="en-US" sz="2000" dirty="0">
               <a:solidFill>
@@ -8925,7 +8534,7 @@
         </p:nvSpPr>
         <p:spPr>
           <a:xfrm>
-            <a:off x="4941889" y="5337208"/>
+            <a:off x="5094944" y="5187576"/>
             <a:ext cx="4550768" cy="400110"/>
           </a:xfrm>
           <a:prstGeom prst="rect">
@@ -9000,7 +8609,7 @@
     </p:spTree>
     <p:extLst>
       <p:ext uri="{BB962C8B-B14F-4D97-AF65-F5344CB8AC3E}">
-        <p14:creationId xmlns:p14="http://schemas.microsoft.com/office/powerpoint/2010/main" val="1206371402"/>
+        <p14:creationId xmlns:p14="http://schemas.microsoft.com/office/powerpoint/2010/main" val="227471254"/>
       </p:ext>
     </p:extLst>
   </p:cSld>
@@ -9403,7 +9012,7 @@
         <p:spPr>
           <a:xfrm>
             <a:off x="3080081" y="1520792"/>
-            <a:ext cx="9027282" cy="4893647"/>
+            <a:ext cx="9027282" cy="4524315"/>
           </a:xfrm>
           <a:prstGeom prst="rect">
             <a:avLst/>
@@ -9427,11 +9036,71 @@
                 </a:solidFill>
                 <a:latin typeface="Selawik Semibold" panose="020B0702040204020203" pitchFamily="34" charset="0"/>
               </a:rPr>
-              <a:t>FanGraphs Calculation of WPA in 2019</a:t>
-            </a:r>
-          </a:p>
-          <a:p>
-            <a:pPr marL="342900" indent="-342900">
+              <a:t>Fielding Ratings Into WPA</a:t>
+            </a:r>
+          </a:p>
+          <a:p>
+            <a:pPr marL="800100" lvl="1" indent="-342900">
+              <a:buFont typeface="Arial" panose="020B0604020202020204" pitchFamily="34" charset="0"/>
+              <a:buChar char="•"/>
+            </a:pPr>
+            <a:r>
+              <a:rPr lang="en-US" sz="2400" dirty="0">
+                <a:solidFill>
+                  <a:schemeClr val="bg1"/>
+                </a:solidFill>
+                <a:latin typeface="Selawik Semibold" panose="020B0702040204020203" pitchFamily="34" charset="0"/>
+              </a:rPr>
+              <a:t>Prerequisites:</a:t>
+            </a:r>
+          </a:p>
+          <a:p>
+            <a:pPr marL="1257300" lvl="2" indent="-342900">
+              <a:buFont typeface="Arial" panose="020B0604020202020204" pitchFamily="34" charset="0"/>
+              <a:buChar char="•"/>
+            </a:pPr>
+            <a:r>
+              <a:rPr lang="en-US" sz="2400" dirty="0">
+                <a:solidFill>
+                  <a:schemeClr val="bg1"/>
+                </a:solidFill>
+                <a:latin typeface="Selawik Semibold" panose="020B0702040204020203" pitchFamily="34" charset="0"/>
+              </a:rPr>
+              <a:t>Outs Above Average (OAA)</a:t>
+            </a:r>
+          </a:p>
+          <a:p>
+            <a:pPr marL="1257300" lvl="2" indent="-342900">
+              <a:buFont typeface="Arial" panose="020B0604020202020204" pitchFamily="34" charset="0"/>
+              <a:buChar char="•"/>
+            </a:pPr>
+            <a:r>
+              <a:rPr lang="en-US" sz="2400" dirty="0">
+                <a:solidFill>
+                  <a:schemeClr val="bg1"/>
+                </a:solidFill>
+                <a:latin typeface="Selawik Semibold" panose="020B0702040204020203" pitchFamily="34" charset="0"/>
+              </a:rPr>
+              <a:t>Runs Prevented</a:t>
+            </a:r>
+          </a:p>
+          <a:p>
+            <a:pPr marL="1257300" lvl="2" indent="-342900">
+              <a:buFont typeface="Arial" panose="020B0604020202020204" pitchFamily="34" charset="0"/>
+              <a:buChar char="•"/>
+            </a:pPr>
+            <a:r>
+              <a:rPr lang="en-US" sz="2400" dirty="0">
+                <a:solidFill>
+                  <a:schemeClr val="bg1"/>
+                </a:solidFill>
+                <a:latin typeface="Selawik Semibold" panose="020B0702040204020203" pitchFamily="34" charset="0"/>
+              </a:rPr>
+              <a:t>10 Runs = 1 Win (Pythagorean Method)</a:t>
+            </a:r>
+          </a:p>
+          <a:p>
+            <a:pPr marL="1257300" lvl="2" indent="-342900">
               <a:buFont typeface="Arial" panose="020B0604020202020204" pitchFamily="34" charset="0"/>
               <a:buChar char="•"/>
             </a:pPr>
@@ -9443,7 +9112,22 @@
             </a:endParaRPr>
           </a:p>
           <a:p>
-            <a:pPr marL="342900" indent="-342900">
+            <a:pPr marL="800100" lvl="1" indent="-342900">
+              <a:buFont typeface="Arial" panose="020B0604020202020204" pitchFamily="34" charset="0"/>
+              <a:buChar char="•"/>
+            </a:pPr>
+            <a:r>
+              <a:rPr lang="en-US" sz="2400" dirty="0">
+                <a:solidFill>
+                  <a:schemeClr val="bg1"/>
+                </a:solidFill>
+                <a:latin typeface="Selawik Semibold" panose="020B0702040204020203" pitchFamily="34" charset="0"/>
+              </a:rPr>
+              <a:t>Requirement: Convert Runs Prevented into Wins</a:t>
+            </a:r>
+          </a:p>
+          <a:p>
+            <a:pPr marL="800100" lvl="1" indent="-342900">
               <a:buFont typeface="Arial" panose="020B0604020202020204" pitchFamily="34" charset="0"/>
               <a:buChar char="•"/>
             </a:pPr>
@@ -9455,118 +9139,55 @@
             </a:endParaRPr>
           </a:p>
           <a:p>
-            <a:pPr marL="342900" indent="-342900">
+            <a:pPr marL="800100" lvl="1" indent="-342900">
               <a:buFont typeface="Arial" panose="020B0604020202020204" pitchFamily="34" charset="0"/>
               <a:buChar char="•"/>
             </a:pPr>
-            <a:endParaRPr lang="en-US" sz="2400" dirty="0">
-              <a:solidFill>
-                <a:schemeClr val="bg1"/>
-              </a:solidFill>
-              <a:latin typeface="Selawik Semibold" panose="020B0702040204020203" pitchFamily="34" charset="0"/>
-            </a:endParaRPr>
-          </a:p>
-          <a:p>
-            <a:pPr marL="342900" indent="-342900">
+            <a:r>
+              <a:rPr lang="en-US" sz="2400" dirty="0">
+                <a:solidFill>
+                  <a:schemeClr val="bg1"/>
+                </a:solidFill>
+                <a:latin typeface="Selawik Semibold" panose="020B0702040204020203" pitchFamily="34" charset="0"/>
+              </a:rPr>
+              <a:t>Example: Cody Bellinger 2019</a:t>
+            </a:r>
+          </a:p>
+          <a:p>
+            <a:pPr marL="1257300" lvl="2" indent="-342900">
               <a:buFont typeface="Arial" panose="020B0604020202020204" pitchFamily="34" charset="0"/>
               <a:buChar char="•"/>
             </a:pPr>
-            <a:endParaRPr lang="en-US" sz="2400" dirty="0">
-              <a:solidFill>
-                <a:schemeClr val="bg1"/>
-              </a:solidFill>
-              <a:latin typeface="Selawik Semibold" panose="020B0702040204020203" pitchFamily="34" charset="0"/>
-            </a:endParaRPr>
-          </a:p>
-          <a:p>
-            <a:pPr marL="342900" indent="-342900">
+            <a:r>
+              <a:rPr lang="en-US" sz="2400" dirty="0">
+                <a:solidFill>
+                  <a:schemeClr val="bg1"/>
+                </a:solidFill>
+                <a:latin typeface="Selawik Semibold" panose="020B0702040204020203" pitchFamily="34" charset="0"/>
+              </a:rPr>
+              <a:t>WPA = 5.41</a:t>
+            </a:r>
+          </a:p>
+          <a:p>
+            <a:pPr marL="1257300" lvl="2" indent="-342900">
               <a:buFont typeface="Arial" panose="020B0604020202020204" pitchFamily="34" charset="0"/>
               <a:buChar char="•"/>
             </a:pPr>
-            <a:endParaRPr lang="en-US" sz="2400" dirty="0">
-              <a:solidFill>
-                <a:schemeClr val="bg1"/>
-              </a:solidFill>
-              <a:latin typeface="Selawik Semibold" panose="020B0702040204020203" pitchFamily="34" charset="0"/>
-            </a:endParaRPr>
-          </a:p>
-          <a:p>
-            <a:pPr marL="342900" indent="-342900">
+            <a:r>
+              <a:rPr lang="en-US" sz="2400" dirty="0">
+                <a:solidFill>
+                  <a:schemeClr val="bg1"/>
+                </a:solidFill>
+                <a:latin typeface="Selawik Semibold" panose="020B0702040204020203" pitchFamily="34" charset="0"/>
+              </a:rPr>
+              <a:t>Fielding Prevented 7 Runs More Than Average</a:t>
+            </a:r>
+          </a:p>
+          <a:p>
+            <a:pPr marL="1257300" lvl="2" indent="-342900">
               <a:buFont typeface="Arial" panose="020B0604020202020204" pitchFamily="34" charset="0"/>
               <a:buChar char="•"/>
             </a:pPr>
-            <a:endParaRPr lang="en-US" sz="2400" dirty="0">
-              <a:solidFill>
-                <a:schemeClr val="bg1"/>
-              </a:solidFill>
-              <a:latin typeface="Selawik Semibold" panose="020B0702040204020203" pitchFamily="34" charset="0"/>
-            </a:endParaRPr>
-          </a:p>
-          <a:p>
-            <a:pPr marL="342900" indent="-342900">
-              <a:buFont typeface="Arial" panose="020B0604020202020204" pitchFamily="34" charset="0"/>
-              <a:buChar char="•"/>
-            </a:pPr>
-            <a:endParaRPr lang="en-US" sz="2400" dirty="0">
-              <a:solidFill>
-                <a:schemeClr val="bg1"/>
-              </a:solidFill>
-              <a:latin typeface="Selawik Semibold" panose="020B0702040204020203" pitchFamily="34" charset="0"/>
-            </a:endParaRPr>
-          </a:p>
-          <a:p>
-            <a:pPr marL="342900" indent="-342900">
-              <a:buFont typeface="Arial" panose="020B0604020202020204" pitchFamily="34" charset="0"/>
-              <a:buChar char="•"/>
-            </a:pPr>
-            <a:endParaRPr lang="en-US" sz="2400" dirty="0">
-              <a:solidFill>
-                <a:schemeClr val="bg1"/>
-              </a:solidFill>
-              <a:latin typeface="Selawik Semibold" panose="020B0702040204020203" pitchFamily="34" charset="0"/>
-            </a:endParaRPr>
-          </a:p>
-          <a:p>
-            <a:pPr marL="342900" indent="-342900">
-              <a:buFont typeface="Arial" panose="020B0604020202020204" pitchFamily="34" charset="0"/>
-              <a:buChar char="•"/>
-            </a:pPr>
-            <a:endParaRPr lang="en-US" sz="2400" dirty="0">
-              <a:solidFill>
-                <a:schemeClr val="bg1"/>
-              </a:solidFill>
-              <a:latin typeface="Selawik Semibold" panose="020B0702040204020203" pitchFamily="34" charset="0"/>
-            </a:endParaRPr>
-          </a:p>
-          <a:p>
-            <a:pPr marL="342900" indent="-342900">
-              <a:buFont typeface="Arial" panose="020B0604020202020204" pitchFamily="34" charset="0"/>
-              <a:buChar char="•"/>
-            </a:pPr>
-            <a:endParaRPr lang="en-US" sz="2400" dirty="0">
-              <a:solidFill>
-                <a:schemeClr val="bg1"/>
-              </a:solidFill>
-              <a:latin typeface="Selawik Semibold" panose="020B0702040204020203" pitchFamily="34" charset="0"/>
-            </a:endParaRPr>
-          </a:p>
-          <a:p>
-            <a:pPr marL="342900" indent="-342900">
-              <a:buFont typeface="Arial" panose="020B0604020202020204" pitchFamily="34" charset="0"/>
-              <a:buChar char="•"/>
-            </a:pPr>
-            <a:endParaRPr lang="en-US" sz="2400" dirty="0">
-              <a:solidFill>
-                <a:schemeClr val="bg1"/>
-              </a:solidFill>
-              <a:latin typeface="Selawik Semibold" panose="020B0702040204020203" pitchFamily="34" charset="0"/>
-            </a:endParaRPr>
-          </a:p>
-          <a:p>
-            <a:pPr marL="342900" indent="-342900">
-              <a:buFont typeface="Arial" panose="020B0604020202020204" pitchFamily="34" charset="0"/>
-              <a:buChar char="•"/>
-            </a:pPr>
             <a:r>
               <a:rPr lang="en-US" sz="2400" dirty="0">
                 <a:solidFill>
@@ -9574,729 +9195,13 @@
                 </a:solidFill>
                 <a:latin typeface="Selawik Semibold" panose="020B0702040204020203" pitchFamily="34" charset="0"/>
               </a:rPr>
-              <a:t>Relief Pitchers Benefit From This Metric</a:t>
-            </a:r>
-            <a:endParaRPr lang="en-US" sz="2000" dirty="0">
-              <a:solidFill>
-                <a:schemeClr val="bg1"/>
-              </a:solidFill>
-              <a:latin typeface="Selawik Semibold" panose="020B0702040204020203" pitchFamily="34" charset="0"/>
-            </a:endParaRPr>
-          </a:p>
-        </p:txBody>
-      </p:sp>
-      <p:pic>
-        <p:nvPicPr>
-          <p:cNvPr id="3" name="Picture 2">
-            <a:extLst>
-              <a:ext uri="{FF2B5EF4-FFF2-40B4-BE49-F238E27FC236}">
-                <a16:creationId xmlns:a16="http://schemas.microsoft.com/office/drawing/2014/main" id="{4CCE90DB-4B4C-2D62-401B-48EA02358044}"/>
-              </a:ext>
-            </a:extLst>
-          </p:cNvPr>
-          <p:cNvPicPr>
-            <a:picLocks noChangeAspect="1"/>
-          </p:cNvPicPr>
-          <p:nvPr/>
-        </p:nvPicPr>
-        <p:blipFill>
-          <a:blip r:embed="rId4"/>
-          <a:stretch>
-            <a:fillRect/>
-          </a:stretch>
-        </p:blipFill>
-        <p:spPr>
-          <a:xfrm>
-            <a:off x="3488531" y="2012263"/>
-            <a:ext cx="3676606" cy="2941285"/>
-          </a:xfrm>
-          <a:prstGeom prst="rect">
-            <a:avLst/>
-          </a:prstGeom>
-        </p:spPr>
-      </p:pic>
-      <p:sp>
-        <p:nvSpPr>
-          <p:cNvPr id="5" name="TextBox 4">
-            <a:extLst>
-              <a:ext uri="{FF2B5EF4-FFF2-40B4-BE49-F238E27FC236}">
-                <a16:creationId xmlns:a16="http://schemas.microsoft.com/office/drawing/2014/main" id="{74AF314E-BEB5-2347-F594-A94233F8259E}"/>
-              </a:ext>
-            </a:extLst>
-          </p:cNvPr>
-          <p:cNvSpPr txBox="1"/>
-          <p:nvPr/>
-        </p:nvSpPr>
-        <p:spPr>
-          <a:xfrm>
-            <a:off x="5094944" y="5187576"/>
-            <a:ext cx="4550768" cy="400110"/>
-          </a:xfrm>
-          <a:prstGeom prst="rect">
-            <a:avLst/>
-          </a:prstGeom>
-          <a:noFill/>
-          <a:ln w="25400"/>
-        </p:spPr>
-        <p:style>
-          <a:lnRef idx="2">
-            <a:schemeClr val="dk1"/>
-          </a:lnRef>
-          <a:fillRef idx="1">
-            <a:schemeClr val="lt1"/>
-          </a:fillRef>
-          <a:effectRef idx="0">
-            <a:schemeClr val="dk1"/>
-          </a:effectRef>
-          <a:fontRef idx="minor">
-            <a:schemeClr val="dk1"/>
-          </a:fontRef>
-        </p:style>
-        <p:txBody>
-          <a:bodyPr wrap="square" rtlCol="0">
-            <a:spAutoFit/>
-          </a:bodyPr>
-          <a:lstStyle/>
-          <a:p>
-            <a:pPr algn="ctr"/>
-            <a:r>
-              <a:rPr lang="en-US" sz="2000" dirty="0">
-                <a:solidFill>
-                  <a:schemeClr val="bg1"/>
-                </a:solidFill>
-                <a:latin typeface="Selawik Semibold" panose="020B0702040204020203" pitchFamily="34" charset="0"/>
-              </a:rPr>
-              <a:t>Can Be Interpreted in Games Added</a:t>
-            </a:r>
-          </a:p>
-        </p:txBody>
-      </p:sp>
-      <p:pic>
-        <p:nvPicPr>
-          <p:cNvPr id="7" name="Picture 6">
-            <a:extLst>
-              <a:ext uri="{FF2B5EF4-FFF2-40B4-BE49-F238E27FC236}">
-                <a16:creationId xmlns:a16="http://schemas.microsoft.com/office/drawing/2014/main" id="{4772F8A7-CE3D-F038-DD3B-943C06679BA6}"/>
-              </a:ext>
-            </a:extLst>
-          </p:cNvPr>
-          <p:cNvPicPr>
-            <a:picLocks noChangeAspect="1"/>
-          </p:cNvPicPr>
-          <p:nvPr/>
-        </p:nvPicPr>
-        <p:blipFill>
-          <a:blip r:embed="rId5"/>
-          <a:stretch>
-            <a:fillRect/>
-          </a:stretch>
-        </p:blipFill>
-        <p:spPr>
-          <a:xfrm>
-            <a:off x="7370328" y="2016320"/>
-            <a:ext cx="3556423" cy="2932681"/>
-          </a:xfrm>
-          <a:prstGeom prst="rect">
-            <a:avLst/>
-          </a:prstGeom>
-        </p:spPr>
-      </p:pic>
-    </p:spTree>
-    <p:extLst>
-      <p:ext uri="{BB962C8B-B14F-4D97-AF65-F5344CB8AC3E}">
-        <p14:creationId xmlns:p14="http://schemas.microsoft.com/office/powerpoint/2010/main" val="227471254"/>
-      </p:ext>
-    </p:extLst>
-  </p:cSld>
-  <p:clrMapOvr>
-    <a:masterClrMapping/>
-  </p:clrMapOvr>
-</p:sld>
-</file>
-
-<file path=ppt/slides/slide6.xml><?xml version="1.0" encoding="utf-8"?>
-<p:sld xmlns:a="http://schemas.openxmlformats.org/drawingml/2006/main" xmlns:r="http://schemas.openxmlformats.org/officeDocument/2006/relationships" xmlns:p="http://schemas.openxmlformats.org/presentationml/2006/main">
-  <p:cSld>
-    <p:bg>
-      <p:bgPr>
-        <a:solidFill>
-          <a:schemeClr val="bg1"/>
-        </a:solidFill>
-        <a:effectLst/>
-      </p:bgPr>
-    </p:bg>
-    <p:spTree>
-      <p:nvGrpSpPr>
-        <p:cNvPr id="1" name=""/>
-        <p:cNvGrpSpPr/>
-        <p:nvPr/>
-      </p:nvGrpSpPr>
-      <p:grpSpPr>
-        <a:xfrm>
-          <a:off x="0" y="0"/>
-          <a:ext cx="0" cy="0"/>
-          <a:chOff x="0" y="0"/>
-          <a:chExt cx="0" cy="0"/>
-        </a:xfrm>
-      </p:grpSpPr>
-      <p:sp>
-        <p:nvSpPr>
-          <p:cNvPr id="17" name="Rectangle 16">
-            <a:extLst>
-              <a:ext uri="{FF2B5EF4-FFF2-40B4-BE49-F238E27FC236}">
-                <a16:creationId xmlns:a16="http://schemas.microsoft.com/office/drawing/2014/main" id="{0A8FE870-A334-4DE1-84A7-AB191ED10D63}"/>
-              </a:ext>
-            </a:extLst>
-          </p:cNvPr>
-          <p:cNvSpPr/>
-          <p:nvPr/>
-        </p:nvSpPr>
-        <p:spPr>
-          <a:xfrm>
-            <a:off x="0" y="-52157"/>
-            <a:ext cx="12192000" cy="6910157"/>
-          </a:xfrm>
-          <a:prstGeom prst="rect">
-            <a:avLst/>
-          </a:prstGeom>
-          <a:solidFill>
-            <a:srgbClr val="395583"/>
-          </a:solidFill>
-        </p:spPr>
-        <p:style>
-          <a:lnRef idx="2">
-            <a:schemeClr val="accent1">
-              <a:shade val="50000"/>
-            </a:schemeClr>
-          </a:lnRef>
-          <a:fillRef idx="1">
-            <a:schemeClr val="accent1"/>
-          </a:fillRef>
-          <a:effectRef idx="0">
-            <a:schemeClr val="accent1"/>
-          </a:effectRef>
-          <a:fontRef idx="minor">
-            <a:schemeClr val="lt1"/>
-          </a:fontRef>
-        </p:style>
-        <p:txBody>
-          <a:bodyPr rtlCol="0" anchor="ctr"/>
-          <a:lstStyle/>
-          <a:p>
-            <a:pPr algn="ctr"/>
-            <a:endParaRPr lang="en-US"/>
-          </a:p>
-        </p:txBody>
-      </p:sp>
-      <p:pic>
-        <p:nvPicPr>
-          <p:cNvPr id="8" name="Picture 7" descr="A close up of a toy&#10;&#10;Description automatically generated">
-            <a:extLst>
-              <a:ext uri="{FF2B5EF4-FFF2-40B4-BE49-F238E27FC236}">
-                <a16:creationId xmlns:a16="http://schemas.microsoft.com/office/drawing/2014/main" id="{131D5527-B848-4F84-9601-62DB93565332}"/>
-              </a:ext>
-            </a:extLst>
-          </p:cNvPr>
-          <p:cNvPicPr>
-            <a:picLocks noChangeAspect="1"/>
-          </p:cNvPicPr>
-          <p:nvPr/>
-        </p:nvPicPr>
-        <p:blipFill rotWithShape="1">
-          <a:blip r:embed="rId2">
-            <a:extLst>
-              <a:ext uri="{28A0092B-C50C-407E-A947-70E740481C1C}">
-                <a14:useLocalDpi xmlns:a14="http://schemas.microsoft.com/office/drawing/2010/main" val="0"/>
-              </a:ext>
-            </a:extLst>
-          </a:blip>
-          <a:srcRect l="6238" r="10796"/>
-          <a:stretch/>
-        </p:blipFill>
-        <p:spPr>
-          <a:xfrm>
-            <a:off x="0" y="-52157"/>
-            <a:ext cx="2684015" cy="3969421"/>
-          </a:xfrm>
-          <a:prstGeom prst="rect">
-            <a:avLst/>
-          </a:prstGeom>
-        </p:spPr>
-      </p:pic>
-      <p:sp>
-        <p:nvSpPr>
-          <p:cNvPr id="33" name="Rectangle 32">
-            <a:extLst>
-              <a:ext uri="{FF2B5EF4-FFF2-40B4-BE49-F238E27FC236}">
-                <a16:creationId xmlns:a16="http://schemas.microsoft.com/office/drawing/2014/main" id="{6F93929A-DE1C-47C4-AF97-F99DB104E96F}"/>
-              </a:ext>
-            </a:extLst>
-          </p:cNvPr>
-          <p:cNvSpPr/>
-          <p:nvPr/>
-        </p:nvSpPr>
-        <p:spPr>
-          <a:xfrm rot="16200000">
-            <a:off x="782431" y="1849427"/>
-            <a:ext cx="3969421" cy="166254"/>
-          </a:xfrm>
-          <a:prstGeom prst="rect">
-            <a:avLst/>
-          </a:prstGeom>
-          <a:solidFill>
-            <a:schemeClr val="tx1"/>
-          </a:solidFill>
-          <a:ln>
-            <a:noFill/>
-          </a:ln>
-        </p:spPr>
-        <p:style>
-          <a:lnRef idx="2">
-            <a:schemeClr val="accent1">
-              <a:shade val="50000"/>
-            </a:schemeClr>
-          </a:lnRef>
-          <a:fillRef idx="1">
-            <a:schemeClr val="accent1"/>
-          </a:fillRef>
-          <a:effectRef idx="0">
-            <a:schemeClr val="accent1"/>
-          </a:effectRef>
-          <a:fontRef idx="minor">
-            <a:schemeClr val="lt1"/>
-          </a:fontRef>
-        </p:style>
-        <p:txBody>
-          <a:bodyPr rtlCol="0" anchor="ctr"/>
-          <a:lstStyle/>
-          <a:p>
-            <a:pPr algn="ctr"/>
-            <a:endParaRPr lang="en-US" dirty="0">
-              <a:solidFill>
-                <a:srgbClr val="DB5B5C"/>
-              </a:solidFill>
-            </a:endParaRPr>
-          </a:p>
-        </p:txBody>
-      </p:sp>
-      <p:sp>
-        <p:nvSpPr>
-          <p:cNvPr id="35" name="Rectangle 34">
-            <a:extLst>
-              <a:ext uri="{FF2B5EF4-FFF2-40B4-BE49-F238E27FC236}">
-                <a16:creationId xmlns:a16="http://schemas.microsoft.com/office/drawing/2014/main" id="{259A39E4-556F-4581-82A2-C6B68A8147A4}"/>
-              </a:ext>
-            </a:extLst>
-          </p:cNvPr>
-          <p:cNvSpPr/>
-          <p:nvPr/>
-        </p:nvSpPr>
-        <p:spPr>
-          <a:xfrm rot="10800000">
-            <a:off x="-2" y="3756674"/>
-            <a:ext cx="2850269" cy="3101326"/>
-          </a:xfrm>
-          <a:prstGeom prst="rect">
-            <a:avLst/>
-          </a:prstGeom>
-          <a:solidFill>
-            <a:schemeClr val="tx1"/>
-          </a:solidFill>
-          <a:ln>
-            <a:noFill/>
-          </a:ln>
-        </p:spPr>
-        <p:style>
-          <a:lnRef idx="2">
-            <a:schemeClr val="accent1">
-              <a:shade val="50000"/>
-            </a:schemeClr>
-          </a:lnRef>
-          <a:fillRef idx="1">
-            <a:schemeClr val="accent1"/>
-          </a:fillRef>
-          <a:effectRef idx="0">
-            <a:schemeClr val="accent1"/>
-          </a:effectRef>
-          <a:fontRef idx="minor">
-            <a:schemeClr val="lt1"/>
-          </a:fontRef>
-        </p:style>
-        <p:txBody>
-          <a:bodyPr rtlCol="0" anchor="ctr"/>
-          <a:lstStyle/>
-          <a:p>
-            <a:pPr algn="ctr"/>
-            <a:endParaRPr lang="en-US" dirty="0">
-              <a:solidFill>
-                <a:srgbClr val="DB5B5C"/>
-              </a:solidFill>
-            </a:endParaRPr>
-          </a:p>
-        </p:txBody>
-      </p:sp>
-      <p:sp>
-        <p:nvSpPr>
-          <p:cNvPr id="23" name="Subtitle 22">
-            <a:extLst>
-              <a:ext uri="{FF2B5EF4-FFF2-40B4-BE49-F238E27FC236}">
-                <a16:creationId xmlns:a16="http://schemas.microsoft.com/office/drawing/2014/main" id="{1E5D6413-9C6F-483D-BE52-F3BBB1E74630}"/>
-              </a:ext>
-            </a:extLst>
-          </p:cNvPr>
-          <p:cNvSpPr>
-            <a:spLocks noGrp="1"/>
-          </p:cNvSpPr>
-          <p:nvPr>
-            <p:ph type="subTitle" idx="1"/>
-          </p:nvPr>
-        </p:nvSpPr>
-        <p:spPr>
-          <a:xfrm>
-            <a:off x="3007491" y="137620"/>
-            <a:ext cx="9341732" cy="1684867"/>
-          </a:xfrm>
-        </p:spPr>
-        <p:txBody>
-          <a:bodyPr>
-            <a:normAutofit/>
-          </a:bodyPr>
-          <a:lstStyle/>
-          <a:p>
-            <a:pPr algn="l"/>
-            <a:r>
-              <a:rPr lang="en-US" sz="4400" dirty="0">
-                <a:solidFill>
-                  <a:schemeClr val="bg1"/>
-                </a:solidFill>
-                <a:latin typeface="Selawik Semibold" panose="020B0702040204020203" pitchFamily="34" charset="0"/>
-              </a:rPr>
-              <a:t>Win Probability Added</a:t>
-            </a:r>
-          </a:p>
-        </p:txBody>
-      </p:sp>
-      <p:pic>
-        <p:nvPicPr>
-          <p:cNvPr id="16" name="Picture 15" descr="A close up of a toy&#10;&#10;Description automatically generated">
-            <a:extLst>
-              <a:ext uri="{FF2B5EF4-FFF2-40B4-BE49-F238E27FC236}">
-                <a16:creationId xmlns:a16="http://schemas.microsoft.com/office/drawing/2014/main" id="{94C75949-F15C-4E05-810D-EF40FCE89107}"/>
-              </a:ext>
-            </a:extLst>
-          </p:cNvPr>
-          <p:cNvPicPr>
-            <a:picLocks noChangeAspect="1"/>
-          </p:cNvPicPr>
-          <p:nvPr/>
-        </p:nvPicPr>
-        <p:blipFill>
-          <a:blip r:embed="rId3">
-            <a:extLst>
-              <a:ext uri="{28A0092B-C50C-407E-A947-70E740481C1C}">
-                <a14:useLocalDpi xmlns:a14="http://schemas.microsoft.com/office/drawing/2010/main" val="0"/>
-              </a:ext>
-            </a:extLst>
-          </a:blip>
-          <a:stretch>
-            <a:fillRect/>
-          </a:stretch>
-        </p:blipFill>
-        <p:spPr>
-          <a:xfrm>
-            <a:off x="417789" y="4380288"/>
-            <a:ext cx="2014687" cy="2014687"/>
-          </a:xfrm>
-          <a:prstGeom prst="ellipse">
-            <a:avLst/>
-          </a:prstGeom>
-          <a:ln w="63500" cap="rnd">
-            <a:solidFill>
-              <a:srgbClr val="333333"/>
-            </a:solidFill>
-          </a:ln>
-          <a:effectLst>
-            <a:outerShdw blurRad="381000" dist="292100" dir="5400000" sx="-80000" sy="-18000" rotWithShape="0">
-              <a:srgbClr val="000000">
-                <a:alpha val="22000"/>
-              </a:srgbClr>
-            </a:outerShdw>
-          </a:effectLst>
-          <a:scene3d>
-            <a:camera prst="orthographicFront"/>
-            <a:lightRig rig="contrasting" dir="t">
-              <a:rot lat="0" lon="0" rev="3000000"/>
-            </a:lightRig>
-          </a:scene3d>
-          <a:sp3d contourW="7620">
-            <a:bevelT w="95250" h="31750"/>
-            <a:contourClr>
-              <a:srgbClr val="333333"/>
-            </a:contourClr>
-          </a:sp3d>
-        </p:spPr>
-      </p:pic>
-      <p:sp>
-        <p:nvSpPr>
-          <p:cNvPr id="38" name="Rectangle 37">
-            <a:extLst>
-              <a:ext uri="{FF2B5EF4-FFF2-40B4-BE49-F238E27FC236}">
-                <a16:creationId xmlns:a16="http://schemas.microsoft.com/office/drawing/2014/main" id="{28B1909D-4141-4FB1-8633-83F335349C97}"/>
-              </a:ext>
-            </a:extLst>
-          </p:cNvPr>
-          <p:cNvSpPr/>
-          <p:nvPr/>
-        </p:nvSpPr>
-        <p:spPr>
-          <a:xfrm rot="10800000">
-            <a:off x="3007493" y="844062"/>
-            <a:ext cx="9027282" cy="137067"/>
-          </a:xfrm>
-          <a:prstGeom prst="rect">
-            <a:avLst/>
-          </a:prstGeom>
-          <a:solidFill>
-            <a:schemeClr val="tx1"/>
-          </a:solidFill>
-          <a:ln>
-            <a:noFill/>
-          </a:ln>
-        </p:spPr>
-        <p:style>
-          <a:lnRef idx="2">
-            <a:schemeClr val="accent1">
-              <a:shade val="50000"/>
-            </a:schemeClr>
-          </a:lnRef>
-          <a:fillRef idx="1">
-            <a:schemeClr val="accent1"/>
-          </a:fillRef>
-          <a:effectRef idx="0">
-            <a:schemeClr val="accent1"/>
-          </a:effectRef>
-          <a:fontRef idx="minor">
-            <a:schemeClr val="lt1"/>
-          </a:fontRef>
-        </p:style>
-        <p:txBody>
-          <a:bodyPr rtlCol="0" anchor="ctr"/>
-          <a:lstStyle/>
-          <a:p>
-            <a:pPr algn="ctr"/>
-            <a:endParaRPr lang="en-US" dirty="0">
-              <a:solidFill>
-                <a:srgbClr val="DB5B5C"/>
-              </a:solidFill>
-            </a:endParaRPr>
-          </a:p>
-        </p:txBody>
-      </p:sp>
-      <p:sp>
-        <p:nvSpPr>
-          <p:cNvPr id="10" name="TextBox 9">
-            <a:extLst>
-              <a:ext uri="{FF2B5EF4-FFF2-40B4-BE49-F238E27FC236}">
-                <a16:creationId xmlns:a16="http://schemas.microsoft.com/office/drawing/2014/main" id="{8A07C2CC-416F-4D29-84CF-D1F8B766EE5F}"/>
-              </a:ext>
-            </a:extLst>
-          </p:cNvPr>
-          <p:cNvSpPr txBox="1"/>
-          <p:nvPr/>
-        </p:nvSpPr>
-        <p:spPr>
-          <a:xfrm>
-            <a:off x="3080081" y="1520792"/>
-            <a:ext cx="9027282" cy="4524315"/>
-          </a:xfrm>
-          <a:prstGeom prst="rect">
-            <a:avLst/>
-          </a:prstGeom>
-          <a:noFill/>
-        </p:spPr>
-        <p:txBody>
-          <a:bodyPr wrap="square" rtlCol="0">
-            <a:spAutoFit/>
-          </a:bodyPr>
-          <a:lstStyle/>
-          <a:p>
-            <a:pPr marL="342900" indent="-342900">
-              <a:buFont typeface="Arial" panose="020B0604020202020204" pitchFamily="34" charset="0"/>
-              <a:buChar char="•"/>
-            </a:pPr>
-            <a:r>
-              <a:rPr lang="en-US" sz="2400" dirty="0">
-                <a:solidFill>
-                  <a:schemeClr val="bg1"/>
-                </a:solidFill>
-                <a:latin typeface="Selawik Semibold" panose="020B0702040204020203" pitchFamily="34" charset="0"/>
-              </a:rPr>
-              <a:t>Fielding Ratings Into WPA</a:t>
-            </a:r>
-          </a:p>
-          <a:p>
-            <a:pPr marL="800100" lvl="1" indent="-342900">
-              <a:buFont typeface="Arial" panose="020B0604020202020204" pitchFamily="34" charset="0"/>
-              <a:buChar char="•"/>
-            </a:pPr>
-            <a:r>
-              <a:rPr lang="en-US" sz="2400" dirty="0">
-                <a:solidFill>
-                  <a:schemeClr val="bg1"/>
-                </a:solidFill>
-                <a:latin typeface="Selawik Semibold" panose="020B0702040204020203" pitchFamily="34" charset="0"/>
-              </a:rPr>
-              <a:t>Prerequisites:</a:t>
-            </a:r>
-          </a:p>
-          <a:p>
-            <a:pPr marL="1257300" lvl="2" indent="-342900">
-              <a:buFont typeface="Arial" panose="020B0604020202020204" pitchFamily="34" charset="0"/>
-              <a:buChar char="•"/>
-            </a:pPr>
-            <a:r>
-              <a:rPr lang="en-US" sz="2400" dirty="0">
-                <a:solidFill>
-                  <a:schemeClr val="bg1"/>
-                </a:solidFill>
-                <a:latin typeface="Selawik Semibold" panose="020B0702040204020203" pitchFamily="34" charset="0"/>
-              </a:rPr>
-              <a:t>Outs Above Average (OAA)</a:t>
-            </a:r>
-          </a:p>
-          <a:p>
-            <a:pPr marL="1257300" lvl="2" indent="-342900">
-              <a:buFont typeface="Arial" panose="020B0604020202020204" pitchFamily="34" charset="0"/>
-              <a:buChar char="•"/>
-            </a:pPr>
-            <a:r>
-              <a:rPr lang="en-US" sz="2400" dirty="0">
-                <a:solidFill>
-                  <a:schemeClr val="bg1"/>
-                </a:solidFill>
-                <a:latin typeface="Selawik Semibold" panose="020B0702040204020203" pitchFamily="34" charset="0"/>
-              </a:rPr>
-              <a:t>Runs Prevented</a:t>
-            </a:r>
-          </a:p>
-          <a:p>
-            <a:pPr marL="1257300" lvl="2" indent="-342900">
-              <a:buFont typeface="Arial" panose="020B0604020202020204" pitchFamily="34" charset="0"/>
-              <a:buChar char="•"/>
-            </a:pPr>
-            <a:r>
-              <a:rPr lang="en-US" sz="2400" dirty="0">
-                <a:solidFill>
-                  <a:schemeClr val="bg1"/>
-                </a:solidFill>
-                <a:latin typeface="Selawik Semibold" panose="020B0702040204020203" pitchFamily="34" charset="0"/>
-              </a:rPr>
-              <a:t>10 Runs = 1 Win (Pythagorean Method)</a:t>
-            </a:r>
-          </a:p>
-          <a:p>
-            <a:pPr marL="1257300" lvl="2" indent="-342900">
-              <a:buFont typeface="Arial" panose="020B0604020202020204" pitchFamily="34" charset="0"/>
-              <a:buChar char="•"/>
-            </a:pPr>
-            <a:endParaRPr lang="en-US" sz="2400" dirty="0">
-              <a:solidFill>
-                <a:schemeClr val="bg1"/>
-              </a:solidFill>
-              <a:latin typeface="Selawik Semibold" panose="020B0702040204020203" pitchFamily="34" charset="0"/>
-            </a:endParaRPr>
-          </a:p>
-          <a:p>
-            <a:pPr marL="800100" lvl="1" indent="-342900">
-              <a:buFont typeface="Arial" panose="020B0604020202020204" pitchFamily="34" charset="0"/>
-              <a:buChar char="•"/>
-            </a:pPr>
-            <a:r>
-              <a:rPr lang="en-US" sz="2400" dirty="0">
-                <a:solidFill>
-                  <a:schemeClr val="bg1"/>
-                </a:solidFill>
-                <a:latin typeface="Selawik Semibold" panose="020B0702040204020203" pitchFamily="34" charset="0"/>
-              </a:rPr>
-              <a:t>Requirement: Convert Runs Prevented into Wins</a:t>
-            </a:r>
-          </a:p>
-          <a:p>
-            <a:pPr marL="800100" lvl="1" indent="-342900">
-              <a:buFont typeface="Arial" panose="020B0604020202020204" pitchFamily="34" charset="0"/>
-              <a:buChar char="•"/>
-            </a:pPr>
-            <a:endParaRPr lang="en-US" sz="2400" dirty="0">
-              <a:solidFill>
-                <a:schemeClr val="bg1"/>
-              </a:solidFill>
-              <a:latin typeface="Selawik Semibold" panose="020B0702040204020203" pitchFamily="34" charset="0"/>
-            </a:endParaRPr>
-          </a:p>
-          <a:p>
-            <a:pPr marL="800100" lvl="1" indent="-342900">
-              <a:buFont typeface="Arial" panose="020B0604020202020204" pitchFamily="34" charset="0"/>
-              <a:buChar char="•"/>
-            </a:pPr>
-            <a:r>
-              <a:rPr lang="en-US" sz="2400" dirty="0">
-                <a:solidFill>
-                  <a:schemeClr val="bg1"/>
-                </a:solidFill>
-                <a:latin typeface="Selawik Semibold" panose="020B0702040204020203" pitchFamily="34" charset="0"/>
-              </a:rPr>
-              <a:t>Example: Cody Bellinger 2019</a:t>
-            </a:r>
-          </a:p>
-          <a:p>
-            <a:pPr marL="1257300" lvl="2" indent="-342900">
-              <a:buFont typeface="Arial" panose="020B0604020202020204" pitchFamily="34" charset="0"/>
-              <a:buChar char="•"/>
-            </a:pPr>
-            <a:r>
-              <a:rPr lang="en-US" sz="2400" dirty="0">
-                <a:solidFill>
-                  <a:schemeClr val="bg1"/>
-                </a:solidFill>
-                <a:latin typeface="Selawik Semibold" panose="020B0702040204020203" pitchFamily="34" charset="0"/>
-              </a:rPr>
-              <a:t>WPA = 5.41</a:t>
-            </a:r>
-          </a:p>
-          <a:p>
-            <a:pPr marL="1257300" lvl="2" indent="-342900">
-              <a:buFont typeface="Arial" panose="020B0604020202020204" pitchFamily="34" charset="0"/>
-              <a:buChar char="•"/>
-            </a:pPr>
-            <a:r>
-              <a:rPr lang="en-US" sz="2400" dirty="0">
-                <a:solidFill>
-                  <a:schemeClr val="bg1"/>
-                </a:solidFill>
-                <a:latin typeface="Selawik Semibold" panose="020B0702040204020203" pitchFamily="34" charset="0"/>
-              </a:rPr>
-              <a:t>Fielding Prevented 7 Runs More Than Average</a:t>
-            </a:r>
-          </a:p>
-          <a:p>
-            <a:pPr marL="1257300" lvl="2" indent="-342900">
-              <a:buFont typeface="Arial" panose="020B0604020202020204" pitchFamily="34" charset="0"/>
-              <a:buChar char="•"/>
-            </a:pPr>
-            <a:r>
-              <a:rPr lang="en-US" sz="2400" dirty="0">
-                <a:solidFill>
-                  <a:schemeClr val="bg1"/>
-                </a:solidFill>
-                <a:latin typeface="Selawik Semibold" panose="020B0702040204020203" pitchFamily="34" charset="0"/>
-              </a:rPr>
               <a:t>WPA with Fielding</a:t>
             </a:r>
           </a:p>
         </p:txBody>
       </p:sp>
-      <mc:AlternateContent xmlns:mc="http://schemas.openxmlformats.org/markup-compatibility/2006">
-        <mc:Choice xmlns:a14="http://schemas.microsoft.com/office/drawing/2010/main" Requires="a14">
+      <mc:AlternateContent xmlns:mc="http://schemas.openxmlformats.org/markup-compatibility/2006" xmlns:a14="http://schemas.microsoft.com/office/drawing/2010/main">
+        <mc:Choice Requires="a14">
           <p:sp>
             <p:nvSpPr>
               <p:cNvPr id="2" name="TextBox 1">
@@ -10450,7 +9355,7 @@
             </p:txBody>
           </p:sp>
         </mc:Choice>
-        <mc:Fallback>
+        <mc:Fallback xmlns="">
           <p:sp>
             <p:nvSpPr>
               <p:cNvPr id="2" name="TextBox 1">
@@ -10508,7 +9413,7 @@
 </p:sld>
 </file>
 
-<file path=ppt/slides/slide7.xml><?xml version="1.0" encoding="utf-8"?>
+<file path=ppt/slides/slide6.xml><?xml version="1.0" encoding="utf-8"?>
 <p:sld xmlns:a="http://schemas.openxmlformats.org/drawingml/2006/main" xmlns:r="http://schemas.openxmlformats.org/officeDocument/2006/relationships" xmlns:p="http://schemas.openxmlformats.org/presentationml/2006/main">
   <p:cSld>
     <p:bg>
@@ -11234,7 +10139,7 @@
 </p:sld>
 </file>
 
-<file path=ppt/slides/slide8.xml><?xml version="1.0" encoding="utf-8"?>
+<file path=ppt/slides/slide7.xml><?xml version="1.0" encoding="utf-8"?>
 <p:sld xmlns:a="http://schemas.openxmlformats.org/drawingml/2006/main" xmlns:r="http://schemas.openxmlformats.org/officeDocument/2006/relationships" xmlns:p="http://schemas.openxmlformats.org/presentationml/2006/main">
   <p:cSld>
     <p:bg>
@@ -11900,7 +10805,7 @@
 </p:sld>
 </file>
 
-<file path=ppt/slides/slide9.xml><?xml version="1.0" encoding="utf-8"?>
+<file path=ppt/slides/slide8.xml><?xml version="1.0" encoding="utf-8"?>
 <p:sld xmlns:a="http://schemas.openxmlformats.org/drawingml/2006/main" xmlns:r="http://schemas.openxmlformats.org/officeDocument/2006/relationships" xmlns:p="http://schemas.openxmlformats.org/presentationml/2006/main">
   <p:cSld>
     <p:spTree>
@@ -12531,6 +11436,543 @@
     <p:extLst>
       <p:ext uri="{BB962C8B-B14F-4D97-AF65-F5344CB8AC3E}">
         <p14:creationId xmlns:p14="http://schemas.microsoft.com/office/powerpoint/2010/main" val="1358373830"/>
+      </p:ext>
+    </p:extLst>
+  </p:cSld>
+  <p:clrMapOvr>
+    <a:masterClrMapping/>
+  </p:clrMapOvr>
+</p:sld>
+</file>
+
+<file path=ppt/slides/slide9.xml><?xml version="1.0" encoding="utf-8"?>
+<p:sld xmlns:a="http://schemas.openxmlformats.org/drawingml/2006/main" xmlns:r="http://schemas.openxmlformats.org/officeDocument/2006/relationships" xmlns:p="http://schemas.openxmlformats.org/presentationml/2006/main">
+  <p:cSld>
+    <p:spTree>
+      <p:nvGrpSpPr>
+        <p:cNvPr id="1" name=""/>
+        <p:cNvGrpSpPr/>
+        <p:nvPr/>
+      </p:nvGrpSpPr>
+      <p:grpSpPr>
+        <a:xfrm>
+          <a:off x="0" y="0"/>
+          <a:ext cx="0" cy="0"/>
+          <a:chOff x="0" y="0"/>
+          <a:chExt cx="0" cy="0"/>
+        </a:xfrm>
+      </p:grpSpPr>
+      <p:sp>
+        <p:nvSpPr>
+          <p:cNvPr id="17" name="Rectangle 16">
+            <a:extLst>
+              <a:ext uri="{FF2B5EF4-FFF2-40B4-BE49-F238E27FC236}">
+                <a16:creationId xmlns:a16="http://schemas.microsoft.com/office/drawing/2014/main" id="{0A8FE870-A334-4DE1-84A7-AB191ED10D63}"/>
+              </a:ext>
+            </a:extLst>
+          </p:cNvPr>
+          <p:cNvSpPr/>
+          <p:nvPr/>
+        </p:nvSpPr>
+        <p:spPr>
+          <a:xfrm>
+            <a:off x="-2" y="-52157"/>
+            <a:ext cx="12192000" cy="6910157"/>
+          </a:xfrm>
+          <a:prstGeom prst="rect">
+            <a:avLst/>
+          </a:prstGeom>
+          <a:solidFill>
+            <a:srgbClr val="395583"/>
+          </a:solidFill>
+        </p:spPr>
+        <p:style>
+          <a:lnRef idx="2">
+            <a:schemeClr val="accent1">
+              <a:shade val="50000"/>
+            </a:schemeClr>
+          </a:lnRef>
+          <a:fillRef idx="1">
+            <a:schemeClr val="accent1"/>
+          </a:fillRef>
+          <a:effectRef idx="0">
+            <a:schemeClr val="accent1"/>
+          </a:effectRef>
+          <a:fontRef idx="minor">
+            <a:schemeClr val="lt1"/>
+          </a:fontRef>
+        </p:style>
+        <p:txBody>
+          <a:bodyPr rtlCol="0" anchor="ctr"/>
+          <a:lstStyle/>
+          <a:p>
+            <a:pPr algn="ctr"/>
+            <a:endParaRPr lang="en-US"/>
+          </a:p>
+        </p:txBody>
+      </p:sp>
+      <p:pic>
+        <p:nvPicPr>
+          <p:cNvPr id="8" name="Picture 7" descr="A close up of a toy&#10;&#10;Description automatically generated">
+            <a:extLst>
+              <a:ext uri="{FF2B5EF4-FFF2-40B4-BE49-F238E27FC236}">
+                <a16:creationId xmlns:a16="http://schemas.microsoft.com/office/drawing/2014/main" id="{131D5527-B848-4F84-9601-62DB93565332}"/>
+              </a:ext>
+            </a:extLst>
+          </p:cNvPr>
+          <p:cNvPicPr>
+            <a:picLocks noChangeAspect="1"/>
+          </p:cNvPicPr>
+          <p:nvPr/>
+        </p:nvPicPr>
+        <p:blipFill rotWithShape="1">
+          <a:blip r:embed="rId2">
+            <a:extLst>
+              <a:ext uri="{28A0092B-C50C-407E-A947-70E740481C1C}">
+                <a14:useLocalDpi xmlns:a14="http://schemas.microsoft.com/office/drawing/2010/main" val="0"/>
+              </a:ext>
+            </a:extLst>
+          </a:blip>
+          <a:srcRect l="6238" r="10796"/>
+          <a:stretch/>
+        </p:blipFill>
+        <p:spPr>
+          <a:xfrm>
+            <a:off x="0" y="-52157"/>
+            <a:ext cx="2684015" cy="3969421"/>
+          </a:xfrm>
+          <a:prstGeom prst="rect">
+            <a:avLst/>
+          </a:prstGeom>
+        </p:spPr>
+      </p:pic>
+      <p:sp>
+        <p:nvSpPr>
+          <p:cNvPr id="33" name="Rectangle 32">
+            <a:extLst>
+              <a:ext uri="{FF2B5EF4-FFF2-40B4-BE49-F238E27FC236}">
+                <a16:creationId xmlns:a16="http://schemas.microsoft.com/office/drawing/2014/main" id="{6F93929A-DE1C-47C4-AF97-F99DB104E96F}"/>
+              </a:ext>
+            </a:extLst>
+          </p:cNvPr>
+          <p:cNvSpPr/>
+          <p:nvPr/>
+        </p:nvSpPr>
+        <p:spPr>
+          <a:xfrm rot="16200000">
+            <a:off x="782431" y="1849427"/>
+            <a:ext cx="3969421" cy="166254"/>
+          </a:xfrm>
+          <a:prstGeom prst="rect">
+            <a:avLst/>
+          </a:prstGeom>
+          <a:solidFill>
+            <a:schemeClr val="tx1"/>
+          </a:solidFill>
+          <a:ln>
+            <a:noFill/>
+          </a:ln>
+        </p:spPr>
+        <p:style>
+          <a:lnRef idx="2">
+            <a:schemeClr val="accent1">
+              <a:shade val="50000"/>
+            </a:schemeClr>
+          </a:lnRef>
+          <a:fillRef idx="1">
+            <a:schemeClr val="accent1"/>
+          </a:fillRef>
+          <a:effectRef idx="0">
+            <a:schemeClr val="accent1"/>
+          </a:effectRef>
+          <a:fontRef idx="minor">
+            <a:schemeClr val="lt1"/>
+          </a:fontRef>
+        </p:style>
+        <p:txBody>
+          <a:bodyPr rtlCol="0" anchor="ctr"/>
+          <a:lstStyle/>
+          <a:p>
+            <a:pPr algn="ctr"/>
+            <a:endParaRPr lang="en-US" dirty="0">
+              <a:solidFill>
+                <a:srgbClr val="DB5B5C"/>
+              </a:solidFill>
+            </a:endParaRPr>
+          </a:p>
+        </p:txBody>
+      </p:sp>
+      <p:sp>
+        <p:nvSpPr>
+          <p:cNvPr id="35" name="Rectangle 34">
+            <a:extLst>
+              <a:ext uri="{FF2B5EF4-FFF2-40B4-BE49-F238E27FC236}">
+                <a16:creationId xmlns:a16="http://schemas.microsoft.com/office/drawing/2014/main" id="{259A39E4-556F-4581-82A2-C6B68A8147A4}"/>
+              </a:ext>
+            </a:extLst>
+          </p:cNvPr>
+          <p:cNvSpPr/>
+          <p:nvPr/>
+        </p:nvSpPr>
+        <p:spPr>
+          <a:xfrm rot="10800000">
+            <a:off x="-2" y="3756674"/>
+            <a:ext cx="2850269" cy="3101326"/>
+          </a:xfrm>
+          <a:prstGeom prst="rect">
+            <a:avLst/>
+          </a:prstGeom>
+          <a:solidFill>
+            <a:schemeClr val="tx1"/>
+          </a:solidFill>
+          <a:ln>
+            <a:noFill/>
+          </a:ln>
+        </p:spPr>
+        <p:style>
+          <a:lnRef idx="2">
+            <a:schemeClr val="accent1">
+              <a:shade val="50000"/>
+            </a:schemeClr>
+          </a:lnRef>
+          <a:fillRef idx="1">
+            <a:schemeClr val="accent1"/>
+          </a:fillRef>
+          <a:effectRef idx="0">
+            <a:schemeClr val="accent1"/>
+          </a:effectRef>
+          <a:fontRef idx="minor">
+            <a:schemeClr val="lt1"/>
+          </a:fontRef>
+        </p:style>
+        <p:txBody>
+          <a:bodyPr rtlCol="0" anchor="ctr"/>
+          <a:lstStyle/>
+          <a:p>
+            <a:pPr algn="ctr"/>
+            <a:endParaRPr lang="en-US" dirty="0">
+              <a:solidFill>
+                <a:srgbClr val="DB5B5C"/>
+              </a:solidFill>
+            </a:endParaRPr>
+          </a:p>
+        </p:txBody>
+      </p:sp>
+      <p:sp>
+        <p:nvSpPr>
+          <p:cNvPr id="23" name="Subtitle 22">
+            <a:extLst>
+              <a:ext uri="{FF2B5EF4-FFF2-40B4-BE49-F238E27FC236}">
+                <a16:creationId xmlns:a16="http://schemas.microsoft.com/office/drawing/2014/main" id="{1E5D6413-9C6F-483D-BE52-F3BBB1E74630}"/>
+              </a:ext>
+            </a:extLst>
+          </p:cNvPr>
+          <p:cNvSpPr>
+            <a:spLocks noGrp="1"/>
+          </p:cNvSpPr>
+          <p:nvPr>
+            <p:ph type="subTitle" idx="1"/>
+          </p:nvPr>
+        </p:nvSpPr>
+        <p:spPr>
+          <a:xfrm>
+            <a:off x="3007491" y="137620"/>
+            <a:ext cx="9341732" cy="1684867"/>
+          </a:xfrm>
+        </p:spPr>
+        <p:txBody>
+          <a:bodyPr>
+            <a:normAutofit/>
+          </a:bodyPr>
+          <a:lstStyle/>
+          <a:p>
+            <a:pPr algn="l"/>
+            <a:r>
+              <a:rPr lang="en-US" sz="4400" dirty="0">
+                <a:solidFill>
+                  <a:schemeClr val="bg1"/>
+                </a:solidFill>
+                <a:latin typeface="Selawik Semibold" panose="020B0702040204020203" pitchFamily="34" charset="0"/>
+              </a:rPr>
+              <a:t>Wins Above Replacement</a:t>
+            </a:r>
+          </a:p>
+        </p:txBody>
+      </p:sp>
+      <p:pic>
+        <p:nvPicPr>
+          <p:cNvPr id="16" name="Picture 15" descr="A close up of a toy&#10;&#10;Description automatically generated">
+            <a:extLst>
+              <a:ext uri="{FF2B5EF4-FFF2-40B4-BE49-F238E27FC236}">
+                <a16:creationId xmlns:a16="http://schemas.microsoft.com/office/drawing/2014/main" id="{94C75949-F15C-4E05-810D-EF40FCE89107}"/>
+              </a:ext>
+            </a:extLst>
+          </p:cNvPr>
+          <p:cNvPicPr>
+            <a:picLocks noChangeAspect="1"/>
+          </p:cNvPicPr>
+          <p:nvPr/>
+        </p:nvPicPr>
+        <p:blipFill>
+          <a:blip r:embed="rId3">
+            <a:extLst>
+              <a:ext uri="{28A0092B-C50C-407E-A947-70E740481C1C}">
+                <a14:useLocalDpi xmlns:a14="http://schemas.microsoft.com/office/drawing/2010/main" val="0"/>
+              </a:ext>
+            </a:extLst>
+          </a:blip>
+          <a:stretch>
+            <a:fillRect/>
+          </a:stretch>
+        </p:blipFill>
+        <p:spPr>
+          <a:xfrm>
+            <a:off x="417789" y="4380288"/>
+            <a:ext cx="2014687" cy="2014687"/>
+          </a:xfrm>
+          <a:prstGeom prst="ellipse">
+            <a:avLst/>
+          </a:prstGeom>
+          <a:ln w="63500" cap="rnd">
+            <a:solidFill>
+              <a:srgbClr val="333333"/>
+            </a:solidFill>
+          </a:ln>
+          <a:effectLst>
+            <a:outerShdw blurRad="381000" dist="292100" dir="5400000" sx="-80000" sy="-18000" rotWithShape="0">
+              <a:srgbClr val="000000">
+                <a:alpha val="22000"/>
+              </a:srgbClr>
+            </a:outerShdw>
+          </a:effectLst>
+          <a:scene3d>
+            <a:camera prst="orthographicFront"/>
+            <a:lightRig rig="contrasting" dir="t">
+              <a:rot lat="0" lon="0" rev="3000000"/>
+            </a:lightRig>
+          </a:scene3d>
+          <a:sp3d contourW="7620">
+            <a:bevelT w="95250" h="31750"/>
+            <a:contourClr>
+              <a:srgbClr val="333333"/>
+            </a:contourClr>
+          </a:sp3d>
+        </p:spPr>
+      </p:pic>
+      <p:sp>
+        <p:nvSpPr>
+          <p:cNvPr id="38" name="Rectangle 37">
+            <a:extLst>
+              <a:ext uri="{FF2B5EF4-FFF2-40B4-BE49-F238E27FC236}">
+                <a16:creationId xmlns:a16="http://schemas.microsoft.com/office/drawing/2014/main" id="{28B1909D-4141-4FB1-8633-83F335349C97}"/>
+              </a:ext>
+            </a:extLst>
+          </p:cNvPr>
+          <p:cNvSpPr/>
+          <p:nvPr/>
+        </p:nvSpPr>
+        <p:spPr>
+          <a:xfrm rot="10800000">
+            <a:off x="3007493" y="844062"/>
+            <a:ext cx="9027282" cy="137067"/>
+          </a:xfrm>
+          <a:prstGeom prst="rect">
+            <a:avLst/>
+          </a:prstGeom>
+          <a:solidFill>
+            <a:schemeClr val="tx1"/>
+          </a:solidFill>
+          <a:ln>
+            <a:noFill/>
+          </a:ln>
+        </p:spPr>
+        <p:style>
+          <a:lnRef idx="2">
+            <a:schemeClr val="accent1">
+              <a:shade val="50000"/>
+            </a:schemeClr>
+          </a:lnRef>
+          <a:fillRef idx="1">
+            <a:schemeClr val="accent1"/>
+          </a:fillRef>
+          <a:effectRef idx="0">
+            <a:schemeClr val="accent1"/>
+          </a:effectRef>
+          <a:fontRef idx="minor">
+            <a:schemeClr val="lt1"/>
+          </a:fontRef>
+        </p:style>
+        <p:txBody>
+          <a:bodyPr rtlCol="0" anchor="ctr"/>
+          <a:lstStyle/>
+          <a:p>
+            <a:pPr algn="ctr"/>
+            <a:endParaRPr lang="en-US" dirty="0">
+              <a:solidFill>
+                <a:srgbClr val="DB5B5C"/>
+              </a:solidFill>
+            </a:endParaRPr>
+          </a:p>
+        </p:txBody>
+      </p:sp>
+      <p:sp>
+        <p:nvSpPr>
+          <p:cNvPr id="10" name="TextBox 9">
+            <a:extLst>
+              <a:ext uri="{FF2B5EF4-FFF2-40B4-BE49-F238E27FC236}">
+                <a16:creationId xmlns:a16="http://schemas.microsoft.com/office/drawing/2014/main" id="{8A07C2CC-416F-4D29-84CF-D1F8B766EE5F}"/>
+              </a:ext>
+            </a:extLst>
+          </p:cNvPr>
+          <p:cNvSpPr txBox="1"/>
+          <p:nvPr/>
+        </p:nvSpPr>
+        <p:spPr>
+          <a:xfrm>
+            <a:off x="3080080" y="1520792"/>
+            <a:ext cx="8532800" cy="2369880"/>
+          </a:xfrm>
+          <a:prstGeom prst="rect">
+            <a:avLst/>
+          </a:prstGeom>
+          <a:noFill/>
+        </p:spPr>
+        <p:txBody>
+          <a:bodyPr wrap="square" rtlCol="0">
+            <a:spAutoFit/>
+          </a:bodyPr>
+          <a:lstStyle/>
+          <a:p>
+            <a:pPr marL="342900" indent="-342900">
+              <a:buFont typeface="Arial" panose="020B0604020202020204" pitchFamily="34" charset="0"/>
+              <a:buChar char="•"/>
+            </a:pPr>
+            <a:r>
+              <a:rPr lang="en-US" sz="2400" dirty="0">
+                <a:solidFill>
+                  <a:schemeClr val="bg1"/>
+                </a:solidFill>
+                <a:latin typeface="Selawik Semibold" panose="020B0702040204020203" pitchFamily="34" charset="0"/>
+              </a:rPr>
+              <a:t>Formula Differs for Position Players and Pitchers</a:t>
+            </a:r>
+          </a:p>
+          <a:p>
+            <a:pPr marL="800100" lvl="1" indent="-342900">
+              <a:buFont typeface="Arial" panose="020B0604020202020204" pitchFamily="34" charset="0"/>
+              <a:buChar char="•"/>
+            </a:pPr>
+            <a:r>
+              <a:rPr lang="en-US" sz="2000" dirty="0">
+                <a:solidFill>
+                  <a:schemeClr val="bg1"/>
+                </a:solidFill>
+                <a:latin typeface="Selawik Semibold" panose="020B0702040204020203" pitchFamily="34" charset="0"/>
+              </a:rPr>
+              <a:t>Position Players: Batting, Baserunning, and Fielding Measured in Runs Above Average (RAA)</a:t>
+            </a:r>
+          </a:p>
+          <a:p>
+            <a:pPr marL="800100" lvl="1" indent="-342900">
+              <a:buFont typeface="Arial" panose="020B0604020202020204" pitchFamily="34" charset="0"/>
+              <a:buChar char="•"/>
+            </a:pPr>
+            <a:r>
+              <a:rPr lang="en-US" sz="2000" dirty="0">
+                <a:solidFill>
+                  <a:schemeClr val="bg1"/>
+                </a:solidFill>
+                <a:latin typeface="Selawik Semibold" panose="020B0702040204020203" pitchFamily="34" charset="0"/>
+              </a:rPr>
+              <a:t>Pitchers: Either Based on Runs Allowed Per 9 Innings (RA9) or Fielding Independent Pitching (FIP)</a:t>
+            </a:r>
+          </a:p>
+          <a:p>
+            <a:pPr marL="800100" lvl="1" indent="-342900">
+              <a:buFont typeface="Arial" panose="020B0604020202020204" pitchFamily="34" charset="0"/>
+              <a:buChar char="•"/>
+            </a:pPr>
+            <a:endParaRPr lang="en-US" sz="2000" dirty="0">
+              <a:solidFill>
+                <a:schemeClr val="bg1"/>
+              </a:solidFill>
+              <a:latin typeface="Selawik Semibold" panose="020B0702040204020203" pitchFamily="34" charset="0"/>
+            </a:endParaRPr>
+          </a:p>
+          <a:p>
+            <a:pPr marL="342900" indent="-342900">
+              <a:buFont typeface="Arial" panose="020B0604020202020204" pitchFamily="34" charset="0"/>
+              <a:buChar char="•"/>
+            </a:pPr>
+            <a:r>
+              <a:rPr lang="en-US" sz="2400" dirty="0">
+                <a:solidFill>
+                  <a:schemeClr val="bg1"/>
+                </a:solidFill>
+                <a:latin typeface="Selawik Semibold" panose="020B0702040204020203" pitchFamily="34" charset="0"/>
+              </a:rPr>
+              <a:t>General Formula for Position Players (</a:t>
+            </a:r>
+            <a:r>
+              <a:rPr lang="en-US" sz="2400" dirty="0" err="1">
+                <a:solidFill>
+                  <a:schemeClr val="bg1"/>
+                </a:solidFill>
+                <a:latin typeface="Selawik Semibold" panose="020B0702040204020203" pitchFamily="34" charset="0"/>
+              </a:rPr>
+              <a:t>fWAR</a:t>
+            </a:r>
+            <a:r>
+              <a:rPr lang="en-US" sz="2400" dirty="0">
+                <a:solidFill>
+                  <a:schemeClr val="bg1"/>
+                </a:solidFill>
+                <a:latin typeface="Selawik Semibold" panose="020B0702040204020203" pitchFamily="34" charset="0"/>
+              </a:rPr>
+              <a:t>)</a:t>
+            </a:r>
+          </a:p>
+        </p:txBody>
+      </p:sp>
+      <p:pic>
+        <p:nvPicPr>
+          <p:cNvPr id="3" name="Picture 2">
+            <a:extLst>
+              <a:ext uri="{FF2B5EF4-FFF2-40B4-BE49-F238E27FC236}">
+                <a16:creationId xmlns:a16="http://schemas.microsoft.com/office/drawing/2014/main" id="{83BF563E-ADAA-4D54-8BE0-D91224E0FD68}"/>
+              </a:ext>
+            </a:extLst>
+          </p:cNvPr>
+          <p:cNvPicPr>
+            <a:picLocks noChangeAspect="1"/>
+          </p:cNvPicPr>
+          <p:nvPr/>
+        </p:nvPicPr>
+        <p:blipFill>
+          <a:blip r:embed="rId4"/>
+          <a:stretch>
+            <a:fillRect/>
+          </a:stretch>
+        </p:blipFill>
+        <p:spPr>
+          <a:xfrm>
+            <a:off x="3545609" y="4004278"/>
+            <a:ext cx="8489166" cy="852112"/>
+          </a:xfrm>
+          <a:prstGeom prst="rect">
+            <a:avLst/>
+          </a:prstGeom>
+          <a:ln w="38100">
+            <a:solidFill>
+              <a:schemeClr val="tx1"/>
+            </a:solidFill>
+          </a:ln>
+        </p:spPr>
+      </p:pic>
+    </p:spTree>
+    <p:extLst>
+      <p:ext uri="{BB962C8B-B14F-4D97-AF65-F5344CB8AC3E}">
+        <p14:creationId xmlns:p14="http://schemas.microsoft.com/office/powerpoint/2010/main" val="1278628988"/>
       </p:ext>
     </p:extLst>
   </p:cSld>

--- a/Slides/Baseball 6/Baseball_6_Lecture.pptx
+++ b/Slides/Baseball 6/Baseball_6_Lecture.pptx
@@ -210,7 +210,7 @@
           <a:p>
             <a:fld id="{C04E5E84-956F-4423-97B3-5936A6D8EEEE}" type="datetimeFigureOut">
               <a:rPr lang="en-US" smtClean="0"/>
-              <a:t>2/7/2023</a:t>
+              <a:t>2/20/2024</a:t>
             </a:fld>
             <a:endParaRPr lang="en-US"/>
           </a:p>
@@ -624,7 +624,7 @@
           <a:p>
             <a:fld id="{3881C039-66A3-4640-815B-3B5A8B7D868D}" type="datetimeFigureOut">
               <a:rPr lang="en-US" smtClean="0"/>
-              <a:t>2/7/2023</a:t>
+              <a:t>2/20/2024</a:t>
             </a:fld>
             <a:endParaRPr lang="en-US"/>
           </a:p>
@@ -822,7 +822,7 @@
           <a:p>
             <a:fld id="{3881C039-66A3-4640-815B-3B5A8B7D868D}" type="datetimeFigureOut">
               <a:rPr lang="en-US" smtClean="0"/>
-              <a:t>2/7/2023</a:t>
+              <a:t>2/20/2024</a:t>
             </a:fld>
             <a:endParaRPr lang="en-US"/>
           </a:p>
@@ -1030,7 +1030,7 @@
           <a:p>
             <a:fld id="{3881C039-66A3-4640-815B-3B5A8B7D868D}" type="datetimeFigureOut">
               <a:rPr lang="en-US" smtClean="0"/>
-              <a:t>2/7/2023</a:t>
+              <a:t>2/20/2024</a:t>
             </a:fld>
             <a:endParaRPr lang="en-US"/>
           </a:p>
@@ -1228,7 +1228,7 @@
           <a:p>
             <a:fld id="{3881C039-66A3-4640-815B-3B5A8B7D868D}" type="datetimeFigureOut">
               <a:rPr lang="en-US" smtClean="0"/>
-              <a:t>2/7/2023</a:t>
+              <a:t>2/20/2024</a:t>
             </a:fld>
             <a:endParaRPr lang="en-US"/>
           </a:p>
@@ -1503,7 +1503,7 @@
           <a:p>
             <a:fld id="{3881C039-66A3-4640-815B-3B5A8B7D868D}" type="datetimeFigureOut">
               <a:rPr lang="en-US" smtClean="0"/>
-              <a:t>2/7/2023</a:t>
+              <a:t>2/20/2024</a:t>
             </a:fld>
             <a:endParaRPr lang="en-US"/>
           </a:p>
@@ -1768,7 +1768,7 @@
           <a:p>
             <a:fld id="{3881C039-66A3-4640-815B-3B5A8B7D868D}" type="datetimeFigureOut">
               <a:rPr lang="en-US" smtClean="0"/>
-              <a:t>2/7/2023</a:t>
+              <a:t>2/20/2024</a:t>
             </a:fld>
             <a:endParaRPr lang="en-US"/>
           </a:p>
@@ -2180,7 +2180,7 @@
           <a:p>
             <a:fld id="{3881C039-66A3-4640-815B-3B5A8B7D868D}" type="datetimeFigureOut">
               <a:rPr lang="en-US" smtClean="0"/>
-              <a:t>2/7/2023</a:t>
+              <a:t>2/20/2024</a:t>
             </a:fld>
             <a:endParaRPr lang="en-US"/>
           </a:p>
@@ -2321,7 +2321,7 @@
           <a:p>
             <a:fld id="{3881C039-66A3-4640-815B-3B5A8B7D868D}" type="datetimeFigureOut">
               <a:rPr lang="en-US" smtClean="0"/>
-              <a:t>2/7/2023</a:t>
+              <a:t>2/20/2024</a:t>
             </a:fld>
             <a:endParaRPr lang="en-US"/>
           </a:p>
@@ -2434,7 +2434,7 @@
           <a:p>
             <a:fld id="{3881C039-66A3-4640-815B-3B5A8B7D868D}" type="datetimeFigureOut">
               <a:rPr lang="en-US" smtClean="0"/>
-              <a:t>2/7/2023</a:t>
+              <a:t>2/20/2024</a:t>
             </a:fld>
             <a:endParaRPr lang="en-US"/>
           </a:p>
@@ -2745,7 +2745,7 @@
           <a:p>
             <a:fld id="{3881C039-66A3-4640-815B-3B5A8B7D868D}" type="datetimeFigureOut">
               <a:rPr lang="en-US" smtClean="0"/>
-              <a:t>2/7/2023</a:t>
+              <a:t>2/20/2024</a:t>
             </a:fld>
             <a:endParaRPr lang="en-US"/>
           </a:p>
@@ -3033,7 +3033,7 @@
           <a:p>
             <a:fld id="{3881C039-66A3-4640-815B-3B5A8B7D868D}" type="datetimeFigureOut">
               <a:rPr lang="en-US" smtClean="0"/>
-              <a:t>2/7/2023</a:t>
+              <a:t>2/20/2024</a:t>
             </a:fld>
             <a:endParaRPr lang="en-US"/>
           </a:p>
@@ -3277,7 +3277,7 @@
           <a:p>
             <a:fld id="{3881C039-66A3-4640-815B-3B5A8B7D868D}" type="datetimeFigureOut">
               <a:rPr lang="en-US" smtClean="0"/>
-              <a:t>2/7/2023</a:t>
+              <a:t>2/20/2024</a:t>
             </a:fld>
             <a:endParaRPr lang="en-US"/>
           </a:p>
@@ -7679,7 +7679,7 @@
         <p:spPr>
           <a:xfrm>
             <a:off x="3080081" y="1520792"/>
-            <a:ext cx="9027282" cy="3600986"/>
+            <a:ext cx="9027282" cy="4216539"/>
           </a:xfrm>
           <a:prstGeom prst="rect">
             <a:avLst/>
@@ -7863,6 +7863,33 @@
                 <a:latin typeface="Selawik Semibold" panose="020B0702040204020203" pitchFamily="34" charset="0"/>
               </a:rPr>
               <a:t>WPA Changes for Every Plate Appearance</a:t>
+            </a:r>
+          </a:p>
+          <a:p>
+            <a:pPr marL="800100" lvl="1" indent="-342900">
+              <a:buFont typeface="Arial" panose="020B0604020202020204" pitchFamily="34" charset="0"/>
+              <a:buChar char="•"/>
+            </a:pPr>
+            <a:endParaRPr lang="en-US" sz="2000" dirty="0">
+              <a:solidFill>
+                <a:schemeClr val="bg1"/>
+              </a:solidFill>
+              <a:latin typeface="Selawik Semibold" panose="020B0702040204020203" pitchFamily="34" charset="0"/>
+            </a:endParaRPr>
+          </a:p>
+          <a:p>
+            <a:pPr marL="800100" lvl="1" indent="-342900">
+              <a:buFont typeface="Arial" panose="020B0604020202020204" pitchFamily="34" charset="0"/>
+              <a:buChar char="•"/>
+            </a:pPr>
+            <a:r>
+              <a:rPr lang="en-US" sz="2000" dirty="0">
+                <a:solidFill>
+                  <a:schemeClr val="bg1"/>
+                </a:solidFill>
+                <a:latin typeface="Selawik Semibold" panose="020B0702040204020203" pitchFamily="34" charset="0"/>
+              </a:rPr>
+              <a:t>Any Problems in This? Imagine Thomson Got an In-the-Park HR</a:t>
             </a:r>
           </a:p>
         </p:txBody>
@@ -9012,7 +9039,7 @@
         <p:spPr>
           <a:xfrm>
             <a:off x="3080081" y="1520792"/>
-            <a:ext cx="9027282" cy="4524315"/>
+            <a:ext cx="9027282" cy="4893647"/>
           </a:xfrm>
           <a:prstGeom prst="rect">
             <a:avLst/>
@@ -9036,7 +9063,7 @@
                 </a:solidFill>
                 <a:latin typeface="Selawik Semibold" panose="020B0702040204020203" pitchFamily="34" charset="0"/>
               </a:rPr>
-              <a:t>Fielding Ratings Into WPA</a:t>
+              <a:t>Fielding Ratings Into WPA (Read Chapter 7)</a:t>
             </a:r>
           </a:p>
           <a:p>
@@ -9180,7 +9207,7 @@
                 </a:solidFill>
                 <a:latin typeface="Selawik Semibold" panose="020B0702040204020203" pitchFamily="34" charset="0"/>
               </a:rPr>
-              <a:t>Fielding Prevented 7 Runs More Than Average</a:t>
+              <a:t>Fielding Prevented 8 Runs Above Average (STATCAST)</a:t>
             </a:r>
           </a:p>
           <a:p>
@@ -9216,7 +9243,7 @@
             </p:nvSpPr>
             <p:spPr>
               <a:xfrm>
-                <a:off x="3792389" y="5936639"/>
+                <a:off x="6903981" y="5752443"/>
                 <a:ext cx="3728745" cy="783741"/>
               </a:xfrm>
               <a:prstGeom prst="rect">
@@ -9292,7 +9319,7 @@
                               </a:solidFill>
                               <a:latin typeface="Cambria Math" panose="02040503050406030204" pitchFamily="18" charset="0"/>
                             </a:rPr>
-                            <m:t>𝟕</m:t>
+                            <m:t>𝟖</m:t>
                           </m:r>
                         </m:num>
                         <m:den>
@@ -9341,7 +9368,7 @@
                           </a:solidFill>
                           <a:latin typeface="Cambria Math" panose="02040503050406030204" pitchFamily="18" charset="0"/>
                         </a:rPr>
-                        <m:t>𝟏𝟏</m:t>
+                        <m:t>𝟐𝟏</m:t>
                       </m:r>
                     </m:oMath>
                   </m:oMathPara>
@@ -9372,7 +9399,7 @@
             </p:nvSpPr>
             <p:spPr>
               <a:xfrm>
-                <a:off x="3792389" y="5936639"/>
+                <a:off x="6903981" y="5752443"/>
                 <a:ext cx="3728745" cy="783741"/>
               </a:xfrm>
               <a:prstGeom prst="rect">
@@ -10586,7 +10613,7 @@
                 </a:solidFill>
                 <a:latin typeface="Selawik Semibold" panose="020B0702040204020203" pitchFamily="34" charset="0"/>
               </a:rPr>
-              <a:t>Works for the Cleveland Indians</a:t>
+              <a:t>Works for the Cleveland Guardians</a:t>
             </a:r>
           </a:p>
           <a:p>

--- a/Slides/Baseball 6/Baseball_6_Lecture.pptx
+++ b/Slides/Baseball 6/Baseball_6_Lecture.pptx
@@ -210,7 +210,7 @@
           <a:p>
             <a:fld id="{C04E5E84-956F-4423-97B3-5936A6D8EEEE}" type="datetimeFigureOut">
               <a:rPr lang="en-US" smtClean="0"/>
-              <a:t>2/20/2024</a:t>
+              <a:t>2/28/2025</a:t>
             </a:fld>
             <a:endParaRPr lang="en-US"/>
           </a:p>
@@ -624,7 +624,7 @@
           <a:p>
             <a:fld id="{3881C039-66A3-4640-815B-3B5A8B7D868D}" type="datetimeFigureOut">
               <a:rPr lang="en-US" smtClean="0"/>
-              <a:t>2/20/2024</a:t>
+              <a:t>2/28/2025</a:t>
             </a:fld>
             <a:endParaRPr lang="en-US"/>
           </a:p>
@@ -822,7 +822,7 @@
           <a:p>
             <a:fld id="{3881C039-66A3-4640-815B-3B5A8B7D868D}" type="datetimeFigureOut">
               <a:rPr lang="en-US" smtClean="0"/>
-              <a:t>2/20/2024</a:t>
+              <a:t>2/28/2025</a:t>
             </a:fld>
             <a:endParaRPr lang="en-US"/>
           </a:p>
@@ -1030,7 +1030,7 @@
           <a:p>
             <a:fld id="{3881C039-66A3-4640-815B-3B5A8B7D868D}" type="datetimeFigureOut">
               <a:rPr lang="en-US" smtClean="0"/>
-              <a:t>2/20/2024</a:t>
+              <a:t>2/28/2025</a:t>
             </a:fld>
             <a:endParaRPr lang="en-US"/>
           </a:p>
@@ -1228,7 +1228,7 @@
           <a:p>
             <a:fld id="{3881C039-66A3-4640-815B-3B5A8B7D868D}" type="datetimeFigureOut">
               <a:rPr lang="en-US" smtClean="0"/>
-              <a:t>2/20/2024</a:t>
+              <a:t>2/28/2025</a:t>
             </a:fld>
             <a:endParaRPr lang="en-US"/>
           </a:p>
@@ -1503,7 +1503,7 @@
           <a:p>
             <a:fld id="{3881C039-66A3-4640-815B-3B5A8B7D868D}" type="datetimeFigureOut">
               <a:rPr lang="en-US" smtClean="0"/>
-              <a:t>2/20/2024</a:t>
+              <a:t>2/28/2025</a:t>
             </a:fld>
             <a:endParaRPr lang="en-US"/>
           </a:p>
@@ -1768,7 +1768,7 @@
           <a:p>
             <a:fld id="{3881C039-66A3-4640-815B-3B5A8B7D868D}" type="datetimeFigureOut">
               <a:rPr lang="en-US" smtClean="0"/>
-              <a:t>2/20/2024</a:t>
+              <a:t>2/28/2025</a:t>
             </a:fld>
             <a:endParaRPr lang="en-US"/>
           </a:p>
@@ -2180,7 +2180,7 @@
           <a:p>
             <a:fld id="{3881C039-66A3-4640-815B-3B5A8B7D868D}" type="datetimeFigureOut">
               <a:rPr lang="en-US" smtClean="0"/>
-              <a:t>2/20/2024</a:t>
+              <a:t>2/28/2025</a:t>
             </a:fld>
             <a:endParaRPr lang="en-US"/>
           </a:p>
@@ -2321,7 +2321,7 @@
           <a:p>
             <a:fld id="{3881C039-66A3-4640-815B-3B5A8B7D868D}" type="datetimeFigureOut">
               <a:rPr lang="en-US" smtClean="0"/>
-              <a:t>2/20/2024</a:t>
+              <a:t>2/28/2025</a:t>
             </a:fld>
             <a:endParaRPr lang="en-US"/>
           </a:p>
@@ -2434,7 +2434,7 @@
           <a:p>
             <a:fld id="{3881C039-66A3-4640-815B-3B5A8B7D868D}" type="datetimeFigureOut">
               <a:rPr lang="en-US" smtClean="0"/>
-              <a:t>2/20/2024</a:t>
+              <a:t>2/28/2025</a:t>
             </a:fld>
             <a:endParaRPr lang="en-US"/>
           </a:p>
@@ -2745,7 +2745,7 @@
           <a:p>
             <a:fld id="{3881C039-66A3-4640-815B-3B5A8B7D868D}" type="datetimeFigureOut">
               <a:rPr lang="en-US" smtClean="0"/>
-              <a:t>2/20/2024</a:t>
+              <a:t>2/28/2025</a:t>
             </a:fld>
             <a:endParaRPr lang="en-US"/>
           </a:p>
@@ -3033,7 +3033,7 @@
           <a:p>
             <a:fld id="{3881C039-66A3-4640-815B-3B5A8B7D868D}" type="datetimeFigureOut">
               <a:rPr lang="en-US" smtClean="0"/>
-              <a:t>2/20/2024</a:t>
+              <a:t>2/28/2025</a:t>
             </a:fld>
             <a:endParaRPr lang="en-US"/>
           </a:p>
@@ -3277,7 +3277,7 @@
           <a:p>
             <a:fld id="{3881C039-66A3-4640-815B-3B5A8B7D868D}" type="datetimeFigureOut">
               <a:rPr lang="en-US" smtClean="0"/>
-              <a:t>2/20/2024</a:t>
+              <a:t>2/28/2025</a:t>
             </a:fld>
             <a:endParaRPr lang="en-US"/>
           </a:p>
@@ -10673,7 +10673,25 @@
                 </a:solidFill>
                 <a:latin typeface="Selawik Semibold" panose="020B0702040204020203" pitchFamily="34" charset="0"/>
               </a:rPr>
-              <a:t>Created Value of Replacement Player (VORP)</a:t>
+              <a:t>Created </a:t>
+            </a:r>
+            <a:r>
+              <a:rPr lang="en-US" sz="2000">
+                <a:solidFill>
+                  <a:schemeClr val="bg1"/>
+                </a:solidFill>
+                <a:latin typeface="Selawik Semibold" panose="020B0702040204020203" pitchFamily="34" charset="0"/>
+              </a:rPr>
+              <a:t>Value Over </a:t>
+            </a:r>
+            <a:r>
+              <a:rPr lang="en-US" sz="2000" dirty="0">
+                <a:solidFill>
+                  <a:schemeClr val="bg1"/>
+                </a:solidFill>
+                <a:latin typeface="Selawik Semibold" panose="020B0702040204020203" pitchFamily="34" charset="0"/>
+              </a:rPr>
+              <a:t>Replacement Player (VORP)</a:t>
             </a:r>
           </a:p>
           <a:p>

--- a/Slides/Baseball 6/Baseball_6_Lecture.pptx
+++ b/Slides/Baseball 6/Baseball_6_Lecture.pptx
@@ -210,7 +210,7 @@
           <a:p>
             <a:fld id="{C04E5E84-956F-4423-97B3-5936A6D8EEEE}" type="datetimeFigureOut">
               <a:rPr lang="en-US" smtClean="0"/>
-              <a:t>2/28/2025</a:t>
+              <a:t>2/20/2026</a:t>
             </a:fld>
             <a:endParaRPr lang="en-US"/>
           </a:p>
@@ -624,7 +624,7 @@
           <a:p>
             <a:fld id="{3881C039-66A3-4640-815B-3B5A8B7D868D}" type="datetimeFigureOut">
               <a:rPr lang="en-US" smtClean="0"/>
-              <a:t>2/28/2025</a:t>
+              <a:t>2/20/2026</a:t>
             </a:fld>
             <a:endParaRPr lang="en-US"/>
           </a:p>
@@ -822,7 +822,7 @@
           <a:p>
             <a:fld id="{3881C039-66A3-4640-815B-3B5A8B7D868D}" type="datetimeFigureOut">
               <a:rPr lang="en-US" smtClean="0"/>
-              <a:t>2/28/2025</a:t>
+              <a:t>2/20/2026</a:t>
             </a:fld>
             <a:endParaRPr lang="en-US"/>
           </a:p>
@@ -1030,7 +1030,7 @@
           <a:p>
             <a:fld id="{3881C039-66A3-4640-815B-3B5A8B7D868D}" type="datetimeFigureOut">
               <a:rPr lang="en-US" smtClean="0"/>
-              <a:t>2/28/2025</a:t>
+              <a:t>2/20/2026</a:t>
             </a:fld>
             <a:endParaRPr lang="en-US"/>
           </a:p>
@@ -1228,7 +1228,7 @@
           <a:p>
             <a:fld id="{3881C039-66A3-4640-815B-3B5A8B7D868D}" type="datetimeFigureOut">
               <a:rPr lang="en-US" smtClean="0"/>
-              <a:t>2/28/2025</a:t>
+              <a:t>2/20/2026</a:t>
             </a:fld>
             <a:endParaRPr lang="en-US"/>
           </a:p>
@@ -1503,7 +1503,7 @@
           <a:p>
             <a:fld id="{3881C039-66A3-4640-815B-3B5A8B7D868D}" type="datetimeFigureOut">
               <a:rPr lang="en-US" smtClean="0"/>
-              <a:t>2/28/2025</a:t>
+              <a:t>2/20/2026</a:t>
             </a:fld>
             <a:endParaRPr lang="en-US"/>
           </a:p>
@@ -1768,7 +1768,7 @@
           <a:p>
             <a:fld id="{3881C039-66A3-4640-815B-3B5A8B7D868D}" type="datetimeFigureOut">
               <a:rPr lang="en-US" smtClean="0"/>
-              <a:t>2/28/2025</a:t>
+              <a:t>2/20/2026</a:t>
             </a:fld>
             <a:endParaRPr lang="en-US"/>
           </a:p>
@@ -2180,7 +2180,7 @@
           <a:p>
             <a:fld id="{3881C039-66A3-4640-815B-3B5A8B7D868D}" type="datetimeFigureOut">
               <a:rPr lang="en-US" smtClean="0"/>
-              <a:t>2/28/2025</a:t>
+              <a:t>2/20/2026</a:t>
             </a:fld>
             <a:endParaRPr lang="en-US"/>
           </a:p>
@@ -2321,7 +2321,7 @@
           <a:p>
             <a:fld id="{3881C039-66A3-4640-815B-3B5A8B7D868D}" type="datetimeFigureOut">
               <a:rPr lang="en-US" smtClean="0"/>
-              <a:t>2/28/2025</a:t>
+              <a:t>2/20/2026</a:t>
             </a:fld>
             <a:endParaRPr lang="en-US"/>
           </a:p>
@@ -2434,7 +2434,7 @@
           <a:p>
             <a:fld id="{3881C039-66A3-4640-815B-3B5A8B7D868D}" type="datetimeFigureOut">
               <a:rPr lang="en-US" smtClean="0"/>
-              <a:t>2/28/2025</a:t>
+              <a:t>2/20/2026</a:t>
             </a:fld>
             <a:endParaRPr lang="en-US"/>
           </a:p>
@@ -2745,7 +2745,7 @@
           <a:p>
             <a:fld id="{3881C039-66A3-4640-815B-3B5A8B7D868D}" type="datetimeFigureOut">
               <a:rPr lang="en-US" smtClean="0"/>
-              <a:t>2/28/2025</a:t>
+              <a:t>2/20/2026</a:t>
             </a:fld>
             <a:endParaRPr lang="en-US"/>
           </a:p>
@@ -3033,7 +3033,7 @@
           <a:p>
             <a:fld id="{3881C039-66A3-4640-815B-3B5A8B7D868D}" type="datetimeFigureOut">
               <a:rPr lang="en-US" smtClean="0"/>
-              <a:t>2/28/2025</a:t>
+              <a:t>2/20/2026</a:t>
             </a:fld>
             <a:endParaRPr lang="en-US"/>
           </a:p>
@@ -3277,7 +3277,7 @@
           <a:p>
             <a:fld id="{3881C039-66A3-4640-815B-3B5A8B7D868D}" type="datetimeFigureOut">
               <a:rPr lang="en-US" smtClean="0"/>
-              <a:t>2/28/2025</a:t>
+              <a:t>2/20/2026</a:t>
             </a:fld>
             <a:endParaRPr lang="en-US"/>
           </a:p>
@@ -7896,7 +7896,7 @@
       </p:sp>
       <p:pic>
         <p:nvPicPr>
-          <p:cNvPr id="3" name="Picture 2">
+          <p:cNvPr id="3" name="Picture 2" descr="Table displaying rating categories alongside corresponding WPA values, ranging from +6.0 for Excellent to -3.0 for Awful. The table highlights a scale of performance metrics with positive values indicating better ratings and negative values indicating worse ratings.">
             <a:extLst>
               <a:ext uri="{FF2B5EF4-FFF2-40B4-BE49-F238E27FC236}">
                 <a16:creationId xmlns:a16="http://schemas.microsoft.com/office/drawing/2014/main" id="{C08903AB-2B25-853E-EC28-A2AF6E209905}"/>
@@ -8519,7 +8519,7 @@
       </p:sp>
       <p:pic>
         <p:nvPicPr>
-          <p:cNvPr id="3" name="Picture 2">
+          <p:cNvPr id="3" name="Picture 2" descr="Table listing top 10 baseball players ranked by Wins Above Replacement (WPA), including player names, teams, and WPA values. Christian Yelich from Brewers leads with a WPA of 7.34, followed by Cody Bellinger from Dodgers at 5.41, highlighting key contributors across various MLB teams.">
             <a:extLst>
               <a:ext uri="{FF2B5EF4-FFF2-40B4-BE49-F238E27FC236}">
                 <a16:creationId xmlns:a16="http://schemas.microsoft.com/office/drawing/2014/main" id="{4CCE90DB-4B4C-2D62-401B-48EA02358044}"/>
@@ -8598,14 +8598,14 @@
                 </a:solidFill>
                 <a:latin typeface="Selawik Semibold" panose="020B0702040204020203" pitchFamily="34" charset="0"/>
               </a:rPr>
-              <a:t>Can Be Interpreted in Games Added</a:t>
+              <a:t>Can Be Interpreted in Wins Added</a:t>
             </a:r>
           </a:p>
         </p:txBody>
       </p:sp>
       <p:pic>
         <p:nvPicPr>
-          <p:cNvPr id="7" name="Picture 6">
+          <p:cNvPr id="7" name="Picture 6" descr="Table listing top 10 baseball pitchers ranked by Wins Probability Added (WPA), including player names, teams, and WPA values. Justin Verlander from Astros leads with 5.19 WPA, followed by Hyun-Jin Ryu of Dodgers at 4.33, highlighting key contributors to team success.&#10;&#10;AI-generated content may be incorrect.">
             <a:extLst>
               <a:ext uri="{FF2B5EF4-FFF2-40B4-BE49-F238E27FC236}">
                 <a16:creationId xmlns:a16="http://schemas.microsoft.com/office/drawing/2014/main" id="{4772F8A7-CE3D-F038-DD3B-943C06679BA6}"/>
@@ -9881,13 +9881,13 @@
               <a:buChar char="•"/>
             </a:pPr>
             <a:r>
-              <a:rPr lang="en-US" dirty="0">
-                <a:solidFill>
-                  <a:schemeClr val="bg1"/>
-                </a:solidFill>
-                <a:latin typeface="Selawik Semibold" panose="020B0702040204020203" pitchFamily="34" charset="0"/>
-              </a:rPr>
-              <a:t>Rarely Caught Stealing and Stealing Often</a:t>
+              <a:rPr lang="en-US">
+                <a:solidFill>
+                  <a:schemeClr val="bg1"/>
+                </a:solidFill>
+                <a:latin typeface="Selawik Semibold" panose="020B0702040204020203" pitchFamily="34" charset="0"/>
+              </a:rPr>
+              <a:t>Able to Take Extra Bases</a:t>
             </a:r>
           </a:p>
           <a:p>
@@ -9902,7 +9902,7 @@
                 </a:solidFill>
                 <a:latin typeface="Selawik Semibold" panose="020B0702040204020203" pitchFamily="34" charset="0"/>
               </a:rPr>
-              <a:t>Rarely Caught in Double Plays</a:t>
+              <a:t>Rarely Caught Stealing and Stealing Often</a:t>
             </a:r>
           </a:p>
           <a:p>
@@ -9917,7 +9917,7 @@
                 </a:solidFill>
                 <a:latin typeface="Selawik Semibold" panose="020B0702040204020203" pitchFamily="34" charset="0"/>
               </a:rPr>
-              <a:t>Able to Take Extra Bases</a:t>
+              <a:t>Rarely Caught in Double Plays</a:t>
             </a:r>
           </a:p>
           <a:p>
